--- a/Presentation/lesson-13-wcf.pptx
+++ b/Presentation/lesson-13-wcf.pptx
@@ -10,7 +10,7 @@
   <p:sldIdLst>
     <p:sldId id="256" r:id="rId2"/>
     <p:sldId id="261" r:id="rId3"/>
-    <p:sldId id="257" r:id="rId4"/>
+    <p:sldId id="279" r:id="rId4"/>
     <p:sldId id="258" r:id="rId5"/>
     <p:sldId id="259" r:id="rId6"/>
     <p:sldId id="262" r:id="rId7"/>
@@ -214,7 +214,7 @@
           <a:p>
             <a:fld id="{B24A7054-7FFB-49F4-A126-5DF6E687FF53}" type="datetimeFigureOut">
               <a:rPr lang="ru-RU" smtClean="0"/>
-              <a:t>06.11.2012</a:t>
+              <a:t>27.03.2013</a:t>
             </a:fld>
             <a:endParaRPr lang="ru-RU"/>
           </a:p>
@@ -1277,7 +1277,7 @@
           <a:p>
             <a:fld id="{8E6E6A2A-E9D3-4A0D-B04A-ABDD367A1E08}" type="datetimeFigureOut">
               <a:rPr lang="ru-RU" smtClean="0"/>
-              <a:t>06.11.2012</a:t>
+              <a:t>27.03.2013</a:t>
             </a:fld>
             <a:endParaRPr lang="ru-RU"/>
           </a:p>
@@ -2725,7 +2725,7 @@
           <a:p>
             <a:fld id="{AC3D3127-B7C4-45E3-9797-C527EC9FDD78}" type="datetimeFigureOut">
               <a:rPr lang="ru-RU" smtClean="0"/>
-              <a:t>06.11.2012</a:t>
+              <a:t>27.03.2013</a:t>
             </a:fld>
             <a:endParaRPr lang="ru-RU"/>
           </a:p>
@@ -8035,111 +8035,162 @@
       </p:grpSpPr>
       <p:sp>
         <p:nvSpPr>
-          <p:cNvPr id="3" name="Rectangle 2"/>
-          <p:cNvSpPr/>
-          <p:nvPr/>
+          <p:cNvPr id="2" name="Title 1"/>
+          <p:cNvSpPr>
+            <a:spLocks noGrp="1"/>
+          </p:cNvSpPr>
+          <p:nvPr>
+            <p:ph type="title"/>
+          </p:nvPr>
         </p:nvSpPr>
-        <p:spPr>
-          <a:xfrm>
-            <a:off x="251520" y="2397949"/>
-            <a:ext cx="8640960" cy="2062103"/>
-          </a:xfrm>
-          <a:prstGeom prst="rect">
-            <a:avLst/>
-          </a:prstGeom>
-        </p:spPr>
+        <p:spPr/>
         <p:txBody>
-          <a:bodyPr wrap="square">
-            <a:spAutoFit/>
-          </a:bodyPr>
+          <a:bodyPr/>
           <a:lstStyle/>
           <a:p>
-            <a:pPr lvl="0" algn="ctr"/>
-            <a:r>
-              <a:rPr lang="en-US" sz="3200" dirty="0">
+            <a:r>
+              <a:rPr lang="ru-RU" dirty="0">
                 <a:solidFill>
                   <a:schemeClr val="bg1"/>
                 </a:solidFill>
-                <a:hlinkClick r:id="rId2"/>
-              </a:rPr>
-              <a:t>https://</a:t>
-            </a:r>
-            <a:r>
-              <a:rPr lang="en-US" sz="3200" dirty="0" smtClean="0">
-                <a:solidFill>
-                  <a:schemeClr val="bg1"/>
-                </a:solidFill>
-                <a:hlinkClick r:id="rId2"/>
-              </a:rPr>
-              <a:t>github.com/bazile/Training</a:t>
-            </a:r>
-            <a:endParaRPr lang="en-US" sz="3200" dirty="0" smtClean="0">
+              </a:rPr>
+              <a:t>Материалы для обучения</a:t>
+            </a:r>
+            <a:endParaRPr lang="en-US" dirty="0">
               <a:solidFill>
                 <a:schemeClr val="bg1"/>
               </a:solidFill>
             </a:endParaRPr>
           </a:p>
-          <a:p>
-            <a:pPr lvl="0" algn="ctr"/>
-            <a:endParaRPr lang="en-US" sz="3200" dirty="0">
+        </p:txBody>
+      </p:sp>
+      <p:sp>
+        <p:nvSpPr>
+          <p:cNvPr id="3" name="Content Placeholder 2"/>
+          <p:cNvSpPr>
+            <a:spLocks noGrp="1"/>
+          </p:cNvSpPr>
+          <p:nvPr>
+            <p:ph idx="1"/>
+          </p:nvPr>
+        </p:nvSpPr>
+        <p:spPr/>
+        <p:txBody>
+          <a:bodyPr/>
+          <a:lstStyle/>
+          <a:p>
+            <a:r>
+              <a:rPr lang="en-US" dirty="0">
+                <a:solidFill>
+                  <a:schemeClr val="bg1"/>
+                </a:solidFill>
+                <a:hlinkClick r:id="rId2"/>
+              </a:rPr>
+              <a:t>https://</a:t>
+            </a:r>
+            <a:r>
+              <a:rPr lang="en-US" dirty="0" smtClean="0">
+                <a:solidFill>
+                  <a:schemeClr val="bg1"/>
+                </a:solidFill>
+                <a:hlinkClick r:id="rId2"/>
+              </a:rPr>
+              <a:t>github.com/bazile/Training</a:t>
+            </a:r>
+            <a:r>
+              <a:rPr lang="en-US" dirty="0" smtClean="0">
+                <a:solidFill>
+                  <a:schemeClr val="bg1"/>
+                </a:solidFill>
+              </a:rPr>
+              <a:t/>
+            </a:r>
+            <a:br>
+              <a:rPr lang="en-US" dirty="0" smtClean="0">
+                <a:solidFill>
+                  <a:schemeClr val="bg1"/>
+                </a:solidFill>
+              </a:rPr>
+            </a:br>
+            <a:r>
+              <a:rPr lang="ru-RU" dirty="0" smtClean="0">
+                <a:solidFill>
+                  <a:schemeClr val="bg1"/>
+                </a:solidFill>
+              </a:rPr>
+              <a:t>Презентации и примеры кода используемые во время занятия</a:t>
+            </a:r>
+          </a:p>
+          <a:p>
+            <a:endParaRPr lang="ru-RU" dirty="0" smtClean="0">
               <a:solidFill>
                 <a:schemeClr val="bg1"/>
               </a:solidFill>
             </a:endParaRPr>
           </a:p>
           <a:p>
-            <a:pPr lvl="0" algn="ctr"/>
-            <a:endParaRPr lang="en-US" sz="3200" dirty="0" smtClean="0">
+            <a:r>
+              <a:rPr lang="en-US" dirty="0">
+                <a:solidFill>
+                  <a:schemeClr val="bg1"/>
+                </a:solidFill>
+                <a:hlinkClick r:id="rId3"/>
+              </a:rPr>
+              <a:t>http://belhard.nullptr.ru</a:t>
+            </a:r>
+            <a:r>
+              <a:rPr lang="en-US" dirty="0" smtClean="0">
+                <a:solidFill>
+                  <a:schemeClr val="bg1"/>
+                </a:solidFill>
+                <a:hlinkClick r:id="rId3"/>
+              </a:rPr>
+              <a:t>/</a:t>
+            </a:r>
+            <a:r>
+              <a:rPr lang="ru-RU" dirty="0" smtClean="0">
+                <a:solidFill>
+                  <a:schemeClr val="bg1"/>
+                </a:solidFill>
+              </a:rPr>
+              <a:t/>
+            </a:r>
+            <a:br>
+              <a:rPr lang="ru-RU" dirty="0" smtClean="0">
+                <a:solidFill>
+                  <a:schemeClr val="bg1"/>
+                </a:solidFill>
+              </a:rPr>
+            </a:br>
+            <a:r>
+              <a:rPr lang="ru-RU" dirty="0" smtClean="0">
+                <a:solidFill>
+                  <a:schemeClr val="bg1"/>
+                </a:solidFill>
+              </a:rPr>
+              <a:t>Книги, примеры к ним и другие полезные файлы.</a:t>
+            </a:r>
+            <a:endParaRPr lang="ru-RU" dirty="0">
               <a:solidFill>
                 <a:schemeClr val="bg1"/>
               </a:solidFill>
             </a:endParaRPr>
           </a:p>
           <a:p>
-            <a:pPr lvl="0" algn="ctr"/>
-            <a:r>
-              <a:rPr lang="en-US" sz="3200" dirty="0">
-                <a:solidFill>
-                  <a:schemeClr val="bg1"/>
-                </a:solidFill>
-                <a:hlinkClick r:id="rId3"/>
-              </a:rPr>
-              <a:t>http://belhard.nullptr.ru</a:t>
-            </a:r>
-            <a:r>
-              <a:rPr lang="en-US" sz="3200" dirty="0" smtClean="0">
-                <a:solidFill>
-                  <a:schemeClr val="bg1"/>
-                </a:solidFill>
-                <a:hlinkClick r:id="rId3"/>
-              </a:rPr>
-              <a:t>/</a:t>
-            </a:r>
-            <a:endParaRPr lang="en-US" sz="3200" dirty="0" smtClean="0">
-              <a:solidFill>
-                <a:schemeClr val="bg1"/>
-              </a:solidFill>
-            </a:endParaRPr>
+            <a:endParaRPr lang="en-US" dirty="0"/>
           </a:p>
         </p:txBody>
       </p:sp>
     </p:spTree>
     <p:extLst>
       <p:ext uri="{BB962C8B-B14F-4D97-AF65-F5344CB8AC3E}">
-        <p14:creationId xmlns:p14="http://schemas.microsoft.com/office/powerpoint/2010/main" val="2227174016"/>
+        <p14:creationId xmlns:p14="http://schemas.microsoft.com/office/powerpoint/2010/main" val="4227347621"/>
       </p:ext>
     </p:extLst>
   </p:cSld>
   <p:clrMapOvr>
     <a:masterClrMapping/>
   </p:clrMapOvr>
-  <p:timing>
-    <p:tnLst>
-      <p:par>
-        <p:cTn id="1" dur="indefinite" restart="never" nodeType="tmRoot"/>
-      </p:par>
-    </p:tnLst>
-  </p:timing>
 </p:sld>
 </file>
 

--- a/Presentation/lesson-13-wcf.pptx
+++ b/Presentation/lesson-13-wcf.pptx
@@ -214,7 +214,7 @@
           <a:p>
             <a:fld id="{B24A7054-7FFB-49F4-A126-5DF6E687FF53}" type="datetimeFigureOut">
               <a:rPr lang="ru-RU" smtClean="0"/>
-              <a:t>27.03.2013</a:t>
+              <a:t>02.04.2013</a:t>
             </a:fld>
             <a:endParaRPr lang="ru-RU"/>
           </a:p>
@@ -1277,7 +1277,7 @@
           <a:p>
             <a:fld id="{8E6E6A2A-E9D3-4A0D-B04A-ABDD367A1E08}" type="datetimeFigureOut">
               <a:rPr lang="ru-RU" smtClean="0"/>
-              <a:t>27.03.2013</a:t>
+              <a:t>02.04.2013</a:t>
             </a:fld>
             <a:endParaRPr lang="ru-RU"/>
           </a:p>
@@ -2725,7 +2725,7 @@
           <a:p>
             <a:fld id="{AC3D3127-B7C4-45E3-9797-C527EC9FDD78}" type="datetimeFigureOut">
               <a:rPr lang="ru-RU" smtClean="0"/>
-              <a:t>27.03.2013</a:t>
+              <a:t>02.04.2013</a:t>
             </a:fld>
             <a:endParaRPr lang="ru-RU"/>
           </a:p>
@@ -5381,7 +5381,7 @@
               <a:t>OperationContract</a:t>
             </a:r>
             <a:r>
-              <a:rPr lang="en-US" dirty="0"/>
+              <a:rPr lang="en-US" dirty="0" smtClean="0"/>
               <a:t>]</a:t>
             </a:r>
           </a:p>
@@ -5473,7 +5473,7 @@
         <p:spPr>
           <a:xfrm>
             <a:off x="251520" y="980728"/>
-            <a:ext cx="8712968" cy="3785652"/>
+            <a:ext cx="8712968" cy="4278094"/>
           </a:xfrm>
           <a:prstGeom prst="rect">
             <a:avLst/>
@@ -5487,7 +5487,55 @@
           <a:lstStyle/>
           <a:p>
             <a:r>
-              <a:rPr lang="en-US" sz="1600" dirty="0">
+              <a:rPr lang="en-US" sz="1600" dirty="0" smtClean="0">
+                <a:solidFill>
+                  <a:srgbClr val="000000"/>
+                </a:solidFill>
+                <a:latin typeface="Courier New" pitchFamily="49" charset="0"/>
+                <a:cs typeface="Courier New" pitchFamily="49" charset="0"/>
+              </a:rPr>
+              <a:t>// </a:t>
+            </a:r>
+            <a:r>
+              <a:rPr lang="ru-RU" sz="1600" dirty="0" smtClean="0">
+                <a:solidFill>
+                  <a:srgbClr val="000000"/>
+                </a:solidFill>
+                <a:latin typeface="Courier New" pitchFamily="49" charset="0"/>
+                <a:cs typeface="Courier New" pitchFamily="49" charset="0"/>
+              </a:rPr>
+              <a:t>Не забудьте добавить ссылку на сборку </a:t>
+            </a:r>
+            <a:r>
+              <a:rPr lang="en-US" sz="1600" dirty="0" err="1">
+                <a:solidFill>
+                  <a:srgbClr val="000000"/>
+                </a:solidFill>
+                <a:latin typeface="Courier New" pitchFamily="49" charset="0"/>
+                <a:cs typeface="Courier New" pitchFamily="49" charset="0"/>
+              </a:rPr>
+              <a:t>System.ServiceModel</a:t>
+            </a:r>
+            <a:endParaRPr lang="en-US" sz="1600" dirty="0" smtClean="0">
+              <a:solidFill>
+                <a:srgbClr val="000000"/>
+              </a:solidFill>
+              <a:latin typeface="Courier New" pitchFamily="49" charset="0"/>
+              <a:cs typeface="Courier New" pitchFamily="49" charset="0"/>
+            </a:endParaRPr>
+          </a:p>
+          <a:p>
+            <a:endParaRPr lang="en-US" sz="1600" dirty="0">
+              <a:solidFill>
+                <a:srgbClr val="000000"/>
+              </a:solidFill>
+              <a:latin typeface="Courier New" pitchFamily="49" charset="0"/>
+              <a:cs typeface="Courier New" pitchFamily="49" charset="0"/>
+            </a:endParaRPr>
+          </a:p>
+          <a:p>
+            <a:r>
+              <a:rPr lang="en-US" sz="1600" dirty="0" smtClean="0">
                 <a:solidFill>
                   <a:srgbClr val="000000"/>
                 </a:solidFill>
@@ -6240,26 +6288,56 @@
           <a:lstStyle/>
           <a:p>
             <a:r>
-              <a:rPr lang="en-US" sz="1600" dirty="0">
-                <a:solidFill>
-                  <a:srgbClr val="000000"/>
-                </a:solidFill>
-                <a:latin typeface="Courier New" pitchFamily="49" charset="0"/>
-                <a:cs typeface="Courier New" pitchFamily="49" charset="0"/>
-              </a:rPr>
-              <a:t>namespace </a:t>
-            </a:r>
-            <a:r>
-              <a:rPr lang="en-US" sz="1600" dirty="0" err="1">
-                <a:solidFill>
-                  <a:srgbClr val="000000"/>
-                </a:solidFill>
-                <a:latin typeface="Courier New" pitchFamily="49" charset="0"/>
-                <a:cs typeface="Courier New" pitchFamily="49" charset="0"/>
-              </a:rPr>
-              <a:t>QuickReturns.StockTrading.ExchangeService.DataContracts</a:t>
-            </a:r>
-            <a:endParaRPr lang="en-US" sz="1600" dirty="0">
+              <a:rPr lang="en-US" sz="1400" dirty="0">
+                <a:solidFill>
+                  <a:srgbClr val="000000"/>
+                </a:solidFill>
+                <a:latin typeface="Courier New" pitchFamily="49" charset="0"/>
+                <a:cs typeface="Courier New" pitchFamily="49" charset="0"/>
+              </a:rPr>
+              <a:t>// </a:t>
+            </a:r>
+            <a:r>
+              <a:rPr lang="ru-RU" sz="1400" dirty="0">
+                <a:solidFill>
+                  <a:srgbClr val="000000"/>
+                </a:solidFill>
+                <a:latin typeface="Courier New" pitchFamily="49" charset="0"/>
+                <a:cs typeface="Courier New" pitchFamily="49" charset="0"/>
+              </a:rPr>
+              <a:t>Не забудьте добавить ссылку на </a:t>
+            </a:r>
+            <a:r>
+              <a:rPr lang="ru-RU" sz="1400" dirty="0" smtClean="0">
+                <a:solidFill>
+                  <a:srgbClr val="000000"/>
+                </a:solidFill>
+                <a:latin typeface="Courier New" pitchFamily="49" charset="0"/>
+                <a:cs typeface="Courier New" pitchFamily="49" charset="0"/>
+              </a:rPr>
+              <a:t>сборку</a:t>
+            </a:r>
+            <a:r>
+              <a:rPr lang="en-US" sz="1400" dirty="0">
+                <a:solidFill>
+                  <a:srgbClr val="000000"/>
+                </a:solidFill>
+                <a:latin typeface="Courier New" pitchFamily="49" charset="0"/>
+                <a:cs typeface="Courier New" pitchFamily="49" charset="0"/>
+              </a:rPr>
+              <a:t> </a:t>
+            </a:r>
+            <a:r>
+              <a:rPr lang="en-US" sz="1400" dirty="0" err="1">
+                <a:solidFill>
+                  <a:srgbClr val="000000"/>
+                </a:solidFill>
+                <a:latin typeface="Courier New" pitchFamily="49" charset="0"/>
+                <a:cs typeface="Courier New" pitchFamily="49" charset="0"/>
+              </a:rPr>
+              <a:t>System.Runtime.Serialization</a:t>
+            </a:r>
+            <a:endParaRPr lang="ru-RU" sz="1400" dirty="0" smtClean="0">
               <a:solidFill>
                 <a:srgbClr val="000000"/>
               </a:solidFill>
@@ -6269,132 +6347,36 @@
           </a:p>
           <a:p>
             <a:r>
-              <a:rPr lang="en-US" sz="1600" dirty="0">
-                <a:solidFill>
-                  <a:srgbClr val="000000"/>
-                </a:solidFill>
-                <a:latin typeface="Courier New" pitchFamily="49" charset="0"/>
-                <a:cs typeface="Courier New" pitchFamily="49" charset="0"/>
-              </a:rPr>
-              <a:t>{</a:t>
-            </a:r>
-          </a:p>
-          <a:p>
-            <a:r>
-              <a:rPr lang="ru-RU" sz="1600" dirty="0" smtClean="0">
-                <a:solidFill>
-                  <a:srgbClr val="000000"/>
-                </a:solidFill>
-                <a:latin typeface="Courier New" pitchFamily="49" charset="0"/>
-                <a:cs typeface="Courier New" pitchFamily="49" charset="0"/>
-              </a:rPr>
-              <a:t>    </a:t>
-            </a:r>
-            <a:r>
-              <a:rPr lang="en-US" sz="1600" dirty="0" smtClean="0">
-                <a:solidFill>
-                  <a:srgbClr val="000000"/>
-                </a:solidFill>
-                <a:latin typeface="Courier New" pitchFamily="49" charset="0"/>
-                <a:cs typeface="Courier New" pitchFamily="49" charset="0"/>
-              </a:rPr>
-              <a:t>[</a:t>
-            </a:r>
-            <a:r>
-              <a:rPr lang="en-US" sz="1600" dirty="0" err="1" smtClean="0">
-                <a:solidFill>
-                  <a:srgbClr val="000000"/>
-                </a:solidFill>
-                <a:latin typeface="Courier New" pitchFamily="49" charset="0"/>
-                <a:cs typeface="Courier New" pitchFamily="49" charset="0"/>
-              </a:rPr>
-              <a:t>DataContract</a:t>
-            </a:r>
-            <a:r>
-              <a:rPr lang="en-US" sz="1600" dirty="0" smtClean="0">
-                <a:solidFill>
-                  <a:srgbClr val="000000"/>
-                </a:solidFill>
-                <a:latin typeface="Courier New" pitchFamily="49" charset="0"/>
-                <a:cs typeface="Courier New" pitchFamily="49" charset="0"/>
-              </a:rPr>
-              <a:t>(Namespace</a:t>
-            </a:r>
-            <a:r>
-              <a:rPr lang="en-US" sz="1600" dirty="0">
-                <a:solidFill>
-                  <a:srgbClr val="000000"/>
-                </a:solidFill>
-                <a:latin typeface="Courier New" pitchFamily="49" charset="0"/>
-                <a:cs typeface="Courier New" pitchFamily="49" charset="0"/>
-              </a:rPr>
-              <a:t>=" http://QuickReturns")]</a:t>
-            </a:r>
-          </a:p>
-          <a:p>
-            <a:r>
-              <a:rPr lang="ru-RU" sz="1600" dirty="0">
-                <a:solidFill>
-                  <a:srgbClr val="000000"/>
-                </a:solidFill>
-                <a:latin typeface="Courier New" pitchFamily="49" charset="0"/>
-                <a:cs typeface="Courier New" pitchFamily="49" charset="0"/>
-              </a:rPr>
-              <a:t> </a:t>
-            </a:r>
-            <a:r>
-              <a:rPr lang="ru-RU" sz="1600" dirty="0" smtClean="0">
-                <a:solidFill>
-                  <a:srgbClr val="000000"/>
-                </a:solidFill>
-                <a:latin typeface="Courier New" pitchFamily="49" charset="0"/>
-                <a:cs typeface="Courier New" pitchFamily="49" charset="0"/>
-              </a:rPr>
-              <a:t>   </a:t>
-            </a:r>
-            <a:r>
-              <a:rPr lang="en-US" sz="1600" dirty="0" smtClean="0">
-                <a:solidFill>
-                  <a:srgbClr val="000000"/>
-                </a:solidFill>
-                <a:latin typeface="Courier New" pitchFamily="49" charset="0"/>
-                <a:cs typeface="Courier New" pitchFamily="49" charset="0"/>
-              </a:rPr>
-              <a:t>public </a:t>
-            </a:r>
-            <a:r>
-              <a:rPr lang="en-US" sz="1600" dirty="0">
-                <a:solidFill>
-                  <a:srgbClr val="000000"/>
-                </a:solidFill>
-                <a:latin typeface="Courier New" pitchFamily="49" charset="0"/>
-                <a:cs typeface="Courier New" pitchFamily="49" charset="0"/>
-              </a:rPr>
-              <a:t>class Quote</a:t>
-            </a:r>
-          </a:p>
-          <a:p>
-            <a:r>
-              <a:rPr lang="ru-RU" sz="1600" dirty="0" smtClean="0">
-                <a:solidFill>
-                  <a:srgbClr val="000000"/>
-                </a:solidFill>
-                <a:latin typeface="Courier New" pitchFamily="49" charset="0"/>
-                <a:cs typeface="Courier New" pitchFamily="49" charset="0"/>
-              </a:rPr>
-              <a:t>    </a:t>
-            </a:r>
-            <a:r>
-              <a:rPr lang="en-US" sz="1600" dirty="0" smtClean="0">
-                <a:solidFill>
-                  <a:srgbClr val="000000"/>
-                </a:solidFill>
-                <a:latin typeface="Courier New" pitchFamily="49" charset="0"/>
-                <a:cs typeface="Courier New" pitchFamily="49" charset="0"/>
-              </a:rPr>
-              <a:t>{</a:t>
-            </a:r>
-            <a:endParaRPr lang="en-US" sz="1600" dirty="0">
+              <a:rPr lang="en-US" sz="1400" dirty="0">
+                <a:solidFill>
+                  <a:srgbClr val="000000"/>
+                </a:solidFill>
+                <a:latin typeface="Courier New" pitchFamily="49" charset="0"/>
+                <a:cs typeface="Courier New" pitchFamily="49" charset="0"/>
+              </a:rPr>
+              <a:t>using </a:t>
+            </a:r>
+            <a:r>
+              <a:rPr lang="en-US" sz="1400" dirty="0" err="1" smtClean="0">
+                <a:solidFill>
+                  <a:srgbClr val="000000"/>
+                </a:solidFill>
+                <a:latin typeface="Courier New" pitchFamily="49" charset="0"/>
+                <a:cs typeface="Courier New" pitchFamily="49" charset="0"/>
+              </a:rPr>
+              <a:t>System.Runtime.Serialization</a:t>
+            </a:r>
+            <a:r>
+              <a:rPr lang="en-US" sz="1400" dirty="0" smtClean="0">
+                <a:solidFill>
+                  <a:srgbClr val="000000"/>
+                </a:solidFill>
+                <a:latin typeface="Courier New" pitchFamily="49" charset="0"/>
+                <a:cs typeface="Courier New" pitchFamily="49" charset="0"/>
+              </a:rPr>
+              <a:t>;</a:t>
+            </a:r>
+            <a:endParaRPr lang="ru-RU" sz="1400" dirty="0">
               <a:solidFill>
                 <a:srgbClr val="000000"/>
               </a:solidFill>
@@ -6403,89 +6385,7 @@
             </a:endParaRPr>
           </a:p>
           <a:p>
-            <a:r>
-              <a:rPr lang="ru-RU" sz="1600" dirty="0" smtClean="0">
-                <a:solidFill>
-                  <a:srgbClr val="000000"/>
-                </a:solidFill>
-                <a:latin typeface="Courier New" pitchFamily="49" charset="0"/>
-                <a:cs typeface="Courier New" pitchFamily="49" charset="0"/>
-              </a:rPr>
-              <a:t>        </a:t>
-            </a:r>
-            <a:r>
-              <a:rPr lang="en-US" sz="1600" dirty="0" smtClean="0">
-                <a:solidFill>
-                  <a:srgbClr val="000000"/>
-                </a:solidFill>
-                <a:latin typeface="Courier New" pitchFamily="49" charset="0"/>
-                <a:cs typeface="Courier New" pitchFamily="49" charset="0"/>
-              </a:rPr>
-              <a:t>[</a:t>
-            </a:r>
-            <a:r>
-              <a:rPr lang="en-US" sz="1600" dirty="0" err="1">
-                <a:solidFill>
-                  <a:srgbClr val="000000"/>
-                </a:solidFill>
-                <a:latin typeface="Courier New" pitchFamily="49" charset="0"/>
-                <a:cs typeface="Courier New" pitchFamily="49" charset="0"/>
-              </a:rPr>
-              <a:t>DataMember</a:t>
-            </a:r>
-            <a:r>
-              <a:rPr lang="en-US" sz="1600" dirty="0">
-                <a:solidFill>
-                  <a:srgbClr val="000000"/>
-                </a:solidFill>
-                <a:latin typeface="Courier New" pitchFamily="49" charset="0"/>
-                <a:cs typeface="Courier New" pitchFamily="49" charset="0"/>
-              </a:rPr>
-              <a:t>(Name="Ticker")]</a:t>
-            </a:r>
-          </a:p>
-          <a:p>
-            <a:r>
-              <a:rPr lang="ru-RU" sz="1600" dirty="0" smtClean="0">
-                <a:solidFill>
-                  <a:srgbClr val="000000"/>
-                </a:solidFill>
-                <a:latin typeface="Courier New" pitchFamily="49" charset="0"/>
-                <a:cs typeface="Courier New" pitchFamily="49" charset="0"/>
-              </a:rPr>
-              <a:t>        </a:t>
-            </a:r>
-            <a:r>
-              <a:rPr lang="en-US" sz="1600" dirty="0" smtClean="0">
-                <a:solidFill>
-                  <a:srgbClr val="000000"/>
-                </a:solidFill>
-                <a:latin typeface="Courier New" pitchFamily="49" charset="0"/>
-                <a:cs typeface="Courier New" pitchFamily="49" charset="0"/>
-              </a:rPr>
-              <a:t>public </a:t>
-            </a:r>
-            <a:r>
-              <a:rPr lang="en-US" sz="1600" dirty="0">
-                <a:solidFill>
-                  <a:srgbClr val="000000"/>
-                </a:solidFill>
-                <a:latin typeface="Courier New" pitchFamily="49" charset="0"/>
-                <a:cs typeface="Courier New" pitchFamily="49" charset="0"/>
-              </a:rPr>
-              <a:t>string Ticker</a:t>
-            </a:r>
-            <a:r>
-              <a:rPr lang="en-US" sz="1600" dirty="0" smtClean="0">
-                <a:solidFill>
-                  <a:srgbClr val="000000"/>
-                </a:solidFill>
-                <a:latin typeface="Courier New" pitchFamily="49" charset="0"/>
-                <a:cs typeface="Courier New" pitchFamily="49" charset="0"/>
-              </a:rPr>
-              <a:t>;</a:t>
-            </a:r>
-            <a:endParaRPr lang="ru-RU" sz="1600" dirty="0" smtClean="0">
+            <a:endParaRPr lang="ru-RU" sz="1400" dirty="0" smtClean="0">
               <a:solidFill>
                 <a:srgbClr val="000000"/>
               </a:solidFill>
@@ -6495,26 +6395,26 @@
           </a:p>
           <a:p>
             <a:r>
-              <a:rPr lang="ru-RU" sz="1600" dirty="0">
-                <a:solidFill>
-                  <a:srgbClr val="000000"/>
-                </a:solidFill>
-                <a:latin typeface="Courier New" pitchFamily="49" charset="0"/>
-                <a:cs typeface="Courier New" pitchFamily="49" charset="0"/>
-              </a:rPr>
-              <a:t> </a:t>
-            </a:r>
-            <a:r>
-              <a:rPr lang="ru-RU" sz="1600" dirty="0" smtClean="0">
-                <a:solidFill>
-                  <a:srgbClr val="000000"/>
-                </a:solidFill>
-                <a:latin typeface="Courier New" pitchFamily="49" charset="0"/>
-                <a:cs typeface="Courier New" pitchFamily="49" charset="0"/>
-              </a:rPr>
-              <a:t>       </a:t>
-            </a:r>
-            <a:endParaRPr lang="en-US" sz="1600" dirty="0">
+              <a:rPr lang="en-US" sz="1400" dirty="0" smtClean="0">
+                <a:solidFill>
+                  <a:srgbClr val="000000"/>
+                </a:solidFill>
+                <a:latin typeface="Courier New" pitchFamily="49" charset="0"/>
+                <a:cs typeface="Courier New" pitchFamily="49" charset="0"/>
+              </a:rPr>
+              <a:t>namespace </a:t>
+            </a:r>
+            <a:r>
+              <a:rPr lang="en-US" sz="1400" dirty="0" err="1">
+                <a:solidFill>
+                  <a:srgbClr val="000000"/>
+                </a:solidFill>
+                <a:latin typeface="Courier New" pitchFamily="49" charset="0"/>
+                <a:cs typeface="Courier New" pitchFamily="49" charset="0"/>
+              </a:rPr>
+              <a:t>QuickReturns.StockTrading.ExchangeService.DataContracts</a:t>
+            </a:r>
+            <a:endParaRPr lang="en-US" sz="1400" dirty="0">
               <a:solidFill>
                 <a:srgbClr val="000000"/>
               </a:solidFill>
@@ -6524,17 +6424,29 @@
           </a:p>
           <a:p>
             <a:r>
-              <a:rPr lang="ru-RU" sz="1600" dirty="0" smtClean="0">
-                <a:solidFill>
-                  <a:srgbClr val="000000"/>
-                </a:solidFill>
-                <a:latin typeface="Courier New" pitchFamily="49" charset="0"/>
-                <a:cs typeface="Courier New" pitchFamily="49" charset="0"/>
-              </a:rPr>
-              <a:t>        </a:t>
-            </a:r>
-            <a:r>
-              <a:rPr lang="en-US" sz="1600" dirty="0" smtClean="0">
+              <a:rPr lang="en-US" sz="1400" dirty="0">
+                <a:solidFill>
+                  <a:srgbClr val="000000"/>
+                </a:solidFill>
+                <a:latin typeface="Courier New" pitchFamily="49" charset="0"/>
+                <a:cs typeface="Courier New" pitchFamily="49" charset="0"/>
+              </a:rPr>
+              <a:t>{</a:t>
+            </a:r>
+          </a:p>
+          <a:p>
+            <a:r>
+              <a:rPr lang="ru-RU" sz="1400" dirty="0" smtClean="0">
+                <a:solidFill>
+                  <a:srgbClr val="000000"/>
+                </a:solidFill>
+                <a:latin typeface="Courier New" pitchFamily="49" charset="0"/>
+                <a:cs typeface="Courier New" pitchFamily="49" charset="0"/>
+              </a:rPr>
+              <a:t>    </a:t>
+            </a:r>
+            <a:r>
+              <a:rPr lang="en-US" sz="1400" dirty="0" smtClean="0">
                 <a:solidFill>
                   <a:srgbClr val="000000"/>
                 </a:solidFill>
@@ -6544,39 +6456,59 @@
               <a:t>[</a:t>
             </a:r>
             <a:r>
-              <a:rPr lang="en-US" sz="1600" dirty="0" err="1">
-                <a:solidFill>
-                  <a:srgbClr val="000000"/>
-                </a:solidFill>
-                <a:latin typeface="Courier New" pitchFamily="49" charset="0"/>
-                <a:cs typeface="Courier New" pitchFamily="49" charset="0"/>
-              </a:rPr>
-              <a:t>DataMember</a:t>
-            </a:r>
-            <a:r>
-              <a:rPr lang="en-US" sz="1600" dirty="0">
-                <a:solidFill>
-                  <a:srgbClr val="000000"/>
-                </a:solidFill>
-                <a:latin typeface="Courier New" pitchFamily="49" charset="0"/>
-                <a:cs typeface="Courier New" pitchFamily="49" charset="0"/>
-              </a:rPr>
-              <a:t>(Name="Bid")]</a:t>
-            </a:r>
-          </a:p>
-          <a:p>
-            <a:r>
-              <a:rPr lang="ru-RU" sz="1600" dirty="0" smtClean="0">
-                <a:solidFill>
-                  <a:srgbClr val="000000"/>
-                </a:solidFill>
-                <a:latin typeface="Courier New" pitchFamily="49" charset="0"/>
-                <a:cs typeface="Courier New" pitchFamily="49" charset="0"/>
-              </a:rPr>
-              <a:t>        </a:t>
-            </a:r>
-            <a:r>
-              <a:rPr lang="en-US" sz="1600" dirty="0" smtClean="0">
+              <a:rPr lang="en-US" sz="1400" dirty="0" err="1" smtClean="0">
+                <a:solidFill>
+                  <a:srgbClr val="000000"/>
+                </a:solidFill>
+                <a:latin typeface="Courier New" pitchFamily="49" charset="0"/>
+                <a:cs typeface="Courier New" pitchFamily="49" charset="0"/>
+              </a:rPr>
+              <a:t>DataContract</a:t>
+            </a:r>
+            <a:r>
+              <a:rPr lang="en-US" sz="1400" dirty="0" smtClean="0">
+                <a:solidFill>
+                  <a:srgbClr val="000000"/>
+                </a:solidFill>
+                <a:latin typeface="Courier New" pitchFamily="49" charset="0"/>
+                <a:cs typeface="Courier New" pitchFamily="49" charset="0"/>
+              </a:rPr>
+              <a:t>(Namespace</a:t>
+            </a:r>
+            <a:r>
+              <a:rPr lang="en-US" sz="1400" dirty="0">
+                <a:solidFill>
+                  <a:srgbClr val="000000"/>
+                </a:solidFill>
+                <a:latin typeface="Courier New" pitchFamily="49" charset="0"/>
+                <a:cs typeface="Courier New" pitchFamily="49" charset="0"/>
+              </a:rPr>
+              <a:t>=" http://QuickReturns")]</a:t>
+            </a:r>
+          </a:p>
+          <a:p>
+            <a:r>
+              <a:rPr lang="ru-RU" sz="1400" dirty="0">
+                <a:solidFill>
+                  <a:srgbClr val="000000"/>
+                </a:solidFill>
+                <a:latin typeface="Courier New" pitchFamily="49" charset="0"/>
+                <a:cs typeface="Courier New" pitchFamily="49" charset="0"/>
+              </a:rPr>
+              <a:t> </a:t>
+            </a:r>
+            <a:r>
+              <a:rPr lang="ru-RU" sz="1400" dirty="0" smtClean="0">
+                <a:solidFill>
+                  <a:srgbClr val="000000"/>
+                </a:solidFill>
+                <a:latin typeface="Courier New" pitchFamily="49" charset="0"/>
+                <a:cs typeface="Courier New" pitchFamily="49" charset="0"/>
+              </a:rPr>
+              <a:t>   </a:t>
+            </a:r>
+            <a:r>
+              <a:rPr lang="en-US" sz="1400" dirty="0" smtClean="0">
                 <a:solidFill>
                   <a:srgbClr val="000000"/>
                 </a:solidFill>
@@ -6586,327 +6518,19 @@
               <a:t>public </a:t>
             </a:r>
             <a:r>
-              <a:rPr lang="en-US" sz="1600" dirty="0">
-                <a:solidFill>
-                  <a:srgbClr val="000000"/>
-                </a:solidFill>
-                <a:latin typeface="Courier New" pitchFamily="49" charset="0"/>
-                <a:cs typeface="Courier New" pitchFamily="49" charset="0"/>
-              </a:rPr>
-              <a:t>decimal Bid;</a:t>
-            </a:r>
-          </a:p>
-          <a:p>
-            <a:r>
-              <a:rPr lang="ru-RU" sz="1600" dirty="0" smtClean="0">
-                <a:solidFill>
-                  <a:srgbClr val="000000"/>
-                </a:solidFill>
-                <a:latin typeface="Courier New" pitchFamily="49" charset="0"/>
-                <a:cs typeface="Courier New" pitchFamily="49" charset="0"/>
-              </a:rPr>
-              <a:t>        </a:t>
-            </a:r>
-          </a:p>
-          <a:p>
-            <a:r>
-              <a:rPr lang="ru-RU" sz="1600" dirty="0" smtClean="0">
-                <a:solidFill>
-                  <a:srgbClr val="000000"/>
-                </a:solidFill>
-                <a:latin typeface="Courier New" pitchFamily="49" charset="0"/>
-                <a:cs typeface="Courier New" pitchFamily="49" charset="0"/>
-              </a:rPr>
-              <a:t>        </a:t>
-            </a:r>
-            <a:r>
-              <a:rPr lang="en-US" sz="1600" dirty="0" smtClean="0">
-                <a:solidFill>
-                  <a:srgbClr val="000000"/>
-                </a:solidFill>
-                <a:latin typeface="Courier New" pitchFamily="49" charset="0"/>
-                <a:cs typeface="Courier New" pitchFamily="49" charset="0"/>
-              </a:rPr>
-              <a:t>[</a:t>
-            </a:r>
-            <a:r>
-              <a:rPr lang="en-US" sz="1600" dirty="0" err="1">
-                <a:solidFill>
-                  <a:srgbClr val="000000"/>
-                </a:solidFill>
-                <a:latin typeface="Courier New" pitchFamily="49" charset="0"/>
-                <a:cs typeface="Courier New" pitchFamily="49" charset="0"/>
-              </a:rPr>
-              <a:t>DataMember</a:t>
-            </a:r>
-            <a:r>
-              <a:rPr lang="en-US" sz="1600" dirty="0">
-                <a:solidFill>
-                  <a:srgbClr val="000000"/>
-                </a:solidFill>
-                <a:latin typeface="Courier New" pitchFamily="49" charset="0"/>
-                <a:cs typeface="Courier New" pitchFamily="49" charset="0"/>
-              </a:rPr>
-              <a:t>(Name="Ask")]</a:t>
-            </a:r>
-          </a:p>
-          <a:p>
-            <a:r>
-              <a:rPr lang="ru-RU" sz="1600" dirty="0" smtClean="0">
-                <a:solidFill>
-                  <a:srgbClr val="000000"/>
-                </a:solidFill>
-                <a:latin typeface="Courier New" pitchFamily="49" charset="0"/>
-                <a:cs typeface="Courier New" pitchFamily="49" charset="0"/>
-              </a:rPr>
-              <a:t>        </a:t>
-            </a:r>
-            <a:r>
-              <a:rPr lang="en-US" sz="1600" dirty="0" smtClean="0">
-                <a:solidFill>
-                  <a:srgbClr val="000000"/>
-                </a:solidFill>
-                <a:latin typeface="Courier New" pitchFamily="49" charset="0"/>
-                <a:cs typeface="Courier New" pitchFamily="49" charset="0"/>
-              </a:rPr>
-              <a:t>public </a:t>
-            </a:r>
-            <a:r>
-              <a:rPr lang="en-US" sz="1600" dirty="0">
-                <a:solidFill>
-                  <a:srgbClr val="000000"/>
-                </a:solidFill>
-                <a:latin typeface="Courier New" pitchFamily="49" charset="0"/>
-                <a:cs typeface="Courier New" pitchFamily="49" charset="0"/>
-              </a:rPr>
-              <a:t>decimal Ask;</a:t>
-            </a:r>
-          </a:p>
-          <a:p>
-            <a:r>
-              <a:rPr lang="ru-RU" sz="1600" dirty="0" smtClean="0">
-                <a:solidFill>
-                  <a:srgbClr val="000000"/>
-                </a:solidFill>
-                <a:latin typeface="Courier New" pitchFamily="49" charset="0"/>
-                <a:cs typeface="Courier New" pitchFamily="49" charset="0"/>
-              </a:rPr>
-              <a:t>        </a:t>
-            </a:r>
-          </a:p>
-          <a:p>
-            <a:r>
-              <a:rPr lang="ru-RU" sz="1600" dirty="0" smtClean="0">
-                <a:solidFill>
-                  <a:srgbClr val="000000"/>
-                </a:solidFill>
-                <a:latin typeface="Courier New" pitchFamily="49" charset="0"/>
-                <a:cs typeface="Courier New" pitchFamily="49" charset="0"/>
-              </a:rPr>
-              <a:t>        </a:t>
-            </a:r>
-            <a:r>
-              <a:rPr lang="en-US" sz="1600" dirty="0" smtClean="0">
-                <a:solidFill>
-                  <a:srgbClr val="000000"/>
-                </a:solidFill>
-                <a:latin typeface="Courier New" pitchFamily="49" charset="0"/>
-                <a:cs typeface="Courier New" pitchFamily="49" charset="0"/>
-              </a:rPr>
-              <a:t>[</a:t>
-            </a:r>
-            <a:r>
-              <a:rPr lang="en-US" sz="1600" dirty="0" err="1">
-                <a:solidFill>
-                  <a:srgbClr val="000000"/>
-                </a:solidFill>
-                <a:latin typeface="Courier New" pitchFamily="49" charset="0"/>
-                <a:cs typeface="Courier New" pitchFamily="49" charset="0"/>
-              </a:rPr>
-              <a:t>DataMember</a:t>
-            </a:r>
-            <a:r>
-              <a:rPr lang="en-US" sz="1600" dirty="0">
-                <a:solidFill>
-                  <a:srgbClr val="000000"/>
-                </a:solidFill>
-                <a:latin typeface="Courier New" pitchFamily="49" charset="0"/>
-                <a:cs typeface="Courier New" pitchFamily="49" charset="0"/>
-              </a:rPr>
-              <a:t>(Name="Publisher")]</a:t>
-            </a:r>
-          </a:p>
-          <a:p>
-            <a:r>
-              <a:rPr lang="ru-RU" sz="1600" dirty="0" smtClean="0">
-                <a:solidFill>
-                  <a:srgbClr val="000000"/>
-                </a:solidFill>
-                <a:latin typeface="Courier New" pitchFamily="49" charset="0"/>
-                <a:cs typeface="Courier New" pitchFamily="49" charset="0"/>
-              </a:rPr>
-              <a:t>        </a:t>
-            </a:r>
-            <a:r>
-              <a:rPr lang="en-US" sz="1600" dirty="0" smtClean="0">
-                <a:solidFill>
-                  <a:srgbClr val="000000"/>
-                </a:solidFill>
-                <a:latin typeface="Courier New" pitchFamily="49" charset="0"/>
-                <a:cs typeface="Courier New" pitchFamily="49" charset="0"/>
-              </a:rPr>
-              <a:t>public </a:t>
-            </a:r>
-            <a:r>
-              <a:rPr lang="en-US" sz="1600" dirty="0">
-                <a:solidFill>
-                  <a:srgbClr val="000000"/>
-                </a:solidFill>
-                <a:latin typeface="Courier New" pitchFamily="49" charset="0"/>
-                <a:cs typeface="Courier New" pitchFamily="49" charset="0"/>
-              </a:rPr>
-              <a:t>string Publisher;</a:t>
-            </a:r>
-          </a:p>
-          <a:p>
-            <a:r>
-              <a:rPr lang="ru-RU" sz="1600" dirty="0" smtClean="0">
-                <a:solidFill>
-                  <a:srgbClr val="000000"/>
-                </a:solidFill>
-                <a:latin typeface="Courier New" pitchFamily="49" charset="0"/>
-                <a:cs typeface="Courier New" pitchFamily="49" charset="0"/>
-              </a:rPr>
-              <a:t>        </a:t>
-            </a:r>
-          </a:p>
-          <a:p>
-            <a:r>
-              <a:rPr lang="ru-RU" sz="1600" dirty="0" smtClean="0">
-                <a:solidFill>
-                  <a:srgbClr val="000000"/>
-                </a:solidFill>
-                <a:latin typeface="Courier New" pitchFamily="49" charset="0"/>
-                <a:cs typeface="Courier New" pitchFamily="49" charset="0"/>
-              </a:rPr>
-              <a:t>        </a:t>
-            </a:r>
-            <a:r>
-              <a:rPr lang="en-US" sz="1600" dirty="0" smtClean="0">
-                <a:solidFill>
-                  <a:srgbClr val="000000"/>
-                </a:solidFill>
-                <a:latin typeface="Courier New" pitchFamily="49" charset="0"/>
-                <a:cs typeface="Courier New" pitchFamily="49" charset="0"/>
-              </a:rPr>
-              <a:t>[</a:t>
-            </a:r>
-            <a:r>
-              <a:rPr lang="en-US" sz="1600" dirty="0" err="1">
-                <a:solidFill>
-                  <a:srgbClr val="000000"/>
-                </a:solidFill>
-                <a:latin typeface="Courier New" pitchFamily="49" charset="0"/>
-                <a:cs typeface="Courier New" pitchFamily="49" charset="0"/>
-              </a:rPr>
-              <a:t>DataMember</a:t>
-            </a:r>
-            <a:r>
-              <a:rPr lang="en-US" sz="1600" dirty="0">
-                <a:solidFill>
-                  <a:srgbClr val="000000"/>
-                </a:solidFill>
-                <a:latin typeface="Courier New" pitchFamily="49" charset="0"/>
-                <a:cs typeface="Courier New" pitchFamily="49" charset="0"/>
-              </a:rPr>
-              <a:t>(Name="</a:t>
-            </a:r>
-            <a:r>
-              <a:rPr lang="en-US" sz="1600" dirty="0" err="1">
-                <a:solidFill>
-                  <a:srgbClr val="000000"/>
-                </a:solidFill>
-                <a:latin typeface="Courier New" pitchFamily="49" charset="0"/>
-                <a:cs typeface="Courier New" pitchFamily="49" charset="0"/>
-              </a:rPr>
-              <a:t>UpdateDateTime</a:t>
-            </a:r>
-            <a:r>
-              <a:rPr lang="en-US" sz="1600" dirty="0">
-                <a:solidFill>
-                  <a:srgbClr val="000000"/>
-                </a:solidFill>
-                <a:latin typeface="Courier New" pitchFamily="49" charset="0"/>
-                <a:cs typeface="Courier New" pitchFamily="49" charset="0"/>
-              </a:rPr>
-              <a:t>")]</a:t>
-            </a:r>
-          </a:p>
-          <a:p>
-            <a:r>
-              <a:rPr lang="ru-RU" sz="1600" dirty="0" smtClean="0">
-                <a:solidFill>
-                  <a:srgbClr val="000000"/>
-                </a:solidFill>
-                <a:latin typeface="Courier New" pitchFamily="49" charset="0"/>
-                <a:cs typeface="Courier New" pitchFamily="49" charset="0"/>
-              </a:rPr>
-              <a:t>        </a:t>
-            </a:r>
-            <a:r>
-              <a:rPr lang="en-US" sz="1600" dirty="0" smtClean="0">
-                <a:solidFill>
-                  <a:srgbClr val="000000"/>
-                </a:solidFill>
-                <a:latin typeface="Courier New" pitchFamily="49" charset="0"/>
-                <a:cs typeface="Courier New" pitchFamily="49" charset="0"/>
-              </a:rPr>
-              <a:t>private </a:t>
-            </a:r>
-            <a:r>
-              <a:rPr lang="en-US" sz="1600" dirty="0" err="1">
-                <a:solidFill>
-                  <a:srgbClr val="000000"/>
-                </a:solidFill>
-                <a:latin typeface="Courier New" pitchFamily="49" charset="0"/>
-                <a:cs typeface="Courier New" pitchFamily="49" charset="0"/>
-              </a:rPr>
-              <a:t>DateTime</a:t>
-            </a:r>
-            <a:r>
-              <a:rPr lang="en-US" sz="1600" dirty="0">
-                <a:solidFill>
-                  <a:srgbClr val="000000"/>
-                </a:solidFill>
-                <a:latin typeface="Courier New" pitchFamily="49" charset="0"/>
-                <a:cs typeface="Courier New" pitchFamily="49" charset="0"/>
-              </a:rPr>
-              <a:t> </a:t>
-            </a:r>
-            <a:r>
-              <a:rPr lang="en-US" sz="1600" dirty="0" err="1">
-                <a:solidFill>
-                  <a:srgbClr val="000000"/>
-                </a:solidFill>
-                <a:latin typeface="Courier New" pitchFamily="49" charset="0"/>
-                <a:cs typeface="Courier New" pitchFamily="49" charset="0"/>
-              </a:rPr>
-              <a:t>UpdateDateTime</a:t>
-            </a:r>
-            <a:r>
-              <a:rPr lang="en-US" sz="1600" dirty="0">
-                <a:solidFill>
-                  <a:srgbClr val="000000"/>
-                </a:solidFill>
-                <a:latin typeface="Courier New" pitchFamily="49" charset="0"/>
-                <a:cs typeface="Courier New" pitchFamily="49" charset="0"/>
-              </a:rPr>
-              <a:t>;</a:t>
-            </a:r>
-          </a:p>
-          <a:p>
-            <a:r>
-              <a:rPr lang="ru-RU" sz="1600" dirty="0" smtClean="0">
+              <a:rPr lang="en-US" sz="1400" dirty="0">
+                <a:solidFill>
+                  <a:srgbClr val="000000"/>
+                </a:solidFill>
+                <a:latin typeface="Courier New" pitchFamily="49" charset="0"/>
+                <a:cs typeface="Courier New" pitchFamily="49" charset="0"/>
+              </a:rPr>
+              <a:t>class Quote</a:t>
+            </a:r>
+          </a:p>
+          <a:p>
+            <a:r>
+              <a:rPr lang="ru-RU" sz="1400" dirty="0" smtClean="0">
                 <a:solidFill>
                   <a:srgbClr val="000000"/>
                 </a:solidFill>
@@ -6916,16 +6540,16 @@
               <a:t>    </a:t>
             </a:r>
             <a:r>
-              <a:rPr lang="en-US" sz="1600" dirty="0" smtClean="0">
-                <a:solidFill>
-                  <a:srgbClr val="000000"/>
-                </a:solidFill>
-                <a:latin typeface="Courier New" pitchFamily="49" charset="0"/>
-                <a:cs typeface="Courier New" pitchFamily="49" charset="0"/>
-              </a:rPr>
-              <a:t>}</a:t>
-            </a:r>
-            <a:endParaRPr lang="en-US" sz="1600" dirty="0">
+              <a:rPr lang="en-US" sz="1400" dirty="0" smtClean="0">
+                <a:solidFill>
+                  <a:srgbClr val="000000"/>
+                </a:solidFill>
+                <a:latin typeface="Courier New" pitchFamily="49" charset="0"/>
+                <a:cs typeface="Courier New" pitchFamily="49" charset="0"/>
+              </a:rPr>
+              <a:t>{</a:t>
+            </a:r>
+            <a:endParaRPr lang="en-US" sz="1400" dirty="0">
               <a:solidFill>
                 <a:srgbClr val="000000"/>
               </a:solidFill>
@@ -6935,7 +6559,519 @@
           </a:p>
           <a:p>
             <a:r>
-              <a:rPr lang="en-US" sz="1600" dirty="0">
+              <a:rPr lang="ru-RU" sz="1400" dirty="0" smtClean="0">
+                <a:solidFill>
+                  <a:srgbClr val="000000"/>
+                </a:solidFill>
+                <a:latin typeface="Courier New" pitchFamily="49" charset="0"/>
+                <a:cs typeface="Courier New" pitchFamily="49" charset="0"/>
+              </a:rPr>
+              <a:t>        </a:t>
+            </a:r>
+            <a:r>
+              <a:rPr lang="en-US" sz="1400" dirty="0" smtClean="0">
+                <a:solidFill>
+                  <a:srgbClr val="000000"/>
+                </a:solidFill>
+                <a:latin typeface="Courier New" pitchFamily="49" charset="0"/>
+                <a:cs typeface="Courier New" pitchFamily="49" charset="0"/>
+              </a:rPr>
+              <a:t>[</a:t>
+            </a:r>
+            <a:r>
+              <a:rPr lang="en-US" sz="1400" dirty="0" err="1">
+                <a:solidFill>
+                  <a:srgbClr val="000000"/>
+                </a:solidFill>
+                <a:latin typeface="Courier New" pitchFamily="49" charset="0"/>
+                <a:cs typeface="Courier New" pitchFamily="49" charset="0"/>
+              </a:rPr>
+              <a:t>DataMember</a:t>
+            </a:r>
+            <a:r>
+              <a:rPr lang="en-US" sz="1400" dirty="0">
+                <a:solidFill>
+                  <a:srgbClr val="000000"/>
+                </a:solidFill>
+                <a:latin typeface="Courier New" pitchFamily="49" charset="0"/>
+                <a:cs typeface="Courier New" pitchFamily="49" charset="0"/>
+              </a:rPr>
+              <a:t>(Name="Ticker")]</a:t>
+            </a:r>
+          </a:p>
+          <a:p>
+            <a:r>
+              <a:rPr lang="ru-RU" sz="1400" dirty="0" smtClean="0">
+                <a:solidFill>
+                  <a:srgbClr val="000000"/>
+                </a:solidFill>
+                <a:latin typeface="Courier New" pitchFamily="49" charset="0"/>
+                <a:cs typeface="Courier New" pitchFamily="49" charset="0"/>
+              </a:rPr>
+              <a:t>        </a:t>
+            </a:r>
+            <a:r>
+              <a:rPr lang="en-US" sz="1400" dirty="0" smtClean="0">
+                <a:solidFill>
+                  <a:srgbClr val="000000"/>
+                </a:solidFill>
+                <a:latin typeface="Courier New" pitchFamily="49" charset="0"/>
+                <a:cs typeface="Courier New" pitchFamily="49" charset="0"/>
+              </a:rPr>
+              <a:t>public </a:t>
+            </a:r>
+            <a:r>
+              <a:rPr lang="en-US" sz="1400" dirty="0">
+                <a:solidFill>
+                  <a:srgbClr val="000000"/>
+                </a:solidFill>
+                <a:latin typeface="Courier New" pitchFamily="49" charset="0"/>
+                <a:cs typeface="Courier New" pitchFamily="49" charset="0"/>
+              </a:rPr>
+              <a:t>string Ticker</a:t>
+            </a:r>
+            <a:r>
+              <a:rPr lang="en-US" sz="1400" dirty="0" smtClean="0">
+                <a:solidFill>
+                  <a:srgbClr val="000000"/>
+                </a:solidFill>
+                <a:latin typeface="Courier New" pitchFamily="49" charset="0"/>
+                <a:cs typeface="Courier New" pitchFamily="49" charset="0"/>
+              </a:rPr>
+              <a:t>;</a:t>
+            </a:r>
+            <a:endParaRPr lang="ru-RU" sz="1400" dirty="0" smtClean="0">
+              <a:solidFill>
+                <a:srgbClr val="000000"/>
+              </a:solidFill>
+              <a:latin typeface="Courier New" pitchFamily="49" charset="0"/>
+              <a:cs typeface="Courier New" pitchFamily="49" charset="0"/>
+            </a:endParaRPr>
+          </a:p>
+          <a:p>
+            <a:r>
+              <a:rPr lang="ru-RU" sz="1400" dirty="0">
+                <a:solidFill>
+                  <a:srgbClr val="000000"/>
+                </a:solidFill>
+                <a:latin typeface="Courier New" pitchFamily="49" charset="0"/>
+                <a:cs typeface="Courier New" pitchFamily="49" charset="0"/>
+              </a:rPr>
+              <a:t> </a:t>
+            </a:r>
+            <a:r>
+              <a:rPr lang="ru-RU" sz="1400" dirty="0" smtClean="0">
+                <a:solidFill>
+                  <a:srgbClr val="000000"/>
+                </a:solidFill>
+                <a:latin typeface="Courier New" pitchFamily="49" charset="0"/>
+                <a:cs typeface="Courier New" pitchFamily="49" charset="0"/>
+              </a:rPr>
+              <a:t>       </a:t>
+            </a:r>
+            <a:endParaRPr lang="en-US" sz="1400" dirty="0">
+              <a:solidFill>
+                <a:srgbClr val="000000"/>
+              </a:solidFill>
+              <a:latin typeface="Courier New" pitchFamily="49" charset="0"/>
+              <a:cs typeface="Courier New" pitchFamily="49" charset="0"/>
+            </a:endParaRPr>
+          </a:p>
+          <a:p>
+            <a:r>
+              <a:rPr lang="ru-RU" sz="1400" dirty="0" smtClean="0">
+                <a:solidFill>
+                  <a:srgbClr val="000000"/>
+                </a:solidFill>
+                <a:latin typeface="Courier New" pitchFamily="49" charset="0"/>
+                <a:cs typeface="Courier New" pitchFamily="49" charset="0"/>
+              </a:rPr>
+              <a:t>        </a:t>
+            </a:r>
+            <a:r>
+              <a:rPr lang="en-US" sz="1400" dirty="0" smtClean="0">
+                <a:solidFill>
+                  <a:srgbClr val="000000"/>
+                </a:solidFill>
+                <a:latin typeface="Courier New" pitchFamily="49" charset="0"/>
+                <a:cs typeface="Courier New" pitchFamily="49" charset="0"/>
+              </a:rPr>
+              <a:t>[</a:t>
+            </a:r>
+            <a:r>
+              <a:rPr lang="en-US" sz="1400" dirty="0" err="1">
+                <a:solidFill>
+                  <a:srgbClr val="000000"/>
+                </a:solidFill>
+                <a:latin typeface="Courier New" pitchFamily="49" charset="0"/>
+                <a:cs typeface="Courier New" pitchFamily="49" charset="0"/>
+              </a:rPr>
+              <a:t>DataMember</a:t>
+            </a:r>
+            <a:r>
+              <a:rPr lang="en-US" sz="1400" dirty="0">
+                <a:solidFill>
+                  <a:srgbClr val="000000"/>
+                </a:solidFill>
+                <a:latin typeface="Courier New" pitchFamily="49" charset="0"/>
+                <a:cs typeface="Courier New" pitchFamily="49" charset="0"/>
+              </a:rPr>
+              <a:t>(Name="Bid")]</a:t>
+            </a:r>
+          </a:p>
+          <a:p>
+            <a:r>
+              <a:rPr lang="ru-RU" sz="1400" dirty="0" smtClean="0">
+                <a:solidFill>
+                  <a:srgbClr val="000000"/>
+                </a:solidFill>
+                <a:latin typeface="Courier New" pitchFamily="49" charset="0"/>
+                <a:cs typeface="Courier New" pitchFamily="49" charset="0"/>
+              </a:rPr>
+              <a:t>        </a:t>
+            </a:r>
+            <a:r>
+              <a:rPr lang="en-US" sz="1400" dirty="0" smtClean="0">
+                <a:solidFill>
+                  <a:srgbClr val="000000"/>
+                </a:solidFill>
+                <a:latin typeface="Courier New" pitchFamily="49" charset="0"/>
+                <a:cs typeface="Courier New" pitchFamily="49" charset="0"/>
+              </a:rPr>
+              <a:t>public </a:t>
+            </a:r>
+            <a:r>
+              <a:rPr lang="en-US" sz="1400" dirty="0">
+                <a:solidFill>
+                  <a:srgbClr val="000000"/>
+                </a:solidFill>
+                <a:latin typeface="Courier New" pitchFamily="49" charset="0"/>
+                <a:cs typeface="Courier New" pitchFamily="49" charset="0"/>
+              </a:rPr>
+              <a:t>decimal Bid;</a:t>
+            </a:r>
+          </a:p>
+          <a:p>
+            <a:r>
+              <a:rPr lang="ru-RU" sz="1400" dirty="0" smtClean="0">
+                <a:solidFill>
+                  <a:srgbClr val="000000"/>
+                </a:solidFill>
+                <a:latin typeface="Courier New" pitchFamily="49" charset="0"/>
+                <a:cs typeface="Courier New" pitchFamily="49" charset="0"/>
+              </a:rPr>
+              <a:t>        </a:t>
+            </a:r>
+          </a:p>
+          <a:p>
+            <a:r>
+              <a:rPr lang="ru-RU" sz="1400" dirty="0" smtClean="0">
+                <a:solidFill>
+                  <a:srgbClr val="000000"/>
+                </a:solidFill>
+                <a:latin typeface="Courier New" pitchFamily="49" charset="0"/>
+                <a:cs typeface="Courier New" pitchFamily="49" charset="0"/>
+              </a:rPr>
+              <a:t>        </a:t>
+            </a:r>
+            <a:r>
+              <a:rPr lang="en-US" sz="1400" dirty="0" smtClean="0">
+                <a:solidFill>
+                  <a:srgbClr val="000000"/>
+                </a:solidFill>
+                <a:latin typeface="Courier New" pitchFamily="49" charset="0"/>
+                <a:cs typeface="Courier New" pitchFamily="49" charset="0"/>
+              </a:rPr>
+              <a:t>[</a:t>
+            </a:r>
+            <a:r>
+              <a:rPr lang="en-US" sz="1400" dirty="0" err="1">
+                <a:solidFill>
+                  <a:srgbClr val="000000"/>
+                </a:solidFill>
+                <a:latin typeface="Courier New" pitchFamily="49" charset="0"/>
+                <a:cs typeface="Courier New" pitchFamily="49" charset="0"/>
+              </a:rPr>
+              <a:t>DataMember</a:t>
+            </a:r>
+            <a:r>
+              <a:rPr lang="en-US" sz="1400" dirty="0">
+                <a:solidFill>
+                  <a:srgbClr val="000000"/>
+                </a:solidFill>
+                <a:latin typeface="Courier New" pitchFamily="49" charset="0"/>
+                <a:cs typeface="Courier New" pitchFamily="49" charset="0"/>
+              </a:rPr>
+              <a:t>(Name="Ask")]</a:t>
+            </a:r>
+          </a:p>
+          <a:p>
+            <a:r>
+              <a:rPr lang="ru-RU" sz="1400" dirty="0" smtClean="0">
+                <a:solidFill>
+                  <a:srgbClr val="000000"/>
+                </a:solidFill>
+                <a:latin typeface="Courier New" pitchFamily="49" charset="0"/>
+                <a:cs typeface="Courier New" pitchFamily="49" charset="0"/>
+              </a:rPr>
+              <a:t>        </a:t>
+            </a:r>
+            <a:r>
+              <a:rPr lang="en-US" sz="1400" dirty="0" smtClean="0">
+                <a:solidFill>
+                  <a:srgbClr val="000000"/>
+                </a:solidFill>
+                <a:latin typeface="Courier New" pitchFamily="49" charset="0"/>
+                <a:cs typeface="Courier New" pitchFamily="49" charset="0"/>
+              </a:rPr>
+              <a:t>public </a:t>
+            </a:r>
+            <a:r>
+              <a:rPr lang="en-US" sz="1400" dirty="0">
+                <a:solidFill>
+                  <a:srgbClr val="000000"/>
+                </a:solidFill>
+                <a:latin typeface="Courier New" pitchFamily="49" charset="0"/>
+                <a:cs typeface="Courier New" pitchFamily="49" charset="0"/>
+              </a:rPr>
+              <a:t>decimal Ask;</a:t>
+            </a:r>
+          </a:p>
+          <a:p>
+            <a:r>
+              <a:rPr lang="ru-RU" sz="1400" dirty="0" smtClean="0">
+                <a:solidFill>
+                  <a:srgbClr val="000000"/>
+                </a:solidFill>
+                <a:latin typeface="Courier New" pitchFamily="49" charset="0"/>
+                <a:cs typeface="Courier New" pitchFamily="49" charset="0"/>
+              </a:rPr>
+              <a:t>        </a:t>
+            </a:r>
+          </a:p>
+          <a:p>
+            <a:r>
+              <a:rPr lang="ru-RU" sz="1400" dirty="0" smtClean="0">
+                <a:solidFill>
+                  <a:srgbClr val="000000"/>
+                </a:solidFill>
+                <a:latin typeface="Courier New" pitchFamily="49" charset="0"/>
+                <a:cs typeface="Courier New" pitchFamily="49" charset="0"/>
+              </a:rPr>
+              <a:t>        </a:t>
+            </a:r>
+            <a:r>
+              <a:rPr lang="en-US" sz="1400" dirty="0" smtClean="0">
+                <a:solidFill>
+                  <a:srgbClr val="000000"/>
+                </a:solidFill>
+                <a:latin typeface="Courier New" pitchFamily="49" charset="0"/>
+                <a:cs typeface="Courier New" pitchFamily="49" charset="0"/>
+              </a:rPr>
+              <a:t>[</a:t>
+            </a:r>
+            <a:r>
+              <a:rPr lang="en-US" sz="1400" dirty="0" err="1">
+                <a:solidFill>
+                  <a:srgbClr val="000000"/>
+                </a:solidFill>
+                <a:latin typeface="Courier New" pitchFamily="49" charset="0"/>
+                <a:cs typeface="Courier New" pitchFamily="49" charset="0"/>
+              </a:rPr>
+              <a:t>DataMember</a:t>
+            </a:r>
+            <a:r>
+              <a:rPr lang="en-US" sz="1400" dirty="0">
+                <a:solidFill>
+                  <a:srgbClr val="000000"/>
+                </a:solidFill>
+                <a:latin typeface="Courier New" pitchFamily="49" charset="0"/>
+                <a:cs typeface="Courier New" pitchFamily="49" charset="0"/>
+              </a:rPr>
+              <a:t>(Name="Publisher")]</a:t>
+            </a:r>
+          </a:p>
+          <a:p>
+            <a:r>
+              <a:rPr lang="ru-RU" sz="1400" dirty="0" smtClean="0">
+                <a:solidFill>
+                  <a:srgbClr val="000000"/>
+                </a:solidFill>
+                <a:latin typeface="Courier New" pitchFamily="49" charset="0"/>
+                <a:cs typeface="Courier New" pitchFamily="49" charset="0"/>
+              </a:rPr>
+              <a:t>        </a:t>
+            </a:r>
+            <a:r>
+              <a:rPr lang="en-US" sz="1400" dirty="0" smtClean="0">
+                <a:solidFill>
+                  <a:srgbClr val="000000"/>
+                </a:solidFill>
+                <a:latin typeface="Courier New" pitchFamily="49" charset="0"/>
+                <a:cs typeface="Courier New" pitchFamily="49" charset="0"/>
+              </a:rPr>
+              <a:t>public </a:t>
+            </a:r>
+            <a:r>
+              <a:rPr lang="en-US" sz="1400" dirty="0">
+                <a:solidFill>
+                  <a:srgbClr val="000000"/>
+                </a:solidFill>
+                <a:latin typeface="Courier New" pitchFamily="49" charset="0"/>
+                <a:cs typeface="Courier New" pitchFamily="49" charset="0"/>
+              </a:rPr>
+              <a:t>string Publisher;</a:t>
+            </a:r>
+          </a:p>
+          <a:p>
+            <a:r>
+              <a:rPr lang="ru-RU" sz="1400" dirty="0" smtClean="0">
+                <a:solidFill>
+                  <a:srgbClr val="000000"/>
+                </a:solidFill>
+                <a:latin typeface="Courier New" pitchFamily="49" charset="0"/>
+                <a:cs typeface="Courier New" pitchFamily="49" charset="0"/>
+              </a:rPr>
+              <a:t>        </a:t>
+            </a:r>
+          </a:p>
+          <a:p>
+            <a:r>
+              <a:rPr lang="ru-RU" sz="1400" dirty="0" smtClean="0">
+                <a:solidFill>
+                  <a:srgbClr val="000000"/>
+                </a:solidFill>
+                <a:latin typeface="Courier New" pitchFamily="49" charset="0"/>
+                <a:cs typeface="Courier New" pitchFamily="49" charset="0"/>
+              </a:rPr>
+              <a:t>        </a:t>
+            </a:r>
+            <a:r>
+              <a:rPr lang="en-US" sz="1400" dirty="0" smtClean="0">
+                <a:solidFill>
+                  <a:srgbClr val="000000"/>
+                </a:solidFill>
+                <a:latin typeface="Courier New" pitchFamily="49" charset="0"/>
+                <a:cs typeface="Courier New" pitchFamily="49" charset="0"/>
+              </a:rPr>
+              <a:t>[</a:t>
+            </a:r>
+            <a:r>
+              <a:rPr lang="en-US" sz="1400" dirty="0" err="1">
+                <a:solidFill>
+                  <a:srgbClr val="000000"/>
+                </a:solidFill>
+                <a:latin typeface="Courier New" pitchFamily="49" charset="0"/>
+                <a:cs typeface="Courier New" pitchFamily="49" charset="0"/>
+              </a:rPr>
+              <a:t>DataMember</a:t>
+            </a:r>
+            <a:r>
+              <a:rPr lang="en-US" sz="1400" dirty="0">
+                <a:solidFill>
+                  <a:srgbClr val="000000"/>
+                </a:solidFill>
+                <a:latin typeface="Courier New" pitchFamily="49" charset="0"/>
+                <a:cs typeface="Courier New" pitchFamily="49" charset="0"/>
+              </a:rPr>
+              <a:t>(Name="</a:t>
+            </a:r>
+            <a:r>
+              <a:rPr lang="en-US" sz="1400" dirty="0" err="1">
+                <a:solidFill>
+                  <a:srgbClr val="000000"/>
+                </a:solidFill>
+                <a:latin typeface="Courier New" pitchFamily="49" charset="0"/>
+                <a:cs typeface="Courier New" pitchFamily="49" charset="0"/>
+              </a:rPr>
+              <a:t>UpdateDateTime</a:t>
+            </a:r>
+            <a:r>
+              <a:rPr lang="en-US" sz="1400" dirty="0">
+                <a:solidFill>
+                  <a:srgbClr val="000000"/>
+                </a:solidFill>
+                <a:latin typeface="Courier New" pitchFamily="49" charset="0"/>
+                <a:cs typeface="Courier New" pitchFamily="49" charset="0"/>
+              </a:rPr>
+              <a:t>")]</a:t>
+            </a:r>
+          </a:p>
+          <a:p>
+            <a:r>
+              <a:rPr lang="ru-RU" sz="1400" dirty="0" smtClean="0">
+                <a:solidFill>
+                  <a:srgbClr val="000000"/>
+                </a:solidFill>
+                <a:latin typeface="Courier New" pitchFamily="49" charset="0"/>
+                <a:cs typeface="Courier New" pitchFamily="49" charset="0"/>
+              </a:rPr>
+              <a:t>        </a:t>
+            </a:r>
+            <a:r>
+              <a:rPr lang="en-US" sz="1400" dirty="0" smtClean="0">
+                <a:solidFill>
+                  <a:srgbClr val="000000"/>
+                </a:solidFill>
+                <a:latin typeface="Courier New" pitchFamily="49" charset="0"/>
+                <a:cs typeface="Courier New" pitchFamily="49" charset="0"/>
+              </a:rPr>
+              <a:t>private </a:t>
+            </a:r>
+            <a:r>
+              <a:rPr lang="en-US" sz="1400" dirty="0" err="1">
+                <a:solidFill>
+                  <a:srgbClr val="000000"/>
+                </a:solidFill>
+                <a:latin typeface="Courier New" pitchFamily="49" charset="0"/>
+                <a:cs typeface="Courier New" pitchFamily="49" charset="0"/>
+              </a:rPr>
+              <a:t>DateTime</a:t>
+            </a:r>
+            <a:r>
+              <a:rPr lang="en-US" sz="1400" dirty="0">
+                <a:solidFill>
+                  <a:srgbClr val="000000"/>
+                </a:solidFill>
+                <a:latin typeface="Courier New" pitchFamily="49" charset="0"/>
+                <a:cs typeface="Courier New" pitchFamily="49" charset="0"/>
+              </a:rPr>
+              <a:t> </a:t>
+            </a:r>
+            <a:r>
+              <a:rPr lang="en-US" sz="1400" dirty="0" err="1">
+                <a:solidFill>
+                  <a:srgbClr val="000000"/>
+                </a:solidFill>
+                <a:latin typeface="Courier New" pitchFamily="49" charset="0"/>
+                <a:cs typeface="Courier New" pitchFamily="49" charset="0"/>
+              </a:rPr>
+              <a:t>UpdateDateTime</a:t>
+            </a:r>
+            <a:r>
+              <a:rPr lang="en-US" sz="1400" dirty="0">
+                <a:solidFill>
+                  <a:srgbClr val="000000"/>
+                </a:solidFill>
+                <a:latin typeface="Courier New" pitchFamily="49" charset="0"/>
+                <a:cs typeface="Courier New" pitchFamily="49" charset="0"/>
+              </a:rPr>
+              <a:t>;</a:t>
+            </a:r>
+          </a:p>
+          <a:p>
+            <a:r>
+              <a:rPr lang="ru-RU" sz="1400" dirty="0" smtClean="0">
+                <a:solidFill>
+                  <a:srgbClr val="000000"/>
+                </a:solidFill>
+                <a:latin typeface="Courier New" pitchFamily="49" charset="0"/>
+                <a:cs typeface="Courier New" pitchFamily="49" charset="0"/>
+              </a:rPr>
+              <a:t>    </a:t>
+            </a:r>
+            <a:r>
+              <a:rPr lang="en-US" sz="1400" dirty="0" smtClean="0">
                 <a:solidFill>
                   <a:srgbClr val="000000"/>
                 </a:solidFill>
@@ -6944,7 +7080,26 @@
               </a:rPr>
               <a:t>}</a:t>
             </a:r>
-            <a:endParaRPr lang="en-US" sz="1600" dirty="0" smtClean="0">
+            <a:endParaRPr lang="en-US" sz="1400" dirty="0">
+              <a:solidFill>
+                <a:srgbClr val="000000"/>
+              </a:solidFill>
+              <a:latin typeface="Courier New" pitchFamily="49" charset="0"/>
+              <a:cs typeface="Courier New" pitchFamily="49" charset="0"/>
+            </a:endParaRPr>
+          </a:p>
+          <a:p>
+            <a:r>
+              <a:rPr lang="en-US" sz="1400" dirty="0">
+                <a:solidFill>
+                  <a:srgbClr val="000000"/>
+                </a:solidFill>
+                <a:latin typeface="Courier New" pitchFamily="49" charset="0"/>
+                <a:cs typeface="Courier New" pitchFamily="49" charset="0"/>
+              </a:rPr>
+              <a:t>}</a:t>
+            </a:r>
+            <a:endParaRPr lang="en-US" sz="1400" dirty="0" smtClean="0">
               <a:solidFill>
                 <a:srgbClr val="000000"/>
               </a:solidFill>

--- a/Presentation/lesson-13-wcf.pptx
+++ b/Presentation/lesson-13-wcf.pptx
@@ -5,7 +5,7 @@
     <p:sldMasterId id="2147483648" r:id="rId1"/>
   </p:sldMasterIdLst>
   <p:notesMasterIdLst>
-    <p:notesMasterId r:id="rId25"/>
+    <p:notesMasterId r:id="rId26"/>
   </p:notesMasterIdLst>
   <p:sldIdLst>
     <p:sldId id="256" r:id="rId2"/>
@@ -18,19 +18,20 @@
     <p:sldId id="263" r:id="rId9"/>
     <p:sldId id="264" r:id="rId10"/>
     <p:sldId id="265" r:id="rId11"/>
-    <p:sldId id="266" r:id="rId12"/>
-    <p:sldId id="267" r:id="rId13"/>
-    <p:sldId id="268" r:id="rId14"/>
-    <p:sldId id="269" r:id="rId15"/>
-    <p:sldId id="271" r:id="rId16"/>
-    <p:sldId id="270" r:id="rId17"/>
-    <p:sldId id="272" r:id="rId18"/>
-    <p:sldId id="274" r:id="rId19"/>
-    <p:sldId id="273" r:id="rId20"/>
-    <p:sldId id="275" r:id="rId21"/>
-    <p:sldId id="276" r:id="rId22"/>
-    <p:sldId id="277" r:id="rId23"/>
-    <p:sldId id="278" r:id="rId24"/>
+    <p:sldId id="281" r:id="rId12"/>
+    <p:sldId id="266" r:id="rId13"/>
+    <p:sldId id="267" r:id="rId14"/>
+    <p:sldId id="268" r:id="rId15"/>
+    <p:sldId id="269" r:id="rId16"/>
+    <p:sldId id="271" r:id="rId17"/>
+    <p:sldId id="270" r:id="rId18"/>
+    <p:sldId id="272" r:id="rId19"/>
+    <p:sldId id="274" r:id="rId20"/>
+    <p:sldId id="273" r:id="rId21"/>
+    <p:sldId id="275" r:id="rId22"/>
+    <p:sldId id="276" r:id="rId23"/>
+    <p:sldId id="277" r:id="rId24"/>
+    <p:sldId id="278" r:id="rId25"/>
   </p:sldIdLst>
   <p:sldSz cx="9144000" cy="6858000" type="screen4x3"/>
   <p:notesSz cx="6858000" cy="9144000"/>
@@ -214,7 +215,7 @@
           <a:p>
             <a:fld id="{B24A7054-7FFB-49F4-A126-5DF6E687FF53}" type="datetimeFigureOut">
               <a:rPr lang="ru-RU" smtClean="0"/>
-              <a:t>02.04.2013</a:t>
+              <a:t>09.01.2016</a:t>
             </a:fld>
             <a:endParaRPr lang="ru-RU"/>
           </a:p>
@@ -1277,7 +1278,7 @@
           <a:p>
             <a:fld id="{8E6E6A2A-E9D3-4A0D-B04A-ABDD367A1E08}" type="datetimeFigureOut">
               <a:rPr lang="ru-RU" smtClean="0"/>
-              <a:t>02.04.2013</a:t>
+              <a:t>09.01.2016</a:t>
             </a:fld>
             <a:endParaRPr lang="ru-RU"/>
           </a:p>
@@ -2725,7 +2726,7 @@
           <a:p>
             <a:fld id="{AC3D3127-B7C4-45E3-9797-C527EC9FDD78}" type="datetimeFigureOut">
               <a:rPr lang="ru-RU" smtClean="0"/>
-              <a:t>02.04.2013</a:t>
+              <a:t>09.01.2016</a:t>
             </a:fld>
             <a:endParaRPr lang="ru-RU"/>
           </a:p>
@@ -3440,12 +3441,27 @@
   <p:clrMapOvr>
     <a:masterClrMapping/>
   </p:clrMapOvr>
+  <p:timing>
+    <p:tnLst>
+      <p:par>
+        <p:cTn id="1" dur="indefinite" restart="never" nodeType="tmRoot"/>
+      </p:par>
+    </p:tnLst>
+  </p:timing>
 </p:sld>
 </file>
 
 <file path=ppt/slides/slide11.xml><?xml version="1.0" encoding="utf-8"?>
 <p:sld xmlns:a="http://schemas.openxmlformats.org/drawingml/2006/main" xmlns:r="http://schemas.openxmlformats.org/officeDocument/2006/relationships" xmlns:p="http://schemas.openxmlformats.org/presentationml/2006/main">
   <p:cSld>
+    <p:bg>
+      <p:bgPr>
+        <a:solidFill>
+          <a:schemeClr val="accent1"/>
+        </a:solidFill>
+        <a:effectLst/>
+      </p:bgPr>
+    </p:bg>
     <p:spTree>
       <p:nvGrpSpPr>
         <p:cNvPr id="1" name=""/>
@@ -3476,178 +3492,1951 @@
           <a:lstStyle/>
           <a:p>
             <a:r>
-              <a:rPr lang="ru-RU" dirty="0" smtClean="0"/>
-              <a:t>Адрес</a:t>
-            </a:r>
-            <a:endParaRPr lang="en-US" dirty="0"/>
+              <a:rPr lang="ru-RU" dirty="0">
+                <a:solidFill>
+                  <a:srgbClr val="000000"/>
+                </a:solidFill>
+              </a:rPr>
+              <a:t>Сетевая модель </a:t>
+            </a:r>
+            <a:r>
+              <a:rPr lang="en-US" dirty="0">
+                <a:solidFill>
+                  <a:srgbClr val="000000"/>
+                </a:solidFill>
+              </a:rPr>
+              <a:t>OSI</a:t>
+            </a:r>
+            <a:endParaRPr lang="ru-RU" dirty="0">
+              <a:solidFill>
+                <a:srgbClr val="000000"/>
+              </a:solidFill>
+            </a:endParaRPr>
           </a:p>
         </p:txBody>
       </p:sp>
-      <p:sp>
-        <p:nvSpPr>
-          <p:cNvPr id="3" name="Content Placeholder 2"/>
-          <p:cNvSpPr>
-            <a:spLocks noGrp="1"/>
-          </p:cNvSpPr>
+      <p:graphicFrame>
+        <p:nvGraphicFramePr>
+          <p:cNvPr id="4" name="Table 3"/>
+          <p:cNvGraphicFramePr>
+            <a:graphicFrameLocks noGrp="1"/>
+          </p:cNvGraphicFramePr>
           <p:nvPr>
-            <p:ph idx="1"/>
+            <p:extLst>
+              <p:ext uri="{D42A27DB-BD31-4B8C-83A1-F6EECF244321}">
+                <p14:modId xmlns:p14="http://schemas.microsoft.com/office/powerpoint/2010/main" val="2033857184"/>
+              </p:ext>
+            </p:extLst>
           </p:nvPr>
-        </p:nvSpPr>
-        <p:spPr/>
-        <p:txBody>
-          <a:bodyPr>
-            <a:normAutofit fontScale="92500" lnSpcReduction="10000"/>
-          </a:bodyPr>
-          <a:lstStyle/>
-          <a:p>
-            <a:r>
-              <a:rPr lang="en-US" sz="2800" dirty="0"/>
-              <a:t>scheme</a:t>
-            </a:r>
-            <a:r>
-              <a:rPr lang="en-US" sz="2800" dirty="0" smtClean="0"/>
-              <a:t>://machinename[:</a:t>
-            </a:r>
-            <a:r>
-              <a:rPr lang="en-US" sz="2800" dirty="0"/>
-              <a:t>port]/</a:t>
-            </a:r>
-            <a:r>
-              <a:rPr lang="en-US" sz="2800" dirty="0" smtClean="0"/>
-              <a:t>path1/path2</a:t>
-            </a:r>
-            <a:endParaRPr lang="ru-RU" sz="2800" dirty="0" smtClean="0"/>
-          </a:p>
-          <a:p>
-            <a:r>
-              <a:rPr lang="ru-RU" sz="2800" dirty="0" smtClean="0"/>
-              <a:t>Схема транспорта </a:t>
-            </a:r>
-            <a:r>
-              <a:rPr lang="en-US" sz="2800" dirty="0" smtClean="0"/>
-              <a:t>(scheme)</a:t>
-            </a:r>
-          </a:p>
-          <a:p>
-            <a:pPr lvl="1"/>
-            <a:r>
-              <a:rPr lang="ru-RU" sz="2400" dirty="0" smtClean="0"/>
-              <a:t>Тип протокола</a:t>
-            </a:r>
-            <a:endParaRPr lang="en-US" sz="2400" dirty="0" smtClean="0"/>
-          </a:p>
-          <a:p>
-            <a:pPr lvl="1"/>
-            <a:r>
-              <a:rPr lang="en-US" sz="2400" dirty="0" smtClean="0"/>
-              <a:t>http</a:t>
-            </a:r>
-            <a:r>
-              <a:rPr lang="en-US" sz="2400" dirty="0"/>
-              <a:t>, </a:t>
-            </a:r>
-            <a:r>
-              <a:rPr lang="en-US" sz="2400" dirty="0" err="1" smtClean="0"/>
-              <a:t>net.tcp</a:t>
-            </a:r>
-            <a:r>
-              <a:rPr lang="en-US" sz="2400" dirty="0" smtClean="0"/>
-              <a:t>, </a:t>
-            </a:r>
-            <a:r>
-              <a:rPr lang="en-US" sz="2400" dirty="0" err="1" smtClean="0"/>
-              <a:t>net.msmq</a:t>
-            </a:r>
-            <a:r>
-              <a:rPr lang="en-US" sz="2400" dirty="0" smtClean="0"/>
-              <a:t>, </a:t>
-            </a:r>
-            <a:r>
-              <a:rPr lang="en-US" sz="2400" dirty="0" err="1" smtClean="0"/>
-              <a:t>net.pipe</a:t>
-            </a:r>
-            <a:endParaRPr lang="ru-RU" sz="2400" dirty="0" smtClean="0"/>
-          </a:p>
-          <a:p>
-            <a:r>
-              <a:rPr lang="ru-RU" dirty="0" smtClean="0"/>
-              <a:t>Имя машины </a:t>
-            </a:r>
-            <a:r>
-              <a:rPr lang="en-US" dirty="0" smtClean="0"/>
-              <a:t>(</a:t>
-            </a:r>
-            <a:r>
-              <a:rPr lang="en-US" dirty="0" err="1" smtClean="0"/>
-              <a:t>machinename</a:t>
-            </a:r>
-            <a:r>
-              <a:rPr lang="en-US" dirty="0" smtClean="0"/>
-              <a:t>)</a:t>
-            </a:r>
-          </a:p>
-          <a:p>
-            <a:pPr lvl="1"/>
-            <a:r>
-              <a:rPr lang="ru-RU" dirty="0" smtClean="0"/>
-              <a:t>Полное доменное </a:t>
-            </a:r>
-            <a:r>
-              <a:rPr lang="en-US" dirty="0" smtClean="0"/>
-              <a:t>(DNS) </a:t>
-            </a:r>
-            <a:r>
-              <a:rPr lang="ru-RU" dirty="0" smtClean="0"/>
-              <a:t>имя адресата</a:t>
-            </a:r>
-          </a:p>
-          <a:p>
-            <a:r>
-              <a:rPr lang="ru-RU" dirty="0" smtClean="0"/>
-              <a:t>Порт (необязательно)</a:t>
-            </a:r>
-          </a:p>
-          <a:p>
-            <a:pPr lvl="1"/>
-            <a:r>
-              <a:rPr lang="ru-RU" dirty="0" smtClean="0"/>
-              <a:t>80 стандартный порт для </a:t>
-            </a:r>
-            <a:r>
-              <a:rPr lang="en-US" dirty="0" smtClean="0"/>
-              <a:t>HTTP</a:t>
-            </a:r>
-          </a:p>
-          <a:p>
-            <a:r>
-              <a:rPr lang="ru-RU" dirty="0" smtClean="0"/>
-              <a:t>Путь (</a:t>
-            </a:r>
-            <a:r>
-              <a:rPr lang="en-US" dirty="0" smtClean="0"/>
-              <a:t>path)</a:t>
-            </a:r>
-          </a:p>
-          <a:p>
-            <a:pPr lvl="1"/>
-            <a:r>
-              <a:rPr lang="ru-RU" dirty="0" smtClean="0"/>
-              <a:t>Путь к сервису</a:t>
-            </a:r>
-            <a:endParaRPr lang="en-US" dirty="0"/>
-          </a:p>
-        </p:txBody>
-      </p:sp>
+        </p:nvGraphicFramePr>
+        <p:xfrm>
+          <a:off x="958467" y="1468948"/>
+          <a:ext cx="7227066" cy="4750559"/>
+        </p:xfrm>
+        <a:graphic>
+          <a:graphicData uri="http://schemas.openxmlformats.org/drawingml/2006/table">
+            <a:tbl>
+              <a:tblPr/>
+              <a:tblGrid>
+                <a:gridCol w="1021245"/>
+                <a:gridCol w="2101365"/>
+                <a:gridCol w="1561305"/>
+                <a:gridCol w="2543151"/>
+              </a:tblGrid>
+              <a:tr h="317191">
+                <a:tc gridSpan="2">
+                  <a:txBody>
+                    <a:bodyPr/>
+                    <a:lstStyle/>
+                    <a:p>
+                      <a:r>
+                        <a:rPr lang="ru-RU" sz="1400" b="1" dirty="0">
+                          <a:solidFill>
+                            <a:schemeClr val="tx1"/>
+                          </a:solidFill>
+                          <a:effectLst/>
+                        </a:rPr>
+                        <a:t>Уровень (</a:t>
+                      </a:r>
+                      <a:r>
+                        <a:rPr lang="en-US" sz="1400" b="1" dirty="0">
+                          <a:solidFill>
+                            <a:schemeClr val="tx1"/>
+                          </a:solidFill>
+                          <a:effectLst/>
+                        </a:rPr>
+                        <a:t>layer)</a:t>
+                      </a:r>
+                    </a:p>
+                  </a:txBody>
+                  <a:tcPr marL="44372" marR="44372" marT="22186" marB="22186" anchor="ctr">
+                    <a:lnL w="12700" cap="flat" cmpd="sng" algn="ctr">
+                      <a:solidFill>
+                        <a:srgbClr val="080808"/>
+                      </a:solidFill>
+                      <a:prstDash val="solid"/>
+                      <a:round/>
+                      <a:headEnd type="none" w="med" len="med"/>
+                      <a:tailEnd type="none" w="med" len="med"/>
+                    </a:lnL>
+                    <a:lnR w="12700" cap="flat" cmpd="sng" algn="ctr">
+                      <a:solidFill>
+                        <a:srgbClr val="080808"/>
+                      </a:solidFill>
+                      <a:prstDash val="solid"/>
+                      <a:round/>
+                      <a:headEnd type="none" w="med" len="med"/>
+                      <a:tailEnd type="none" w="med" len="med"/>
+                    </a:lnR>
+                    <a:lnT w="12700" cap="flat" cmpd="sng" algn="ctr">
+                      <a:solidFill>
+                        <a:srgbClr val="080808"/>
+                      </a:solidFill>
+                      <a:prstDash val="solid"/>
+                      <a:round/>
+                      <a:headEnd type="none" w="med" len="med"/>
+                      <a:tailEnd type="none" w="med" len="med"/>
+                    </a:lnT>
+                    <a:lnB w="12700" cap="flat" cmpd="sng" algn="ctr">
+                      <a:solidFill>
+                        <a:srgbClr val="080808"/>
+                      </a:solidFill>
+                      <a:prstDash val="solid"/>
+                      <a:round/>
+                      <a:headEnd type="none" w="med" len="med"/>
+                      <a:tailEnd type="none" w="med" len="med"/>
+                    </a:lnB>
+                    <a:lnTlToBr w="12700" cmpd="sng">
+                      <a:noFill/>
+                      <a:prstDash val="solid"/>
+                    </a:lnTlToBr>
+                    <a:lnBlToTr w="12700" cmpd="sng">
+                      <a:noFill/>
+                      <a:prstDash val="solid"/>
+                    </a:lnBlToTr>
+                    <a:solidFill>
+                      <a:srgbClr val="000000"/>
+                    </a:solidFill>
+                  </a:tcPr>
+                </a:tc>
+                <a:tc hMerge="1">
+                  <a:txBody>
+                    <a:bodyPr/>
+                    <a:lstStyle/>
+                    <a:p>
+                      <a:endParaRPr lang="ru-RU"/>
+                    </a:p>
+                  </a:txBody>
+                  <a:tcPr/>
+                </a:tc>
+                <a:tc>
+                  <a:txBody>
+                    <a:bodyPr/>
+                    <a:lstStyle/>
+                    <a:p>
+                      <a:r>
+                        <a:rPr lang="ru-RU" sz="1400" b="1" dirty="0">
+                          <a:solidFill>
+                            <a:schemeClr val="tx1"/>
+                          </a:solidFill>
+                          <a:effectLst/>
+                        </a:rPr>
+                        <a:t>Функции</a:t>
+                      </a:r>
+                    </a:p>
+                  </a:txBody>
+                  <a:tcPr marL="44372" marR="44372" marT="22186" marB="22186" anchor="ctr">
+                    <a:lnL w="12700" cap="flat" cmpd="sng" algn="ctr">
+                      <a:solidFill>
+                        <a:srgbClr val="080808"/>
+                      </a:solidFill>
+                      <a:prstDash val="solid"/>
+                      <a:round/>
+                      <a:headEnd type="none" w="med" len="med"/>
+                      <a:tailEnd type="none" w="med" len="med"/>
+                    </a:lnL>
+                    <a:lnR w="12700" cap="flat" cmpd="sng" algn="ctr">
+                      <a:solidFill>
+                        <a:srgbClr val="080808"/>
+                      </a:solidFill>
+                      <a:prstDash val="solid"/>
+                      <a:round/>
+                      <a:headEnd type="none" w="med" len="med"/>
+                      <a:tailEnd type="none" w="med" len="med"/>
+                    </a:lnR>
+                    <a:lnT w="12700" cap="flat" cmpd="sng" algn="ctr">
+                      <a:solidFill>
+                        <a:srgbClr val="080808"/>
+                      </a:solidFill>
+                      <a:prstDash val="solid"/>
+                      <a:round/>
+                      <a:headEnd type="none" w="med" len="med"/>
+                      <a:tailEnd type="none" w="med" len="med"/>
+                    </a:lnT>
+                    <a:lnB w="12700" cap="flat" cmpd="sng" algn="ctr">
+                      <a:solidFill>
+                        <a:srgbClr val="080808"/>
+                      </a:solidFill>
+                      <a:prstDash val="solid"/>
+                      <a:round/>
+                      <a:headEnd type="none" w="med" len="med"/>
+                      <a:tailEnd type="none" w="med" len="med"/>
+                    </a:lnB>
+                    <a:lnTlToBr w="12700" cmpd="sng">
+                      <a:noFill/>
+                      <a:prstDash val="solid"/>
+                    </a:lnTlToBr>
+                    <a:lnBlToTr w="12700" cmpd="sng">
+                      <a:noFill/>
+                      <a:prstDash val="solid"/>
+                    </a:lnBlToTr>
+                    <a:solidFill>
+                      <a:srgbClr val="000000"/>
+                    </a:solidFill>
+                  </a:tcPr>
+                </a:tc>
+                <a:tc>
+                  <a:txBody>
+                    <a:bodyPr/>
+                    <a:lstStyle/>
+                    <a:p>
+                      <a:r>
+                        <a:rPr lang="ru-RU" sz="1400" b="1" dirty="0">
+                          <a:solidFill>
+                            <a:schemeClr val="tx1"/>
+                          </a:solidFill>
+                          <a:effectLst/>
+                        </a:rPr>
+                        <a:t>Примеры</a:t>
+                      </a:r>
+                    </a:p>
+                  </a:txBody>
+                  <a:tcPr marL="44372" marR="44372" marT="22186" marB="22186" anchor="ctr">
+                    <a:lnL w="12700" cap="flat" cmpd="sng" algn="ctr">
+                      <a:solidFill>
+                        <a:srgbClr val="080808"/>
+                      </a:solidFill>
+                      <a:prstDash val="solid"/>
+                      <a:round/>
+                      <a:headEnd type="none" w="med" len="med"/>
+                      <a:tailEnd type="none" w="med" len="med"/>
+                    </a:lnL>
+                    <a:lnR w="12700" cap="flat" cmpd="sng" algn="ctr">
+                      <a:solidFill>
+                        <a:srgbClr val="080808"/>
+                      </a:solidFill>
+                      <a:prstDash val="solid"/>
+                      <a:round/>
+                      <a:headEnd type="none" w="med" len="med"/>
+                      <a:tailEnd type="none" w="med" len="med"/>
+                    </a:lnR>
+                    <a:lnT w="12700" cap="flat" cmpd="sng" algn="ctr">
+                      <a:solidFill>
+                        <a:srgbClr val="080808"/>
+                      </a:solidFill>
+                      <a:prstDash val="solid"/>
+                      <a:round/>
+                      <a:headEnd type="none" w="med" len="med"/>
+                      <a:tailEnd type="none" w="med" len="med"/>
+                    </a:lnT>
+                    <a:lnB w="12700" cap="flat" cmpd="sng" algn="ctr">
+                      <a:solidFill>
+                        <a:srgbClr val="080808"/>
+                      </a:solidFill>
+                      <a:prstDash val="solid"/>
+                      <a:round/>
+                      <a:headEnd type="none" w="med" len="med"/>
+                      <a:tailEnd type="none" w="med" len="med"/>
+                    </a:lnB>
+                    <a:lnTlToBr w="12700" cmpd="sng">
+                      <a:noFill/>
+                      <a:prstDash val="solid"/>
+                    </a:lnTlToBr>
+                    <a:lnBlToTr w="12700" cmpd="sng">
+                      <a:noFill/>
+                      <a:prstDash val="solid"/>
+                    </a:lnBlToTr>
+                    <a:solidFill>
+                      <a:srgbClr val="000000"/>
+                    </a:solidFill>
+                  </a:tcPr>
+                </a:tc>
+              </a:tr>
+              <a:tr h="465517">
+                <a:tc rowSpan="4">
+                  <a:txBody>
+                    <a:bodyPr/>
+                    <a:lstStyle/>
+                    <a:p>
+                      <a:r>
+                        <a:rPr lang="en-US" sz="1100" dirty="0" smtClean="0">
+                          <a:solidFill>
+                            <a:srgbClr val="000000"/>
+                          </a:solidFill>
+                        </a:rPr>
+                        <a:t>Host layers</a:t>
+                      </a:r>
+                      <a:endParaRPr lang="en-US" sz="1100" dirty="0">
+                        <a:solidFill>
+                          <a:srgbClr val="000000"/>
+                        </a:solidFill>
+                      </a:endParaRPr>
+                    </a:p>
+                  </a:txBody>
+                  <a:tcPr marL="44372" marR="44372" marT="22186" marB="22186" anchor="ctr">
+                    <a:lnL w="12700" cap="flat" cmpd="sng" algn="ctr">
+                      <a:solidFill>
+                        <a:srgbClr val="080808"/>
+                      </a:solidFill>
+                      <a:prstDash val="solid"/>
+                      <a:round/>
+                      <a:headEnd type="none" w="med" len="med"/>
+                      <a:tailEnd type="none" w="med" len="med"/>
+                    </a:lnL>
+                    <a:lnR w="12700" cap="flat" cmpd="sng" algn="ctr">
+                      <a:solidFill>
+                        <a:srgbClr val="080808"/>
+                      </a:solidFill>
+                      <a:prstDash val="solid"/>
+                      <a:round/>
+                      <a:headEnd type="none" w="med" len="med"/>
+                      <a:tailEnd type="none" w="med" len="med"/>
+                    </a:lnR>
+                    <a:lnT w="12700" cap="flat" cmpd="sng" algn="ctr">
+                      <a:solidFill>
+                        <a:srgbClr val="080808"/>
+                      </a:solidFill>
+                      <a:prstDash val="solid"/>
+                      <a:round/>
+                      <a:headEnd type="none" w="med" len="med"/>
+                      <a:tailEnd type="none" w="med" len="med"/>
+                    </a:lnT>
+                    <a:lnB w="12700" cap="flat" cmpd="sng" algn="ctr">
+                      <a:solidFill>
+                        <a:srgbClr val="080808"/>
+                      </a:solidFill>
+                      <a:prstDash val="solid"/>
+                      <a:round/>
+                      <a:headEnd type="none" w="med" len="med"/>
+                      <a:tailEnd type="none" w="med" len="med"/>
+                    </a:lnB>
+                    <a:lnTlToBr w="12700" cmpd="sng">
+                      <a:noFill/>
+                      <a:prstDash val="solid"/>
+                    </a:lnTlToBr>
+                    <a:lnBlToTr w="12700" cmpd="sng">
+                      <a:noFill/>
+                      <a:prstDash val="solid"/>
+                    </a:lnBlToTr>
+                  </a:tcPr>
+                </a:tc>
+                <a:tc>
+                  <a:txBody>
+                    <a:bodyPr/>
+                    <a:lstStyle/>
+                    <a:p>
+                      <a:r>
+                        <a:rPr lang="ru-RU" sz="1100" dirty="0">
+                          <a:solidFill>
+                            <a:srgbClr val="000000"/>
+                          </a:solidFill>
+                          <a:effectLst/>
+                        </a:rPr>
+                        <a:t>7. Прикладной (</a:t>
+                      </a:r>
+                      <a:r>
+                        <a:rPr lang="en-US" sz="1100" dirty="0">
+                          <a:solidFill>
+                            <a:srgbClr val="000000"/>
+                          </a:solidFill>
+                          <a:effectLst/>
+                        </a:rPr>
+                        <a:t>application)</a:t>
+                      </a:r>
+                    </a:p>
+                  </a:txBody>
+                  <a:tcPr marL="44372" marR="44372" marT="22186" marB="22186" anchor="ctr">
+                    <a:lnL w="12700" cap="flat" cmpd="sng" algn="ctr">
+                      <a:solidFill>
+                        <a:srgbClr val="080808"/>
+                      </a:solidFill>
+                      <a:prstDash val="solid"/>
+                      <a:round/>
+                      <a:headEnd type="none" w="med" len="med"/>
+                      <a:tailEnd type="none" w="med" len="med"/>
+                    </a:lnL>
+                    <a:lnR w="12700" cap="flat" cmpd="sng" algn="ctr">
+                      <a:solidFill>
+                        <a:srgbClr val="080808"/>
+                      </a:solidFill>
+                      <a:prstDash val="solid"/>
+                      <a:round/>
+                      <a:headEnd type="none" w="med" len="med"/>
+                      <a:tailEnd type="none" w="med" len="med"/>
+                    </a:lnR>
+                    <a:lnT w="12700" cap="flat" cmpd="sng" algn="ctr">
+                      <a:solidFill>
+                        <a:srgbClr val="080808"/>
+                      </a:solidFill>
+                      <a:prstDash val="solid"/>
+                      <a:round/>
+                      <a:headEnd type="none" w="med" len="med"/>
+                      <a:tailEnd type="none" w="med" len="med"/>
+                    </a:lnT>
+                    <a:lnB w="12700" cap="flat" cmpd="sng" algn="ctr">
+                      <a:solidFill>
+                        <a:srgbClr val="080808"/>
+                      </a:solidFill>
+                      <a:prstDash val="solid"/>
+                      <a:round/>
+                      <a:headEnd type="none" w="med" len="med"/>
+                      <a:tailEnd type="none" w="med" len="med"/>
+                    </a:lnB>
+                    <a:lnTlToBr w="12700" cmpd="sng">
+                      <a:noFill/>
+                      <a:prstDash val="solid"/>
+                    </a:lnTlToBr>
+                    <a:lnBlToTr w="12700" cmpd="sng">
+                      <a:noFill/>
+                      <a:prstDash val="solid"/>
+                    </a:lnBlToTr>
+                    <a:solidFill>
+                      <a:srgbClr val="D8EC9B"/>
+                    </a:solidFill>
+                  </a:tcPr>
+                </a:tc>
+                <a:tc>
+                  <a:txBody>
+                    <a:bodyPr/>
+                    <a:lstStyle/>
+                    <a:p>
+                      <a:r>
+                        <a:rPr lang="ru-RU" sz="1100" dirty="0">
+                          <a:solidFill>
+                            <a:srgbClr val="000000"/>
+                          </a:solidFill>
+                          <a:effectLst/>
+                        </a:rPr>
+                        <a:t>Доступ к сетевым службам</a:t>
+                      </a:r>
+                    </a:p>
+                  </a:txBody>
+                  <a:tcPr marL="44372" marR="44372" marT="22186" marB="22186" anchor="ctr">
+                    <a:lnL w="12700" cap="flat" cmpd="sng" algn="ctr">
+                      <a:solidFill>
+                        <a:srgbClr val="080808"/>
+                      </a:solidFill>
+                      <a:prstDash val="solid"/>
+                      <a:round/>
+                      <a:headEnd type="none" w="med" len="med"/>
+                      <a:tailEnd type="none" w="med" len="med"/>
+                    </a:lnL>
+                    <a:lnR w="12700" cap="flat" cmpd="sng" algn="ctr">
+                      <a:solidFill>
+                        <a:srgbClr val="080808"/>
+                      </a:solidFill>
+                      <a:prstDash val="solid"/>
+                      <a:round/>
+                      <a:headEnd type="none" w="med" len="med"/>
+                      <a:tailEnd type="none" w="med" len="med"/>
+                    </a:lnR>
+                    <a:lnT w="12700" cap="flat" cmpd="sng" algn="ctr">
+                      <a:solidFill>
+                        <a:srgbClr val="080808"/>
+                      </a:solidFill>
+                      <a:prstDash val="solid"/>
+                      <a:round/>
+                      <a:headEnd type="none" w="med" len="med"/>
+                      <a:tailEnd type="none" w="med" len="med"/>
+                    </a:lnT>
+                    <a:lnB w="12700" cap="flat" cmpd="sng" algn="ctr">
+                      <a:solidFill>
+                        <a:srgbClr val="080808"/>
+                      </a:solidFill>
+                      <a:prstDash val="solid"/>
+                      <a:round/>
+                      <a:headEnd type="none" w="med" len="med"/>
+                      <a:tailEnd type="none" w="med" len="med"/>
+                    </a:lnB>
+                    <a:lnTlToBr w="12700" cmpd="sng">
+                      <a:noFill/>
+                      <a:prstDash val="solid"/>
+                    </a:lnTlToBr>
+                    <a:lnBlToTr w="12700" cmpd="sng">
+                      <a:noFill/>
+                      <a:prstDash val="solid"/>
+                    </a:lnBlToTr>
+                    <a:solidFill>
+                      <a:srgbClr val="D8EC9C"/>
+                    </a:solidFill>
+                  </a:tcPr>
+                </a:tc>
+                <a:tc>
+                  <a:txBody>
+                    <a:bodyPr/>
+                    <a:lstStyle/>
+                    <a:p>
+                      <a:r>
+                        <a:rPr lang="en-US" sz="1100" dirty="0" smtClean="0">
+                          <a:solidFill>
+                            <a:srgbClr val="000000"/>
+                          </a:solidFill>
+                        </a:rPr>
+                        <a:t>FTP, HTTP, SMTP, SSH, Telnet</a:t>
+                      </a:r>
+                      <a:endParaRPr lang="en-US" sz="1100" dirty="0">
+                        <a:solidFill>
+                          <a:srgbClr val="000000"/>
+                        </a:solidFill>
+                      </a:endParaRPr>
+                    </a:p>
+                  </a:txBody>
+                  <a:tcPr marL="44372" marR="44372" marT="22186" marB="22186" anchor="ctr">
+                    <a:lnL w="12700" cap="flat" cmpd="sng" algn="ctr">
+                      <a:solidFill>
+                        <a:srgbClr val="080808"/>
+                      </a:solidFill>
+                      <a:prstDash val="solid"/>
+                      <a:round/>
+                      <a:headEnd type="none" w="med" len="med"/>
+                      <a:tailEnd type="none" w="med" len="med"/>
+                    </a:lnL>
+                    <a:lnR w="12700" cap="flat" cmpd="sng" algn="ctr">
+                      <a:solidFill>
+                        <a:srgbClr val="080808"/>
+                      </a:solidFill>
+                      <a:prstDash val="solid"/>
+                      <a:round/>
+                      <a:headEnd type="none" w="med" len="med"/>
+                      <a:tailEnd type="none" w="med" len="med"/>
+                    </a:lnR>
+                    <a:lnT w="12700" cap="flat" cmpd="sng" algn="ctr">
+                      <a:solidFill>
+                        <a:srgbClr val="080808"/>
+                      </a:solidFill>
+                      <a:prstDash val="solid"/>
+                      <a:round/>
+                      <a:headEnd type="none" w="med" len="med"/>
+                      <a:tailEnd type="none" w="med" len="med"/>
+                    </a:lnT>
+                    <a:lnB w="12700" cap="flat" cmpd="sng" algn="ctr">
+                      <a:solidFill>
+                        <a:srgbClr val="080808"/>
+                      </a:solidFill>
+                      <a:prstDash val="solid"/>
+                      <a:round/>
+                      <a:headEnd type="none" w="med" len="med"/>
+                      <a:tailEnd type="none" w="med" len="med"/>
+                    </a:lnB>
+                    <a:lnTlToBr w="12700" cmpd="sng">
+                      <a:noFill/>
+                      <a:prstDash val="solid"/>
+                    </a:lnTlToBr>
+                    <a:lnBlToTr w="12700" cmpd="sng">
+                      <a:noFill/>
+                      <a:prstDash val="solid"/>
+                    </a:lnBlToTr>
+                  </a:tcPr>
+                </a:tc>
+              </a:tr>
+              <a:tr h="885722">
+                <a:tc vMerge="1">
+                  <a:txBody>
+                    <a:bodyPr/>
+                    <a:lstStyle/>
+                    <a:p>
+                      <a:endParaRPr lang="ru-RU"/>
+                    </a:p>
+                  </a:txBody>
+                  <a:tcPr/>
+                </a:tc>
+                <a:tc>
+                  <a:txBody>
+                    <a:bodyPr/>
+                    <a:lstStyle/>
+                    <a:p>
+                      <a:r>
+                        <a:rPr lang="ru-RU" sz="1100" dirty="0">
+                          <a:solidFill>
+                            <a:srgbClr val="000000"/>
+                          </a:solidFill>
+                          <a:effectLst/>
+                        </a:rPr>
+                        <a:t>6. Представительский (представления) (</a:t>
+                      </a:r>
+                      <a:r>
+                        <a:rPr lang="en-US" sz="1100" dirty="0">
+                          <a:solidFill>
+                            <a:srgbClr val="000000"/>
+                          </a:solidFill>
+                          <a:effectLst/>
+                        </a:rPr>
+                        <a:t>presentation)</a:t>
+                      </a:r>
+                    </a:p>
+                  </a:txBody>
+                  <a:tcPr marL="44372" marR="44372" marT="22186" marB="22186" anchor="ctr">
+                    <a:lnL w="12700" cap="flat" cmpd="sng" algn="ctr">
+                      <a:solidFill>
+                        <a:srgbClr val="080808"/>
+                      </a:solidFill>
+                      <a:prstDash val="solid"/>
+                      <a:round/>
+                      <a:headEnd type="none" w="med" len="med"/>
+                      <a:tailEnd type="none" w="med" len="med"/>
+                    </a:lnL>
+                    <a:lnR w="12700" cap="flat" cmpd="sng" algn="ctr">
+                      <a:solidFill>
+                        <a:srgbClr val="080808"/>
+                      </a:solidFill>
+                      <a:prstDash val="solid"/>
+                      <a:round/>
+                      <a:headEnd type="none" w="med" len="med"/>
+                      <a:tailEnd type="none" w="med" len="med"/>
+                    </a:lnR>
+                    <a:lnT w="12700" cap="flat" cmpd="sng" algn="ctr">
+                      <a:solidFill>
+                        <a:srgbClr val="080808"/>
+                      </a:solidFill>
+                      <a:prstDash val="solid"/>
+                      <a:round/>
+                      <a:headEnd type="none" w="med" len="med"/>
+                      <a:tailEnd type="none" w="med" len="med"/>
+                    </a:lnT>
+                    <a:lnB w="12700" cap="flat" cmpd="sng" algn="ctr">
+                      <a:solidFill>
+                        <a:srgbClr val="080808"/>
+                      </a:solidFill>
+                      <a:prstDash val="solid"/>
+                      <a:round/>
+                      <a:headEnd type="none" w="med" len="med"/>
+                      <a:tailEnd type="none" w="med" len="med"/>
+                    </a:lnB>
+                    <a:lnTlToBr w="12700" cmpd="sng">
+                      <a:noFill/>
+                      <a:prstDash val="solid"/>
+                    </a:lnTlToBr>
+                    <a:lnBlToTr w="12700" cmpd="sng">
+                      <a:noFill/>
+                      <a:prstDash val="solid"/>
+                    </a:lnBlToTr>
+                    <a:solidFill>
+                      <a:srgbClr val="D8EC9B"/>
+                    </a:solidFill>
+                  </a:tcPr>
+                </a:tc>
+                <a:tc>
+                  <a:txBody>
+                    <a:bodyPr/>
+                    <a:lstStyle/>
+                    <a:p>
+                      <a:r>
+                        <a:rPr lang="ru-RU" sz="1100" dirty="0">
+                          <a:solidFill>
+                            <a:srgbClr val="000000"/>
+                          </a:solidFill>
+                          <a:effectLst/>
+                        </a:rPr>
+                        <a:t>Представление и шифрование данных</a:t>
+                      </a:r>
+                    </a:p>
+                  </a:txBody>
+                  <a:tcPr marL="44372" marR="44372" marT="22186" marB="22186" anchor="ctr">
+                    <a:lnL w="12700" cap="flat" cmpd="sng" algn="ctr">
+                      <a:solidFill>
+                        <a:srgbClr val="080808"/>
+                      </a:solidFill>
+                      <a:prstDash val="solid"/>
+                      <a:round/>
+                      <a:headEnd type="none" w="med" len="med"/>
+                      <a:tailEnd type="none" w="med" len="med"/>
+                    </a:lnL>
+                    <a:lnR w="12700" cap="flat" cmpd="sng" algn="ctr">
+                      <a:solidFill>
+                        <a:srgbClr val="080808"/>
+                      </a:solidFill>
+                      <a:prstDash val="solid"/>
+                      <a:round/>
+                      <a:headEnd type="none" w="med" len="med"/>
+                      <a:tailEnd type="none" w="med" len="med"/>
+                    </a:lnR>
+                    <a:lnT w="12700" cap="flat" cmpd="sng" algn="ctr">
+                      <a:solidFill>
+                        <a:srgbClr val="080808"/>
+                      </a:solidFill>
+                      <a:prstDash val="solid"/>
+                      <a:round/>
+                      <a:headEnd type="none" w="med" len="med"/>
+                      <a:tailEnd type="none" w="med" len="med"/>
+                    </a:lnT>
+                    <a:lnB w="12700" cap="flat" cmpd="sng" algn="ctr">
+                      <a:solidFill>
+                        <a:srgbClr val="080808"/>
+                      </a:solidFill>
+                      <a:prstDash val="solid"/>
+                      <a:round/>
+                      <a:headEnd type="none" w="med" len="med"/>
+                      <a:tailEnd type="none" w="med" len="med"/>
+                    </a:lnB>
+                    <a:lnTlToBr w="12700" cmpd="sng">
+                      <a:noFill/>
+                      <a:prstDash val="solid"/>
+                    </a:lnTlToBr>
+                    <a:lnBlToTr w="12700" cmpd="sng">
+                      <a:noFill/>
+                      <a:prstDash val="solid"/>
+                    </a:lnBlToTr>
+                    <a:solidFill>
+                      <a:srgbClr val="D8EC9B"/>
+                    </a:solidFill>
+                  </a:tcPr>
+                </a:tc>
+                <a:tc>
+                  <a:txBody>
+                    <a:bodyPr/>
+                    <a:lstStyle/>
+                    <a:p>
+                      <a:r>
+                        <a:rPr lang="en-US" sz="1100" dirty="0" smtClean="0">
+                          <a:solidFill>
+                            <a:srgbClr val="000000"/>
+                          </a:solidFill>
+                        </a:rPr>
+                        <a:t>CSS, GIF, HTML</a:t>
+                      </a:r>
+                      <a:endParaRPr lang="en-US" sz="1100" dirty="0">
+                        <a:solidFill>
+                          <a:srgbClr val="000000"/>
+                        </a:solidFill>
+                      </a:endParaRPr>
+                    </a:p>
+                  </a:txBody>
+                  <a:tcPr marL="44372" marR="44372" marT="22186" marB="22186" anchor="ctr">
+                    <a:lnL w="12700" cap="flat" cmpd="sng" algn="ctr">
+                      <a:solidFill>
+                        <a:srgbClr val="080808"/>
+                      </a:solidFill>
+                      <a:prstDash val="solid"/>
+                      <a:round/>
+                      <a:headEnd type="none" w="med" len="med"/>
+                      <a:tailEnd type="none" w="med" len="med"/>
+                    </a:lnL>
+                    <a:lnR w="12700" cap="flat" cmpd="sng" algn="ctr">
+                      <a:solidFill>
+                        <a:srgbClr val="080808"/>
+                      </a:solidFill>
+                      <a:prstDash val="solid"/>
+                      <a:round/>
+                      <a:headEnd type="none" w="med" len="med"/>
+                      <a:tailEnd type="none" w="med" len="med"/>
+                    </a:lnR>
+                    <a:lnT w="12700" cap="flat" cmpd="sng" algn="ctr">
+                      <a:solidFill>
+                        <a:srgbClr val="080808"/>
+                      </a:solidFill>
+                      <a:prstDash val="solid"/>
+                      <a:round/>
+                      <a:headEnd type="none" w="med" len="med"/>
+                      <a:tailEnd type="none" w="med" len="med"/>
+                    </a:lnT>
+                    <a:lnB w="12700" cap="flat" cmpd="sng" algn="ctr">
+                      <a:solidFill>
+                        <a:srgbClr val="080808"/>
+                      </a:solidFill>
+                      <a:prstDash val="solid"/>
+                      <a:round/>
+                      <a:headEnd type="none" w="med" len="med"/>
+                      <a:tailEnd type="none" w="med" len="med"/>
+                    </a:lnB>
+                    <a:lnTlToBr w="12700" cmpd="sng">
+                      <a:noFill/>
+                      <a:prstDash val="solid"/>
+                    </a:lnTlToBr>
+                    <a:lnBlToTr w="12700" cmpd="sng">
+                      <a:noFill/>
+                      <a:prstDash val="solid"/>
+                    </a:lnBlToTr>
+                  </a:tcPr>
+                </a:tc>
+              </a:tr>
+              <a:tr h="325449">
+                <a:tc vMerge="1">
+                  <a:txBody>
+                    <a:bodyPr/>
+                    <a:lstStyle/>
+                    <a:p>
+                      <a:endParaRPr lang="ru-RU"/>
+                    </a:p>
+                  </a:txBody>
+                  <a:tcPr/>
+                </a:tc>
+                <a:tc>
+                  <a:txBody>
+                    <a:bodyPr/>
+                    <a:lstStyle/>
+                    <a:p>
+                      <a:r>
+                        <a:rPr lang="ru-RU" sz="1100" dirty="0">
+                          <a:solidFill>
+                            <a:srgbClr val="000000"/>
+                          </a:solidFill>
+                          <a:effectLst/>
+                        </a:rPr>
+                        <a:t>5. Сеансовый (</a:t>
+                      </a:r>
+                      <a:r>
+                        <a:rPr lang="en-US" sz="1100" dirty="0">
+                          <a:solidFill>
+                            <a:srgbClr val="000000"/>
+                          </a:solidFill>
+                          <a:effectLst/>
+                        </a:rPr>
+                        <a:t>session)</a:t>
+                      </a:r>
+                    </a:p>
+                  </a:txBody>
+                  <a:tcPr marL="44372" marR="44372" marT="22186" marB="22186" anchor="ctr">
+                    <a:lnL w="12700" cap="flat" cmpd="sng" algn="ctr">
+                      <a:solidFill>
+                        <a:srgbClr val="080808"/>
+                      </a:solidFill>
+                      <a:prstDash val="solid"/>
+                      <a:round/>
+                      <a:headEnd type="none" w="med" len="med"/>
+                      <a:tailEnd type="none" w="med" len="med"/>
+                    </a:lnL>
+                    <a:lnR w="12700" cap="flat" cmpd="sng" algn="ctr">
+                      <a:solidFill>
+                        <a:srgbClr val="080808"/>
+                      </a:solidFill>
+                      <a:prstDash val="solid"/>
+                      <a:round/>
+                      <a:headEnd type="none" w="med" len="med"/>
+                      <a:tailEnd type="none" w="med" len="med"/>
+                    </a:lnR>
+                    <a:lnT w="12700" cap="flat" cmpd="sng" algn="ctr">
+                      <a:solidFill>
+                        <a:srgbClr val="080808"/>
+                      </a:solidFill>
+                      <a:prstDash val="solid"/>
+                      <a:round/>
+                      <a:headEnd type="none" w="med" len="med"/>
+                      <a:tailEnd type="none" w="med" len="med"/>
+                    </a:lnT>
+                    <a:lnB w="12700" cap="flat" cmpd="sng" algn="ctr">
+                      <a:solidFill>
+                        <a:srgbClr val="080808"/>
+                      </a:solidFill>
+                      <a:prstDash val="solid"/>
+                      <a:round/>
+                      <a:headEnd type="none" w="med" len="med"/>
+                      <a:tailEnd type="none" w="med" len="med"/>
+                    </a:lnB>
+                    <a:lnTlToBr w="12700" cmpd="sng">
+                      <a:noFill/>
+                      <a:prstDash val="solid"/>
+                    </a:lnTlToBr>
+                    <a:lnBlToTr w="12700" cmpd="sng">
+                      <a:noFill/>
+                      <a:prstDash val="solid"/>
+                    </a:lnBlToTr>
+                    <a:solidFill>
+                      <a:srgbClr val="D8EC9B"/>
+                    </a:solidFill>
+                  </a:tcPr>
+                </a:tc>
+                <a:tc>
+                  <a:txBody>
+                    <a:bodyPr/>
+                    <a:lstStyle/>
+                    <a:p>
+                      <a:r>
+                        <a:rPr lang="ru-RU" sz="1100">
+                          <a:solidFill>
+                            <a:srgbClr val="000000"/>
+                          </a:solidFill>
+                          <a:effectLst/>
+                        </a:rPr>
+                        <a:t>Управление сеансом связи</a:t>
+                      </a:r>
+                    </a:p>
+                  </a:txBody>
+                  <a:tcPr marL="44372" marR="44372" marT="22186" marB="22186" anchor="ctr">
+                    <a:lnL w="12700" cap="flat" cmpd="sng" algn="ctr">
+                      <a:solidFill>
+                        <a:srgbClr val="080808"/>
+                      </a:solidFill>
+                      <a:prstDash val="solid"/>
+                      <a:round/>
+                      <a:headEnd type="none" w="med" len="med"/>
+                      <a:tailEnd type="none" w="med" len="med"/>
+                    </a:lnL>
+                    <a:lnR w="12700" cap="flat" cmpd="sng" algn="ctr">
+                      <a:solidFill>
+                        <a:srgbClr val="080808"/>
+                      </a:solidFill>
+                      <a:prstDash val="solid"/>
+                      <a:round/>
+                      <a:headEnd type="none" w="med" len="med"/>
+                      <a:tailEnd type="none" w="med" len="med"/>
+                    </a:lnR>
+                    <a:lnT w="12700" cap="flat" cmpd="sng" algn="ctr">
+                      <a:solidFill>
+                        <a:srgbClr val="080808"/>
+                      </a:solidFill>
+                      <a:prstDash val="solid"/>
+                      <a:round/>
+                      <a:headEnd type="none" w="med" len="med"/>
+                      <a:tailEnd type="none" w="med" len="med"/>
+                    </a:lnT>
+                    <a:lnB w="12700" cap="flat" cmpd="sng" algn="ctr">
+                      <a:solidFill>
+                        <a:srgbClr val="080808"/>
+                      </a:solidFill>
+                      <a:prstDash val="solid"/>
+                      <a:round/>
+                      <a:headEnd type="none" w="med" len="med"/>
+                      <a:tailEnd type="none" w="med" len="med"/>
+                    </a:lnB>
+                    <a:lnTlToBr w="12700" cmpd="sng">
+                      <a:noFill/>
+                      <a:prstDash val="solid"/>
+                    </a:lnTlToBr>
+                    <a:lnBlToTr w="12700" cmpd="sng">
+                      <a:noFill/>
+                      <a:prstDash val="solid"/>
+                    </a:lnBlToTr>
+                    <a:solidFill>
+                      <a:srgbClr val="D8EC9B"/>
+                    </a:solidFill>
+                  </a:tcPr>
+                </a:tc>
+                <a:tc>
+                  <a:txBody>
+                    <a:bodyPr/>
+                    <a:lstStyle/>
+                    <a:p>
+                      <a:r>
+                        <a:rPr lang="en-US" sz="1100" dirty="0" smtClean="0">
+                          <a:solidFill>
+                            <a:srgbClr val="000000"/>
+                          </a:solidFill>
+                        </a:rPr>
+                        <a:t>PAP, RPC, SQL, TLS</a:t>
+                      </a:r>
+                      <a:endParaRPr lang="en-US" sz="1100" dirty="0">
+                        <a:solidFill>
+                          <a:srgbClr val="000000"/>
+                        </a:solidFill>
+                      </a:endParaRPr>
+                    </a:p>
+                  </a:txBody>
+                  <a:tcPr marL="44372" marR="44372" marT="22186" marB="22186" anchor="ctr">
+                    <a:lnL w="12700" cap="flat" cmpd="sng" algn="ctr">
+                      <a:solidFill>
+                        <a:srgbClr val="080808"/>
+                      </a:solidFill>
+                      <a:prstDash val="solid"/>
+                      <a:round/>
+                      <a:headEnd type="none" w="med" len="med"/>
+                      <a:tailEnd type="none" w="med" len="med"/>
+                    </a:lnL>
+                    <a:lnR w="12700" cap="flat" cmpd="sng" algn="ctr">
+                      <a:solidFill>
+                        <a:srgbClr val="080808"/>
+                      </a:solidFill>
+                      <a:prstDash val="solid"/>
+                      <a:round/>
+                      <a:headEnd type="none" w="med" len="med"/>
+                      <a:tailEnd type="none" w="med" len="med"/>
+                    </a:lnR>
+                    <a:lnT w="12700" cap="flat" cmpd="sng" algn="ctr">
+                      <a:solidFill>
+                        <a:srgbClr val="080808"/>
+                      </a:solidFill>
+                      <a:prstDash val="solid"/>
+                      <a:round/>
+                      <a:headEnd type="none" w="med" len="med"/>
+                      <a:tailEnd type="none" w="med" len="med"/>
+                    </a:lnT>
+                    <a:lnB w="12700" cap="flat" cmpd="sng" algn="ctr">
+                      <a:solidFill>
+                        <a:srgbClr val="080808"/>
+                      </a:solidFill>
+                      <a:prstDash val="solid"/>
+                      <a:round/>
+                      <a:headEnd type="none" w="med" len="med"/>
+                      <a:tailEnd type="none" w="med" len="med"/>
+                    </a:lnB>
+                    <a:lnTlToBr w="12700" cmpd="sng">
+                      <a:noFill/>
+                      <a:prstDash val="solid"/>
+                    </a:lnTlToBr>
+                    <a:lnBlToTr w="12700" cmpd="sng">
+                      <a:noFill/>
+                      <a:prstDash val="solid"/>
+                    </a:lnBlToTr>
+                  </a:tcPr>
+                </a:tc>
+              </a:tr>
+              <a:tr h="745653">
+                <a:tc vMerge="1">
+                  <a:txBody>
+                    <a:bodyPr/>
+                    <a:lstStyle/>
+                    <a:p>
+                      <a:endParaRPr lang="ru-RU"/>
+                    </a:p>
+                  </a:txBody>
+                  <a:tcPr/>
+                </a:tc>
+                <a:tc>
+                  <a:txBody>
+                    <a:bodyPr/>
+                    <a:lstStyle/>
+                    <a:p>
+                      <a:r>
+                        <a:rPr lang="ru-RU" sz="1100" dirty="0">
+                          <a:solidFill>
+                            <a:srgbClr val="000000"/>
+                          </a:solidFill>
+                          <a:effectLst/>
+                        </a:rPr>
+                        <a:t>4. Транспортный (</a:t>
+                      </a:r>
+                      <a:r>
+                        <a:rPr lang="en-US" sz="1100" dirty="0">
+                          <a:solidFill>
+                            <a:srgbClr val="000000"/>
+                          </a:solidFill>
+                          <a:effectLst/>
+                        </a:rPr>
+                        <a:t>transport)</a:t>
+                      </a:r>
+                    </a:p>
+                  </a:txBody>
+                  <a:tcPr marL="44372" marR="44372" marT="22186" marB="22186" anchor="ctr">
+                    <a:lnL w="12700" cap="flat" cmpd="sng" algn="ctr">
+                      <a:solidFill>
+                        <a:srgbClr val="080808"/>
+                      </a:solidFill>
+                      <a:prstDash val="solid"/>
+                      <a:round/>
+                      <a:headEnd type="none" w="med" len="med"/>
+                      <a:tailEnd type="none" w="med" len="med"/>
+                    </a:lnL>
+                    <a:lnR w="12700" cap="flat" cmpd="sng" algn="ctr">
+                      <a:solidFill>
+                        <a:srgbClr val="080808"/>
+                      </a:solidFill>
+                      <a:prstDash val="solid"/>
+                      <a:round/>
+                      <a:headEnd type="none" w="med" len="med"/>
+                      <a:tailEnd type="none" w="med" len="med"/>
+                    </a:lnR>
+                    <a:lnT w="12700" cap="flat" cmpd="sng" algn="ctr">
+                      <a:solidFill>
+                        <a:srgbClr val="080808"/>
+                      </a:solidFill>
+                      <a:prstDash val="solid"/>
+                      <a:round/>
+                      <a:headEnd type="none" w="med" len="med"/>
+                      <a:tailEnd type="none" w="med" len="med"/>
+                    </a:lnT>
+                    <a:lnB w="12700" cap="flat" cmpd="sng" algn="ctr">
+                      <a:solidFill>
+                        <a:srgbClr val="080808"/>
+                      </a:solidFill>
+                      <a:prstDash val="solid"/>
+                      <a:round/>
+                      <a:headEnd type="none" w="med" len="med"/>
+                      <a:tailEnd type="none" w="med" len="med"/>
+                    </a:lnB>
+                    <a:lnTlToBr w="12700" cmpd="sng">
+                      <a:noFill/>
+                      <a:prstDash val="solid"/>
+                    </a:lnTlToBr>
+                    <a:lnBlToTr w="12700" cmpd="sng">
+                      <a:noFill/>
+                      <a:prstDash val="solid"/>
+                    </a:lnBlToTr>
+                    <a:solidFill>
+                      <a:srgbClr val="E7ED9C"/>
+                    </a:solidFill>
+                  </a:tcPr>
+                </a:tc>
+                <a:tc>
+                  <a:txBody>
+                    <a:bodyPr/>
+                    <a:lstStyle/>
+                    <a:p>
+                      <a:r>
+                        <a:rPr lang="ru-RU" sz="1100">
+                          <a:solidFill>
+                            <a:srgbClr val="000000"/>
+                          </a:solidFill>
+                          <a:effectLst/>
+                        </a:rPr>
+                        <a:t>Прямая связь между конечными пунктами и надежность</a:t>
+                      </a:r>
+                    </a:p>
+                  </a:txBody>
+                  <a:tcPr marL="44372" marR="44372" marT="22186" marB="22186" anchor="ctr">
+                    <a:lnL w="12700" cap="flat" cmpd="sng" algn="ctr">
+                      <a:solidFill>
+                        <a:srgbClr val="080808"/>
+                      </a:solidFill>
+                      <a:prstDash val="solid"/>
+                      <a:round/>
+                      <a:headEnd type="none" w="med" len="med"/>
+                      <a:tailEnd type="none" w="med" len="med"/>
+                    </a:lnL>
+                    <a:lnR w="12700" cap="flat" cmpd="sng" algn="ctr">
+                      <a:solidFill>
+                        <a:srgbClr val="080808"/>
+                      </a:solidFill>
+                      <a:prstDash val="solid"/>
+                      <a:round/>
+                      <a:headEnd type="none" w="med" len="med"/>
+                      <a:tailEnd type="none" w="med" len="med"/>
+                    </a:lnR>
+                    <a:lnT w="12700" cap="flat" cmpd="sng" algn="ctr">
+                      <a:solidFill>
+                        <a:srgbClr val="080808"/>
+                      </a:solidFill>
+                      <a:prstDash val="solid"/>
+                      <a:round/>
+                      <a:headEnd type="none" w="med" len="med"/>
+                      <a:tailEnd type="none" w="med" len="med"/>
+                    </a:lnT>
+                    <a:lnB w="12700" cap="flat" cmpd="sng" algn="ctr">
+                      <a:solidFill>
+                        <a:srgbClr val="080808"/>
+                      </a:solidFill>
+                      <a:prstDash val="solid"/>
+                      <a:round/>
+                      <a:headEnd type="none" w="med" len="med"/>
+                      <a:tailEnd type="none" w="med" len="med"/>
+                    </a:lnB>
+                    <a:lnTlToBr w="12700" cmpd="sng">
+                      <a:noFill/>
+                      <a:prstDash val="solid"/>
+                    </a:lnTlToBr>
+                    <a:lnBlToTr w="12700" cmpd="sng">
+                      <a:noFill/>
+                      <a:prstDash val="solid"/>
+                    </a:lnBlToTr>
+                    <a:solidFill>
+                      <a:srgbClr val="E7ED9C"/>
+                    </a:solidFill>
+                  </a:tcPr>
+                </a:tc>
+                <a:tc>
+                  <a:txBody>
+                    <a:bodyPr/>
+                    <a:lstStyle/>
+                    <a:p>
+                      <a:r>
+                        <a:rPr lang="en-US" sz="1100" dirty="0" smtClean="0">
+                          <a:solidFill>
+                            <a:srgbClr val="000000"/>
+                          </a:solidFill>
+                        </a:rPr>
+                        <a:t>NETBEUI, TCP, UDP</a:t>
+                      </a:r>
+                      <a:endParaRPr lang="en-US" sz="1100" dirty="0">
+                        <a:solidFill>
+                          <a:srgbClr val="000000"/>
+                        </a:solidFill>
+                      </a:endParaRPr>
+                    </a:p>
+                  </a:txBody>
+                  <a:tcPr marL="44372" marR="44372" marT="22186" marB="22186" anchor="ctr">
+                    <a:lnL w="12700" cap="flat" cmpd="sng" algn="ctr">
+                      <a:solidFill>
+                        <a:srgbClr val="080808"/>
+                      </a:solidFill>
+                      <a:prstDash val="solid"/>
+                      <a:round/>
+                      <a:headEnd type="none" w="med" len="med"/>
+                      <a:tailEnd type="none" w="med" len="med"/>
+                    </a:lnL>
+                    <a:lnR w="12700" cap="flat" cmpd="sng" algn="ctr">
+                      <a:solidFill>
+                        <a:srgbClr val="080808"/>
+                      </a:solidFill>
+                      <a:prstDash val="solid"/>
+                      <a:round/>
+                      <a:headEnd type="none" w="med" len="med"/>
+                      <a:tailEnd type="none" w="med" len="med"/>
+                    </a:lnR>
+                    <a:lnT w="12700" cap="flat" cmpd="sng" algn="ctr">
+                      <a:solidFill>
+                        <a:srgbClr val="080808"/>
+                      </a:solidFill>
+                      <a:prstDash val="solid"/>
+                      <a:round/>
+                      <a:headEnd type="none" w="med" len="med"/>
+                      <a:tailEnd type="none" w="med" len="med"/>
+                    </a:lnT>
+                    <a:lnB w="12700" cap="flat" cmpd="sng" algn="ctr">
+                      <a:solidFill>
+                        <a:srgbClr val="080808"/>
+                      </a:solidFill>
+                      <a:prstDash val="solid"/>
+                      <a:round/>
+                      <a:headEnd type="none" w="med" len="med"/>
+                      <a:tailEnd type="none" w="med" len="med"/>
+                    </a:lnB>
+                    <a:lnTlToBr w="12700" cmpd="sng">
+                      <a:noFill/>
+                      <a:prstDash val="solid"/>
+                    </a:lnTlToBr>
+                    <a:lnBlToTr w="12700" cmpd="sng">
+                      <a:noFill/>
+                      <a:prstDash val="solid"/>
+                    </a:lnBlToTr>
+                  </a:tcPr>
+                </a:tc>
+              </a:tr>
+              <a:tr h="605585">
+                <a:tc rowSpan="3">
+                  <a:txBody>
+                    <a:bodyPr/>
+                    <a:lstStyle/>
+                    <a:p>
+                      <a:r>
+                        <a:rPr lang="en-US" sz="1100" dirty="0" smtClean="0">
+                          <a:solidFill>
+                            <a:srgbClr val="000000"/>
+                          </a:solidFill>
+                        </a:rPr>
+                        <a:t>Media layers</a:t>
+                      </a:r>
+                      <a:endParaRPr lang="en-US" sz="1100" dirty="0">
+                        <a:solidFill>
+                          <a:srgbClr val="000000"/>
+                        </a:solidFill>
+                      </a:endParaRPr>
+                    </a:p>
+                  </a:txBody>
+                  <a:tcPr marL="44372" marR="44372" marT="22186" marB="22186" anchor="ctr">
+                    <a:lnL w="12700" cap="flat" cmpd="sng" algn="ctr">
+                      <a:solidFill>
+                        <a:srgbClr val="080808"/>
+                      </a:solidFill>
+                      <a:prstDash val="solid"/>
+                      <a:round/>
+                      <a:headEnd type="none" w="med" len="med"/>
+                      <a:tailEnd type="none" w="med" len="med"/>
+                    </a:lnL>
+                    <a:lnR w="12700" cap="flat" cmpd="sng" algn="ctr">
+                      <a:solidFill>
+                        <a:srgbClr val="080808"/>
+                      </a:solidFill>
+                      <a:prstDash val="solid"/>
+                      <a:round/>
+                      <a:headEnd type="none" w="med" len="med"/>
+                      <a:tailEnd type="none" w="med" len="med"/>
+                    </a:lnR>
+                    <a:lnT w="12700" cap="flat" cmpd="sng" algn="ctr">
+                      <a:solidFill>
+                        <a:srgbClr val="080808"/>
+                      </a:solidFill>
+                      <a:prstDash val="solid"/>
+                      <a:round/>
+                      <a:headEnd type="none" w="med" len="med"/>
+                      <a:tailEnd type="none" w="med" len="med"/>
+                    </a:lnT>
+                    <a:lnB w="12700" cap="flat" cmpd="sng" algn="ctr">
+                      <a:solidFill>
+                        <a:srgbClr val="080808"/>
+                      </a:solidFill>
+                      <a:prstDash val="solid"/>
+                      <a:round/>
+                      <a:headEnd type="none" w="med" len="med"/>
+                      <a:tailEnd type="none" w="med" len="med"/>
+                    </a:lnB>
+                    <a:lnTlToBr w="12700" cmpd="sng">
+                      <a:noFill/>
+                      <a:prstDash val="solid"/>
+                    </a:lnTlToBr>
+                    <a:lnBlToTr w="12700" cmpd="sng">
+                      <a:noFill/>
+                      <a:prstDash val="solid"/>
+                    </a:lnBlToTr>
+                  </a:tcPr>
+                </a:tc>
+                <a:tc>
+                  <a:txBody>
+                    <a:bodyPr/>
+                    <a:lstStyle/>
+                    <a:p>
+                      <a:r>
+                        <a:rPr lang="ru-RU" sz="1100" dirty="0">
+                          <a:solidFill>
+                            <a:srgbClr val="000000"/>
+                          </a:solidFill>
+                          <a:effectLst/>
+                        </a:rPr>
+                        <a:t>3. Сетевой (</a:t>
+                      </a:r>
+                      <a:r>
+                        <a:rPr lang="en-US" sz="1100" dirty="0">
+                          <a:solidFill>
+                            <a:srgbClr val="000000"/>
+                          </a:solidFill>
+                          <a:effectLst/>
+                        </a:rPr>
+                        <a:t>network)</a:t>
+                      </a:r>
+                    </a:p>
+                  </a:txBody>
+                  <a:tcPr marL="44372" marR="44372" marT="22186" marB="22186" anchor="ctr">
+                    <a:lnL w="12700" cap="flat" cmpd="sng" algn="ctr">
+                      <a:solidFill>
+                        <a:srgbClr val="080808"/>
+                      </a:solidFill>
+                      <a:prstDash val="solid"/>
+                      <a:round/>
+                      <a:headEnd type="none" w="med" len="med"/>
+                      <a:tailEnd type="none" w="med" len="med"/>
+                    </a:lnL>
+                    <a:lnR w="12700" cap="flat" cmpd="sng" algn="ctr">
+                      <a:solidFill>
+                        <a:srgbClr val="080808"/>
+                      </a:solidFill>
+                      <a:prstDash val="solid"/>
+                      <a:round/>
+                      <a:headEnd type="none" w="med" len="med"/>
+                      <a:tailEnd type="none" w="med" len="med"/>
+                    </a:lnR>
+                    <a:lnT w="12700" cap="flat" cmpd="sng" algn="ctr">
+                      <a:solidFill>
+                        <a:srgbClr val="080808"/>
+                      </a:solidFill>
+                      <a:prstDash val="solid"/>
+                      <a:round/>
+                      <a:headEnd type="none" w="med" len="med"/>
+                      <a:tailEnd type="none" w="med" len="med"/>
+                    </a:lnT>
+                    <a:lnB w="12700" cap="flat" cmpd="sng" algn="ctr">
+                      <a:solidFill>
+                        <a:srgbClr val="080808"/>
+                      </a:solidFill>
+                      <a:prstDash val="solid"/>
+                      <a:round/>
+                      <a:headEnd type="none" w="med" len="med"/>
+                      <a:tailEnd type="none" w="med" len="med"/>
+                    </a:lnB>
+                    <a:lnTlToBr w="12700" cmpd="sng">
+                      <a:noFill/>
+                      <a:prstDash val="solid"/>
+                    </a:lnTlToBr>
+                    <a:lnBlToTr w="12700" cmpd="sng">
+                      <a:noFill/>
+                      <a:prstDash val="solid"/>
+                    </a:lnBlToTr>
+                    <a:solidFill>
+                      <a:srgbClr val="EDDC9C"/>
+                    </a:solidFill>
+                  </a:tcPr>
+                </a:tc>
+                <a:tc>
+                  <a:txBody>
+                    <a:bodyPr/>
+                    <a:lstStyle/>
+                    <a:p>
+                      <a:r>
+                        <a:rPr lang="ru-RU" sz="1100">
+                          <a:solidFill>
+                            <a:srgbClr val="000000"/>
+                          </a:solidFill>
+                          <a:effectLst/>
+                        </a:rPr>
+                        <a:t>Определение маршрута и логическая адресация</a:t>
+                      </a:r>
+                    </a:p>
+                  </a:txBody>
+                  <a:tcPr marL="44372" marR="44372" marT="22186" marB="22186" anchor="ctr">
+                    <a:lnL w="12700" cap="flat" cmpd="sng" algn="ctr">
+                      <a:solidFill>
+                        <a:srgbClr val="080808"/>
+                      </a:solidFill>
+                      <a:prstDash val="solid"/>
+                      <a:round/>
+                      <a:headEnd type="none" w="med" len="med"/>
+                      <a:tailEnd type="none" w="med" len="med"/>
+                    </a:lnL>
+                    <a:lnR w="12700" cap="flat" cmpd="sng" algn="ctr">
+                      <a:solidFill>
+                        <a:srgbClr val="080808"/>
+                      </a:solidFill>
+                      <a:prstDash val="solid"/>
+                      <a:round/>
+                      <a:headEnd type="none" w="med" len="med"/>
+                      <a:tailEnd type="none" w="med" len="med"/>
+                    </a:lnR>
+                    <a:lnT w="12700" cap="flat" cmpd="sng" algn="ctr">
+                      <a:solidFill>
+                        <a:srgbClr val="080808"/>
+                      </a:solidFill>
+                      <a:prstDash val="solid"/>
+                      <a:round/>
+                      <a:headEnd type="none" w="med" len="med"/>
+                      <a:tailEnd type="none" w="med" len="med"/>
+                    </a:lnT>
+                    <a:lnB w="12700" cap="flat" cmpd="sng" algn="ctr">
+                      <a:solidFill>
+                        <a:srgbClr val="080808"/>
+                      </a:solidFill>
+                      <a:prstDash val="solid"/>
+                      <a:round/>
+                      <a:headEnd type="none" w="med" len="med"/>
+                      <a:tailEnd type="none" w="med" len="med"/>
+                    </a:lnB>
+                    <a:lnTlToBr w="12700" cmpd="sng">
+                      <a:noFill/>
+                      <a:prstDash val="solid"/>
+                    </a:lnTlToBr>
+                    <a:lnBlToTr w="12700" cmpd="sng">
+                      <a:noFill/>
+                      <a:prstDash val="solid"/>
+                    </a:lnBlToTr>
+                    <a:solidFill>
+                      <a:srgbClr val="EDDC9C"/>
+                    </a:solidFill>
+                  </a:tcPr>
+                </a:tc>
+                <a:tc>
+                  <a:txBody>
+                    <a:bodyPr/>
+                    <a:lstStyle/>
+                    <a:p>
+                      <a:r>
+                        <a:rPr lang="en-US" sz="1100" dirty="0" smtClean="0">
+                          <a:solidFill>
+                            <a:srgbClr val="000000"/>
+                          </a:solidFill>
+                        </a:rPr>
+                        <a:t>AppleTalk, ICMP, IPsec, IPv4, IPv6</a:t>
+                      </a:r>
+                      <a:endParaRPr lang="en-US" sz="1100" dirty="0">
+                        <a:solidFill>
+                          <a:srgbClr val="000000"/>
+                        </a:solidFill>
+                      </a:endParaRPr>
+                    </a:p>
+                  </a:txBody>
+                  <a:tcPr marL="44372" marR="44372" marT="22186" marB="22186" anchor="ctr">
+                    <a:lnL w="12700" cap="flat" cmpd="sng" algn="ctr">
+                      <a:solidFill>
+                        <a:srgbClr val="080808"/>
+                      </a:solidFill>
+                      <a:prstDash val="solid"/>
+                      <a:round/>
+                      <a:headEnd type="none" w="med" len="med"/>
+                      <a:tailEnd type="none" w="med" len="med"/>
+                    </a:lnL>
+                    <a:lnR w="12700" cap="flat" cmpd="sng" algn="ctr">
+                      <a:solidFill>
+                        <a:srgbClr val="080808"/>
+                      </a:solidFill>
+                      <a:prstDash val="solid"/>
+                      <a:round/>
+                      <a:headEnd type="none" w="med" len="med"/>
+                      <a:tailEnd type="none" w="med" len="med"/>
+                    </a:lnR>
+                    <a:lnT w="12700" cap="flat" cmpd="sng" algn="ctr">
+                      <a:solidFill>
+                        <a:srgbClr val="080808"/>
+                      </a:solidFill>
+                      <a:prstDash val="solid"/>
+                      <a:round/>
+                      <a:headEnd type="none" w="med" len="med"/>
+                      <a:tailEnd type="none" w="med" len="med"/>
+                    </a:lnT>
+                    <a:lnB w="12700" cap="flat" cmpd="sng" algn="ctr">
+                      <a:solidFill>
+                        <a:srgbClr val="080808"/>
+                      </a:solidFill>
+                      <a:prstDash val="solid"/>
+                      <a:round/>
+                      <a:headEnd type="none" w="med" len="med"/>
+                      <a:tailEnd type="none" w="med" len="med"/>
+                    </a:lnB>
+                    <a:lnTlToBr w="12700" cmpd="sng">
+                      <a:noFill/>
+                      <a:prstDash val="solid"/>
+                    </a:lnTlToBr>
+                    <a:lnBlToTr w="12700" cmpd="sng">
+                      <a:noFill/>
+                      <a:prstDash val="solid"/>
+                    </a:lnBlToTr>
+                  </a:tcPr>
+                </a:tc>
+              </a:tr>
+              <a:tr h="465517">
+                <a:tc vMerge="1">
+                  <a:txBody>
+                    <a:bodyPr/>
+                    <a:lstStyle/>
+                    <a:p>
+                      <a:endParaRPr lang="ru-RU"/>
+                    </a:p>
+                  </a:txBody>
+                  <a:tcPr/>
+                </a:tc>
+                <a:tc>
+                  <a:txBody>
+                    <a:bodyPr/>
+                    <a:lstStyle/>
+                    <a:p>
+                      <a:r>
+                        <a:rPr lang="ru-RU" sz="1100" dirty="0">
+                          <a:solidFill>
+                            <a:srgbClr val="000000"/>
+                          </a:solidFill>
+                          <a:effectLst/>
+                        </a:rPr>
+                        <a:t>2. Канальный (</a:t>
+                      </a:r>
+                      <a:r>
+                        <a:rPr lang="en-US" sz="1100" dirty="0">
+                          <a:solidFill>
+                            <a:srgbClr val="000000"/>
+                          </a:solidFill>
+                          <a:effectLst/>
+                        </a:rPr>
+                        <a:t>data link)</a:t>
+                      </a:r>
+                    </a:p>
+                  </a:txBody>
+                  <a:tcPr marL="44372" marR="44372" marT="22186" marB="22186" anchor="ctr">
+                    <a:lnL w="12700" cap="flat" cmpd="sng" algn="ctr">
+                      <a:solidFill>
+                        <a:srgbClr val="080808"/>
+                      </a:solidFill>
+                      <a:prstDash val="solid"/>
+                      <a:round/>
+                      <a:headEnd type="none" w="med" len="med"/>
+                      <a:tailEnd type="none" w="med" len="med"/>
+                    </a:lnL>
+                    <a:lnR w="12700" cap="flat" cmpd="sng" algn="ctr">
+                      <a:solidFill>
+                        <a:srgbClr val="080808"/>
+                      </a:solidFill>
+                      <a:prstDash val="solid"/>
+                      <a:round/>
+                      <a:headEnd type="none" w="med" len="med"/>
+                      <a:tailEnd type="none" w="med" len="med"/>
+                    </a:lnR>
+                    <a:lnT w="12700" cap="flat" cmpd="sng" algn="ctr">
+                      <a:solidFill>
+                        <a:srgbClr val="080808"/>
+                      </a:solidFill>
+                      <a:prstDash val="solid"/>
+                      <a:round/>
+                      <a:headEnd type="none" w="med" len="med"/>
+                      <a:tailEnd type="none" w="med" len="med"/>
+                    </a:lnT>
+                    <a:lnB w="12700" cap="flat" cmpd="sng" algn="ctr">
+                      <a:solidFill>
+                        <a:srgbClr val="080808"/>
+                      </a:solidFill>
+                      <a:prstDash val="solid"/>
+                      <a:round/>
+                      <a:headEnd type="none" w="med" len="med"/>
+                      <a:tailEnd type="none" w="med" len="med"/>
+                    </a:lnB>
+                    <a:lnTlToBr w="12700" cmpd="sng">
+                      <a:noFill/>
+                      <a:prstDash val="solid"/>
+                    </a:lnTlToBr>
+                    <a:lnBlToTr w="12700" cmpd="sng">
+                      <a:noFill/>
+                      <a:prstDash val="solid"/>
+                    </a:lnBlToTr>
+                    <a:solidFill>
+                      <a:srgbClr val="E9C189"/>
+                    </a:solidFill>
+                  </a:tcPr>
+                </a:tc>
+                <a:tc>
+                  <a:txBody>
+                    <a:bodyPr/>
+                    <a:lstStyle/>
+                    <a:p>
+                      <a:r>
+                        <a:rPr lang="ru-RU" sz="1100" dirty="0">
+                          <a:solidFill>
+                            <a:srgbClr val="000000"/>
+                          </a:solidFill>
+                          <a:effectLst/>
+                        </a:rPr>
+                        <a:t>Физическая адресация</a:t>
+                      </a:r>
+                    </a:p>
+                  </a:txBody>
+                  <a:tcPr marL="44372" marR="44372" marT="22186" marB="22186" anchor="ctr">
+                    <a:lnL w="12700" cap="flat" cmpd="sng" algn="ctr">
+                      <a:solidFill>
+                        <a:srgbClr val="080808"/>
+                      </a:solidFill>
+                      <a:prstDash val="solid"/>
+                      <a:round/>
+                      <a:headEnd type="none" w="med" len="med"/>
+                      <a:tailEnd type="none" w="med" len="med"/>
+                    </a:lnL>
+                    <a:lnR w="12700" cap="flat" cmpd="sng" algn="ctr">
+                      <a:solidFill>
+                        <a:srgbClr val="080808"/>
+                      </a:solidFill>
+                      <a:prstDash val="solid"/>
+                      <a:round/>
+                      <a:headEnd type="none" w="med" len="med"/>
+                      <a:tailEnd type="none" w="med" len="med"/>
+                    </a:lnR>
+                    <a:lnT w="12700" cap="flat" cmpd="sng" algn="ctr">
+                      <a:solidFill>
+                        <a:srgbClr val="080808"/>
+                      </a:solidFill>
+                      <a:prstDash val="solid"/>
+                      <a:round/>
+                      <a:headEnd type="none" w="med" len="med"/>
+                      <a:tailEnd type="none" w="med" len="med"/>
+                    </a:lnT>
+                    <a:lnB w="12700" cap="flat" cmpd="sng" algn="ctr">
+                      <a:solidFill>
+                        <a:srgbClr val="080808"/>
+                      </a:solidFill>
+                      <a:prstDash val="solid"/>
+                      <a:round/>
+                      <a:headEnd type="none" w="med" len="med"/>
+                      <a:tailEnd type="none" w="med" len="med"/>
+                    </a:lnB>
+                    <a:lnTlToBr w="12700" cmpd="sng">
+                      <a:noFill/>
+                      <a:prstDash val="solid"/>
+                    </a:lnTlToBr>
+                    <a:lnBlToTr w="12700" cmpd="sng">
+                      <a:noFill/>
+                      <a:prstDash val="solid"/>
+                    </a:lnBlToTr>
+                    <a:solidFill>
+                      <a:srgbClr val="E9C189"/>
+                    </a:solidFill>
+                  </a:tcPr>
+                </a:tc>
+                <a:tc>
+                  <a:txBody>
+                    <a:bodyPr/>
+                    <a:lstStyle/>
+                    <a:p>
+                      <a:r>
+                        <a:rPr lang="en-US" sz="1100" dirty="0" smtClean="0">
+                          <a:solidFill>
+                            <a:srgbClr val="000000"/>
+                          </a:solidFill>
+                        </a:rPr>
+                        <a:t>IEEE 802.2, L2TP, LLDP, MAC, PPP</a:t>
+                      </a:r>
+                      <a:endParaRPr lang="en-US" sz="1100" dirty="0">
+                        <a:solidFill>
+                          <a:srgbClr val="000000"/>
+                        </a:solidFill>
+                      </a:endParaRPr>
+                    </a:p>
+                  </a:txBody>
+                  <a:tcPr marL="44372" marR="44372" marT="22186" marB="22186" anchor="ctr">
+                    <a:lnL w="12700" cap="flat" cmpd="sng" algn="ctr">
+                      <a:solidFill>
+                        <a:srgbClr val="080808"/>
+                      </a:solidFill>
+                      <a:prstDash val="solid"/>
+                      <a:round/>
+                      <a:headEnd type="none" w="med" len="med"/>
+                      <a:tailEnd type="none" w="med" len="med"/>
+                    </a:lnL>
+                    <a:lnR w="12700" cap="flat" cmpd="sng" algn="ctr">
+                      <a:solidFill>
+                        <a:srgbClr val="080808"/>
+                      </a:solidFill>
+                      <a:prstDash val="solid"/>
+                      <a:round/>
+                      <a:headEnd type="none" w="med" len="med"/>
+                      <a:tailEnd type="none" w="med" len="med"/>
+                    </a:lnR>
+                    <a:lnT w="12700" cap="flat" cmpd="sng" algn="ctr">
+                      <a:solidFill>
+                        <a:srgbClr val="080808"/>
+                      </a:solidFill>
+                      <a:prstDash val="solid"/>
+                      <a:round/>
+                      <a:headEnd type="none" w="med" len="med"/>
+                      <a:tailEnd type="none" w="med" len="med"/>
+                    </a:lnT>
+                    <a:lnB w="12700" cap="flat" cmpd="sng" algn="ctr">
+                      <a:solidFill>
+                        <a:srgbClr val="080808"/>
+                      </a:solidFill>
+                      <a:prstDash val="solid"/>
+                      <a:round/>
+                      <a:headEnd type="none" w="med" len="med"/>
+                      <a:tailEnd type="none" w="med" len="med"/>
+                    </a:lnB>
+                    <a:lnTlToBr w="12700" cmpd="sng">
+                      <a:noFill/>
+                      <a:prstDash val="solid"/>
+                    </a:lnTlToBr>
+                    <a:lnBlToTr w="12700" cmpd="sng">
+                      <a:noFill/>
+                      <a:prstDash val="solid"/>
+                    </a:lnBlToTr>
+                  </a:tcPr>
+                </a:tc>
+              </a:tr>
+              <a:tr h="885722">
+                <a:tc vMerge="1">
+                  <a:txBody>
+                    <a:bodyPr/>
+                    <a:lstStyle/>
+                    <a:p>
+                      <a:endParaRPr lang="ru-RU"/>
+                    </a:p>
+                  </a:txBody>
+                  <a:tcPr/>
+                </a:tc>
+                <a:tc>
+                  <a:txBody>
+                    <a:bodyPr/>
+                    <a:lstStyle/>
+                    <a:p>
+                      <a:r>
+                        <a:rPr lang="ru-RU" sz="1100" dirty="0">
+                          <a:solidFill>
+                            <a:srgbClr val="000000"/>
+                          </a:solidFill>
+                          <a:effectLst/>
+                        </a:rPr>
+                        <a:t>1. Физический (</a:t>
+                      </a:r>
+                      <a:r>
+                        <a:rPr lang="en-US" sz="1100" dirty="0">
+                          <a:solidFill>
+                            <a:srgbClr val="000000"/>
+                          </a:solidFill>
+                          <a:effectLst/>
+                        </a:rPr>
+                        <a:t>physical)</a:t>
+                      </a:r>
+                    </a:p>
+                  </a:txBody>
+                  <a:tcPr marL="44372" marR="44372" marT="22186" marB="22186" anchor="ctr">
+                    <a:lnL w="12700" cap="flat" cmpd="sng" algn="ctr">
+                      <a:solidFill>
+                        <a:srgbClr val="080808"/>
+                      </a:solidFill>
+                      <a:prstDash val="solid"/>
+                      <a:round/>
+                      <a:headEnd type="none" w="med" len="med"/>
+                      <a:tailEnd type="none" w="med" len="med"/>
+                    </a:lnL>
+                    <a:lnR w="12700" cap="flat" cmpd="sng" algn="ctr">
+                      <a:solidFill>
+                        <a:srgbClr val="080808"/>
+                      </a:solidFill>
+                      <a:prstDash val="solid"/>
+                      <a:round/>
+                      <a:headEnd type="none" w="med" len="med"/>
+                      <a:tailEnd type="none" w="med" len="med"/>
+                    </a:lnR>
+                    <a:lnT w="12700" cap="flat" cmpd="sng" algn="ctr">
+                      <a:solidFill>
+                        <a:srgbClr val="080808"/>
+                      </a:solidFill>
+                      <a:prstDash val="solid"/>
+                      <a:round/>
+                      <a:headEnd type="none" w="med" len="med"/>
+                      <a:tailEnd type="none" w="med" len="med"/>
+                    </a:lnT>
+                    <a:lnB w="12700" cap="flat" cmpd="sng" algn="ctr">
+                      <a:solidFill>
+                        <a:srgbClr val="080808"/>
+                      </a:solidFill>
+                      <a:prstDash val="solid"/>
+                      <a:round/>
+                      <a:headEnd type="none" w="med" len="med"/>
+                      <a:tailEnd type="none" w="med" len="med"/>
+                    </a:lnB>
+                    <a:lnTlToBr w="12700" cmpd="sng">
+                      <a:noFill/>
+                      <a:prstDash val="solid"/>
+                    </a:lnTlToBr>
+                    <a:lnBlToTr w="12700" cmpd="sng">
+                      <a:noFill/>
+                      <a:prstDash val="solid"/>
+                    </a:lnBlToTr>
+                    <a:solidFill>
+                      <a:srgbClr val="E9988A"/>
+                    </a:solidFill>
+                  </a:tcPr>
+                </a:tc>
+                <a:tc>
+                  <a:txBody>
+                    <a:bodyPr/>
+                    <a:lstStyle/>
+                    <a:p>
+                      <a:r>
+                        <a:rPr lang="ru-RU" sz="1100">
+                          <a:solidFill>
+                            <a:srgbClr val="000000"/>
+                          </a:solidFill>
+                          <a:effectLst/>
+                        </a:rPr>
+                        <a:t>Работа со средой передачи, сигналами и двоичными данными</a:t>
+                      </a:r>
+                    </a:p>
+                  </a:txBody>
+                  <a:tcPr marL="44372" marR="44372" marT="22186" marB="22186" anchor="ctr">
+                    <a:lnL w="12700" cap="flat" cmpd="sng" algn="ctr">
+                      <a:solidFill>
+                        <a:srgbClr val="080808"/>
+                      </a:solidFill>
+                      <a:prstDash val="solid"/>
+                      <a:round/>
+                      <a:headEnd type="none" w="med" len="med"/>
+                      <a:tailEnd type="none" w="med" len="med"/>
+                    </a:lnL>
+                    <a:lnR w="12700" cap="flat" cmpd="sng" algn="ctr">
+                      <a:solidFill>
+                        <a:srgbClr val="080808"/>
+                      </a:solidFill>
+                      <a:prstDash val="solid"/>
+                      <a:round/>
+                      <a:headEnd type="none" w="med" len="med"/>
+                      <a:tailEnd type="none" w="med" len="med"/>
+                    </a:lnR>
+                    <a:lnT w="12700" cap="flat" cmpd="sng" algn="ctr">
+                      <a:solidFill>
+                        <a:srgbClr val="080808"/>
+                      </a:solidFill>
+                      <a:prstDash val="solid"/>
+                      <a:round/>
+                      <a:headEnd type="none" w="med" len="med"/>
+                      <a:tailEnd type="none" w="med" len="med"/>
+                    </a:lnT>
+                    <a:lnB w="12700" cap="flat" cmpd="sng" algn="ctr">
+                      <a:solidFill>
+                        <a:srgbClr val="080808"/>
+                      </a:solidFill>
+                      <a:prstDash val="solid"/>
+                      <a:round/>
+                      <a:headEnd type="none" w="med" len="med"/>
+                      <a:tailEnd type="none" w="med" len="med"/>
+                    </a:lnB>
+                    <a:lnTlToBr w="12700" cmpd="sng">
+                      <a:noFill/>
+                      <a:prstDash val="solid"/>
+                    </a:lnTlToBr>
+                    <a:lnBlToTr w="12700" cmpd="sng">
+                      <a:noFill/>
+                      <a:prstDash val="solid"/>
+                    </a:lnBlToTr>
+                    <a:solidFill>
+                      <a:srgbClr val="E9988A"/>
+                    </a:solidFill>
+                  </a:tcPr>
+                </a:tc>
+                <a:tc>
+                  <a:txBody>
+                    <a:bodyPr/>
+                    <a:lstStyle/>
+                    <a:p>
+                      <a:r>
+                        <a:rPr lang="en-US" sz="1100" dirty="0" smtClean="0">
+                          <a:solidFill>
+                            <a:srgbClr val="000000"/>
+                          </a:solidFill>
+                        </a:rPr>
+                        <a:t>DSL, Ethernet physical layer, ISDN, USB</a:t>
+                      </a:r>
+                      <a:endParaRPr lang="en-US" sz="1100" dirty="0">
+                        <a:solidFill>
+                          <a:srgbClr val="000000"/>
+                        </a:solidFill>
+                      </a:endParaRPr>
+                    </a:p>
+                  </a:txBody>
+                  <a:tcPr marL="44372" marR="44372" marT="22186" marB="22186" anchor="ctr">
+                    <a:lnL w="12700" cap="flat" cmpd="sng" algn="ctr">
+                      <a:solidFill>
+                        <a:srgbClr val="080808"/>
+                      </a:solidFill>
+                      <a:prstDash val="solid"/>
+                      <a:round/>
+                      <a:headEnd type="none" w="med" len="med"/>
+                      <a:tailEnd type="none" w="med" len="med"/>
+                    </a:lnL>
+                    <a:lnR w="12700" cap="flat" cmpd="sng" algn="ctr">
+                      <a:solidFill>
+                        <a:srgbClr val="080808"/>
+                      </a:solidFill>
+                      <a:prstDash val="solid"/>
+                      <a:round/>
+                      <a:headEnd type="none" w="med" len="med"/>
+                      <a:tailEnd type="none" w="med" len="med"/>
+                    </a:lnR>
+                    <a:lnT w="12700" cap="flat" cmpd="sng" algn="ctr">
+                      <a:solidFill>
+                        <a:srgbClr val="080808"/>
+                      </a:solidFill>
+                      <a:prstDash val="solid"/>
+                      <a:round/>
+                      <a:headEnd type="none" w="med" len="med"/>
+                      <a:tailEnd type="none" w="med" len="med"/>
+                    </a:lnT>
+                    <a:lnB w="12700" cap="flat" cmpd="sng" algn="ctr">
+                      <a:solidFill>
+                        <a:srgbClr val="080808"/>
+                      </a:solidFill>
+                      <a:prstDash val="solid"/>
+                      <a:round/>
+                      <a:headEnd type="none" w="med" len="med"/>
+                      <a:tailEnd type="none" w="med" len="med"/>
+                    </a:lnB>
+                    <a:lnTlToBr w="12700" cmpd="sng">
+                      <a:noFill/>
+                      <a:prstDash val="solid"/>
+                    </a:lnTlToBr>
+                    <a:lnBlToTr w="12700" cmpd="sng">
+                      <a:noFill/>
+                      <a:prstDash val="solid"/>
+                    </a:lnBlToTr>
+                  </a:tcPr>
+                </a:tc>
+              </a:tr>
+            </a:tbl>
+          </a:graphicData>
+        </a:graphic>
+      </p:graphicFrame>
     </p:spTree>
     <p:extLst>
       <p:ext uri="{BB962C8B-B14F-4D97-AF65-F5344CB8AC3E}">
-        <p14:creationId xmlns:p14="http://schemas.microsoft.com/office/powerpoint/2010/main" val="1207668517"/>
+        <p14:creationId xmlns:p14="http://schemas.microsoft.com/office/powerpoint/2010/main" val="3980601528"/>
       </p:ext>
     </p:extLst>
   </p:cSld>
   <p:clrMapOvr>
     <a:masterClrMapping/>
   </p:clrMapOvr>
+  <p:timing>
+    <p:tnLst>
+      <p:par>
+        <p:cTn id="1" dur="indefinite" restart="never" nodeType="tmRoot"/>
+      </p:par>
+    </p:tnLst>
+  </p:timing>
 </p:sld>
 </file>
 
@@ -3685,7 +5474,7 @@
           <a:p>
             <a:r>
               <a:rPr lang="ru-RU" dirty="0" smtClean="0"/>
-              <a:t>Примеры адреса</a:t>
+              <a:t>Адрес</a:t>
             </a:r>
             <a:endParaRPr lang="en-US" dirty="0"/>
           </a:p>
@@ -3701,728 +5490,168 @@
             <p:ph idx="1"/>
           </p:nvPr>
         </p:nvSpPr>
-        <p:spPr>
-          <a:xfrm>
-            <a:off x="457200" y="1268760"/>
-            <a:ext cx="8229600" cy="5256584"/>
-          </a:xfrm>
-        </p:spPr>
+        <p:spPr/>
         <p:txBody>
           <a:bodyPr>
-            <a:noAutofit/>
+            <a:normAutofit fontScale="92500" lnSpcReduction="10000"/>
           </a:bodyPr>
           <a:lstStyle/>
           <a:p>
-            <a:pPr marL="0" indent="0">
-              <a:buNone/>
-            </a:pPr>
-            <a:r>
-              <a:rPr lang="en-US" sz="1100" dirty="0">
-                <a:latin typeface="Courier New" pitchFamily="49" charset="0"/>
-                <a:cs typeface="Courier New" pitchFamily="49" charset="0"/>
-              </a:rPr>
-              <a:t>&lt;</a:t>
-            </a:r>
-            <a:r>
-              <a:rPr lang="en-US" sz="1100" dirty="0" smtClean="0">
-                <a:latin typeface="Courier New" pitchFamily="49" charset="0"/>
-                <a:cs typeface="Courier New" pitchFamily="49" charset="0"/>
-              </a:rPr>
-              <a:t>endpoint</a:t>
-            </a:r>
-            <a:r>
-              <a:rPr lang="ru-RU" sz="1100" dirty="0" smtClean="0">
-                <a:latin typeface="Courier New" pitchFamily="49" charset="0"/>
-                <a:cs typeface="Courier New" pitchFamily="49" charset="0"/>
-              </a:rPr>
-              <a:t/>
-            </a:r>
-            <a:br>
-              <a:rPr lang="ru-RU" sz="1100" dirty="0" smtClean="0">
-                <a:latin typeface="Courier New" pitchFamily="49" charset="0"/>
-                <a:cs typeface="Courier New" pitchFamily="49" charset="0"/>
-              </a:rPr>
-            </a:br>
-            <a:r>
-              <a:rPr lang="en-US" sz="1100" dirty="0" smtClean="0">
-                <a:latin typeface="Courier New" pitchFamily="49" charset="0"/>
-                <a:cs typeface="Courier New" pitchFamily="49" charset="0"/>
-              </a:rPr>
-              <a:t> address=</a:t>
-            </a:r>
-            <a:r>
-              <a:rPr lang="en-US" sz="1100" dirty="0" smtClean="0">
-                <a:latin typeface="Courier New" pitchFamily="49" charset="0"/>
-                <a:cs typeface="Courier New" pitchFamily="49" charset="0"/>
-                <a:hlinkClick r:id="rId2"/>
-              </a:rPr>
+            <a:r>
+              <a:rPr lang="en-US" sz="2800" dirty="0"/>
+              <a:t>scheme</a:t>
+            </a:r>
+            <a:r>
+              <a:rPr lang="en-US" sz="2800" dirty="0" smtClean="0"/>
+              <a:t>://machinename[:</a:t>
+            </a:r>
+            <a:r>
+              <a:rPr lang="en-US" sz="2800" dirty="0"/>
+              <a:t>port]/</a:t>
+            </a:r>
+            <a:r>
+              <a:rPr lang="en-US" sz="2800" dirty="0" smtClean="0"/>
+              <a:t>path1/path2</a:t>
+            </a:r>
+            <a:endParaRPr lang="ru-RU" sz="2800" dirty="0" smtClean="0"/>
+          </a:p>
+          <a:p>
+            <a:r>
+              <a:rPr lang="ru-RU" sz="2800" dirty="0" smtClean="0"/>
+              <a:t>Схема транспорта </a:t>
+            </a:r>
+            <a:r>
+              <a:rPr lang="en-US" sz="2800" dirty="0" smtClean="0"/>
+              <a:t>(scheme)</a:t>
+            </a:r>
+          </a:p>
+          <a:p>
+            <a:pPr lvl="1"/>
+            <a:r>
+              <a:rPr lang="ru-RU" sz="2400" dirty="0" smtClean="0"/>
+              <a:t>Тип протокола</a:t>
+            </a:r>
+            <a:endParaRPr lang="en-US" sz="2400" dirty="0" smtClean="0"/>
+          </a:p>
+          <a:p>
+            <a:pPr lvl="1"/>
+            <a:r>
+              <a:rPr lang="en-US" sz="2400" dirty="0" smtClean="0"/>
               <a:t>http</a:t>
             </a:r>
             <a:r>
-              <a:rPr lang="en-US" sz="1100" dirty="0">
-                <a:latin typeface="Courier New" pitchFamily="49" charset="0"/>
-                <a:cs typeface="Courier New" pitchFamily="49" charset="0"/>
-                <a:hlinkClick r:id="rId2"/>
-              </a:rPr>
-              <a:t>://</a:t>
-            </a:r>
-            <a:r>
-              <a:rPr lang="en-US" sz="1100" dirty="0" smtClean="0">
-                <a:latin typeface="Courier New" pitchFamily="49" charset="0"/>
-                <a:cs typeface="Courier New" pitchFamily="49" charset="0"/>
-                <a:hlinkClick r:id="rId2"/>
-              </a:rPr>
-              <a:t>localhost:8080/QuickReturns/Exchange</a:t>
-            </a:r>
-            <a:r>
-              <a:rPr lang="ru-RU" sz="1100" dirty="0" smtClean="0">
-                <a:latin typeface="Courier New" pitchFamily="49" charset="0"/>
-                <a:cs typeface="Courier New" pitchFamily="49" charset="0"/>
-              </a:rPr>
-              <a:t/>
-            </a:r>
-            <a:br>
-              <a:rPr lang="ru-RU" sz="1100" dirty="0" smtClean="0">
-                <a:latin typeface="Courier New" pitchFamily="49" charset="0"/>
-                <a:cs typeface="Courier New" pitchFamily="49" charset="0"/>
-              </a:rPr>
-            </a:br>
-            <a:r>
-              <a:rPr lang="en-US" sz="1100" dirty="0" smtClean="0">
-                <a:latin typeface="Courier New" pitchFamily="49" charset="0"/>
-                <a:cs typeface="Courier New" pitchFamily="49" charset="0"/>
-              </a:rPr>
-              <a:t> </a:t>
-            </a:r>
-            <a:r>
-              <a:rPr lang="en-US" sz="1100" dirty="0" err="1" smtClean="0">
-                <a:latin typeface="Courier New" pitchFamily="49" charset="0"/>
-                <a:cs typeface="Courier New" pitchFamily="49" charset="0"/>
-              </a:rPr>
-              <a:t>bindingsSectionName</a:t>
-            </a:r>
-            <a:r>
-              <a:rPr lang="en-US" sz="1100" dirty="0">
-                <a:latin typeface="Courier New" pitchFamily="49" charset="0"/>
-                <a:cs typeface="Courier New" pitchFamily="49" charset="0"/>
-              </a:rPr>
-              <a:t>="</a:t>
-            </a:r>
-            <a:r>
-              <a:rPr lang="en-US" sz="1100" dirty="0" err="1" smtClean="0">
-                <a:latin typeface="Courier New" pitchFamily="49" charset="0"/>
-                <a:cs typeface="Courier New" pitchFamily="49" charset="0"/>
-              </a:rPr>
-              <a:t>BasicHttpBinding</a:t>
-            </a:r>
-            <a:r>
-              <a:rPr lang="en-US" sz="1100" dirty="0" smtClean="0">
-                <a:latin typeface="Courier New" pitchFamily="49" charset="0"/>
-                <a:cs typeface="Courier New" pitchFamily="49" charset="0"/>
-              </a:rPr>
-              <a:t>«</a:t>
-            </a:r>
-            <a:r>
-              <a:rPr lang="ru-RU" sz="1100" dirty="0" smtClean="0">
-                <a:latin typeface="Courier New" pitchFamily="49" charset="0"/>
-                <a:cs typeface="Courier New" pitchFamily="49" charset="0"/>
-              </a:rPr>
-              <a:t/>
-            </a:r>
-            <a:br>
-              <a:rPr lang="ru-RU" sz="1100" dirty="0" smtClean="0">
-                <a:latin typeface="Courier New" pitchFamily="49" charset="0"/>
-                <a:cs typeface="Courier New" pitchFamily="49" charset="0"/>
-              </a:rPr>
-            </a:br>
-            <a:r>
-              <a:rPr lang="en-US" sz="1100" dirty="0" smtClean="0">
-                <a:latin typeface="Courier New" pitchFamily="49" charset="0"/>
-                <a:cs typeface="Courier New" pitchFamily="49" charset="0"/>
-              </a:rPr>
-              <a:t> contract</a:t>
-            </a:r>
-            <a:r>
-              <a:rPr lang="en-US" sz="1100" dirty="0">
-                <a:latin typeface="Courier New" pitchFamily="49" charset="0"/>
-                <a:cs typeface="Courier New" pitchFamily="49" charset="0"/>
-              </a:rPr>
-              <a:t>="</a:t>
-            </a:r>
-            <a:r>
-              <a:rPr lang="en-US" sz="1100" dirty="0" err="1" smtClean="0">
-                <a:latin typeface="Courier New" pitchFamily="49" charset="0"/>
-                <a:cs typeface="Courier New" pitchFamily="49" charset="0"/>
-              </a:rPr>
-              <a:t>IExchange</a:t>
-            </a:r>
-            <a:r>
-              <a:rPr lang="en-US" sz="1100" dirty="0" smtClean="0">
-                <a:latin typeface="Courier New" pitchFamily="49" charset="0"/>
-                <a:cs typeface="Courier New" pitchFamily="49" charset="0"/>
-              </a:rPr>
-              <a:t>«</a:t>
-            </a:r>
-            <a:r>
-              <a:rPr lang="ru-RU" sz="1100" dirty="0" smtClean="0">
-                <a:latin typeface="Courier New" pitchFamily="49" charset="0"/>
-                <a:cs typeface="Courier New" pitchFamily="49" charset="0"/>
-              </a:rPr>
-              <a:t/>
-            </a:r>
-            <a:br>
-              <a:rPr lang="ru-RU" sz="1100" dirty="0" smtClean="0">
-                <a:latin typeface="Courier New" pitchFamily="49" charset="0"/>
-                <a:cs typeface="Courier New" pitchFamily="49" charset="0"/>
-              </a:rPr>
-            </a:br>
-            <a:r>
-              <a:rPr lang="en-US" sz="1100" dirty="0" smtClean="0">
-                <a:latin typeface="Courier New" pitchFamily="49" charset="0"/>
-                <a:cs typeface="Courier New" pitchFamily="49" charset="0"/>
-              </a:rPr>
-              <a:t>/&gt;</a:t>
-            </a:r>
-          </a:p>
-          <a:p>
-            <a:pPr marL="0" indent="0">
-              <a:buNone/>
-            </a:pPr>
-            <a:endParaRPr lang="en-US" sz="1100" dirty="0">
-              <a:latin typeface="Courier New" pitchFamily="49" charset="0"/>
-              <a:cs typeface="Courier New" pitchFamily="49" charset="0"/>
-            </a:endParaRPr>
-          </a:p>
-          <a:p>
-            <a:pPr marL="0" indent="0">
-              <a:buNone/>
-            </a:pPr>
-            <a:r>
-              <a:rPr lang="en-US" sz="1100" dirty="0">
-                <a:latin typeface="Courier New" pitchFamily="49" charset="0"/>
-                <a:cs typeface="Courier New" pitchFamily="49" charset="0"/>
-              </a:rPr>
-              <a:t>&lt;host&gt;</a:t>
-            </a:r>
-          </a:p>
-          <a:p>
-            <a:pPr marL="0" indent="0">
-              <a:buNone/>
-            </a:pPr>
-            <a:r>
-              <a:rPr lang="en-US" sz="1100" dirty="0" smtClean="0">
-                <a:latin typeface="Courier New" pitchFamily="49" charset="0"/>
-                <a:cs typeface="Courier New" pitchFamily="49" charset="0"/>
-              </a:rPr>
-              <a:t>  &lt;</a:t>
-            </a:r>
-            <a:r>
-              <a:rPr lang="en-US" sz="1100" dirty="0" err="1">
-                <a:latin typeface="Courier New" pitchFamily="49" charset="0"/>
-                <a:cs typeface="Courier New" pitchFamily="49" charset="0"/>
-              </a:rPr>
-              <a:t>baseAddresses</a:t>
-            </a:r>
-            <a:r>
-              <a:rPr lang="en-US" sz="1100" dirty="0">
-                <a:latin typeface="Courier New" pitchFamily="49" charset="0"/>
-                <a:cs typeface="Courier New" pitchFamily="49" charset="0"/>
-              </a:rPr>
-              <a:t>&gt;</a:t>
-            </a:r>
-          </a:p>
-          <a:p>
-            <a:pPr marL="0" indent="0">
-              <a:buNone/>
-            </a:pPr>
-            <a:r>
-              <a:rPr lang="en-US" sz="1100" dirty="0" smtClean="0">
-                <a:latin typeface="Courier New" pitchFamily="49" charset="0"/>
-                <a:cs typeface="Courier New" pitchFamily="49" charset="0"/>
-              </a:rPr>
-              <a:t>    &lt;</a:t>
-            </a:r>
-            <a:r>
-              <a:rPr lang="en-US" sz="1100" dirty="0">
-                <a:latin typeface="Courier New" pitchFamily="49" charset="0"/>
-                <a:cs typeface="Courier New" pitchFamily="49" charset="0"/>
-              </a:rPr>
-              <a:t>add </a:t>
-            </a:r>
-            <a:r>
-              <a:rPr lang="en-US" sz="1100" dirty="0" err="1">
-                <a:latin typeface="Courier New" pitchFamily="49" charset="0"/>
-                <a:cs typeface="Courier New" pitchFamily="49" charset="0"/>
-              </a:rPr>
-              <a:t>baseAddress</a:t>
-            </a:r>
-            <a:r>
-              <a:rPr lang="en-US" sz="1100" dirty="0">
-                <a:latin typeface="Courier New" pitchFamily="49" charset="0"/>
-                <a:cs typeface="Courier New" pitchFamily="49" charset="0"/>
-              </a:rPr>
-              <a:t>="http://localhost:8080/</a:t>
-            </a:r>
-            <a:r>
-              <a:rPr lang="en-US" sz="1100" dirty="0" err="1">
-                <a:latin typeface="Courier New" pitchFamily="49" charset="0"/>
-                <a:cs typeface="Courier New" pitchFamily="49" charset="0"/>
-              </a:rPr>
-              <a:t>QuickReturns</a:t>
-            </a:r>
-            <a:r>
-              <a:rPr lang="en-US" sz="1100" dirty="0">
-                <a:latin typeface="Courier New" pitchFamily="49" charset="0"/>
-                <a:cs typeface="Courier New" pitchFamily="49" charset="0"/>
-              </a:rPr>
-              <a:t>"/&gt;</a:t>
-            </a:r>
-          </a:p>
-          <a:p>
-            <a:pPr marL="0" indent="0">
-              <a:buNone/>
-            </a:pPr>
-            <a:r>
-              <a:rPr lang="en-US" sz="1100" dirty="0" smtClean="0">
-                <a:latin typeface="Courier New" pitchFamily="49" charset="0"/>
-                <a:cs typeface="Courier New" pitchFamily="49" charset="0"/>
-              </a:rPr>
-              <a:t>    &lt;</a:t>
-            </a:r>
-            <a:r>
-              <a:rPr lang="en-US" sz="1100" dirty="0">
-                <a:latin typeface="Courier New" pitchFamily="49" charset="0"/>
-                <a:cs typeface="Courier New" pitchFamily="49" charset="0"/>
-              </a:rPr>
-              <a:t>add </a:t>
-            </a:r>
-            <a:r>
-              <a:rPr lang="en-US" sz="1100" dirty="0" err="1">
-                <a:latin typeface="Courier New" pitchFamily="49" charset="0"/>
-                <a:cs typeface="Courier New" pitchFamily="49" charset="0"/>
-              </a:rPr>
-              <a:t>baseAddress</a:t>
-            </a:r>
-            <a:r>
-              <a:rPr lang="en-US" sz="1100" dirty="0">
-                <a:latin typeface="Courier New" pitchFamily="49" charset="0"/>
-                <a:cs typeface="Courier New" pitchFamily="49" charset="0"/>
-              </a:rPr>
-              <a:t>="</a:t>
-            </a:r>
-            <a:r>
-              <a:rPr lang="en-US" sz="1100" dirty="0" err="1">
-                <a:latin typeface="Courier New" pitchFamily="49" charset="0"/>
-                <a:cs typeface="Courier New" pitchFamily="49" charset="0"/>
-              </a:rPr>
+              <a:rPr lang="en-US" sz="2400" dirty="0"/>
+              <a:t>, </a:t>
+            </a:r>
+            <a:r>
+              <a:rPr lang="en-US" sz="2400" dirty="0" err="1" smtClean="0"/>
               <a:t>net.tcp</a:t>
             </a:r>
             <a:r>
-              <a:rPr lang="en-US" sz="1100" dirty="0">
-                <a:latin typeface="Courier New" pitchFamily="49" charset="0"/>
-                <a:cs typeface="Courier New" pitchFamily="49" charset="0"/>
-              </a:rPr>
-              <a:t>://</a:t>
-            </a:r>
-            <a:r>
-              <a:rPr lang="en-US" sz="1100" dirty="0" err="1">
-                <a:latin typeface="Courier New" pitchFamily="49" charset="0"/>
-                <a:cs typeface="Courier New" pitchFamily="49" charset="0"/>
-              </a:rPr>
-              <a:t>localhost</a:t>
-            </a:r>
-            <a:r>
-              <a:rPr lang="en-US" sz="1100" dirty="0">
-                <a:latin typeface="Courier New" pitchFamily="49" charset="0"/>
-                <a:cs typeface="Courier New" pitchFamily="49" charset="0"/>
-              </a:rPr>
-              <a:t>/</a:t>
-            </a:r>
-            <a:r>
-              <a:rPr lang="en-US" sz="1100" dirty="0" err="1">
-                <a:latin typeface="Courier New" pitchFamily="49" charset="0"/>
-                <a:cs typeface="Courier New" pitchFamily="49" charset="0"/>
-              </a:rPr>
-              <a:t>QuickReturns</a:t>
-            </a:r>
-            <a:r>
-              <a:rPr lang="en-US" sz="1100" dirty="0">
-                <a:latin typeface="Courier New" pitchFamily="49" charset="0"/>
-                <a:cs typeface="Courier New" pitchFamily="49" charset="0"/>
-              </a:rPr>
-              <a:t>"/&gt;</a:t>
-            </a:r>
-          </a:p>
-          <a:p>
-            <a:pPr marL="0" indent="0">
-              <a:buNone/>
-            </a:pPr>
-            <a:r>
-              <a:rPr lang="en-US" sz="1100" dirty="0" smtClean="0">
-                <a:latin typeface="Courier New" pitchFamily="49" charset="0"/>
-                <a:cs typeface="Courier New" pitchFamily="49" charset="0"/>
-              </a:rPr>
-              <a:t>   &lt;/</a:t>
-            </a:r>
-            <a:r>
-              <a:rPr lang="en-US" sz="1100" dirty="0" err="1">
-                <a:latin typeface="Courier New" pitchFamily="49" charset="0"/>
-                <a:cs typeface="Courier New" pitchFamily="49" charset="0"/>
-              </a:rPr>
-              <a:t>baseAddresses</a:t>
-            </a:r>
-            <a:r>
-              <a:rPr lang="en-US" sz="1100" dirty="0">
-                <a:latin typeface="Courier New" pitchFamily="49" charset="0"/>
-                <a:cs typeface="Courier New" pitchFamily="49" charset="0"/>
-              </a:rPr>
-              <a:t>&gt;</a:t>
-            </a:r>
-          </a:p>
-          <a:p>
-            <a:pPr marL="0" indent="0">
-              <a:buNone/>
-            </a:pPr>
-            <a:r>
-              <a:rPr lang="en-US" sz="1100" dirty="0">
-                <a:latin typeface="Courier New" pitchFamily="49" charset="0"/>
-                <a:cs typeface="Courier New" pitchFamily="49" charset="0"/>
-              </a:rPr>
-              <a:t>&lt;/host&gt;</a:t>
-            </a:r>
-          </a:p>
-          <a:p>
-            <a:pPr marL="0" indent="0">
-              <a:buNone/>
-            </a:pPr>
-            <a:endParaRPr lang="en-US" sz="1100" dirty="0" smtClean="0">
-              <a:latin typeface="Courier New" pitchFamily="49" charset="0"/>
-              <a:cs typeface="Courier New" pitchFamily="49" charset="0"/>
-            </a:endParaRPr>
-          </a:p>
-          <a:p>
-            <a:pPr marL="0" indent="0">
-              <a:buNone/>
-            </a:pPr>
-            <a:r>
-              <a:rPr lang="en-US" sz="1100" dirty="0" smtClean="0">
-                <a:latin typeface="Courier New" pitchFamily="49" charset="0"/>
-                <a:cs typeface="Courier New" pitchFamily="49" charset="0"/>
-              </a:rPr>
-              <a:t>&lt;endpoint</a:t>
-            </a:r>
-          </a:p>
-          <a:p>
-            <a:pPr marL="0" indent="0">
-              <a:buNone/>
-            </a:pPr>
-            <a:r>
-              <a:rPr lang="en-US" sz="1100" dirty="0" smtClean="0">
-                <a:latin typeface="Courier New" pitchFamily="49" charset="0"/>
-                <a:cs typeface="Courier New" pitchFamily="49" charset="0"/>
-              </a:rPr>
-              <a:t>  name</a:t>
-            </a:r>
-            <a:r>
-              <a:rPr lang="en-US" sz="1100" dirty="0">
-                <a:latin typeface="Courier New" pitchFamily="49" charset="0"/>
-                <a:cs typeface="Courier New" pitchFamily="49" charset="0"/>
-              </a:rPr>
-              <a:t>="</a:t>
-            </a:r>
-            <a:r>
-              <a:rPr lang="en-US" sz="1100" dirty="0" err="1">
-                <a:latin typeface="Courier New" pitchFamily="49" charset="0"/>
-                <a:cs typeface="Courier New" pitchFamily="49" charset="0"/>
-              </a:rPr>
-              <a:t>BasicHttpBinding</a:t>
-            </a:r>
-            <a:r>
-              <a:rPr lang="en-US" sz="1100" dirty="0">
-                <a:latin typeface="Courier New" pitchFamily="49" charset="0"/>
-                <a:cs typeface="Courier New" pitchFamily="49" charset="0"/>
-              </a:rPr>
-              <a:t>"</a:t>
-            </a:r>
-          </a:p>
-          <a:p>
-            <a:pPr marL="0" indent="0">
-              <a:buNone/>
-            </a:pPr>
-            <a:r>
-              <a:rPr lang="en-US" sz="1100" dirty="0" smtClean="0">
-                <a:latin typeface="Courier New" pitchFamily="49" charset="0"/>
-                <a:cs typeface="Courier New" pitchFamily="49" charset="0"/>
-              </a:rPr>
-              <a:t>  address</a:t>
-            </a:r>
-            <a:r>
-              <a:rPr lang="en-US" sz="1100" dirty="0">
-                <a:latin typeface="Courier New" pitchFamily="49" charset="0"/>
-                <a:cs typeface="Courier New" pitchFamily="49" charset="0"/>
-              </a:rPr>
-              <a:t>="Exchange"</a:t>
-            </a:r>
-          </a:p>
-          <a:p>
-            <a:pPr marL="0" indent="0">
-              <a:buNone/>
-            </a:pPr>
-            <a:r>
-              <a:rPr lang="en-US" sz="1100" dirty="0" smtClean="0">
-                <a:latin typeface="Courier New" pitchFamily="49" charset="0"/>
-                <a:cs typeface="Courier New" pitchFamily="49" charset="0"/>
-              </a:rPr>
-              <a:t>  </a:t>
-            </a:r>
-            <a:r>
-              <a:rPr lang="en-US" sz="1100" dirty="0" err="1" smtClean="0">
-                <a:latin typeface="Courier New" pitchFamily="49" charset="0"/>
-                <a:cs typeface="Courier New" pitchFamily="49" charset="0"/>
-              </a:rPr>
-              <a:t>bindingsSectionName</a:t>
-            </a:r>
-            <a:r>
-              <a:rPr lang="en-US" sz="1100" dirty="0">
-                <a:latin typeface="Courier New" pitchFamily="49" charset="0"/>
-                <a:cs typeface="Courier New" pitchFamily="49" charset="0"/>
-              </a:rPr>
-              <a:t>="</a:t>
-            </a:r>
-            <a:r>
-              <a:rPr lang="en-US" sz="1100" dirty="0" err="1">
-                <a:latin typeface="Courier New" pitchFamily="49" charset="0"/>
-                <a:cs typeface="Courier New" pitchFamily="49" charset="0"/>
-              </a:rPr>
-              <a:t>BasicHttpBinding</a:t>
-            </a:r>
-            <a:r>
-              <a:rPr lang="en-US" sz="1100" dirty="0">
-                <a:latin typeface="Courier New" pitchFamily="49" charset="0"/>
-                <a:cs typeface="Courier New" pitchFamily="49" charset="0"/>
-              </a:rPr>
-              <a:t>"</a:t>
-            </a:r>
-          </a:p>
-          <a:p>
-            <a:pPr marL="0" indent="0">
-              <a:buNone/>
-            </a:pPr>
-            <a:r>
-              <a:rPr lang="en-US" sz="1100" dirty="0" smtClean="0">
-                <a:latin typeface="Courier New" pitchFamily="49" charset="0"/>
-                <a:cs typeface="Courier New" pitchFamily="49" charset="0"/>
-              </a:rPr>
-              <a:t>  contract</a:t>
-            </a:r>
-            <a:r>
-              <a:rPr lang="en-US" sz="1100" dirty="0">
-                <a:latin typeface="Courier New" pitchFamily="49" charset="0"/>
-                <a:cs typeface="Courier New" pitchFamily="49" charset="0"/>
-              </a:rPr>
-              <a:t>="</a:t>
-            </a:r>
-            <a:r>
-              <a:rPr lang="en-US" sz="1100" dirty="0" err="1" smtClean="0">
-                <a:latin typeface="Courier New" pitchFamily="49" charset="0"/>
-                <a:cs typeface="Courier New" pitchFamily="49" charset="0"/>
-              </a:rPr>
-              <a:t>IExchange</a:t>
-            </a:r>
-            <a:r>
-              <a:rPr lang="en-US" sz="1100" dirty="0" smtClean="0">
-                <a:latin typeface="Courier New" pitchFamily="49" charset="0"/>
-                <a:cs typeface="Courier New" pitchFamily="49" charset="0"/>
-              </a:rPr>
-              <a:t>“</a:t>
-            </a:r>
-          </a:p>
-          <a:p>
-            <a:pPr marL="0" indent="0">
-              <a:buNone/>
-            </a:pPr>
-            <a:r>
-              <a:rPr lang="en-US" sz="1100" dirty="0" smtClean="0">
-                <a:latin typeface="Courier New" pitchFamily="49" charset="0"/>
-                <a:cs typeface="Courier New" pitchFamily="49" charset="0"/>
-              </a:rPr>
-              <a:t>/&gt;</a:t>
-            </a:r>
-          </a:p>
-          <a:p>
-            <a:pPr marL="0" indent="0">
-              <a:buNone/>
-            </a:pPr>
-            <a:endParaRPr lang="en-US" sz="1100" dirty="0">
-              <a:latin typeface="Courier New" pitchFamily="49" charset="0"/>
-              <a:cs typeface="Courier New" pitchFamily="49" charset="0"/>
-            </a:endParaRPr>
-          </a:p>
-          <a:p>
-            <a:pPr marL="0" indent="0">
-              <a:buNone/>
-            </a:pPr>
-            <a:r>
-              <a:rPr lang="en-US" sz="1100" dirty="0">
-                <a:latin typeface="Courier New" pitchFamily="49" charset="0"/>
-                <a:cs typeface="Courier New" pitchFamily="49" charset="0"/>
-              </a:rPr>
-              <a:t>&lt;endpoint</a:t>
-            </a:r>
-          </a:p>
-          <a:p>
-            <a:pPr marL="0" indent="0">
-              <a:buNone/>
-            </a:pPr>
-            <a:r>
-              <a:rPr lang="en-US" sz="1100" dirty="0" smtClean="0">
-                <a:latin typeface="Courier New" pitchFamily="49" charset="0"/>
-                <a:cs typeface="Courier New" pitchFamily="49" charset="0"/>
-              </a:rPr>
-              <a:t>  name</a:t>
-            </a:r>
-            <a:r>
-              <a:rPr lang="en-US" sz="1100" dirty="0">
-                <a:latin typeface="Courier New" pitchFamily="49" charset="0"/>
-                <a:cs typeface="Courier New" pitchFamily="49" charset="0"/>
-              </a:rPr>
-              <a:t>="</a:t>
-            </a:r>
-            <a:r>
-              <a:rPr lang="en-US" sz="1100" dirty="0" err="1">
-                <a:latin typeface="Courier New" pitchFamily="49" charset="0"/>
-                <a:cs typeface="Courier New" pitchFamily="49" charset="0"/>
-              </a:rPr>
-              <a:t>NetNamedPipeBinding</a:t>
-            </a:r>
-            <a:r>
-              <a:rPr lang="en-US" sz="1100" dirty="0">
-                <a:latin typeface="Courier New" pitchFamily="49" charset="0"/>
-                <a:cs typeface="Courier New" pitchFamily="49" charset="0"/>
-              </a:rPr>
-              <a:t>"</a:t>
-            </a:r>
-          </a:p>
-          <a:p>
-            <a:pPr marL="0" indent="0">
-              <a:buNone/>
-            </a:pPr>
-            <a:r>
-              <a:rPr lang="en-US" sz="1100" dirty="0" smtClean="0">
-                <a:latin typeface="Courier New" pitchFamily="49" charset="0"/>
-                <a:cs typeface="Courier New" pitchFamily="49" charset="0"/>
-              </a:rPr>
-              <a:t>  address</a:t>
-            </a:r>
-            <a:r>
-              <a:rPr lang="en-US" sz="1100" dirty="0">
-                <a:latin typeface="Courier New" pitchFamily="49" charset="0"/>
-                <a:cs typeface="Courier New" pitchFamily="49" charset="0"/>
-              </a:rPr>
-              <a:t>="Exchange"</a:t>
-            </a:r>
-          </a:p>
-          <a:p>
-            <a:pPr marL="0" indent="0">
-              <a:buNone/>
-            </a:pPr>
-            <a:r>
-              <a:rPr lang="en-US" sz="1100" dirty="0" smtClean="0">
-                <a:latin typeface="Courier New" pitchFamily="49" charset="0"/>
-                <a:cs typeface="Courier New" pitchFamily="49" charset="0"/>
-              </a:rPr>
-              <a:t>  </a:t>
-            </a:r>
-            <a:r>
-              <a:rPr lang="en-US" sz="1100" dirty="0" err="1" smtClean="0">
-                <a:latin typeface="Courier New" pitchFamily="49" charset="0"/>
-                <a:cs typeface="Courier New" pitchFamily="49" charset="0"/>
-              </a:rPr>
-              <a:t>bindingsSectionName</a:t>
-            </a:r>
-            <a:r>
-              <a:rPr lang="en-US" sz="1100" dirty="0">
-                <a:latin typeface="Courier New" pitchFamily="49" charset="0"/>
-                <a:cs typeface="Courier New" pitchFamily="49" charset="0"/>
-              </a:rPr>
-              <a:t>="</a:t>
-            </a:r>
-            <a:r>
-              <a:rPr lang="en-US" sz="1100" dirty="0" err="1">
-                <a:latin typeface="Courier New" pitchFamily="49" charset="0"/>
-                <a:cs typeface="Courier New" pitchFamily="49" charset="0"/>
-              </a:rPr>
-              <a:t>NetNamedPipeBinding</a:t>
-            </a:r>
-            <a:r>
-              <a:rPr lang="en-US" sz="1100" dirty="0">
-                <a:latin typeface="Courier New" pitchFamily="49" charset="0"/>
-                <a:cs typeface="Courier New" pitchFamily="49" charset="0"/>
-              </a:rPr>
-              <a:t>"</a:t>
-            </a:r>
-          </a:p>
-          <a:p>
-            <a:pPr marL="0" indent="0">
-              <a:buNone/>
-            </a:pPr>
-            <a:r>
-              <a:rPr lang="en-US" sz="1100" dirty="0" smtClean="0">
-                <a:latin typeface="Courier New" pitchFamily="49" charset="0"/>
-                <a:cs typeface="Courier New" pitchFamily="49" charset="0"/>
-              </a:rPr>
-              <a:t>  contract</a:t>
-            </a:r>
-            <a:r>
-              <a:rPr lang="en-US" sz="1100" dirty="0">
-                <a:latin typeface="Courier New" pitchFamily="49" charset="0"/>
-                <a:cs typeface="Courier New" pitchFamily="49" charset="0"/>
-              </a:rPr>
-              <a:t>="</a:t>
-            </a:r>
-            <a:r>
-              <a:rPr lang="en-US" sz="1100" dirty="0" err="1" smtClean="0">
-                <a:latin typeface="Courier New" pitchFamily="49" charset="0"/>
-                <a:cs typeface="Courier New" pitchFamily="49" charset="0"/>
-              </a:rPr>
-              <a:t>IExchange</a:t>
-            </a:r>
-            <a:r>
-              <a:rPr lang="en-US" sz="1100" dirty="0" smtClean="0">
-                <a:latin typeface="Courier New" pitchFamily="49" charset="0"/>
-                <a:cs typeface="Courier New" pitchFamily="49" charset="0"/>
-              </a:rPr>
-              <a:t>“</a:t>
-            </a:r>
-          </a:p>
-          <a:p>
-            <a:pPr marL="0" indent="0">
-              <a:buNone/>
-            </a:pPr>
-            <a:r>
-              <a:rPr lang="en-US" sz="1100" dirty="0" smtClean="0">
-                <a:latin typeface="Courier New" pitchFamily="49" charset="0"/>
-                <a:cs typeface="Courier New" pitchFamily="49" charset="0"/>
-              </a:rPr>
-              <a:t>/&gt;</a:t>
-            </a:r>
-            <a:endParaRPr lang="en-US" sz="1100" dirty="0">
-              <a:latin typeface="Courier New" pitchFamily="49" charset="0"/>
-              <a:cs typeface="Courier New" pitchFamily="49" charset="0"/>
-            </a:endParaRPr>
+              <a:rPr lang="en-US" sz="2400" dirty="0" smtClean="0"/>
+              <a:t>, </a:t>
+            </a:r>
+            <a:r>
+              <a:rPr lang="en-US" sz="2400" dirty="0" err="1" smtClean="0"/>
+              <a:t>net.msmq</a:t>
+            </a:r>
+            <a:r>
+              <a:rPr lang="en-US" sz="2400" dirty="0" smtClean="0"/>
+              <a:t>, </a:t>
+            </a:r>
+            <a:r>
+              <a:rPr lang="en-US" sz="2400" dirty="0" err="1" smtClean="0"/>
+              <a:t>net.pipe</a:t>
+            </a:r>
+            <a:endParaRPr lang="ru-RU" sz="2400" dirty="0" smtClean="0"/>
+          </a:p>
+          <a:p>
+            <a:r>
+              <a:rPr lang="ru-RU" dirty="0" smtClean="0"/>
+              <a:t>Имя машины </a:t>
+            </a:r>
+            <a:r>
+              <a:rPr lang="en-US" dirty="0" smtClean="0"/>
+              <a:t>(</a:t>
+            </a:r>
+            <a:r>
+              <a:rPr lang="en-US" dirty="0" err="1" smtClean="0"/>
+              <a:t>machinename</a:t>
+            </a:r>
+            <a:r>
+              <a:rPr lang="en-US" dirty="0" smtClean="0"/>
+              <a:t>)</a:t>
+            </a:r>
+          </a:p>
+          <a:p>
+            <a:pPr lvl="1"/>
+            <a:r>
+              <a:rPr lang="ru-RU" dirty="0" smtClean="0"/>
+              <a:t>Полное доменное </a:t>
+            </a:r>
+            <a:r>
+              <a:rPr lang="en-US" dirty="0" smtClean="0"/>
+              <a:t>(DNS) </a:t>
+            </a:r>
+            <a:r>
+              <a:rPr lang="ru-RU" dirty="0" smtClean="0"/>
+              <a:t>имя адресата</a:t>
+            </a:r>
+          </a:p>
+          <a:p>
+            <a:r>
+              <a:rPr lang="ru-RU" dirty="0" smtClean="0"/>
+              <a:t>Порт (необязательно)</a:t>
+            </a:r>
+          </a:p>
+          <a:p>
+            <a:pPr lvl="1"/>
+            <a:r>
+              <a:rPr lang="ru-RU" dirty="0" smtClean="0"/>
+              <a:t>80 стандартный порт для </a:t>
+            </a:r>
+            <a:r>
+              <a:rPr lang="en-US" dirty="0" smtClean="0"/>
+              <a:t>HTTP</a:t>
+            </a:r>
+          </a:p>
+          <a:p>
+            <a:r>
+              <a:rPr lang="ru-RU" dirty="0" smtClean="0"/>
+              <a:t>Путь (</a:t>
+            </a:r>
+            <a:r>
+              <a:rPr lang="en-US" dirty="0" smtClean="0"/>
+              <a:t>path)</a:t>
+            </a:r>
+          </a:p>
+          <a:p>
+            <a:pPr lvl="1"/>
+            <a:r>
+              <a:rPr lang="ru-RU" dirty="0" smtClean="0"/>
+              <a:t>Путь к сервису</a:t>
+            </a:r>
+            <a:endParaRPr lang="en-US" dirty="0"/>
           </a:p>
         </p:txBody>
       </p:sp>
     </p:spTree>
     <p:extLst>
       <p:ext uri="{BB962C8B-B14F-4D97-AF65-F5344CB8AC3E}">
-        <p14:creationId xmlns:p14="http://schemas.microsoft.com/office/powerpoint/2010/main" val="1242381062"/>
+        <p14:creationId xmlns:p14="http://schemas.microsoft.com/office/powerpoint/2010/main" val="1207668517"/>
       </p:ext>
     </p:extLst>
   </p:cSld>
   <p:clrMapOvr>
     <a:masterClrMapping/>
   </p:clrMapOvr>
+  <p:timing>
+    <p:tnLst>
+      <p:par>
+        <p:cTn id="1" dur="indefinite" restart="never" nodeType="tmRoot"/>
+      </p:par>
+    </p:tnLst>
+  </p:timing>
 </p:sld>
 </file>
 
@@ -4460,6 +5689,788 @@
           <a:p>
             <a:r>
               <a:rPr lang="ru-RU" dirty="0" smtClean="0"/>
+              <a:t>Примеры адреса</a:t>
+            </a:r>
+            <a:endParaRPr lang="en-US" dirty="0"/>
+          </a:p>
+        </p:txBody>
+      </p:sp>
+      <p:sp>
+        <p:nvSpPr>
+          <p:cNvPr id="3" name="Content Placeholder 2"/>
+          <p:cNvSpPr>
+            <a:spLocks noGrp="1"/>
+          </p:cNvSpPr>
+          <p:nvPr>
+            <p:ph idx="1"/>
+          </p:nvPr>
+        </p:nvSpPr>
+        <p:spPr>
+          <a:xfrm>
+            <a:off x="457200" y="1268760"/>
+            <a:ext cx="8229600" cy="5256584"/>
+          </a:xfrm>
+        </p:spPr>
+        <p:txBody>
+          <a:bodyPr>
+            <a:noAutofit/>
+          </a:bodyPr>
+          <a:lstStyle/>
+          <a:p>
+            <a:pPr marL="0" indent="0">
+              <a:buNone/>
+            </a:pPr>
+            <a:r>
+              <a:rPr lang="en-US" sz="1100" dirty="0">
+                <a:latin typeface="Courier New" pitchFamily="49" charset="0"/>
+                <a:cs typeface="Courier New" pitchFamily="49" charset="0"/>
+              </a:rPr>
+              <a:t>&lt;</a:t>
+            </a:r>
+            <a:r>
+              <a:rPr lang="en-US" sz="1100" dirty="0" smtClean="0">
+                <a:latin typeface="Courier New" pitchFamily="49" charset="0"/>
+                <a:cs typeface="Courier New" pitchFamily="49" charset="0"/>
+              </a:rPr>
+              <a:t>endpoint</a:t>
+            </a:r>
+            <a:r>
+              <a:rPr lang="ru-RU" sz="1100" dirty="0" smtClean="0">
+                <a:latin typeface="Courier New" pitchFamily="49" charset="0"/>
+                <a:cs typeface="Courier New" pitchFamily="49" charset="0"/>
+              </a:rPr>
+              <a:t/>
+            </a:r>
+            <a:br>
+              <a:rPr lang="ru-RU" sz="1100" dirty="0" smtClean="0">
+                <a:latin typeface="Courier New" pitchFamily="49" charset="0"/>
+                <a:cs typeface="Courier New" pitchFamily="49" charset="0"/>
+              </a:rPr>
+            </a:br>
+            <a:r>
+              <a:rPr lang="en-US" sz="1100" dirty="0" smtClean="0">
+                <a:latin typeface="Courier New" pitchFamily="49" charset="0"/>
+                <a:cs typeface="Courier New" pitchFamily="49" charset="0"/>
+              </a:rPr>
+              <a:t> address=</a:t>
+            </a:r>
+            <a:r>
+              <a:rPr lang="en-US" sz="1100" dirty="0" smtClean="0">
+                <a:latin typeface="Courier New" pitchFamily="49" charset="0"/>
+                <a:cs typeface="Courier New" pitchFamily="49" charset="0"/>
+                <a:hlinkClick r:id="rId2"/>
+              </a:rPr>
+              <a:t>http</a:t>
+            </a:r>
+            <a:r>
+              <a:rPr lang="en-US" sz="1100" dirty="0">
+                <a:latin typeface="Courier New" pitchFamily="49" charset="0"/>
+                <a:cs typeface="Courier New" pitchFamily="49" charset="0"/>
+                <a:hlinkClick r:id="rId2"/>
+              </a:rPr>
+              <a:t>://</a:t>
+            </a:r>
+            <a:r>
+              <a:rPr lang="en-US" sz="1100" dirty="0" smtClean="0">
+                <a:latin typeface="Courier New" pitchFamily="49" charset="0"/>
+                <a:cs typeface="Courier New" pitchFamily="49" charset="0"/>
+                <a:hlinkClick r:id="rId2"/>
+              </a:rPr>
+              <a:t>localhost:8080/QuickReturns/Exchange</a:t>
+            </a:r>
+            <a:r>
+              <a:rPr lang="ru-RU" sz="1100" dirty="0" smtClean="0">
+                <a:latin typeface="Courier New" pitchFamily="49" charset="0"/>
+                <a:cs typeface="Courier New" pitchFamily="49" charset="0"/>
+              </a:rPr>
+              <a:t/>
+            </a:r>
+            <a:br>
+              <a:rPr lang="ru-RU" sz="1100" dirty="0" smtClean="0">
+                <a:latin typeface="Courier New" pitchFamily="49" charset="0"/>
+                <a:cs typeface="Courier New" pitchFamily="49" charset="0"/>
+              </a:rPr>
+            </a:br>
+            <a:r>
+              <a:rPr lang="en-US" sz="1100" dirty="0" smtClean="0">
+                <a:latin typeface="Courier New" pitchFamily="49" charset="0"/>
+                <a:cs typeface="Courier New" pitchFamily="49" charset="0"/>
+              </a:rPr>
+              <a:t> </a:t>
+            </a:r>
+            <a:r>
+              <a:rPr lang="en-US" sz="1100" dirty="0" err="1" smtClean="0">
+                <a:latin typeface="Courier New" pitchFamily="49" charset="0"/>
+                <a:cs typeface="Courier New" pitchFamily="49" charset="0"/>
+              </a:rPr>
+              <a:t>bindingsSectionName</a:t>
+            </a:r>
+            <a:r>
+              <a:rPr lang="en-US" sz="1100" dirty="0">
+                <a:latin typeface="Courier New" pitchFamily="49" charset="0"/>
+                <a:cs typeface="Courier New" pitchFamily="49" charset="0"/>
+              </a:rPr>
+              <a:t>="</a:t>
+            </a:r>
+            <a:r>
+              <a:rPr lang="en-US" sz="1100" dirty="0" err="1" smtClean="0">
+                <a:latin typeface="Courier New" pitchFamily="49" charset="0"/>
+                <a:cs typeface="Courier New" pitchFamily="49" charset="0"/>
+              </a:rPr>
+              <a:t>BasicHttpBinding</a:t>
+            </a:r>
+            <a:r>
+              <a:rPr lang="en-US" sz="1100" dirty="0" smtClean="0">
+                <a:latin typeface="Courier New" pitchFamily="49" charset="0"/>
+                <a:cs typeface="Courier New" pitchFamily="49" charset="0"/>
+              </a:rPr>
+              <a:t>«</a:t>
+            </a:r>
+            <a:r>
+              <a:rPr lang="ru-RU" sz="1100" dirty="0" smtClean="0">
+                <a:latin typeface="Courier New" pitchFamily="49" charset="0"/>
+                <a:cs typeface="Courier New" pitchFamily="49" charset="0"/>
+              </a:rPr>
+              <a:t/>
+            </a:r>
+            <a:br>
+              <a:rPr lang="ru-RU" sz="1100" dirty="0" smtClean="0">
+                <a:latin typeface="Courier New" pitchFamily="49" charset="0"/>
+                <a:cs typeface="Courier New" pitchFamily="49" charset="0"/>
+              </a:rPr>
+            </a:br>
+            <a:r>
+              <a:rPr lang="en-US" sz="1100" dirty="0" smtClean="0">
+                <a:latin typeface="Courier New" pitchFamily="49" charset="0"/>
+                <a:cs typeface="Courier New" pitchFamily="49" charset="0"/>
+              </a:rPr>
+              <a:t> contract</a:t>
+            </a:r>
+            <a:r>
+              <a:rPr lang="en-US" sz="1100" dirty="0">
+                <a:latin typeface="Courier New" pitchFamily="49" charset="0"/>
+                <a:cs typeface="Courier New" pitchFamily="49" charset="0"/>
+              </a:rPr>
+              <a:t>="</a:t>
+            </a:r>
+            <a:r>
+              <a:rPr lang="en-US" sz="1100" dirty="0" err="1" smtClean="0">
+                <a:latin typeface="Courier New" pitchFamily="49" charset="0"/>
+                <a:cs typeface="Courier New" pitchFamily="49" charset="0"/>
+              </a:rPr>
+              <a:t>IExchange</a:t>
+            </a:r>
+            <a:r>
+              <a:rPr lang="en-US" sz="1100" dirty="0" smtClean="0">
+                <a:latin typeface="Courier New" pitchFamily="49" charset="0"/>
+                <a:cs typeface="Courier New" pitchFamily="49" charset="0"/>
+              </a:rPr>
+              <a:t>«</a:t>
+            </a:r>
+            <a:r>
+              <a:rPr lang="ru-RU" sz="1100" dirty="0" smtClean="0">
+                <a:latin typeface="Courier New" pitchFamily="49" charset="0"/>
+                <a:cs typeface="Courier New" pitchFamily="49" charset="0"/>
+              </a:rPr>
+              <a:t/>
+            </a:r>
+            <a:br>
+              <a:rPr lang="ru-RU" sz="1100" dirty="0" smtClean="0">
+                <a:latin typeface="Courier New" pitchFamily="49" charset="0"/>
+                <a:cs typeface="Courier New" pitchFamily="49" charset="0"/>
+              </a:rPr>
+            </a:br>
+            <a:r>
+              <a:rPr lang="en-US" sz="1100" dirty="0" smtClean="0">
+                <a:latin typeface="Courier New" pitchFamily="49" charset="0"/>
+                <a:cs typeface="Courier New" pitchFamily="49" charset="0"/>
+              </a:rPr>
+              <a:t>/&gt;</a:t>
+            </a:r>
+          </a:p>
+          <a:p>
+            <a:pPr marL="0" indent="0">
+              <a:buNone/>
+            </a:pPr>
+            <a:endParaRPr lang="en-US" sz="1100" dirty="0">
+              <a:latin typeface="Courier New" pitchFamily="49" charset="0"/>
+              <a:cs typeface="Courier New" pitchFamily="49" charset="0"/>
+            </a:endParaRPr>
+          </a:p>
+          <a:p>
+            <a:pPr marL="0" indent="0">
+              <a:buNone/>
+            </a:pPr>
+            <a:r>
+              <a:rPr lang="en-US" sz="1100" dirty="0">
+                <a:latin typeface="Courier New" pitchFamily="49" charset="0"/>
+                <a:cs typeface="Courier New" pitchFamily="49" charset="0"/>
+              </a:rPr>
+              <a:t>&lt;host&gt;</a:t>
+            </a:r>
+          </a:p>
+          <a:p>
+            <a:pPr marL="0" indent="0">
+              <a:buNone/>
+            </a:pPr>
+            <a:r>
+              <a:rPr lang="en-US" sz="1100" dirty="0" smtClean="0">
+                <a:latin typeface="Courier New" pitchFamily="49" charset="0"/>
+                <a:cs typeface="Courier New" pitchFamily="49" charset="0"/>
+              </a:rPr>
+              <a:t>  &lt;</a:t>
+            </a:r>
+            <a:r>
+              <a:rPr lang="en-US" sz="1100" dirty="0" err="1">
+                <a:latin typeface="Courier New" pitchFamily="49" charset="0"/>
+                <a:cs typeface="Courier New" pitchFamily="49" charset="0"/>
+              </a:rPr>
+              <a:t>baseAddresses</a:t>
+            </a:r>
+            <a:r>
+              <a:rPr lang="en-US" sz="1100" dirty="0">
+                <a:latin typeface="Courier New" pitchFamily="49" charset="0"/>
+                <a:cs typeface="Courier New" pitchFamily="49" charset="0"/>
+              </a:rPr>
+              <a:t>&gt;</a:t>
+            </a:r>
+          </a:p>
+          <a:p>
+            <a:pPr marL="0" indent="0">
+              <a:buNone/>
+            </a:pPr>
+            <a:r>
+              <a:rPr lang="en-US" sz="1100" dirty="0" smtClean="0">
+                <a:latin typeface="Courier New" pitchFamily="49" charset="0"/>
+                <a:cs typeface="Courier New" pitchFamily="49" charset="0"/>
+              </a:rPr>
+              <a:t>    &lt;</a:t>
+            </a:r>
+            <a:r>
+              <a:rPr lang="en-US" sz="1100" dirty="0">
+                <a:latin typeface="Courier New" pitchFamily="49" charset="0"/>
+                <a:cs typeface="Courier New" pitchFamily="49" charset="0"/>
+              </a:rPr>
+              <a:t>add </a:t>
+            </a:r>
+            <a:r>
+              <a:rPr lang="en-US" sz="1100" dirty="0" err="1">
+                <a:latin typeface="Courier New" pitchFamily="49" charset="0"/>
+                <a:cs typeface="Courier New" pitchFamily="49" charset="0"/>
+              </a:rPr>
+              <a:t>baseAddress</a:t>
+            </a:r>
+            <a:r>
+              <a:rPr lang="en-US" sz="1100" dirty="0">
+                <a:latin typeface="Courier New" pitchFamily="49" charset="0"/>
+                <a:cs typeface="Courier New" pitchFamily="49" charset="0"/>
+              </a:rPr>
+              <a:t>="http://localhost:8080/</a:t>
+            </a:r>
+            <a:r>
+              <a:rPr lang="en-US" sz="1100" dirty="0" err="1">
+                <a:latin typeface="Courier New" pitchFamily="49" charset="0"/>
+                <a:cs typeface="Courier New" pitchFamily="49" charset="0"/>
+              </a:rPr>
+              <a:t>QuickReturns</a:t>
+            </a:r>
+            <a:r>
+              <a:rPr lang="en-US" sz="1100" dirty="0">
+                <a:latin typeface="Courier New" pitchFamily="49" charset="0"/>
+                <a:cs typeface="Courier New" pitchFamily="49" charset="0"/>
+              </a:rPr>
+              <a:t>"/&gt;</a:t>
+            </a:r>
+          </a:p>
+          <a:p>
+            <a:pPr marL="0" indent="0">
+              <a:buNone/>
+            </a:pPr>
+            <a:r>
+              <a:rPr lang="en-US" sz="1100" dirty="0" smtClean="0">
+                <a:latin typeface="Courier New" pitchFamily="49" charset="0"/>
+                <a:cs typeface="Courier New" pitchFamily="49" charset="0"/>
+              </a:rPr>
+              <a:t>    &lt;</a:t>
+            </a:r>
+            <a:r>
+              <a:rPr lang="en-US" sz="1100" dirty="0">
+                <a:latin typeface="Courier New" pitchFamily="49" charset="0"/>
+                <a:cs typeface="Courier New" pitchFamily="49" charset="0"/>
+              </a:rPr>
+              <a:t>add </a:t>
+            </a:r>
+            <a:r>
+              <a:rPr lang="en-US" sz="1100" dirty="0" err="1">
+                <a:latin typeface="Courier New" pitchFamily="49" charset="0"/>
+                <a:cs typeface="Courier New" pitchFamily="49" charset="0"/>
+              </a:rPr>
+              <a:t>baseAddress</a:t>
+            </a:r>
+            <a:r>
+              <a:rPr lang="en-US" sz="1100" dirty="0">
+                <a:latin typeface="Courier New" pitchFamily="49" charset="0"/>
+                <a:cs typeface="Courier New" pitchFamily="49" charset="0"/>
+              </a:rPr>
+              <a:t>="</a:t>
+            </a:r>
+            <a:r>
+              <a:rPr lang="en-US" sz="1100" dirty="0" err="1">
+                <a:latin typeface="Courier New" pitchFamily="49" charset="0"/>
+                <a:cs typeface="Courier New" pitchFamily="49" charset="0"/>
+              </a:rPr>
+              <a:t>net.tcp</a:t>
+            </a:r>
+            <a:r>
+              <a:rPr lang="en-US" sz="1100" dirty="0">
+                <a:latin typeface="Courier New" pitchFamily="49" charset="0"/>
+                <a:cs typeface="Courier New" pitchFamily="49" charset="0"/>
+              </a:rPr>
+              <a:t>://</a:t>
+            </a:r>
+            <a:r>
+              <a:rPr lang="en-US" sz="1100" dirty="0" err="1">
+                <a:latin typeface="Courier New" pitchFamily="49" charset="0"/>
+                <a:cs typeface="Courier New" pitchFamily="49" charset="0"/>
+              </a:rPr>
+              <a:t>localhost</a:t>
+            </a:r>
+            <a:r>
+              <a:rPr lang="en-US" sz="1100" dirty="0">
+                <a:latin typeface="Courier New" pitchFamily="49" charset="0"/>
+                <a:cs typeface="Courier New" pitchFamily="49" charset="0"/>
+              </a:rPr>
+              <a:t>/</a:t>
+            </a:r>
+            <a:r>
+              <a:rPr lang="en-US" sz="1100" dirty="0" err="1">
+                <a:latin typeface="Courier New" pitchFamily="49" charset="0"/>
+                <a:cs typeface="Courier New" pitchFamily="49" charset="0"/>
+              </a:rPr>
+              <a:t>QuickReturns</a:t>
+            </a:r>
+            <a:r>
+              <a:rPr lang="en-US" sz="1100" dirty="0">
+                <a:latin typeface="Courier New" pitchFamily="49" charset="0"/>
+                <a:cs typeface="Courier New" pitchFamily="49" charset="0"/>
+              </a:rPr>
+              <a:t>"/&gt;</a:t>
+            </a:r>
+          </a:p>
+          <a:p>
+            <a:pPr marL="0" indent="0">
+              <a:buNone/>
+            </a:pPr>
+            <a:r>
+              <a:rPr lang="en-US" sz="1100" dirty="0" smtClean="0">
+                <a:latin typeface="Courier New" pitchFamily="49" charset="0"/>
+                <a:cs typeface="Courier New" pitchFamily="49" charset="0"/>
+              </a:rPr>
+              <a:t>   &lt;/</a:t>
+            </a:r>
+            <a:r>
+              <a:rPr lang="en-US" sz="1100" dirty="0" err="1">
+                <a:latin typeface="Courier New" pitchFamily="49" charset="0"/>
+                <a:cs typeface="Courier New" pitchFamily="49" charset="0"/>
+              </a:rPr>
+              <a:t>baseAddresses</a:t>
+            </a:r>
+            <a:r>
+              <a:rPr lang="en-US" sz="1100" dirty="0">
+                <a:latin typeface="Courier New" pitchFamily="49" charset="0"/>
+                <a:cs typeface="Courier New" pitchFamily="49" charset="0"/>
+              </a:rPr>
+              <a:t>&gt;</a:t>
+            </a:r>
+          </a:p>
+          <a:p>
+            <a:pPr marL="0" indent="0">
+              <a:buNone/>
+            </a:pPr>
+            <a:r>
+              <a:rPr lang="en-US" sz="1100" dirty="0">
+                <a:latin typeface="Courier New" pitchFamily="49" charset="0"/>
+                <a:cs typeface="Courier New" pitchFamily="49" charset="0"/>
+              </a:rPr>
+              <a:t>&lt;/host&gt;</a:t>
+            </a:r>
+          </a:p>
+          <a:p>
+            <a:pPr marL="0" indent="0">
+              <a:buNone/>
+            </a:pPr>
+            <a:endParaRPr lang="en-US" sz="1100" dirty="0" smtClean="0">
+              <a:latin typeface="Courier New" pitchFamily="49" charset="0"/>
+              <a:cs typeface="Courier New" pitchFamily="49" charset="0"/>
+            </a:endParaRPr>
+          </a:p>
+          <a:p>
+            <a:pPr marL="0" indent="0">
+              <a:buNone/>
+            </a:pPr>
+            <a:r>
+              <a:rPr lang="en-US" sz="1100" dirty="0" smtClean="0">
+                <a:latin typeface="Courier New" pitchFamily="49" charset="0"/>
+                <a:cs typeface="Courier New" pitchFamily="49" charset="0"/>
+              </a:rPr>
+              <a:t>&lt;endpoint</a:t>
+            </a:r>
+          </a:p>
+          <a:p>
+            <a:pPr marL="0" indent="0">
+              <a:buNone/>
+            </a:pPr>
+            <a:r>
+              <a:rPr lang="en-US" sz="1100" dirty="0" smtClean="0">
+                <a:latin typeface="Courier New" pitchFamily="49" charset="0"/>
+                <a:cs typeface="Courier New" pitchFamily="49" charset="0"/>
+              </a:rPr>
+              <a:t>  name</a:t>
+            </a:r>
+            <a:r>
+              <a:rPr lang="en-US" sz="1100" dirty="0">
+                <a:latin typeface="Courier New" pitchFamily="49" charset="0"/>
+                <a:cs typeface="Courier New" pitchFamily="49" charset="0"/>
+              </a:rPr>
+              <a:t>="</a:t>
+            </a:r>
+            <a:r>
+              <a:rPr lang="en-US" sz="1100" dirty="0" err="1">
+                <a:latin typeface="Courier New" pitchFamily="49" charset="0"/>
+                <a:cs typeface="Courier New" pitchFamily="49" charset="0"/>
+              </a:rPr>
+              <a:t>BasicHttpBinding</a:t>
+            </a:r>
+            <a:r>
+              <a:rPr lang="en-US" sz="1100" dirty="0">
+                <a:latin typeface="Courier New" pitchFamily="49" charset="0"/>
+                <a:cs typeface="Courier New" pitchFamily="49" charset="0"/>
+              </a:rPr>
+              <a:t>"</a:t>
+            </a:r>
+          </a:p>
+          <a:p>
+            <a:pPr marL="0" indent="0">
+              <a:buNone/>
+            </a:pPr>
+            <a:r>
+              <a:rPr lang="en-US" sz="1100" dirty="0" smtClean="0">
+                <a:latin typeface="Courier New" pitchFamily="49" charset="0"/>
+                <a:cs typeface="Courier New" pitchFamily="49" charset="0"/>
+              </a:rPr>
+              <a:t>  address</a:t>
+            </a:r>
+            <a:r>
+              <a:rPr lang="en-US" sz="1100" dirty="0">
+                <a:latin typeface="Courier New" pitchFamily="49" charset="0"/>
+                <a:cs typeface="Courier New" pitchFamily="49" charset="0"/>
+              </a:rPr>
+              <a:t>="Exchange"</a:t>
+            </a:r>
+          </a:p>
+          <a:p>
+            <a:pPr marL="0" indent="0">
+              <a:buNone/>
+            </a:pPr>
+            <a:r>
+              <a:rPr lang="en-US" sz="1100" dirty="0" smtClean="0">
+                <a:latin typeface="Courier New" pitchFamily="49" charset="0"/>
+                <a:cs typeface="Courier New" pitchFamily="49" charset="0"/>
+              </a:rPr>
+              <a:t>  </a:t>
+            </a:r>
+            <a:r>
+              <a:rPr lang="en-US" sz="1100" dirty="0" err="1" smtClean="0">
+                <a:latin typeface="Courier New" pitchFamily="49" charset="0"/>
+                <a:cs typeface="Courier New" pitchFamily="49" charset="0"/>
+              </a:rPr>
+              <a:t>bindingsSectionName</a:t>
+            </a:r>
+            <a:r>
+              <a:rPr lang="en-US" sz="1100" dirty="0">
+                <a:latin typeface="Courier New" pitchFamily="49" charset="0"/>
+                <a:cs typeface="Courier New" pitchFamily="49" charset="0"/>
+              </a:rPr>
+              <a:t>="</a:t>
+            </a:r>
+            <a:r>
+              <a:rPr lang="en-US" sz="1100" dirty="0" err="1">
+                <a:latin typeface="Courier New" pitchFamily="49" charset="0"/>
+                <a:cs typeface="Courier New" pitchFamily="49" charset="0"/>
+              </a:rPr>
+              <a:t>BasicHttpBinding</a:t>
+            </a:r>
+            <a:r>
+              <a:rPr lang="en-US" sz="1100" dirty="0">
+                <a:latin typeface="Courier New" pitchFamily="49" charset="0"/>
+                <a:cs typeface="Courier New" pitchFamily="49" charset="0"/>
+              </a:rPr>
+              <a:t>"</a:t>
+            </a:r>
+          </a:p>
+          <a:p>
+            <a:pPr marL="0" indent="0">
+              <a:buNone/>
+            </a:pPr>
+            <a:r>
+              <a:rPr lang="en-US" sz="1100" dirty="0" smtClean="0">
+                <a:latin typeface="Courier New" pitchFamily="49" charset="0"/>
+                <a:cs typeface="Courier New" pitchFamily="49" charset="0"/>
+              </a:rPr>
+              <a:t>  contract</a:t>
+            </a:r>
+            <a:r>
+              <a:rPr lang="en-US" sz="1100" dirty="0">
+                <a:latin typeface="Courier New" pitchFamily="49" charset="0"/>
+                <a:cs typeface="Courier New" pitchFamily="49" charset="0"/>
+              </a:rPr>
+              <a:t>="</a:t>
+            </a:r>
+            <a:r>
+              <a:rPr lang="en-US" sz="1100" dirty="0" err="1" smtClean="0">
+                <a:latin typeface="Courier New" pitchFamily="49" charset="0"/>
+                <a:cs typeface="Courier New" pitchFamily="49" charset="0"/>
+              </a:rPr>
+              <a:t>IExchange</a:t>
+            </a:r>
+            <a:r>
+              <a:rPr lang="en-US" sz="1100" dirty="0" smtClean="0">
+                <a:latin typeface="Courier New" pitchFamily="49" charset="0"/>
+                <a:cs typeface="Courier New" pitchFamily="49" charset="0"/>
+              </a:rPr>
+              <a:t>“</a:t>
+            </a:r>
+          </a:p>
+          <a:p>
+            <a:pPr marL="0" indent="0">
+              <a:buNone/>
+            </a:pPr>
+            <a:r>
+              <a:rPr lang="en-US" sz="1100" dirty="0" smtClean="0">
+                <a:latin typeface="Courier New" pitchFamily="49" charset="0"/>
+                <a:cs typeface="Courier New" pitchFamily="49" charset="0"/>
+              </a:rPr>
+              <a:t>/&gt;</a:t>
+            </a:r>
+          </a:p>
+          <a:p>
+            <a:pPr marL="0" indent="0">
+              <a:buNone/>
+            </a:pPr>
+            <a:endParaRPr lang="en-US" sz="1100" dirty="0">
+              <a:latin typeface="Courier New" pitchFamily="49" charset="0"/>
+              <a:cs typeface="Courier New" pitchFamily="49" charset="0"/>
+            </a:endParaRPr>
+          </a:p>
+          <a:p>
+            <a:pPr marL="0" indent="0">
+              <a:buNone/>
+            </a:pPr>
+            <a:r>
+              <a:rPr lang="en-US" sz="1100" dirty="0">
+                <a:latin typeface="Courier New" pitchFamily="49" charset="0"/>
+                <a:cs typeface="Courier New" pitchFamily="49" charset="0"/>
+              </a:rPr>
+              <a:t>&lt;endpoint</a:t>
+            </a:r>
+          </a:p>
+          <a:p>
+            <a:pPr marL="0" indent="0">
+              <a:buNone/>
+            </a:pPr>
+            <a:r>
+              <a:rPr lang="en-US" sz="1100" dirty="0" smtClean="0">
+                <a:latin typeface="Courier New" pitchFamily="49" charset="0"/>
+                <a:cs typeface="Courier New" pitchFamily="49" charset="0"/>
+              </a:rPr>
+              <a:t>  name</a:t>
+            </a:r>
+            <a:r>
+              <a:rPr lang="en-US" sz="1100" dirty="0">
+                <a:latin typeface="Courier New" pitchFamily="49" charset="0"/>
+                <a:cs typeface="Courier New" pitchFamily="49" charset="0"/>
+              </a:rPr>
+              <a:t>="</a:t>
+            </a:r>
+            <a:r>
+              <a:rPr lang="en-US" sz="1100" dirty="0" err="1">
+                <a:latin typeface="Courier New" pitchFamily="49" charset="0"/>
+                <a:cs typeface="Courier New" pitchFamily="49" charset="0"/>
+              </a:rPr>
+              <a:t>NetNamedPipeBinding</a:t>
+            </a:r>
+            <a:r>
+              <a:rPr lang="en-US" sz="1100" dirty="0">
+                <a:latin typeface="Courier New" pitchFamily="49" charset="0"/>
+                <a:cs typeface="Courier New" pitchFamily="49" charset="0"/>
+              </a:rPr>
+              <a:t>"</a:t>
+            </a:r>
+          </a:p>
+          <a:p>
+            <a:pPr marL="0" indent="0">
+              <a:buNone/>
+            </a:pPr>
+            <a:r>
+              <a:rPr lang="en-US" sz="1100" dirty="0" smtClean="0">
+                <a:latin typeface="Courier New" pitchFamily="49" charset="0"/>
+                <a:cs typeface="Courier New" pitchFamily="49" charset="0"/>
+              </a:rPr>
+              <a:t>  address</a:t>
+            </a:r>
+            <a:r>
+              <a:rPr lang="en-US" sz="1100" dirty="0">
+                <a:latin typeface="Courier New" pitchFamily="49" charset="0"/>
+                <a:cs typeface="Courier New" pitchFamily="49" charset="0"/>
+              </a:rPr>
+              <a:t>="Exchange"</a:t>
+            </a:r>
+          </a:p>
+          <a:p>
+            <a:pPr marL="0" indent="0">
+              <a:buNone/>
+            </a:pPr>
+            <a:r>
+              <a:rPr lang="en-US" sz="1100" dirty="0" smtClean="0">
+                <a:latin typeface="Courier New" pitchFamily="49" charset="0"/>
+                <a:cs typeface="Courier New" pitchFamily="49" charset="0"/>
+              </a:rPr>
+              <a:t>  </a:t>
+            </a:r>
+            <a:r>
+              <a:rPr lang="en-US" sz="1100" dirty="0" err="1" smtClean="0">
+                <a:latin typeface="Courier New" pitchFamily="49" charset="0"/>
+                <a:cs typeface="Courier New" pitchFamily="49" charset="0"/>
+              </a:rPr>
+              <a:t>bindingsSectionName</a:t>
+            </a:r>
+            <a:r>
+              <a:rPr lang="en-US" sz="1100" dirty="0">
+                <a:latin typeface="Courier New" pitchFamily="49" charset="0"/>
+                <a:cs typeface="Courier New" pitchFamily="49" charset="0"/>
+              </a:rPr>
+              <a:t>="</a:t>
+            </a:r>
+            <a:r>
+              <a:rPr lang="en-US" sz="1100" dirty="0" err="1">
+                <a:latin typeface="Courier New" pitchFamily="49" charset="0"/>
+                <a:cs typeface="Courier New" pitchFamily="49" charset="0"/>
+              </a:rPr>
+              <a:t>NetNamedPipeBinding</a:t>
+            </a:r>
+            <a:r>
+              <a:rPr lang="en-US" sz="1100" dirty="0">
+                <a:latin typeface="Courier New" pitchFamily="49" charset="0"/>
+                <a:cs typeface="Courier New" pitchFamily="49" charset="0"/>
+              </a:rPr>
+              <a:t>"</a:t>
+            </a:r>
+          </a:p>
+          <a:p>
+            <a:pPr marL="0" indent="0">
+              <a:buNone/>
+            </a:pPr>
+            <a:r>
+              <a:rPr lang="en-US" sz="1100" dirty="0" smtClean="0">
+                <a:latin typeface="Courier New" pitchFamily="49" charset="0"/>
+                <a:cs typeface="Courier New" pitchFamily="49" charset="0"/>
+              </a:rPr>
+              <a:t>  contract</a:t>
+            </a:r>
+            <a:r>
+              <a:rPr lang="en-US" sz="1100" dirty="0">
+                <a:latin typeface="Courier New" pitchFamily="49" charset="0"/>
+                <a:cs typeface="Courier New" pitchFamily="49" charset="0"/>
+              </a:rPr>
+              <a:t>="</a:t>
+            </a:r>
+            <a:r>
+              <a:rPr lang="en-US" sz="1100" dirty="0" err="1" smtClean="0">
+                <a:latin typeface="Courier New" pitchFamily="49" charset="0"/>
+                <a:cs typeface="Courier New" pitchFamily="49" charset="0"/>
+              </a:rPr>
+              <a:t>IExchange</a:t>
+            </a:r>
+            <a:r>
+              <a:rPr lang="en-US" sz="1100" dirty="0" smtClean="0">
+                <a:latin typeface="Courier New" pitchFamily="49" charset="0"/>
+                <a:cs typeface="Courier New" pitchFamily="49" charset="0"/>
+              </a:rPr>
+              <a:t>“</a:t>
+            </a:r>
+          </a:p>
+          <a:p>
+            <a:pPr marL="0" indent="0">
+              <a:buNone/>
+            </a:pPr>
+            <a:r>
+              <a:rPr lang="en-US" sz="1100" dirty="0" smtClean="0">
+                <a:latin typeface="Courier New" pitchFamily="49" charset="0"/>
+                <a:cs typeface="Courier New" pitchFamily="49" charset="0"/>
+              </a:rPr>
+              <a:t>/&gt;</a:t>
+            </a:r>
+            <a:endParaRPr lang="en-US" sz="1100" dirty="0">
+              <a:latin typeface="Courier New" pitchFamily="49" charset="0"/>
+              <a:cs typeface="Courier New" pitchFamily="49" charset="0"/>
+            </a:endParaRPr>
+          </a:p>
+        </p:txBody>
+      </p:sp>
+    </p:spTree>
+    <p:extLst>
+      <p:ext uri="{BB962C8B-B14F-4D97-AF65-F5344CB8AC3E}">
+        <p14:creationId xmlns:p14="http://schemas.microsoft.com/office/powerpoint/2010/main" val="1242381062"/>
+      </p:ext>
+    </p:extLst>
+  </p:cSld>
+  <p:clrMapOvr>
+    <a:masterClrMapping/>
+  </p:clrMapOvr>
+  <p:timing>
+    <p:tnLst>
+      <p:par>
+        <p:cTn id="1" dur="indefinite" restart="never" nodeType="tmRoot"/>
+      </p:par>
+    </p:tnLst>
+  </p:timing>
+</p:sld>
+</file>
+
+<file path=ppt/slides/slide14.xml><?xml version="1.0" encoding="utf-8"?>
+<p:sld xmlns:a="http://schemas.openxmlformats.org/drawingml/2006/main" xmlns:r="http://schemas.openxmlformats.org/officeDocument/2006/relationships" xmlns:p="http://schemas.openxmlformats.org/presentationml/2006/main">
+  <p:cSld>
+    <p:spTree>
+      <p:nvGrpSpPr>
+        <p:cNvPr id="1" name=""/>
+        <p:cNvGrpSpPr/>
+        <p:nvPr/>
+      </p:nvGrpSpPr>
+      <p:grpSpPr>
+        <a:xfrm>
+          <a:off x="0" y="0"/>
+          <a:ext cx="0" cy="0"/>
+          <a:chOff x="0" y="0"/>
+          <a:chExt cx="0" cy="0"/>
+        </a:xfrm>
+      </p:grpSpPr>
+      <p:sp>
+        <p:nvSpPr>
+          <p:cNvPr id="2" name="Title 1"/>
+          <p:cNvSpPr>
+            <a:spLocks noGrp="1"/>
+          </p:cNvSpPr>
+          <p:nvPr>
+            <p:ph type="title"/>
+          </p:nvPr>
+        </p:nvSpPr>
+        <p:spPr/>
+        <p:txBody>
+          <a:bodyPr/>
+          <a:lstStyle/>
+          <a:p>
+            <a:r>
+              <a:rPr lang="ru-RU" dirty="0" smtClean="0"/>
               <a:t>Привязка (</a:t>
             </a:r>
             <a:r>
@@ -4648,10 +6659,17 @@
   <p:clrMapOvr>
     <a:masterClrMapping/>
   </p:clrMapOvr>
+  <p:timing>
+    <p:tnLst>
+      <p:par>
+        <p:cTn id="1" dur="indefinite" restart="never" nodeType="tmRoot"/>
+      </p:par>
+    </p:tnLst>
+  </p:timing>
 </p:sld>
 </file>
 
-<file path=ppt/slides/slide14.xml><?xml version="1.0" encoding="utf-8"?>
+<file path=ppt/slides/slide15.xml><?xml version="1.0" encoding="utf-8"?>
 <p:sld xmlns:a="http://schemas.openxmlformats.org/drawingml/2006/main" xmlns:r="http://schemas.openxmlformats.org/officeDocument/2006/relationships" xmlns:p="http://schemas.openxmlformats.org/presentationml/2006/main">
   <p:cSld>
     <p:bg>
@@ -5034,10 +7052,17 @@
   <p:clrMapOvr>
     <a:masterClrMapping/>
   </p:clrMapOvr>
+  <p:timing>
+    <p:tnLst>
+      <p:par>
+        <p:cTn id="1" dur="indefinite" restart="never" nodeType="tmRoot"/>
+      </p:par>
+    </p:tnLst>
+  </p:timing>
 </p:sld>
 </file>
 
-<file path=ppt/slides/slide15.xml><?xml version="1.0" encoding="utf-8"?>
+<file path=ppt/slides/slide16.xml><?xml version="1.0" encoding="utf-8"?>
 <p:sld xmlns:a="http://schemas.openxmlformats.org/drawingml/2006/main" xmlns:r="http://schemas.openxmlformats.org/officeDocument/2006/relationships" xmlns:p="http://schemas.openxmlformats.org/presentationml/2006/main">
   <p:cSld>
     <p:bg>
@@ -5278,10 +7303,17 @@
   <p:clrMapOvr>
     <a:masterClrMapping/>
   </p:clrMapOvr>
+  <p:timing>
+    <p:tnLst>
+      <p:par>
+        <p:cTn id="1" dur="indefinite" restart="never" nodeType="tmRoot"/>
+      </p:par>
+    </p:tnLst>
+  </p:timing>
 </p:sld>
 </file>
 
-<file path=ppt/slides/slide16.xml><?xml version="1.0" encoding="utf-8"?>
+<file path=ppt/slides/slide17.xml><?xml version="1.0" encoding="utf-8"?>
 <p:sld xmlns:a="http://schemas.openxmlformats.org/drawingml/2006/main" xmlns:r="http://schemas.openxmlformats.org/officeDocument/2006/relationships" xmlns:p="http://schemas.openxmlformats.org/presentationml/2006/main">
   <p:cSld>
     <p:spTree>
@@ -5397,10 +7429,17 @@
   <p:clrMapOvr>
     <a:masterClrMapping/>
   </p:clrMapOvr>
+  <p:timing>
+    <p:tnLst>
+      <p:par>
+        <p:cTn id="1" dur="indefinite" restart="never" nodeType="tmRoot"/>
+      </p:par>
+    </p:tnLst>
+  </p:timing>
 </p:sld>
 </file>
 
-<file path=ppt/slides/slide17.xml><?xml version="1.0" encoding="utf-8"?>
+<file path=ppt/slides/slide18.xml><?xml version="1.0" encoding="utf-8"?>
 <p:sld xmlns:a="http://schemas.openxmlformats.org/drawingml/2006/main" xmlns:r="http://schemas.openxmlformats.org/officeDocument/2006/relationships" xmlns:p="http://schemas.openxmlformats.org/presentationml/2006/main">
   <p:cSld>
     <p:bg>
@@ -6052,10 +8091,17 @@
   <p:clrMapOvr>
     <a:masterClrMapping/>
   </p:clrMapOvr>
+  <p:timing>
+    <p:tnLst>
+      <p:par>
+        <p:cTn id="1" dur="indefinite" restart="never" nodeType="tmRoot"/>
+      </p:par>
+    </p:tnLst>
+  </p:timing>
 </p:sld>
 </file>
 
-<file path=ppt/slides/slide18.xml><?xml version="1.0" encoding="utf-8"?>
+<file path=ppt/slides/slide19.xml><?xml version="1.0" encoding="utf-8"?>
 <p:sld xmlns:a="http://schemas.openxmlformats.org/drawingml/2006/main" xmlns:r="http://schemas.openxmlformats.org/officeDocument/2006/relationships" xmlns:p="http://schemas.openxmlformats.org/presentationml/2006/main">
   <p:cSld>
     <p:spTree>
@@ -6116,7 +8162,19 @@
           <a:p>
             <a:r>
               <a:rPr lang="ru-RU" dirty="0" smtClean="0"/>
-              <a:t>Описывает формат данные используемый сервисом</a:t>
+              <a:t>Описывает </a:t>
+            </a:r>
+            <a:r>
+              <a:rPr lang="ru-RU" smtClean="0"/>
+              <a:t>формат </a:t>
+            </a:r>
+            <a:r>
+              <a:rPr lang="ru-RU" smtClean="0"/>
+              <a:t>данных используемых </a:t>
+            </a:r>
+            <a:r>
+              <a:rPr lang="ru-RU" dirty="0" smtClean="0"/>
+              <a:t>сервисом</a:t>
             </a:r>
           </a:p>
           <a:p>
@@ -6198,10 +8256,142 @@
   <p:clrMapOvr>
     <a:masterClrMapping/>
   </p:clrMapOvr>
+  <p:timing>
+    <p:tnLst>
+      <p:par>
+        <p:cTn id="1" dur="indefinite" restart="never" nodeType="tmRoot"/>
+      </p:par>
+    </p:tnLst>
+  </p:timing>
 </p:sld>
 </file>
 
-<file path=ppt/slides/slide19.xml><?xml version="1.0" encoding="utf-8"?>
+<file path=ppt/slides/slide2.xml><?xml version="1.0" encoding="utf-8"?>
+<p:sld xmlns:a="http://schemas.openxmlformats.org/drawingml/2006/main" xmlns:r="http://schemas.openxmlformats.org/officeDocument/2006/relationships" xmlns:p="http://schemas.openxmlformats.org/presentationml/2006/main">
+  <p:cSld>
+    <p:spTree>
+      <p:nvGrpSpPr>
+        <p:cNvPr id="1" name=""/>
+        <p:cNvGrpSpPr/>
+        <p:nvPr/>
+      </p:nvGrpSpPr>
+      <p:grpSpPr>
+        <a:xfrm>
+          <a:off x="0" y="0"/>
+          <a:ext cx="0" cy="0"/>
+          <a:chOff x="0" y="0"/>
+          <a:chExt cx="0" cy="0"/>
+        </a:xfrm>
+      </p:grpSpPr>
+      <p:sp>
+        <p:nvSpPr>
+          <p:cNvPr id="2" name="Title 1"/>
+          <p:cNvSpPr>
+            <a:spLocks noGrp="1"/>
+          </p:cNvSpPr>
+          <p:nvPr>
+            <p:ph type="title"/>
+          </p:nvPr>
+        </p:nvSpPr>
+        <p:spPr/>
+        <p:txBody>
+          <a:bodyPr/>
+          <a:lstStyle/>
+          <a:p>
+            <a:r>
+              <a:rPr lang="ru-RU" dirty="0" smtClean="0"/>
+              <a:t>Литература</a:t>
+            </a:r>
+            <a:endParaRPr lang="en-US" dirty="0"/>
+          </a:p>
+        </p:txBody>
+      </p:sp>
+      <p:sp>
+        <p:nvSpPr>
+          <p:cNvPr id="3" name="Content Placeholder 2"/>
+          <p:cNvSpPr>
+            <a:spLocks noGrp="1"/>
+          </p:cNvSpPr>
+          <p:nvPr>
+            <p:ph idx="1"/>
+          </p:nvPr>
+        </p:nvSpPr>
+        <p:spPr/>
+        <p:txBody>
+          <a:bodyPr/>
+          <a:lstStyle/>
+          <a:p>
+            <a:r>
+              <a:rPr lang="en-US" dirty="0"/>
+              <a:t>Pro </a:t>
+            </a:r>
+            <a:r>
+              <a:rPr lang="en-US" dirty="0" smtClean="0"/>
+              <a:t>WCF.</a:t>
+            </a:r>
+            <a:r>
+              <a:rPr lang="ru-RU" dirty="0" smtClean="0"/>
+              <a:t> </a:t>
+            </a:r>
+            <a:r>
+              <a:rPr lang="en-US" dirty="0" smtClean="0"/>
+              <a:t>Practical </a:t>
+            </a:r>
+            <a:r>
+              <a:rPr lang="en-US" dirty="0"/>
+              <a:t>Microsoft </a:t>
+            </a:r>
+            <a:r>
+              <a:rPr lang="en-US" dirty="0" smtClean="0"/>
+              <a:t>SOA Implementation. </a:t>
+            </a:r>
+            <a:r>
+              <a:rPr lang="ru-RU" dirty="0" smtClean="0"/>
+              <a:t>Издательство </a:t>
+            </a:r>
+            <a:r>
+              <a:rPr lang="en-US" dirty="0" err="1" smtClean="0"/>
+              <a:t>Apress</a:t>
+            </a:r>
+            <a:r>
+              <a:rPr lang="en-US" dirty="0" smtClean="0"/>
+              <a:t>, 2007.</a:t>
+            </a:r>
+            <a:r>
+              <a:rPr lang="en-US" dirty="0"/>
+              <a:t/>
+            </a:r>
+            <a:br>
+              <a:rPr lang="en-US" dirty="0"/>
+            </a:br>
+            <a:r>
+              <a:rPr lang="en-US" dirty="0"/>
+              <a:t>ISBN: 978-1-59059-702-6</a:t>
+            </a:r>
+          </a:p>
+        </p:txBody>
+      </p:sp>
+    </p:spTree>
+    <p:extLst>
+      <p:ext uri="{BB962C8B-B14F-4D97-AF65-F5344CB8AC3E}">
+        <p14:creationId xmlns:p14="http://schemas.microsoft.com/office/powerpoint/2010/main" val="2288126019"/>
+      </p:ext>
+    </p:extLst>
+  </p:cSld>
+  <p:clrMapOvr>
+    <a:masterClrMapping/>
+  </p:clrMapOvr>
+  <p:timing>
+    <p:tnLst>
+      <p:par>
+        <p:cTn id="1" dur="indefinite" restart="never" nodeType="tmRoot"/>
+      </p:par>
+    </p:tnLst>
+  </p:timing>
+</p:sld>
+</file>
+
+<file path=ppt/slides/slide20.xml><?xml version="1.0" encoding="utf-8"?>
 <p:sld xmlns:a="http://schemas.openxmlformats.org/drawingml/2006/main" xmlns:r="http://schemas.openxmlformats.org/officeDocument/2006/relationships" xmlns:p="http://schemas.openxmlformats.org/presentationml/2006/main">
   <p:cSld>
     <p:bg>
@@ -7119,128 +9309,17 @@
   <p:clrMapOvr>
     <a:masterClrMapping/>
   </p:clrMapOvr>
+  <p:timing>
+    <p:tnLst>
+      <p:par>
+        <p:cTn id="1" dur="indefinite" restart="never" nodeType="tmRoot"/>
+      </p:par>
+    </p:tnLst>
+  </p:timing>
 </p:sld>
 </file>
 
-<file path=ppt/slides/slide2.xml><?xml version="1.0" encoding="utf-8"?>
-<p:sld xmlns:a="http://schemas.openxmlformats.org/drawingml/2006/main" xmlns:r="http://schemas.openxmlformats.org/officeDocument/2006/relationships" xmlns:p="http://schemas.openxmlformats.org/presentationml/2006/main">
-  <p:cSld>
-    <p:spTree>
-      <p:nvGrpSpPr>
-        <p:cNvPr id="1" name=""/>
-        <p:cNvGrpSpPr/>
-        <p:nvPr/>
-      </p:nvGrpSpPr>
-      <p:grpSpPr>
-        <a:xfrm>
-          <a:off x="0" y="0"/>
-          <a:ext cx="0" cy="0"/>
-          <a:chOff x="0" y="0"/>
-          <a:chExt cx="0" cy="0"/>
-        </a:xfrm>
-      </p:grpSpPr>
-      <p:sp>
-        <p:nvSpPr>
-          <p:cNvPr id="2" name="Title 1"/>
-          <p:cNvSpPr>
-            <a:spLocks noGrp="1"/>
-          </p:cNvSpPr>
-          <p:nvPr>
-            <p:ph type="title"/>
-          </p:nvPr>
-        </p:nvSpPr>
-        <p:spPr/>
-        <p:txBody>
-          <a:bodyPr/>
-          <a:lstStyle/>
-          <a:p>
-            <a:r>
-              <a:rPr lang="ru-RU" dirty="0" smtClean="0"/>
-              <a:t>Литература</a:t>
-            </a:r>
-            <a:endParaRPr lang="en-US" dirty="0"/>
-          </a:p>
-        </p:txBody>
-      </p:sp>
-      <p:sp>
-        <p:nvSpPr>
-          <p:cNvPr id="3" name="Content Placeholder 2"/>
-          <p:cNvSpPr>
-            <a:spLocks noGrp="1"/>
-          </p:cNvSpPr>
-          <p:nvPr>
-            <p:ph idx="1"/>
-          </p:nvPr>
-        </p:nvSpPr>
-        <p:spPr/>
-        <p:txBody>
-          <a:bodyPr/>
-          <a:lstStyle/>
-          <a:p>
-            <a:r>
-              <a:rPr lang="en-US" dirty="0"/>
-              <a:t>Pro </a:t>
-            </a:r>
-            <a:r>
-              <a:rPr lang="en-US" dirty="0" smtClean="0"/>
-              <a:t>WCF.</a:t>
-            </a:r>
-            <a:r>
-              <a:rPr lang="ru-RU" dirty="0" smtClean="0"/>
-              <a:t> </a:t>
-            </a:r>
-            <a:r>
-              <a:rPr lang="en-US" dirty="0" smtClean="0"/>
-              <a:t>Practical </a:t>
-            </a:r>
-            <a:r>
-              <a:rPr lang="en-US" dirty="0"/>
-              <a:t>Microsoft </a:t>
-            </a:r>
-            <a:r>
-              <a:rPr lang="en-US" dirty="0" smtClean="0"/>
-              <a:t>SOA Implementation. </a:t>
-            </a:r>
-            <a:r>
-              <a:rPr lang="ru-RU" dirty="0" smtClean="0"/>
-              <a:t>Издательство </a:t>
-            </a:r>
-            <a:r>
-              <a:rPr lang="en-US" dirty="0" err="1" smtClean="0"/>
-              <a:t>Apress</a:t>
-            </a:r>
-            <a:r>
-              <a:rPr lang="en-US" dirty="0" smtClean="0"/>
-              <a:t>, 2007.</a:t>
-            </a:r>
-            <a:r>
-              <a:rPr lang="en-US" dirty="0"/>
-              <a:t/>
-            </a:r>
-            <a:br>
-              <a:rPr lang="en-US" dirty="0"/>
-            </a:br>
-            <a:r>
-              <a:rPr lang="en-US" dirty="0"/>
-              <a:t>ISBN: 978-1-59059-702-6</a:t>
-            </a:r>
-          </a:p>
-        </p:txBody>
-      </p:sp>
-    </p:spTree>
-    <p:extLst>
-      <p:ext uri="{BB962C8B-B14F-4D97-AF65-F5344CB8AC3E}">
-        <p14:creationId xmlns:p14="http://schemas.microsoft.com/office/powerpoint/2010/main" val="2288126019"/>
-      </p:ext>
-    </p:extLst>
-  </p:cSld>
-  <p:clrMapOvr>
-    <a:masterClrMapping/>
-  </p:clrMapOvr>
-</p:sld>
-</file>
-
-<file path=ppt/slides/slide20.xml><?xml version="1.0" encoding="utf-8"?>
+<file path=ppt/slides/slide21.xml><?xml version="1.0" encoding="utf-8"?>
 <p:sld xmlns:a="http://schemas.openxmlformats.org/drawingml/2006/main" xmlns:r="http://schemas.openxmlformats.org/officeDocument/2006/relationships" xmlns:p="http://schemas.openxmlformats.org/presentationml/2006/main">
   <p:cSld>
     <p:spTree>
@@ -7304,620 +9383,13 @@
   <p:clrMapOvr>
     <a:masterClrMapping/>
   </p:clrMapOvr>
-</p:sld>
-</file>
-
-<file path=ppt/slides/slide21.xml><?xml version="1.0" encoding="utf-8"?>
-<p:sld xmlns:a="http://schemas.openxmlformats.org/drawingml/2006/main" xmlns:r="http://schemas.openxmlformats.org/officeDocument/2006/relationships" xmlns:p="http://schemas.openxmlformats.org/presentationml/2006/main">
-  <p:cSld>
-    <p:spTree>
-      <p:nvGrpSpPr>
-        <p:cNvPr id="1" name=""/>
-        <p:cNvGrpSpPr/>
-        <p:nvPr/>
-      </p:nvGrpSpPr>
-      <p:grpSpPr>
-        <a:xfrm>
-          <a:off x="0" y="0"/>
-          <a:ext cx="0" cy="0"/>
-          <a:chOff x="0" y="0"/>
-          <a:chExt cx="0" cy="0"/>
-        </a:xfrm>
-      </p:grpSpPr>
-      <p:sp>
-        <p:nvSpPr>
-          <p:cNvPr id="2" name="Title 1"/>
-          <p:cNvSpPr>
-            <a:spLocks noGrp="1"/>
-          </p:cNvSpPr>
-          <p:nvPr>
-            <p:ph type="title"/>
-          </p:nvPr>
-        </p:nvSpPr>
-        <p:spPr/>
-        <p:txBody>
-          <a:bodyPr/>
-          <a:lstStyle/>
-          <a:p>
-            <a:r>
-              <a:rPr lang="en-US" dirty="0" smtClean="0"/>
-              <a:t>Behaviors</a:t>
-            </a:r>
-            <a:endParaRPr lang="en-US" dirty="0"/>
-          </a:p>
-        </p:txBody>
-      </p:sp>
-      <p:sp>
-        <p:nvSpPr>
-          <p:cNvPr id="3" name="Content Placeholder 2"/>
-          <p:cNvSpPr>
-            <a:spLocks noGrp="1"/>
-          </p:cNvSpPr>
-          <p:nvPr>
-            <p:ph idx="1"/>
-          </p:nvPr>
-        </p:nvSpPr>
-        <p:spPr/>
-        <p:txBody>
-          <a:bodyPr>
-            <a:normAutofit fontScale="85000" lnSpcReduction="10000"/>
-          </a:bodyPr>
-          <a:lstStyle/>
-          <a:p>
-            <a:r>
-              <a:rPr lang="ru-RU" dirty="0" smtClean="0"/>
-              <a:t>Атрибуты позволяющие менять поведение </a:t>
-            </a:r>
-            <a:r>
-              <a:rPr lang="en-US" dirty="0" smtClean="0"/>
-              <a:t>WCF</a:t>
-            </a:r>
-            <a:endParaRPr lang="ru-RU" dirty="0" smtClean="0"/>
-          </a:p>
-          <a:p>
-            <a:r>
-              <a:rPr lang="ru-RU" dirty="0" smtClean="0"/>
-              <a:t>Применяются на уровне сервиса, операций, контрактов и конечных точек </a:t>
-            </a:r>
-            <a:r>
-              <a:rPr lang="en-US" dirty="0" smtClean="0"/>
-              <a:t>(endpoints)</a:t>
-            </a:r>
-          </a:p>
-          <a:p>
-            <a:endParaRPr lang="en-US" sz="2000" dirty="0" smtClean="0">
-              <a:latin typeface="Courier New" pitchFamily="49" charset="0"/>
-              <a:cs typeface="Courier New" pitchFamily="49" charset="0"/>
-            </a:endParaRPr>
-          </a:p>
-          <a:p>
-            <a:pPr marL="0" indent="0">
-              <a:buNone/>
-            </a:pPr>
-            <a:r>
-              <a:rPr lang="en-US" sz="1600" dirty="0" smtClean="0">
-                <a:latin typeface="Courier New" pitchFamily="49" charset="0"/>
-                <a:cs typeface="Courier New" pitchFamily="49" charset="0"/>
-              </a:rPr>
-              <a:t>public </a:t>
-            </a:r>
-            <a:r>
-              <a:rPr lang="en-US" sz="1600" dirty="0">
-                <a:latin typeface="Courier New" pitchFamily="49" charset="0"/>
-                <a:cs typeface="Courier New" pitchFamily="49" charset="0"/>
-              </a:rPr>
-              <a:t>interface </a:t>
-            </a:r>
-            <a:r>
-              <a:rPr lang="en-US" sz="1600" dirty="0" smtClean="0">
-                <a:latin typeface="Courier New" pitchFamily="49" charset="0"/>
-                <a:cs typeface="Courier New" pitchFamily="49" charset="0"/>
-              </a:rPr>
-              <a:t>I…Behavior</a:t>
-            </a:r>
-            <a:br>
-              <a:rPr lang="en-US" sz="1600" dirty="0" smtClean="0">
-                <a:latin typeface="Courier New" pitchFamily="49" charset="0"/>
-                <a:cs typeface="Courier New" pitchFamily="49" charset="0"/>
-              </a:rPr>
-            </a:br>
-            <a:r>
-              <a:rPr lang="en-US" sz="1600" dirty="0" smtClean="0">
-                <a:latin typeface="Courier New" pitchFamily="49" charset="0"/>
-                <a:cs typeface="Courier New" pitchFamily="49" charset="0"/>
-              </a:rPr>
-              <a:t>{</a:t>
-            </a:r>
-            <a:br>
-              <a:rPr lang="en-US" sz="1600" dirty="0" smtClean="0">
-                <a:latin typeface="Courier New" pitchFamily="49" charset="0"/>
-                <a:cs typeface="Courier New" pitchFamily="49" charset="0"/>
-              </a:rPr>
-            </a:br>
-            <a:r>
-              <a:rPr lang="en-US" sz="1600" dirty="0" smtClean="0">
-                <a:latin typeface="Courier New" pitchFamily="49" charset="0"/>
-                <a:cs typeface="Courier New" pitchFamily="49" charset="0"/>
-              </a:rPr>
-              <a:t>    </a:t>
-            </a:r>
-            <a:r>
-              <a:rPr lang="en-US" sz="1600" dirty="0" smtClean="0">
-                <a:solidFill>
-                  <a:srgbClr val="FFFF00"/>
-                </a:solidFill>
-                <a:latin typeface="Courier New" pitchFamily="49" charset="0"/>
-                <a:cs typeface="Courier New" pitchFamily="49" charset="0"/>
-              </a:rPr>
-              <a:t>[1] </a:t>
-            </a:r>
-            <a:r>
-              <a:rPr lang="en-US" sz="1600" dirty="0" smtClean="0">
-                <a:latin typeface="Courier New" pitchFamily="49" charset="0"/>
-                <a:cs typeface="Courier New" pitchFamily="49" charset="0"/>
-              </a:rPr>
-              <a:t>void </a:t>
-            </a:r>
-            <a:r>
-              <a:rPr lang="en-US" sz="1600" dirty="0">
-                <a:latin typeface="Courier New" pitchFamily="49" charset="0"/>
-                <a:cs typeface="Courier New" pitchFamily="49" charset="0"/>
-              </a:rPr>
-              <a:t>Validate(</a:t>
-            </a:r>
-            <a:r>
-              <a:rPr lang="en-US" sz="1600" dirty="0" err="1">
-                <a:latin typeface="Courier New" pitchFamily="49" charset="0"/>
-                <a:cs typeface="Courier New" pitchFamily="49" charset="0"/>
-              </a:rPr>
-              <a:t>ServiceEndpoint</a:t>
-            </a:r>
-            <a:r>
-              <a:rPr lang="en-US" sz="1600" dirty="0">
-                <a:latin typeface="Courier New" pitchFamily="49" charset="0"/>
-                <a:cs typeface="Courier New" pitchFamily="49" charset="0"/>
-              </a:rPr>
-              <a:t> </a:t>
-            </a:r>
-            <a:r>
-              <a:rPr lang="en-US" sz="1600" dirty="0" err="1">
-                <a:latin typeface="Courier New" pitchFamily="49" charset="0"/>
-                <a:cs typeface="Courier New" pitchFamily="49" charset="0"/>
-              </a:rPr>
-              <a:t>serviceEndpoint</a:t>
-            </a:r>
-            <a:r>
-              <a:rPr lang="en-US" sz="1600" dirty="0">
-                <a:latin typeface="Courier New" pitchFamily="49" charset="0"/>
-                <a:cs typeface="Courier New" pitchFamily="49" charset="0"/>
-              </a:rPr>
-              <a:t>);</a:t>
-            </a:r>
-            <a:br>
-              <a:rPr lang="en-US" sz="1600" dirty="0">
-                <a:latin typeface="Courier New" pitchFamily="49" charset="0"/>
-                <a:cs typeface="Courier New" pitchFamily="49" charset="0"/>
-              </a:rPr>
-            </a:br>
-            <a:r>
-              <a:rPr lang="en-US" sz="1600" dirty="0" smtClean="0">
-                <a:latin typeface="Courier New" pitchFamily="49" charset="0"/>
-                <a:cs typeface="Courier New" pitchFamily="49" charset="0"/>
-              </a:rPr>
-              <a:t/>
-            </a:r>
-            <a:br>
-              <a:rPr lang="en-US" sz="1600" dirty="0" smtClean="0">
-                <a:latin typeface="Courier New" pitchFamily="49" charset="0"/>
-                <a:cs typeface="Courier New" pitchFamily="49" charset="0"/>
-              </a:rPr>
-            </a:br>
-            <a:r>
-              <a:rPr lang="en-US" sz="1600" dirty="0" smtClean="0">
-                <a:latin typeface="Courier New" pitchFamily="49" charset="0"/>
-                <a:cs typeface="Courier New" pitchFamily="49" charset="0"/>
-              </a:rPr>
-              <a:t>    </a:t>
-            </a:r>
-            <a:r>
-              <a:rPr lang="en-US" sz="1600" dirty="0" smtClean="0">
-                <a:solidFill>
-                  <a:srgbClr val="FFFF00"/>
-                </a:solidFill>
-                <a:latin typeface="Courier New" pitchFamily="49" charset="0"/>
-                <a:cs typeface="Courier New" pitchFamily="49" charset="0"/>
-              </a:rPr>
-              <a:t>[2] </a:t>
-            </a:r>
-            <a:r>
-              <a:rPr lang="en-US" sz="1600" dirty="0" smtClean="0">
-                <a:latin typeface="Courier New" pitchFamily="49" charset="0"/>
-                <a:cs typeface="Courier New" pitchFamily="49" charset="0"/>
-              </a:rPr>
-              <a:t>void </a:t>
-            </a:r>
-            <a:r>
-              <a:rPr lang="en-US" sz="1600" dirty="0" err="1">
-                <a:latin typeface="Courier New" pitchFamily="49" charset="0"/>
-                <a:cs typeface="Courier New" pitchFamily="49" charset="0"/>
-              </a:rPr>
-              <a:t>AddBindingParameters</a:t>
-            </a:r>
-            <a:r>
-              <a:rPr lang="en-US" sz="1600" dirty="0">
-                <a:latin typeface="Courier New" pitchFamily="49" charset="0"/>
-                <a:cs typeface="Courier New" pitchFamily="49" charset="0"/>
-              </a:rPr>
-              <a:t>(</a:t>
-            </a:r>
-            <a:r>
-              <a:rPr lang="en-US" sz="1600" dirty="0" err="1">
-                <a:latin typeface="Courier New" pitchFamily="49" charset="0"/>
-                <a:cs typeface="Courier New" pitchFamily="49" charset="0"/>
-              </a:rPr>
-              <a:t>ServiceEndpoint</a:t>
-            </a:r>
-            <a:r>
-              <a:rPr lang="en-US" sz="1600" dirty="0">
-                <a:latin typeface="Courier New" pitchFamily="49" charset="0"/>
-                <a:cs typeface="Courier New" pitchFamily="49" charset="0"/>
-              </a:rPr>
-              <a:t> </a:t>
-            </a:r>
-            <a:r>
-              <a:rPr lang="en-US" sz="1600" dirty="0" err="1" smtClean="0">
-                <a:latin typeface="Courier New" pitchFamily="49" charset="0"/>
-                <a:cs typeface="Courier New" pitchFamily="49" charset="0"/>
-              </a:rPr>
-              <a:t>serviceEndpoint</a:t>
-            </a:r>
-            <a:r>
-              <a:rPr lang="en-US" sz="1600" dirty="0" smtClean="0">
-                <a:latin typeface="Courier New" pitchFamily="49" charset="0"/>
-                <a:cs typeface="Courier New" pitchFamily="49" charset="0"/>
-              </a:rPr>
-              <a:t>,</a:t>
-            </a:r>
-            <a:br>
-              <a:rPr lang="en-US" sz="1600" dirty="0" smtClean="0">
-                <a:latin typeface="Courier New" pitchFamily="49" charset="0"/>
-                <a:cs typeface="Courier New" pitchFamily="49" charset="0"/>
-              </a:rPr>
-            </a:br>
-            <a:r>
-              <a:rPr lang="en-US" sz="1600" dirty="0" smtClean="0">
-                <a:latin typeface="Courier New" pitchFamily="49" charset="0"/>
-                <a:cs typeface="Courier New" pitchFamily="49" charset="0"/>
-              </a:rPr>
-              <a:t>                   </a:t>
-            </a:r>
-            <a:r>
-              <a:rPr lang="en-US" sz="1600" dirty="0" err="1" smtClean="0">
-                <a:latin typeface="Courier New" pitchFamily="49" charset="0"/>
-                <a:cs typeface="Courier New" pitchFamily="49" charset="0"/>
-              </a:rPr>
-              <a:t>BindingParameterCollection</a:t>
-            </a:r>
-            <a:r>
-              <a:rPr lang="en-US" sz="1600" dirty="0" smtClean="0">
-                <a:latin typeface="Courier New" pitchFamily="49" charset="0"/>
-                <a:cs typeface="Courier New" pitchFamily="49" charset="0"/>
-              </a:rPr>
-              <a:t> </a:t>
-            </a:r>
-            <a:r>
-              <a:rPr lang="en-US" sz="1600" dirty="0" err="1">
-                <a:latin typeface="Courier New" pitchFamily="49" charset="0"/>
-                <a:cs typeface="Courier New" pitchFamily="49" charset="0"/>
-              </a:rPr>
-              <a:t>bindingParameters</a:t>
-            </a:r>
-            <a:r>
-              <a:rPr lang="en-US" sz="1600" dirty="0" smtClean="0">
-                <a:latin typeface="Courier New" pitchFamily="49" charset="0"/>
-                <a:cs typeface="Courier New" pitchFamily="49" charset="0"/>
-              </a:rPr>
-              <a:t>);</a:t>
-            </a:r>
-            <a:br>
-              <a:rPr lang="en-US" sz="1600" dirty="0" smtClean="0">
-                <a:latin typeface="Courier New" pitchFamily="49" charset="0"/>
-                <a:cs typeface="Courier New" pitchFamily="49" charset="0"/>
-              </a:rPr>
-            </a:br>
-            <a:r>
-              <a:rPr lang="en-US" sz="1600" dirty="0" smtClean="0">
-                <a:latin typeface="Courier New" pitchFamily="49" charset="0"/>
-                <a:cs typeface="Courier New" pitchFamily="49" charset="0"/>
-              </a:rPr>
-              <a:t/>
-            </a:r>
-            <a:br>
-              <a:rPr lang="en-US" sz="1600" dirty="0" smtClean="0">
-                <a:latin typeface="Courier New" pitchFamily="49" charset="0"/>
-                <a:cs typeface="Courier New" pitchFamily="49" charset="0"/>
-              </a:rPr>
-            </a:br>
-            <a:r>
-              <a:rPr lang="en-US" sz="1600" dirty="0" smtClean="0">
-                <a:latin typeface="Courier New" pitchFamily="49" charset="0"/>
-                <a:cs typeface="Courier New" pitchFamily="49" charset="0"/>
-              </a:rPr>
-              <a:t>    </a:t>
-            </a:r>
-            <a:r>
-              <a:rPr lang="en-US" sz="1600" dirty="0" smtClean="0">
-                <a:solidFill>
-                  <a:srgbClr val="FFFF00"/>
-                </a:solidFill>
-                <a:latin typeface="Courier New" pitchFamily="49" charset="0"/>
-                <a:cs typeface="Courier New" pitchFamily="49" charset="0"/>
-              </a:rPr>
-              <a:t>[3] </a:t>
-            </a:r>
-            <a:r>
-              <a:rPr lang="en-US" sz="1600" dirty="0" smtClean="0">
-                <a:latin typeface="Courier New" pitchFamily="49" charset="0"/>
-                <a:cs typeface="Courier New" pitchFamily="49" charset="0"/>
-              </a:rPr>
-              <a:t>void </a:t>
-            </a:r>
-            <a:r>
-              <a:rPr lang="en-US" sz="1600" dirty="0" err="1">
-                <a:latin typeface="Courier New" pitchFamily="49" charset="0"/>
-                <a:cs typeface="Courier New" pitchFamily="49" charset="0"/>
-              </a:rPr>
-              <a:t>ApplyClientBehavior</a:t>
-            </a:r>
-            <a:r>
-              <a:rPr lang="en-US" sz="1600" dirty="0">
-                <a:latin typeface="Courier New" pitchFamily="49" charset="0"/>
-                <a:cs typeface="Courier New" pitchFamily="49" charset="0"/>
-              </a:rPr>
-              <a:t>(</a:t>
-            </a:r>
-            <a:r>
-              <a:rPr lang="en-US" sz="1600" dirty="0" err="1">
-                <a:latin typeface="Courier New" pitchFamily="49" charset="0"/>
-                <a:cs typeface="Courier New" pitchFamily="49" charset="0"/>
-              </a:rPr>
-              <a:t>ServiceEndpoint</a:t>
-            </a:r>
-            <a:r>
-              <a:rPr lang="en-US" sz="1600" dirty="0">
-                <a:latin typeface="Courier New" pitchFamily="49" charset="0"/>
-                <a:cs typeface="Courier New" pitchFamily="49" charset="0"/>
-              </a:rPr>
-              <a:t> </a:t>
-            </a:r>
-            <a:r>
-              <a:rPr lang="en-US" sz="1600" dirty="0" err="1" smtClean="0">
-                <a:latin typeface="Courier New" pitchFamily="49" charset="0"/>
-                <a:cs typeface="Courier New" pitchFamily="49" charset="0"/>
-              </a:rPr>
-              <a:t>serviceEndpoint</a:t>
-            </a:r>
-            <a:r>
-              <a:rPr lang="en-US" sz="1600" dirty="0" smtClean="0">
-                <a:latin typeface="Courier New" pitchFamily="49" charset="0"/>
-                <a:cs typeface="Courier New" pitchFamily="49" charset="0"/>
-              </a:rPr>
-              <a:t>,</a:t>
-            </a:r>
-          </a:p>
-          <a:p>
-            <a:pPr marL="0" indent="0">
-              <a:buNone/>
-            </a:pPr>
-            <a:r>
-              <a:rPr lang="en-US" sz="1600" dirty="0">
-                <a:latin typeface="Courier New" pitchFamily="49" charset="0"/>
-                <a:cs typeface="Courier New" pitchFamily="49" charset="0"/>
-              </a:rPr>
-              <a:t> </a:t>
-            </a:r>
-            <a:r>
-              <a:rPr lang="en-US" sz="1600" dirty="0" smtClean="0">
-                <a:latin typeface="Courier New" pitchFamily="49" charset="0"/>
-                <a:cs typeface="Courier New" pitchFamily="49" charset="0"/>
-              </a:rPr>
-              <a:t>                  </a:t>
-            </a:r>
-            <a:r>
-              <a:rPr lang="en-US" sz="1600" dirty="0" err="1" smtClean="0">
-                <a:latin typeface="Courier New" pitchFamily="49" charset="0"/>
-                <a:cs typeface="Courier New" pitchFamily="49" charset="0"/>
-              </a:rPr>
-              <a:t>ClientRuntime</a:t>
-            </a:r>
-            <a:r>
-              <a:rPr lang="en-US" sz="1600" dirty="0" smtClean="0">
-                <a:latin typeface="Courier New" pitchFamily="49" charset="0"/>
-                <a:cs typeface="Courier New" pitchFamily="49" charset="0"/>
-              </a:rPr>
-              <a:t> </a:t>
-            </a:r>
-            <a:r>
-              <a:rPr lang="en-US" sz="1600" dirty="0">
-                <a:latin typeface="Courier New" pitchFamily="49" charset="0"/>
-                <a:cs typeface="Courier New" pitchFamily="49" charset="0"/>
-              </a:rPr>
-              <a:t>behavior</a:t>
-            </a:r>
-            <a:r>
-              <a:rPr lang="en-US" sz="1600" dirty="0" smtClean="0">
-                <a:latin typeface="Courier New" pitchFamily="49" charset="0"/>
-                <a:cs typeface="Courier New" pitchFamily="49" charset="0"/>
-              </a:rPr>
-              <a:t>);</a:t>
-            </a:r>
-          </a:p>
-          <a:p>
-            <a:pPr marL="0" indent="0">
-              <a:buNone/>
-            </a:pPr>
-            <a:r>
-              <a:rPr lang="en-US" sz="1600" dirty="0" smtClean="0">
-                <a:latin typeface="Courier New" pitchFamily="49" charset="0"/>
-                <a:cs typeface="Courier New" pitchFamily="49" charset="0"/>
-              </a:rPr>
-              <a:t/>
-            </a:r>
-            <a:br>
-              <a:rPr lang="en-US" sz="1600" dirty="0" smtClean="0">
-                <a:latin typeface="Courier New" pitchFamily="49" charset="0"/>
-                <a:cs typeface="Courier New" pitchFamily="49" charset="0"/>
-              </a:rPr>
-            </a:br>
-            <a:r>
-              <a:rPr lang="en-US" sz="1600" dirty="0" smtClean="0">
-                <a:latin typeface="Courier New" pitchFamily="49" charset="0"/>
-                <a:cs typeface="Courier New" pitchFamily="49" charset="0"/>
-              </a:rPr>
-              <a:t>    </a:t>
-            </a:r>
-            <a:r>
-              <a:rPr lang="en-US" sz="1600" dirty="0" smtClean="0">
-                <a:solidFill>
-                  <a:srgbClr val="FFFF00"/>
-                </a:solidFill>
-                <a:latin typeface="Courier New" pitchFamily="49" charset="0"/>
-                <a:cs typeface="Courier New" pitchFamily="49" charset="0"/>
-              </a:rPr>
-              <a:t>[4] </a:t>
-            </a:r>
-            <a:r>
-              <a:rPr lang="en-US" sz="1600" dirty="0" smtClean="0">
-                <a:latin typeface="Courier New" pitchFamily="49" charset="0"/>
-                <a:cs typeface="Courier New" pitchFamily="49" charset="0"/>
-              </a:rPr>
-              <a:t>void </a:t>
-            </a:r>
-            <a:r>
-              <a:rPr lang="en-US" sz="1600" dirty="0" err="1">
-                <a:latin typeface="Courier New" pitchFamily="49" charset="0"/>
-                <a:cs typeface="Courier New" pitchFamily="49" charset="0"/>
-              </a:rPr>
-              <a:t>ApplyDispatchBehavior</a:t>
-            </a:r>
-            <a:r>
-              <a:rPr lang="en-US" sz="1600" dirty="0">
-                <a:latin typeface="Courier New" pitchFamily="49" charset="0"/>
-                <a:cs typeface="Courier New" pitchFamily="49" charset="0"/>
-              </a:rPr>
-              <a:t>(</a:t>
-            </a:r>
-            <a:r>
-              <a:rPr lang="en-US" sz="1600" dirty="0" err="1">
-                <a:latin typeface="Courier New" pitchFamily="49" charset="0"/>
-                <a:cs typeface="Courier New" pitchFamily="49" charset="0"/>
-              </a:rPr>
-              <a:t>ServiceEndpoint</a:t>
-            </a:r>
-            <a:r>
-              <a:rPr lang="en-US" sz="1600" dirty="0">
-                <a:latin typeface="Courier New" pitchFamily="49" charset="0"/>
-                <a:cs typeface="Courier New" pitchFamily="49" charset="0"/>
-              </a:rPr>
-              <a:t> </a:t>
-            </a:r>
-            <a:r>
-              <a:rPr lang="en-US" sz="1600" dirty="0" err="1" smtClean="0">
-                <a:latin typeface="Courier New" pitchFamily="49" charset="0"/>
-                <a:cs typeface="Courier New" pitchFamily="49" charset="0"/>
-              </a:rPr>
-              <a:t>serviceEndpoint</a:t>
-            </a:r>
-            <a:r>
-              <a:rPr lang="en-US" sz="1600" dirty="0" smtClean="0">
-                <a:latin typeface="Courier New" pitchFamily="49" charset="0"/>
-                <a:cs typeface="Courier New" pitchFamily="49" charset="0"/>
-              </a:rPr>
-              <a:t>,</a:t>
-            </a:r>
-          </a:p>
-          <a:p>
-            <a:pPr marL="0" indent="0">
-              <a:buNone/>
-            </a:pPr>
-            <a:r>
-              <a:rPr lang="en-US" sz="1600" dirty="0">
-                <a:latin typeface="Courier New" pitchFamily="49" charset="0"/>
-                <a:cs typeface="Courier New" pitchFamily="49" charset="0"/>
-              </a:rPr>
-              <a:t> </a:t>
-            </a:r>
-            <a:r>
-              <a:rPr lang="en-US" sz="1600" dirty="0" smtClean="0">
-                <a:latin typeface="Courier New" pitchFamily="49" charset="0"/>
-                <a:cs typeface="Courier New" pitchFamily="49" charset="0"/>
-              </a:rPr>
-              <a:t>                  </a:t>
-            </a:r>
-            <a:r>
-              <a:rPr lang="en-US" sz="1600" dirty="0" err="1" smtClean="0">
-                <a:latin typeface="Courier New" pitchFamily="49" charset="0"/>
-                <a:cs typeface="Courier New" pitchFamily="49" charset="0"/>
-              </a:rPr>
-              <a:t>EndpointDispatcher</a:t>
-            </a:r>
-            <a:r>
-              <a:rPr lang="en-US" sz="1600" dirty="0" smtClean="0">
-                <a:latin typeface="Courier New" pitchFamily="49" charset="0"/>
-                <a:cs typeface="Courier New" pitchFamily="49" charset="0"/>
-              </a:rPr>
-              <a:t> </a:t>
-            </a:r>
-            <a:r>
-              <a:rPr lang="en-US" sz="1600" dirty="0" err="1">
-                <a:latin typeface="Courier New" pitchFamily="49" charset="0"/>
-                <a:cs typeface="Courier New" pitchFamily="49" charset="0"/>
-              </a:rPr>
-              <a:t>endpointDispatcher</a:t>
-            </a:r>
-            <a:r>
-              <a:rPr lang="en-US" sz="1600" dirty="0">
-                <a:latin typeface="Courier New" pitchFamily="49" charset="0"/>
-                <a:cs typeface="Courier New" pitchFamily="49" charset="0"/>
-              </a:rPr>
-              <a:t>, </a:t>
-            </a:r>
-            <a:r>
-              <a:rPr lang="en-US" sz="1600" dirty="0" smtClean="0">
-                <a:latin typeface="Courier New" pitchFamily="49" charset="0"/>
-                <a:cs typeface="Courier New" pitchFamily="49" charset="0"/>
-              </a:rPr>
-              <a:t>...);</a:t>
-            </a:r>
-          </a:p>
-          <a:p>
-            <a:pPr marL="0" indent="0">
-              <a:buNone/>
-            </a:pPr>
-            <a:r>
-              <a:rPr lang="en-US" sz="1600" dirty="0" smtClean="0">
-                <a:latin typeface="Courier New" pitchFamily="49" charset="0"/>
-                <a:cs typeface="Courier New" pitchFamily="49" charset="0"/>
-              </a:rPr>
-              <a:t>}</a:t>
-            </a:r>
-            <a:endParaRPr lang="en-US" sz="1600" dirty="0">
-              <a:latin typeface="Courier New" pitchFamily="49" charset="0"/>
-              <a:cs typeface="Courier New" pitchFamily="49" charset="0"/>
-            </a:endParaRPr>
-          </a:p>
-        </p:txBody>
-      </p:sp>
-    </p:spTree>
-    <p:extLst>
-      <p:ext uri="{BB962C8B-B14F-4D97-AF65-F5344CB8AC3E}">
-        <p14:creationId xmlns:p14="http://schemas.microsoft.com/office/powerpoint/2010/main" val="385697351"/>
-      </p:ext>
-    </p:extLst>
-  </p:cSld>
-  <p:clrMapOvr>
-    <a:masterClrMapping/>
-  </p:clrMapOvr>
+  <p:timing>
+    <p:tnLst>
+      <p:par>
+        <p:cTn id="1" dur="indefinite" restart="never" nodeType="tmRoot"/>
+      </p:par>
+    </p:tnLst>
+  </p:timing>
 </p:sld>
 </file>
 
@@ -7954,8 +9426,8 @@
           <a:lstStyle/>
           <a:p>
             <a:r>
-              <a:rPr lang="ru-RU" dirty="0" smtClean="0"/>
-              <a:t>Утилиты</a:t>
+              <a:rPr lang="en-US" dirty="0" smtClean="0"/>
+              <a:t>Behaviors</a:t>
             </a:r>
             <a:endParaRPr lang="en-US" dirty="0"/>
           </a:p>
@@ -7973,16 +9445,14 @@
         </p:nvSpPr>
         <p:spPr/>
         <p:txBody>
-          <a:bodyPr/>
+          <a:bodyPr>
+            <a:normAutofit fontScale="85000" lnSpcReduction="10000"/>
+          </a:bodyPr>
           <a:lstStyle/>
           <a:p>
             <a:r>
-              <a:rPr lang="en-US" dirty="0"/>
-              <a:t>SvcConfigEditor.exe </a:t>
-            </a:r>
-            <a:r>
               <a:rPr lang="ru-RU" dirty="0" smtClean="0"/>
-              <a:t> - настройка </a:t>
+              <a:t>Атрибуты позволяющие менять поведение </a:t>
             </a:r>
             <a:r>
               <a:rPr lang="en-US" dirty="0" smtClean="0"/>
@@ -7992,35 +9462,555 @@
           </a:p>
           <a:p>
             <a:r>
+              <a:rPr lang="ru-RU" dirty="0" smtClean="0"/>
+              <a:t>Применяются на уровне сервиса, операций, контрактов и конечных точек </a:t>
+            </a:r>
+            <a:r>
               <a:rPr lang="en-US" dirty="0" smtClean="0"/>
-              <a:t>SvcTraceViewer.exe – </a:t>
-            </a:r>
-            <a:r>
-              <a:rPr lang="ru-RU" dirty="0" smtClean="0"/>
-              <a:t>просмотр </a:t>
-            </a:r>
-            <a:r>
-              <a:rPr lang="en-US" dirty="0" smtClean="0"/>
-              <a:t>WCF </a:t>
-            </a:r>
-            <a:r>
-              <a:rPr lang="ru-RU" dirty="0" smtClean="0"/>
-              <a:t>сообщений</a:t>
-            </a:r>
-            <a:endParaRPr lang="en-US" dirty="0"/>
+              <a:t>(endpoints)</a:t>
+            </a:r>
+          </a:p>
+          <a:p>
+            <a:endParaRPr lang="en-US" sz="2000" dirty="0" smtClean="0">
+              <a:latin typeface="Courier New" pitchFamily="49" charset="0"/>
+              <a:cs typeface="Courier New" pitchFamily="49" charset="0"/>
+            </a:endParaRPr>
+          </a:p>
+          <a:p>
+            <a:pPr marL="0" indent="0">
+              <a:buNone/>
+            </a:pPr>
+            <a:r>
+              <a:rPr lang="en-US" sz="1600" dirty="0" smtClean="0">
+                <a:latin typeface="Courier New" pitchFamily="49" charset="0"/>
+                <a:cs typeface="Courier New" pitchFamily="49" charset="0"/>
+              </a:rPr>
+              <a:t>public </a:t>
+            </a:r>
+            <a:r>
+              <a:rPr lang="en-US" sz="1600" dirty="0">
+                <a:latin typeface="Courier New" pitchFamily="49" charset="0"/>
+                <a:cs typeface="Courier New" pitchFamily="49" charset="0"/>
+              </a:rPr>
+              <a:t>interface </a:t>
+            </a:r>
+            <a:r>
+              <a:rPr lang="en-US" sz="1600" dirty="0" smtClean="0">
+                <a:latin typeface="Courier New" pitchFamily="49" charset="0"/>
+                <a:cs typeface="Courier New" pitchFamily="49" charset="0"/>
+              </a:rPr>
+              <a:t>I…Behavior</a:t>
+            </a:r>
+            <a:br>
+              <a:rPr lang="en-US" sz="1600" dirty="0" smtClean="0">
+                <a:latin typeface="Courier New" pitchFamily="49" charset="0"/>
+                <a:cs typeface="Courier New" pitchFamily="49" charset="0"/>
+              </a:rPr>
+            </a:br>
+            <a:r>
+              <a:rPr lang="en-US" sz="1600" dirty="0" smtClean="0">
+                <a:latin typeface="Courier New" pitchFamily="49" charset="0"/>
+                <a:cs typeface="Courier New" pitchFamily="49" charset="0"/>
+              </a:rPr>
+              <a:t>{</a:t>
+            </a:r>
+            <a:br>
+              <a:rPr lang="en-US" sz="1600" dirty="0" smtClean="0">
+                <a:latin typeface="Courier New" pitchFamily="49" charset="0"/>
+                <a:cs typeface="Courier New" pitchFamily="49" charset="0"/>
+              </a:rPr>
+            </a:br>
+            <a:r>
+              <a:rPr lang="en-US" sz="1600" dirty="0" smtClean="0">
+                <a:latin typeface="Courier New" pitchFamily="49" charset="0"/>
+                <a:cs typeface="Courier New" pitchFamily="49" charset="0"/>
+              </a:rPr>
+              <a:t>    </a:t>
+            </a:r>
+            <a:r>
+              <a:rPr lang="en-US" sz="1600" dirty="0" smtClean="0">
+                <a:solidFill>
+                  <a:srgbClr val="FFFF00"/>
+                </a:solidFill>
+                <a:latin typeface="Courier New" pitchFamily="49" charset="0"/>
+                <a:cs typeface="Courier New" pitchFamily="49" charset="0"/>
+              </a:rPr>
+              <a:t>[1] </a:t>
+            </a:r>
+            <a:r>
+              <a:rPr lang="en-US" sz="1600" dirty="0" smtClean="0">
+                <a:latin typeface="Courier New" pitchFamily="49" charset="0"/>
+                <a:cs typeface="Courier New" pitchFamily="49" charset="0"/>
+              </a:rPr>
+              <a:t>void </a:t>
+            </a:r>
+            <a:r>
+              <a:rPr lang="en-US" sz="1600" dirty="0">
+                <a:latin typeface="Courier New" pitchFamily="49" charset="0"/>
+                <a:cs typeface="Courier New" pitchFamily="49" charset="0"/>
+              </a:rPr>
+              <a:t>Validate(</a:t>
+            </a:r>
+            <a:r>
+              <a:rPr lang="en-US" sz="1600" dirty="0" err="1">
+                <a:latin typeface="Courier New" pitchFamily="49" charset="0"/>
+                <a:cs typeface="Courier New" pitchFamily="49" charset="0"/>
+              </a:rPr>
+              <a:t>ServiceEndpoint</a:t>
+            </a:r>
+            <a:r>
+              <a:rPr lang="en-US" sz="1600" dirty="0">
+                <a:latin typeface="Courier New" pitchFamily="49" charset="0"/>
+                <a:cs typeface="Courier New" pitchFamily="49" charset="0"/>
+              </a:rPr>
+              <a:t> </a:t>
+            </a:r>
+            <a:r>
+              <a:rPr lang="en-US" sz="1600" dirty="0" err="1">
+                <a:latin typeface="Courier New" pitchFamily="49" charset="0"/>
+                <a:cs typeface="Courier New" pitchFamily="49" charset="0"/>
+              </a:rPr>
+              <a:t>serviceEndpoint</a:t>
+            </a:r>
+            <a:r>
+              <a:rPr lang="en-US" sz="1600" dirty="0">
+                <a:latin typeface="Courier New" pitchFamily="49" charset="0"/>
+                <a:cs typeface="Courier New" pitchFamily="49" charset="0"/>
+              </a:rPr>
+              <a:t>);</a:t>
+            </a:r>
+            <a:br>
+              <a:rPr lang="en-US" sz="1600" dirty="0">
+                <a:latin typeface="Courier New" pitchFamily="49" charset="0"/>
+                <a:cs typeface="Courier New" pitchFamily="49" charset="0"/>
+              </a:rPr>
+            </a:br>
+            <a:r>
+              <a:rPr lang="en-US" sz="1600" dirty="0" smtClean="0">
+                <a:latin typeface="Courier New" pitchFamily="49" charset="0"/>
+                <a:cs typeface="Courier New" pitchFamily="49" charset="0"/>
+              </a:rPr>
+              <a:t/>
+            </a:r>
+            <a:br>
+              <a:rPr lang="en-US" sz="1600" dirty="0" smtClean="0">
+                <a:latin typeface="Courier New" pitchFamily="49" charset="0"/>
+                <a:cs typeface="Courier New" pitchFamily="49" charset="0"/>
+              </a:rPr>
+            </a:br>
+            <a:r>
+              <a:rPr lang="en-US" sz="1600" dirty="0" smtClean="0">
+                <a:latin typeface="Courier New" pitchFamily="49" charset="0"/>
+                <a:cs typeface="Courier New" pitchFamily="49" charset="0"/>
+              </a:rPr>
+              <a:t>    </a:t>
+            </a:r>
+            <a:r>
+              <a:rPr lang="en-US" sz="1600" dirty="0" smtClean="0">
+                <a:solidFill>
+                  <a:srgbClr val="FFFF00"/>
+                </a:solidFill>
+                <a:latin typeface="Courier New" pitchFamily="49" charset="0"/>
+                <a:cs typeface="Courier New" pitchFamily="49" charset="0"/>
+              </a:rPr>
+              <a:t>[2] </a:t>
+            </a:r>
+            <a:r>
+              <a:rPr lang="en-US" sz="1600" dirty="0" smtClean="0">
+                <a:latin typeface="Courier New" pitchFamily="49" charset="0"/>
+                <a:cs typeface="Courier New" pitchFamily="49" charset="0"/>
+              </a:rPr>
+              <a:t>void </a:t>
+            </a:r>
+            <a:r>
+              <a:rPr lang="en-US" sz="1600" dirty="0" err="1">
+                <a:latin typeface="Courier New" pitchFamily="49" charset="0"/>
+                <a:cs typeface="Courier New" pitchFamily="49" charset="0"/>
+              </a:rPr>
+              <a:t>AddBindingParameters</a:t>
+            </a:r>
+            <a:r>
+              <a:rPr lang="en-US" sz="1600" dirty="0">
+                <a:latin typeface="Courier New" pitchFamily="49" charset="0"/>
+                <a:cs typeface="Courier New" pitchFamily="49" charset="0"/>
+              </a:rPr>
+              <a:t>(</a:t>
+            </a:r>
+            <a:r>
+              <a:rPr lang="en-US" sz="1600" dirty="0" err="1">
+                <a:latin typeface="Courier New" pitchFamily="49" charset="0"/>
+                <a:cs typeface="Courier New" pitchFamily="49" charset="0"/>
+              </a:rPr>
+              <a:t>ServiceEndpoint</a:t>
+            </a:r>
+            <a:r>
+              <a:rPr lang="en-US" sz="1600" dirty="0">
+                <a:latin typeface="Courier New" pitchFamily="49" charset="0"/>
+                <a:cs typeface="Courier New" pitchFamily="49" charset="0"/>
+              </a:rPr>
+              <a:t> </a:t>
+            </a:r>
+            <a:r>
+              <a:rPr lang="en-US" sz="1600" dirty="0" err="1" smtClean="0">
+                <a:latin typeface="Courier New" pitchFamily="49" charset="0"/>
+                <a:cs typeface="Courier New" pitchFamily="49" charset="0"/>
+              </a:rPr>
+              <a:t>serviceEndpoint</a:t>
+            </a:r>
+            <a:r>
+              <a:rPr lang="en-US" sz="1600" dirty="0" smtClean="0">
+                <a:latin typeface="Courier New" pitchFamily="49" charset="0"/>
+                <a:cs typeface="Courier New" pitchFamily="49" charset="0"/>
+              </a:rPr>
+              <a:t>,</a:t>
+            </a:r>
+            <a:br>
+              <a:rPr lang="en-US" sz="1600" dirty="0" smtClean="0">
+                <a:latin typeface="Courier New" pitchFamily="49" charset="0"/>
+                <a:cs typeface="Courier New" pitchFamily="49" charset="0"/>
+              </a:rPr>
+            </a:br>
+            <a:r>
+              <a:rPr lang="en-US" sz="1600" dirty="0" smtClean="0">
+                <a:latin typeface="Courier New" pitchFamily="49" charset="0"/>
+                <a:cs typeface="Courier New" pitchFamily="49" charset="0"/>
+              </a:rPr>
+              <a:t>                   </a:t>
+            </a:r>
+            <a:r>
+              <a:rPr lang="en-US" sz="1600" dirty="0" err="1" smtClean="0">
+                <a:latin typeface="Courier New" pitchFamily="49" charset="0"/>
+                <a:cs typeface="Courier New" pitchFamily="49" charset="0"/>
+              </a:rPr>
+              <a:t>BindingParameterCollection</a:t>
+            </a:r>
+            <a:r>
+              <a:rPr lang="en-US" sz="1600" dirty="0" smtClean="0">
+                <a:latin typeface="Courier New" pitchFamily="49" charset="0"/>
+                <a:cs typeface="Courier New" pitchFamily="49" charset="0"/>
+              </a:rPr>
+              <a:t> </a:t>
+            </a:r>
+            <a:r>
+              <a:rPr lang="en-US" sz="1600" dirty="0" err="1">
+                <a:latin typeface="Courier New" pitchFamily="49" charset="0"/>
+                <a:cs typeface="Courier New" pitchFamily="49" charset="0"/>
+              </a:rPr>
+              <a:t>bindingParameters</a:t>
+            </a:r>
+            <a:r>
+              <a:rPr lang="en-US" sz="1600" dirty="0" smtClean="0">
+                <a:latin typeface="Courier New" pitchFamily="49" charset="0"/>
+                <a:cs typeface="Courier New" pitchFamily="49" charset="0"/>
+              </a:rPr>
+              <a:t>);</a:t>
+            </a:r>
+            <a:br>
+              <a:rPr lang="en-US" sz="1600" dirty="0" smtClean="0">
+                <a:latin typeface="Courier New" pitchFamily="49" charset="0"/>
+                <a:cs typeface="Courier New" pitchFamily="49" charset="0"/>
+              </a:rPr>
+            </a:br>
+            <a:r>
+              <a:rPr lang="en-US" sz="1600" dirty="0" smtClean="0">
+                <a:latin typeface="Courier New" pitchFamily="49" charset="0"/>
+                <a:cs typeface="Courier New" pitchFamily="49" charset="0"/>
+              </a:rPr>
+              <a:t/>
+            </a:r>
+            <a:br>
+              <a:rPr lang="en-US" sz="1600" dirty="0" smtClean="0">
+                <a:latin typeface="Courier New" pitchFamily="49" charset="0"/>
+                <a:cs typeface="Courier New" pitchFamily="49" charset="0"/>
+              </a:rPr>
+            </a:br>
+            <a:r>
+              <a:rPr lang="en-US" sz="1600" dirty="0" smtClean="0">
+                <a:latin typeface="Courier New" pitchFamily="49" charset="0"/>
+                <a:cs typeface="Courier New" pitchFamily="49" charset="0"/>
+              </a:rPr>
+              <a:t>    </a:t>
+            </a:r>
+            <a:r>
+              <a:rPr lang="en-US" sz="1600" dirty="0" smtClean="0">
+                <a:solidFill>
+                  <a:srgbClr val="FFFF00"/>
+                </a:solidFill>
+                <a:latin typeface="Courier New" pitchFamily="49" charset="0"/>
+                <a:cs typeface="Courier New" pitchFamily="49" charset="0"/>
+              </a:rPr>
+              <a:t>[3] </a:t>
+            </a:r>
+            <a:r>
+              <a:rPr lang="en-US" sz="1600" dirty="0" smtClean="0">
+                <a:latin typeface="Courier New" pitchFamily="49" charset="0"/>
+                <a:cs typeface="Courier New" pitchFamily="49" charset="0"/>
+              </a:rPr>
+              <a:t>void </a:t>
+            </a:r>
+            <a:r>
+              <a:rPr lang="en-US" sz="1600" dirty="0" err="1">
+                <a:latin typeface="Courier New" pitchFamily="49" charset="0"/>
+                <a:cs typeface="Courier New" pitchFamily="49" charset="0"/>
+              </a:rPr>
+              <a:t>ApplyClientBehavior</a:t>
+            </a:r>
+            <a:r>
+              <a:rPr lang="en-US" sz="1600" dirty="0">
+                <a:latin typeface="Courier New" pitchFamily="49" charset="0"/>
+                <a:cs typeface="Courier New" pitchFamily="49" charset="0"/>
+              </a:rPr>
+              <a:t>(</a:t>
+            </a:r>
+            <a:r>
+              <a:rPr lang="en-US" sz="1600" dirty="0" err="1">
+                <a:latin typeface="Courier New" pitchFamily="49" charset="0"/>
+                <a:cs typeface="Courier New" pitchFamily="49" charset="0"/>
+              </a:rPr>
+              <a:t>ServiceEndpoint</a:t>
+            </a:r>
+            <a:r>
+              <a:rPr lang="en-US" sz="1600" dirty="0">
+                <a:latin typeface="Courier New" pitchFamily="49" charset="0"/>
+                <a:cs typeface="Courier New" pitchFamily="49" charset="0"/>
+              </a:rPr>
+              <a:t> </a:t>
+            </a:r>
+            <a:r>
+              <a:rPr lang="en-US" sz="1600" dirty="0" err="1" smtClean="0">
+                <a:latin typeface="Courier New" pitchFamily="49" charset="0"/>
+                <a:cs typeface="Courier New" pitchFamily="49" charset="0"/>
+              </a:rPr>
+              <a:t>serviceEndpoint</a:t>
+            </a:r>
+            <a:r>
+              <a:rPr lang="en-US" sz="1600" dirty="0" smtClean="0">
+                <a:latin typeface="Courier New" pitchFamily="49" charset="0"/>
+                <a:cs typeface="Courier New" pitchFamily="49" charset="0"/>
+              </a:rPr>
+              <a:t>,</a:t>
+            </a:r>
+          </a:p>
+          <a:p>
+            <a:pPr marL="0" indent="0">
+              <a:buNone/>
+            </a:pPr>
+            <a:r>
+              <a:rPr lang="en-US" sz="1600" dirty="0">
+                <a:latin typeface="Courier New" pitchFamily="49" charset="0"/>
+                <a:cs typeface="Courier New" pitchFamily="49" charset="0"/>
+              </a:rPr>
+              <a:t> </a:t>
+            </a:r>
+            <a:r>
+              <a:rPr lang="en-US" sz="1600" dirty="0" smtClean="0">
+                <a:latin typeface="Courier New" pitchFamily="49" charset="0"/>
+                <a:cs typeface="Courier New" pitchFamily="49" charset="0"/>
+              </a:rPr>
+              <a:t>                  </a:t>
+            </a:r>
+            <a:r>
+              <a:rPr lang="en-US" sz="1600" dirty="0" err="1" smtClean="0">
+                <a:latin typeface="Courier New" pitchFamily="49" charset="0"/>
+                <a:cs typeface="Courier New" pitchFamily="49" charset="0"/>
+              </a:rPr>
+              <a:t>ClientRuntime</a:t>
+            </a:r>
+            <a:r>
+              <a:rPr lang="en-US" sz="1600" dirty="0" smtClean="0">
+                <a:latin typeface="Courier New" pitchFamily="49" charset="0"/>
+                <a:cs typeface="Courier New" pitchFamily="49" charset="0"/>
+              </a:rPr>
+              <a:t> </a:t>
+            </a:r>
+            <a:r>
+              <a:rPr lang="en-US" sz="1600" dirty="0">
+                <a:latin typeface="Courier New" pitchFamily="49" charset="0"/>
+                <a:cs typeface="Courier New" pitchFamily="49" charset="0"/>
+              </a:rPr>
+              <a:t>behavior</a:t>
+            </a:r>
+            <a:r>
+              <a:rPr lang="en-US" sz="1600" dirty="0" smtClean="0">
+                <a:latin typeface="Courier New" pitchFamily="49" charset="0"/>
+                <a:cs typeface="Courier New" pitchFamily="49" charset="0"/>
+              </a:rPr>
+              <a:t>);</a:t>
+            </a:r>
+          </a:p>
+          <a:p>
+            <a:pPr marL="0" indent="0">
+              <a:buNone/>
+            </a:pPr>
+            <a:r>
+              <a:rPr lang="en-US" sz="1600" dirty="0" smtClean="0">
+                <a:latin typeface="Courier New" pitchFamily="49" charset="0"/>
+                <a:cs typeface="Courier New" pitchFamily="49" charset="0"/>
+              </a:rPr>
+              <a:t/>
+            </a:r>
+            <a:br>
+              <a:rPr lang="en-US" sz="1600" dirty="0" smtClean="0">
+                <a:latin typeface="Courier New" pitchFamily="49" charset="0"/>
+                <a:cs typeface="Courier New" pitchFamily="49" charset="0"/>
+              </a:rPr>
+            </a:br>
+            <a:r>
+              <a:rPr lang="en-US" sz="1600" dirty="0" smtClean="0">
+                <a:latin typeface="Courier New" pitchFamily="49" charset="0"/>
+                <a:cs typeface="Courier New" pitchFamily="49" charset="0"/>
+              </a:rPr>
+              <a:t>    </a:t>
+            </a:r>
+            <a:r>
+              <a:rPr lang="en-US" sz="1600" dirty="0" smtClean="0">
+                <a:solidFill>
+                  <a:srgbClr val="FFFF00"/>
+                </a:solidFill>
+                <a:latin typeface="Courier New" pitchFamily="49" charset="0"/>
+                <a:cs typeface="Courier New" pitchFamily="49" charset="0"/>
+              </a:rPr>
+              <a:t>[4] </a:t>
+            </a:r>
+            <a:r>
+              <a:rPr lang="en-US" sz="1600" dirty="0" smtClean="0">
+                <a:latin typeface="Courier New" pitchFamily="49" charset="0"/>
+                <a:cs typeface="Courier New" pitchFamily="49" charset="0"/>
+              </a:rPr>
+              <a:t>void </a:t>
+            </a:r>
+            <a:r>
+              <a:rPr lang="en-US" sz="1600" dirty="0" err="1">
+                <a:latin typeface="Courier New" pitchFamily="49" charset="0"/>
+                <a:cs typeface="Courier New" pitchFamily="49" charset="0"/>
+              </a:rPr>
+              <a:t>ApplyDispatchBehavior</a:t>
+            </a:r>
+            <a:r>
+              <a:rPr lang="en-US" sz="1600" dirty="0">
+                <a:latin typeface="Courier New" pitchFamily="49" charset="0"/>
+                <a:cs typeface="Courier New" pitchFamily="49" charset="0"/>
+              </a:rPr>
+              <a:t>(</a:t>
+            </a:r>
+            <a:r>
+              <a:rPr lang="en-US" sz="1600" dirty="0" err="1">
+                <a:latin typeface="Courier New" pitchFamily="49" charset="0"/>
+                <a:cs typeface="Courier New" pitchFamily="49" charset="0"/>
+              </a:rPr>
+              <a:t>ServiceEndpoint</a:t>
+            </a:r>
+            <a:r>
+              <a:rPr lang="en-US" sz="1600" dirty="0">
+                <a:latin typeface="Courier New" pitchFamily="49" charset="0"/>
+                <a:cs typeface="Courier New" pitchFamily="49" charset="0"/>
+              </a:rPr>
+              <a:t> </a:t>
+            </a:r>
+            <a:r>
+              <a:rPr lang="en-US" sz="1600" dirty="0" err="1" smtClean="0">
+                <a:latin typeface="Courier New" pitchFamily="49" charset="0"/>
+                <a:cs typeface="Courier New" pitchFamily="49" charset="0"/>
+              </a:rPr>
+              <a:t>serviceEndpoint</a:t>
+            </a:r>
+            <a:r>
+              <a:rPr lang="en-US" sz="1600" dirty="0" smtClean="0">
+                <a:latin typeface="Courier New" pitchFamily="49" charset="0"/>
+                <a:cs typeface="Courier New" pitchFamily="49" charset="0"/>
+              </a:rPr>
+              <a:t>,</a:t>
+            </a:r>
+          </a:p>
+          <a:p>
+            <a:pPr marL="0" indent="0">
+              <a:buNone/>
+            </a:pPr>
+            <a:r>
+              <a:rPr lang="en-US" sz="1600" dirty="0">
+                <a:latin typeface="Courier New" pitchFamily="49" charset="0"/>
+                <a:cs typeface="Courier New" pitchFamily="49" charset="0"/>
+              </a:rPr>
+              <a:t> </a:t>
+            </a:r>
+            <a:r>
+              <a:rPr lang="en-US" sz="1600" dirty="0" smtClean="0">
+                <a:latin typeface="Courier New" pitchFamily="49" charset="0"/>
+                <a:cs typeface="Courier New" pitchFamily="49" charset="0"/>
+              </a:rPr>
+              <a:t>                  </a:t>
+            </a:r>
+            <a:r>
+              <a:rPr lang="en-US" sz="1600" dirty="0" err="1" smtClean="0">
+                <a:latin typeface="Courier New" pitchFamily="49" charset="0"/>
+                <a:cs typeface="Courier New" pitchFamily="49" charset="0"/>
+              </a:rPr>
+              <a:t>EndpointDispatcher</a:t>
+            </a:r>
+            <a:r>
+              <a:rPr lang="en-US" sz="1600" dirty="0" smtClean="0">
+                <a:latin typeface="Courier New" pitchFamily="49" charset="0"/>
+                <a:cs typeface="Courier New" pitchFamily="49" charset="0"/>
+              </a:rPr>
+              <a:t> </a:t>
+            </a:r>
+            <a:r>
+              <a:rPr lang="en-US" sz="1600" dirty="0" err="1">
+                <a:latin typeface="Courier New" pitchFamily="49" charset="0"/>
+                <a:cs typeface="Courier New" pitchFamily="49" charset="0"/>
+              </a:rPr>
+              <a:t>endpointDispatcher</a:t>
+            </a:r>
+            <a:r>
+              <a:rPr lang="en-US" sz="1600" dirty="0">
+                <a:latin typeface="Courier New" pitchFamily="49" charset="0"/>
+                <a:cs typeface="Courier New" pitchFamily="49" charset="0"/>
+              </a:rPr>
+              <a:t>, </a:t>
+            </a:r>
+            <a:r>
+              <a:rPr lang="en-US" sz="1600" dirty="0" smtClean="0">
+                <a:latin typeface="Courier New" pitchFamily="49" charset="0"/>
+                <a:cs typeface="Courier New" pitchFamily="49" charset="0"/>
+              </a:rPr>
+              <a:t>...);</a:t>
+            </a:r>
+          </a:p>
+          <a:p>
+            <a:pPr marL="0" indent="0">
+              <a:buNone/>
+            </a:pPr>
+            <a:r>
+              <a:rPr lang="en-US" sz="1600" dirty="0" smtClean="0">
+                <a:latin typeface="Courier New" pitchFamily="49" charset="0"/>
+                <a:cs typeface="Courier New" pitchFamily="49" charset="0"/>
+              </a:rPr>
+              <a:t>}</a:t>
+            </a:r>
+            <a:endParaRPr lang="en-US" sz="1600" dirty="0">
+              <a:latin typeface="Courier New" pitchFamily="49" charset="0"/>
+              <a:cs typeface="Courier New" pitchFamily="49" charset="0"/>
+            </a:endParaRPr>
           </a:p>
         </p:txBody>
       </p:sp>
     </p:spTree>
     <p:extLst>
       <p:ext uri="{BB962C8B-B14F-4D97-AF65-F5344CB8AC3E}">
-        <p14:creationId xmlns:p14="http://schemas.microsoft.com/office/powerpoint/2010/main" val="2990617420"/>
+        <p14:creationId xmlns:p14="http://schemas.microsoft.com/office/powerpoint/2010/main" val="385697351"/>
       </p:ext>
     </p:extLst>
   </p:cSld>
   <p:clrMapOvr>
     <a:masterClrMapping/>
   </p:clrMapOvr>
+  <p:timing>
+    <p:tnLst>
+      <p:par>
+        <p:cTn id="1" dur="indefinite" restart="never" nodeType="tmRoot"/>
+      </p:par>
+    </p:tnLst>
+  </p:timing>
 </p:sld>
 </file>
 
@@ -8058,11 +10048,7 @@
           <a:p>
             <a:r>
               <a:rPr lang="ru-RU" dirty="0" smtClean="0"/>
-              <a:t>Хостинг </a:t>
-            </a:r>
-            <a:r>
-              <a:rPr lang="en-US" dirty="0" smtClean="0"/>
-              <a:t>WCF</a:t>
+              <a:t>Утилиты</a:t>
             </a:r>
             <a:endParaRPr lang="en-US" dirty="0"/>
           </a:p>
@@ -8084,6 +10070,120 @@
           <a:lstStyle/>
           <a:p>
             <a:r>
+              <a:rPr lang="en-US" dirty="0"/>
+              <a:t>SvcConfigEditor.exe </a:t>
+            </a:r>
+            <a:r>
+              <a:rPr lang="ru-RU" dirty="0" smtClean="0"/>
+              <a:t> - настройка </a:t>
+            </a:r>
+            <a:r>
+              <a:rPr lang="en-US" dirty="0" smtClean="0"/>
+              <a:t>WCF</a:t>
+            </a:r>
+            <a:endParaRPr lang="ru-RU" dirty="0" smtClean="0"/>
+          </a:p>
+          <a:p>
+            <a:r>
+              <a:rPr lang="en-US" dirty="0" smtClean="0"/>
+              <a:t>SvcTraceViewer.exe – </a:t>
+            </a:r>
+            <a:r>
+              <a:rPr lang="ru-RU" dirty="0" smtClean="0"/>
+              <a:t>просмотр </a:t>
+            </a:r>
+            <a:r>
+              <a:rPr lang="en-US" dirty="0" smtClean="0"/>
+              <a:t>WCF </a:t>
+            </a:r>
+            <a:r>
+              <a:rPr lang="ru-RU" dirty="0" smtClean="0"/>
+              <a:t>сообщений</a:t>
+            </a:r>
+            <a:endParaRPr lang="en-US" dirty="0"/>
+          </a:p>
+        </p:txBody>
+      </p:sp>
+    </p:spTree>
+    <p:extLst>
+      <p:ext uri="{BB962C8B-B14F-4D97-AF65-F5344CB8AC3E}">
+        <p14:creationId xmlns:p14="http://schemas.microsoft.com/office/powerpoint/2010/main" val="2990617420"/>
+      </p:ext>
+    </p:extLst>
+  </p:cSld>
+  <p:clrMapOvr>
+    <a:masterClrMapping/>
+  </p:clrMapOvr>
+  <p:timing>
+    <p:tnLst>
+      <p:par>
+        <p:cTn id="1" dur="indefinite" restart="never" nodeType="tmRoot"/>
+      </p:par>
+    </p:tnLst>
+  </p:timing>
+</p:sld>
+</file>
+
+<file path=ppt/slides/slide24.xml><?xml version="1.0" encoding="utf-8"?>
+<p:sld xmlns:a="http://schemas.openxmlformats.org/drawingml/2006/main" xmlns:r="http://schemas.openxmlformats.org/officeDocument/2006/relationships" xmlns:p="http://schemas.openxmlformats.org/presentationml/2006/main">
+  <p:cSld>
+    <p:spTree>
+      <p:nvGrpSpPr>
+        <p:cNvPr id="1" name=""/>
+        <p:cNvGrpSpPr/>
+        <p:nvPr/>
+      </p:nvGrpSpPr>
+      <p:grpSpPr>
+        <a:xfrm>
+          <a:off x="0" y="0"/>
+          <a:ext cx="0" cy="0"/>
+          <a:chOff x="0" y="0"/>
+          <a:chExt cx="0" cy="0"/>
+        </a:xfrm>
+      </p:grpSpPr>
+      <p:sp>
+        <p:nvSpPr>
+          <p:cNvPr id="2" name="Title 1"/>
+          <p:cNvSpPr>
+            <a:spLocks noGrp="1"/>
+          </p:cNvSpPr>
+          <p:nvPr>
+            <p:ph type="title"/>
+          </p:nvPr>
+        </p:nvSpPr>
+        <p:spPr/>
+        <p:txBody>
+          <a:bodyPr/>
+          <a:lstStyle/>
+          <a:p>
+            <a:r>
+              <a:rPr lang="ru-RU" dirty="0" smtClean="0"/>
+              <a:t>Хостинг </a:t>
+            </a:r>
+            <a:r>
+              <a:rPr lang="en-US" dirty="0" smtClean="0"/>
+              <a:t>WCF</a:t>
+            </a:r>
+            <a:endParaRPr lang="en-US" dirty="0"/>
+          </a:p>
+        </p:txBody>
+      </p:sp>
+      <p:sp>
+        <p:nvSpPr>
+          <p:cNvPr id="3" name="Content Placeholder 2"/>
+          <p:cNvSpPr>
+            <a:spLocks noGrp="1"/>
+          </p:cNvSpPr>
+          <p:nvPr>
+            <p:ph idx="1"/>
+          </p:nvPr>
+        </p:nvSpPr>
+        <p:spPr/>
+        <p:txBody>
+          <a:bodyPr/>
+          <a:lstStyle/>
+          <a:p>
+            <a:r>
               <a:rPr lang="ru-RU" smtClean="0"/>
               <a:t>Хостин</a:t>
             </a:r>
@@ -8168,6 +10268,13 @@
   <p:clrMapOvr>
     <a:masterClrMapping/>
   </p:clrMapOvr>
+  <p:timing>
+    <p:tnLst>
+      <p:par>
+        <p:cTn id="1" dur="indefinite" restart="never" nodeType="tmRoot"/>
+      </p:par>
+    </p:tnLst>
+  </p:timing>
 </p:sld>
 </file>
 
@@ -8346,6 +10453,13 @@
   <p:clrMapOvr>
     <a:masterClrMapping/>
   </p:clrMapOvr>
+  <p:timing>
+    <p:tnLst>
+      <p:par>
+        <p:cTn id="1" dur="indefinite" restart="never" nodeType="tmRoot"/>
+      </p:par>
+    </p:tnLst>
+  </p:timing>
 </p:sld>
 </file>
 
@@ -8467,6 +10581,13 @@
   <p:clrMapOvr>
     <a:masterClrMapping/>
   </p:clrMapOvr>
+  <p:timing>
+    <p:tnLst>
+      <p:par>
+        <p:cTn id="1" dur="indefinite" restart="never" nodeType="tmRoot"/>
+      </p:par>
+    </p:tnLst>
+  </p:timing>
 </p:sld>
 </file>
 
@@ -8601,6 +10722,13 @@
   <p:clrMapOvr>
     <a:masterClrMapping/>
   </p:clrMapOvr>
+  <p:timing>
+    <p:tnLst>
+      <p:par>
+        <p:cTn id="1" dur="indefinite" restart="never" nodeType="tmRoot"/>
+      </p:par>
+    </p:tnLst>
+  </p:timing>
 </p:sld>
 </file>
 
@@ -8723,6 +10851,13 @@
       <p:transition spd="slow"/>
     </mc:Fallback>
   </mc:AlternateContent>
+  <p:timing>
+    <p:tnLst>
+      <p:par>
+        <p:cTn id="1" dur="indefinite" restart="never" nodeType="tmRoot"/>
+      </p:par>
+    </p:tnLst>
+  </p:timing>
 </p:sld>
 </file>
 
@@ -8982,6 +11117,13 @@
   <p:clrMapOvr>
     <a:masterClrMapping/>
   </p:clrMapOvr>
+  <p:timing>
+    <p:tnLst>
+      <p:par>
+        <p:cTn id="1" dur="indefinite" restart="never" nodeType="tmRoot"/>
+      </p:par>
+    </p:tnLst>
+  </p:timing>
 </p:sld>
 </file>
 
@@ -9146,6 +11288,13 @@
   <p:clrMapOvr>
     <a:masterClrMapping/>
   </p:clrMapOvr>
+  <p:timing>
+    <p:tnLst>
+      <p:par>
+        <p:cTn id="1" dur="indefinite" restart="never" nodeType="tmRoot"/>
+      </p:par>
+    </p:tnLst>
+  </p:timing>
 </p:sld>
 </file>
 
@@ -9250,6 +11399,13 @@
   <p:clrMapOvr>
     <a:masterClrMapping/>
   </p:clrMapOvr>
+  <p:timing>
+    <p:tnLst>
+      <p:par>
+        <p:cTn id="1" dur="indefinite" restart="never" nodeType="tmRoot"/>
+      </p:par>
+    </p:tnLst>
+  </p:timing>
 </p:sld>
 </file>
 

--- a/Presentation/lesson-13-wcf.pptx
+++ b/Presentation/lesson-13-wcf.pptx
@@ -130,6 +130,22 @@
       </a:defRPr>
     </a:lvl9pPr>
   </p:defaultTextStyle>
+  <p:extLst>
+    <p:ext uri="{EFAFB233-063F-42B5-8137-9DF3F51BA10A}">
+      <p15:sldGuideLst xmlns:p15="http://schemas.microsoft.com/office/powerpoint/2012/main">
+        <p15:guide id="1" orient="horz" pos="2160">
+          <p15:clr>
+            <a:srgbClr val="A4A3A4"/>
+          </p15:clr>
+        </p15:guide>
+        <p15:guide id="2" pos="2880">
+          <p15:clr>
+            <a:srgbClr val="A4A3A4"/>
+          </p15:clr>
+        </p15:guide>
+      </p15:sldGuideLst>
+    </p:ext>
+  </p:extLst>
 </p:presentation>
 </file>
 
@@ -215,7 +231,7 @@
           <a:p>
             <a:fld id="{B24A7054-7FFB-49F4-A126-5DF6E687FF53}" type="datetimeFigureOut">
               <a:rPr lang="ru-RU" smtClean="0"/>
-              <a:t>09.01.2016</a:t>
+              <a:t>01.07.2018</a:t>
             </a:fld>
             <a:endParaRPr lang="ru-RU"/>
           </a:p>
@@ -279,35 +295,35 @@
           <a:p>
             <a:pPr lvl="0"/>
             <a:r>
-              <a:rPr lang="en-US" smtClean="0"/>
+              <a:rPr lang="en-US"/>
               <a:t>Click to edit Master text styles</a:t>
             </a:r>
           </a:p>
           <a:p>
             <a:pPr lvl="1"/>
             <a:r>
-              <a:rPr lang="en-US" smtClean="0"/>
+              <a:rPr lang="en-US"/>
               <a:t>Second level</a:t>
             </a:r>
           </a:p>
           <a:p>
             <a:pPr lvl="2"/>
             <a:r>
-              <a:rPr lang="en-US" smtClean="0"/>
+              <a:rPr lang="en-US"/>
               <a:t>Third level</a:t>
             </a:r>
           </a:p>
           <a:p>
             <a:pPr lvl="3"/>
             <a:r>
-              <a:rPr lang="en-US" smtClean="0"/>
+              <a:rPr lang="en-US"/>
               <a:t>Fourth level</a:t>
             </a:r>
           </a:p>
           <a:p>
             <a:pPr lvl="4"/>
             <a:r>
-              <a:rPr lang="en-US" smtClean="0"/>
+              <a:rPr lang="en-US"/>
               <a:t>Fifth level</a:t>
             </a:r>
             <a:endParaRPr lang="ru-RU"/>
@@ -523,7 +539,7 @@
           <a:p>
             <a:pPr algn="ctr"/>
             <a:r>
-              <a:rPr lang="ru-RU" sz="3600" b="1" i="1" dirty="0" smtClean="0">
+              <a:rPr lang="ru-RU" sz="3600" b="1" i="1" dirty="0">
                 <a:solidFill>
                   <a:schemeClr val="bg1"/>
                 </a:solidFill>
@@ -531,7 +547,7 @@
               <a:t>Основы программирования на </a:t>
             </a:r>
             <a:r>
-              <a:rPr lang="en-US" sz="3600" b="1" i="1" dirty="0" smtClean="0">
+              <a:rPr lang="en-US" sz="3600" b="1" i="1" dirty="0">
                 <a:solidFill>
                   <a:schemeClr val="bg1"/>
                 </a:solidFill>
@@ -638,26 +654,18 @@
                   <a:schemeClr val="bg1"/>
                 </a:solidFill>
               </a:rPr>
-              <a:t>Занятие </a:t>
-            </a:r>
-            <a:r>
-              <a:rPr lang="ru-RU" sz="2400" dirty="0" smtClean="0">
+              <a:t>Занятие №</a:t>
+            </a:r>
+            <a:r>
+              <a:rPr lang="en-US" sz="2400" dirty="0">
                 <a:solidFill>
                   <a:schemeClr val="bg1"/>
                 </a:solidFill>
               </a:rPr>
-              <a:t>№</a:t>
-            </a:r>
-            <a:r>
-              <a:rPr lang="en-US" sz="2400" dirty="0" smtClean="0">
-                <a:solidFill>
-                  <a:schemeClr val="bg1"/>
-                </a:solidFill>
-              </a:rPr>
               <a:t>?</a:t>
             </a:r>
             <a:r>
-              <a:rPr lang="ru-RU" sz="2400" dirty="0" smtClean="0">
+              <a:rPr lang="ru-RU" sz="2400" dirty="0">
                 <a:solidFill>
                   <a:schemeClr val="bg1"/>
                 </a:solidFill>
@@ -727,7 +735,7 @@
           </a:lstStyle>
           <a:p>
             <a:r>
-              <a:rPr lang="en-US" smtClean="0"/>
+              <a:rPr lang="en-US"/>
               <a:t>Click to edit Master title style</a:t>
             </a:r>
             <a:endParaRPr lang="ru-RU" dirty="0"/>
@@ -792,7 +800,7 @@
           </a:lstStyle>
           <a:p>
             <a:r>
-              <a:rPr lang="en-US" smtClean="0"/>
+              <a:rPr lang="en-US"/>
               <a:t>Click icon to add picture</a:t>
             </a:r>
             <a:endParaRPr lang="ru-RU"/>
@@ -858,7 +866,7 @@
           <a:p>
             <a:pPr lvl="0"/>
             <a:r>
-              <a:rPr lang="en-US" smtClean="0"/>
+              <a:rPr lang="en-US"/>
               <a:t>Click to edit Master text styles</a:t>
             </a:r>
           </a:p>
@@ -910,7 +918,7 @@
           <a:lstStyle/>
           <a:p>
             <a:r>
-              <a:rPr lang="en-US" smtClean="0"/>
+              <a:rPr lang="en-US"/>
               <a:t>Click to edit Master title style</a:t>
             </a:r>
             <a:endParaRPr lang="ru-RU" dirty="0"/>
@@ -934,35 +942,35 @@
           <a:p>
             <a:pPr lvl="0"/>
             <a:r>
-              <a:rPr lang="en-US" smtClean="0"/>
+              <a:rPr lang="en-US"/>
               <a:t>Click to edit Master text styles</a:t>
             </a:r>
           </a:p>
           <a:p>
             <a:pPr lvl="1"/>
             <a:r>
-              <a:rPr lang="en-US" smtClean="0"/>
+              <a:rPr lang="en-US"/>
               <a:t>Second level</a:t>
             </a:r>
           </a:p>
           <a:p>
             <a:pPr lvl="2"/>
             <a:r>
-              <a:rPr lang="en-US" smtClean="0"/>
+              <a:rPr lang="en-US"/>
               <a:t>Third level</a:t>
             </a:r>
           </a:p>
           <a:p>
             <a:pPr lvl="3"/>
             <a:r>
-              <a:rPr lang="en-US" smtClean="0"/>
+              <a:rPr lang="en-US"/>
               <a:t>Fourth level</a:t>
             </a:r>
           </a:p>
           <a:p>
             <a:pPr lvl="4"/>
             <a:r>
-              <a:rPr lang="en-US" smtClean="0"/>
+              <a:rPr lang="en-US"/>
               <a:t>Fifth level</a:t>
             </a:r>
             <a:endParaRPr lang="ru-RU" dirty="0"/>
@@ -1020,7 +1028,7 @@
           <a:lstStyle/>
           <a:p>
             <a:r>
-              <a:rPr lang="en-US" smtClean="0"/>
+              <a:rPr lang="en-US"/>
               <a:t>Click to edit Master title style</a:t>
             </a:r>
             <a:endParaRPr lang="ru-RU" dirty="0"/>
@@ -1049,35 +1057,35 @@
           <a:p>
             <a:pPr lvl="0"/>
             <a:r>
-              <a:rPr lang="en-US" smtClean="0"/>
+              <a:rPr lang="en-US"/>
               <a:t>Click to edit Master text styles</a:t>
             </a:r>
           </a:p>
           <a:p>
             <a:pPr lvl="1"/>
             <a:r>
-              <a:rPr lang="en-US" smtClean="0"/>
+              <a:rPr lang="en-US"/>
               <a:t>Second level</a:t>
             </a:r>
           </a:p>
           <a:p>
             <a:pPr lvl="2"/>
             <a:r>
-              <a:rPr lang="en-US" smtClean="0"/>
+              <a:rPr lang="en-US"/>
               <a:t>Third level</a:t>
             </a:r>
           </a:p>
           <a:p>
             <a:pPr lvl="3"/>
             <a:r>
-              <a:rPr lang="en-US" smtClean="0"/>
+              <a:rPr lang="en-US"/>
               <a:t>Fourth level</a:t>
             </a:r>
           </a:p>
           <a:p>
             <a:pPr lvl="4"/>
             <a:r>
-              <a:rPr lang="en-US" smtClean="0"/>
+              <a:rPr lang="en-US"/>
               <a:t>Fifth level</a:t>
             </a:r>
             <a:endParaRPr lang="ru-RU" dirty="0"/>
@@ -1135,7 +1143,7 @@
           <a:lstStyle/>
           <a:p>
             <a:r>
-              <a:rPr lang="en-US" smtClean="0"/>
+              <a:rPr lang="en-US"/>
               <a:t>Click to edit Master title style</a:t>
             </a:r>
             <a:endParaRPr lang="ru-RU"/>
@@ -1254,7 +1262,7 @@
           </a:lstStyle>
           <a:p>
             <a:r>
-              <a:rPr lang="en-US" smtClean="0"/>
+              <a:rPr lang="en-US"/>
               <a:t>Click to edit Master subtitle style</a:t>
             </a:r>
             <a:endParaRPr lang="ru-RU"/>
@@ -1278,7 +1286,7 @@
           <a:p>
             <a:fld id="{8E6E6A2A-E9D3-4A0D-B04A-ABDD367A1E08}" type="datetimeFigureOut">
               <a:rPr lang="ru-RU" smtClean="0"/>
-              <a:t>09.01.2016</a:t>
+              <a:t>01.07.2018</a:t>
             </a:fld>
             <a:endParaRPr lang="ru-RU"/>
           </a:p>
@@ -1372,7 +1380,7 @@
           <a:lstStyle/>
           <a:p>
             <a:r>
-              <a:rPr lang="en-US" smtClean="0"/>
+              <a:rPr lang="en-US"/>
               <a:t>Click to edit Master title style</a:t>
             </a:r>
             <a:endParaRPr lang="ru-RU" dirty="0"/>
@@ -1396,35 +1404,35 @@
           <a:p>
             <a:pPr lvl="0"/>
             <a:r>
-              <a:rPr lang="en-US" smtClean="0"/>
+              <a:rPr lang="en-US"/>
               <a:t>Click to edit Master text styles</a:t>
             </a:r>
           </a:p>
           <a:p>
             <a:pPr lvl="1"/>
             <a:r>
-              <a:rPr lang="en-US" smtClean="0"/>
+              <a:rPr lang="en-US"/>
               <a:t>Second level</a:t>
             </a:r>
           </a:p>
           <a:p>
             <a:pPr lvl="2"/>
             <a:r>
-              <a:rPr lang="en-US" smtClean="0"/>
+              <a:rPr lang="en-US"/>
               <a:t>Third level</a:t>
             </a:r>
           </a:p>
           <a:p>
             <a:pPr lvl="3"/>
             <a:r>
-              <a:rPr lang="en-US" smtClean="0"/>
+              <a:rPr lang="en-US"/>
               <a:t>Fourth level</a:t>
             </a:r>
           </a:p>
           <a:p>
             <a:pPr lvl="4"/>
             <a:r>
-              <a:rPr lang="en-US" smtClean="0"/>
+              <a:rPr lang="en-US"/>
               <a:t>Fifth level</a:t>
             </a:r>
             <a:endParaRPr lang="ru-RU" dirty="0"/>
@@ -1486,7 +1494,7 @@
           </a:lstStyle>
           <a:p>
             <a:r>
-              <a:rPr lang="en-US" smtClean="0"/>
+              <a:rPr lang="en-US"/>
               <a:t>Click to edit Master title style</a:t>
             </a:r>
             <a:endParaRPr lang="ru-RU" dirty="0"/>
@@ -1606,7 +1614,7 @@
           <a:p>
             <a:pPr lvl="0"/>
             <a:r>
-              <a:rPr lang="en-US" smtClean="0"/>
+              <a:rPr lang="en-US"/>
               <a:t>Click to edit Master text styles</a:t>
             </a:r>
           </a:p>
@@ -1658,7 +1666,7 @@
           <a:lstStyle/>
           <a:p>
             <a:r>
-              <a:rPr lang="en-US" smtClean="0"/>
+              <a:rPr lang="en-US"/>
               <a:t>Click to edit Master title style</a:t>
             </a:r>
             <a:endParaRPr lang="ru-RU" dirty="0"/>
@@ -1715,35 +1723,35 @@
           <a:p>
             <a:pPr lvl="0"/>
             <a:r>
-              <a:rPr lang="en-US" smtClean="0"/>
+              <a:rPr lang="en-US"/>
               <a:t>Click to edit Master text styles</a:t>
             </a:r>
           </a:p>
           <a:p>
             <a:pPr lvl="1"/>
             <a:r>
-              <a:rPr lang="en-US" smtClean="0"/>
+              <a:rPr lang="en-US"/>
               <a:t>Second level</a:t>
             </a:r>
           </a:p>
           <a:p>
             <a:pPr lvl="2"/>
             <a:r>
-              <a:rPr lang="en-US" smtClean="0"/>
+              <a:rPr lang="en-US"/>
               <a:t>Third level</a:t>
             </a:r>
           </a:p>
           <a:p>
             <a:pPr lvl="3"/>
             <a:r>
-              <a:rPr lang="en-US" smtClean="0"/>
+              <a:rPr lang="en-US"/>
               <a:t>Fourth level</a:t>
             </a:r>
           </a:p>
           <a:p>
             <a:pPr lvl="4"/>
             <a:r>
-              <a:rPr lang="en-US" smtClean="0"/>
+              <a:rPr lang="en-US"/>
               <a:t>Fifth level</a:t>
             </a:r>
             <a:endParaRPr lang="ru-RU" dirty="0"/>
@@ -1800,35 +1808,35 @@
           <a:p>
             <a:pPr lvl="0"/>
             <a:r>
-              <a:rPr lang="en-US" smtClean="0"/>
+              <a:rPr lang="en-US"/>
               <a:t>Click to edit Master text styles</a:t>
             </a:r>
           </a:p>
           <a:p>
             <a:pPr lvl="1"/>
             <a:r>
-              <a:rPr lang="en-US" smtClean="0"/>
+              <a:rPr lang="en-US"/>
               <a:t>Second level</a:t>
             </a:r>
           </a:p>
           <a:p>
             <a:pPr lvl="2"/>
             <a:r>
-              <a:rPr lang="en-US" smtClean="0"/>
+              <a:rPr lang="en-US"/>
               <a:t>Third level</a:t>
             </a:r>
           </a:p>
           <a:p>
             <a:pPr lvl="3"/>
             <a:r>
-              <a:rPr lang="en-US" smtClean="0"/>
+              <a:rPr lang="en-US"/>
               <a:t>Fourth level</a:t>
             </a:r>
           </a:p>
           <a:p>
             <a:pPr lvl="4"/>
             <a:r>
-              <a:rPr lang="en-US" smtClean="0"/>
+              <a:rPr lang="en-US"/>
               <a:t>Fifth level</a:t>
             </a:r>
             <a:endParaRPr lang="ru-RU" dirty="0"/>
@@ -1885,7 +1893,7 @@
           </a:lstStyle>
           <a:p>
             <a:r>
-              <a:rPr lang="en-US" smtClean="0"/>
+              <a:rPr lang="en-US"/>
               <a:t>Click to edit Master title style</a:t>
             </a:r>
             <a:endParaRPr lang="ru-RU" dirty="0"/>
@@ -1951,7 +1959,7 @@
           <a:p>
             <a:pPr lvl="0"/>
             <a:r>
-              <a:rPr lang="en-US" smtClean="0"/>
+              <a:rPr lang="en-US"/>
               <a:t>Click to edit Master text styles</a:t>
             </a:r>
           </a:p>
@@ -2007,35 +2015,35 @@
           <a:p>
             <a:pPr lvl="0"/>
             <a:r>
-              <a:rPr lang="en-US" smtClean="0"/>
+              <a:rPr lang="en-US"/>
               <a:t>Click to edit Master text styles</a:t>
             </a:r>
           </a:p>
           <a:p>
             <a:pPr lvl="1"/>
             <a:r>
-              <a:rPr lang="en-US" smtClean="0"/>
+              <a:rPr lang="en-US"/>
               <a:t>Second level</a:t>
             </a:r>
           </a:p>
           <a:p>
             <a:pPr lvl="2"/>
             <a:r>
-              <a:rPr lang="en-US" smtClean="0"/>
+              <a:rPr lang="en-US"/>
               <a:t>Third level</a:t>
             </a:r>
           </a:p>
           <a:p>
             <a:pPr lvl="3"/>
             <a:r>
-              <a:rPr lang="en-US" smtClean="0"/>
+              <a:rPr lang="en-US"/>
               <a:t>Fourth level</a:t>
             </a:r>
           </a:p>
           <a:p>
             <a:pPr lvl="4"/>
             <a:r>
-              <a:rPr lang="en-US" smtClean="0"/>
+              <a:rPr lang="en-US"/>
               <a:t>Fifth level</a:t>
             </a:r>
             <a:endParaRPr lang="ru-RU" dirty="0"/>
@@ -2101,7 +2109,7 @@
           <a:p>
             <a:pPr lvl="0"/>
             <a:r>
-              <a:rPr lang="en-US" smtClean="0"/>
+              <a:rPr lang="en-US"/>
               <a:t>Click to edit Master text styles</a:t>
             </a:r>
           </a:p>
@@ -2157,35 +2165,35 @@
           <a:p>
             <a:pPr lvl="0"/>
             <a:r>
-              <a:rPr lang="en-US" smtClean="0"/>
+              <a:rPr lang="en-US"/>
               <a:t>Click to edit Master text styles</a:t>
             </a:r>
           </a:p>
           <a:p>
             <a:pPr lvl="1"/>
             <a:r>
-              <a:rPr lang="en-US" smtClean="0"/>
+              <a:rPr lang="en-US"/>
               <a:t>Second level</a:t>
             </a:r>
           </a:p>
           <a:p>
             <a:pPr lvl="2"/>
             <a:r>
-              <a:rPr lang="en-US" smtClean="0"/>
+              <a:rPr lang="en-US"/>
               <a:t>Third level</a:t>
             </a:r>
           </a:p>
           <a:p>
             <a:pPr lvl="3"/>
             <a:r>
-              <a:rPr lang="en-US" smtClean="0"/>
+              <a:rPr lang="en-US"/>
               <a:t>Fourth level</a:t>
             </a:r>
           </a:p>
           <a:p>
             <a:pPr lvl="4"/>
             <a:r>
-              <a:rPr lang="en-US" smtClean="0"/>
+              <a:rPr lang="en-US"/>
               <a:t>Fifth level</a:t>
             </a:r>
             <a:endParaRPr lang="ru-RU" dirty="0"/>
@@ -2238,7 +2246,7 @@
           <a:lstStyle/>
           <a:p>
             <a:r>
-              <a:rPr lang="en-US" smtClean="0"/>
+              <a:rPr lang="en-US"/>
               <a:t>Click to edit Master title style</a:t>
             </a:r>
             <a:endParaRPr lang="ru-RU" dirty="0"/>
@@ -2299,14 +2307,14 @@
           <a:p>
             <a:pPr algn="ctr"/>
             <a:r>
-              <a:rPr lang="ru-RU" sz="3200" dirty="0" smtClean="0"/>
+              <a:rPr lang="ru-RU" sz="3200" dirty="0"/>
               <a:t>Название.</a:t>
             </a:r>
             <a:r>
-              <a:rPr lang="ru-RU" sz="3200" baseline="0" dirty="0" smtClean="0"/>
+              <a:rPr lang="ru-RU" sz="3200" baseline="0" dirty="0"/>
               <a:t> Демонстрация.</a:t>
             </a:r>
-            <a:endParaRPr lang="ru-RU" sz="3200" dirty="0" smtClean="0"/>
+            <a:endParaRPr lang="ru-RU" sz="3200" dirty="0"/>
           </a:p>
         </p:txBody>
       </p:sp>
@@ -2395,7 +2403,7 @@
           </a:lstStyle>
           <a:p>
             <a:r>
-              <a:rPr lang="en-US" smtClean="0"/>
+              <a:rPr lang="en-US"/>
               <a:t>Click to edit Master title style</a:t>
             </a:r>
             <a:endParaRPr lang="ru-RU" dirty="0"/>
@@ -2452,35 +2460,35 @@
           <a:p>
             <a:pPr lvl="0"/>
             <a:r>
-              <a:rPr lang="en-US" smtClean="0"/>
+              <a:rPr lang="en-US"/>
               <a:t>Click to edit Master text styles</a:t>
             </a:r>
           </a:p>
           <a:p>
             <a:pPr lvl="1"/>
             <a:r>
-              <a:rPr lang="en-US" smtClean="0"/>
+              <a:rPr lang="en-US"/>
               <a:t>Second level</a:t>
             </a:r>
           </a:p>
           <a:p>
             <a:pPr lvl="2"/>
             <a:r>
-              <a:rPr lang="en-US" smtClean="0"/>
+              <a:rPr lang="en-US"/>
               <a:t>Third level</a:t>
             </a:r>
           </a:p>
           <a:p>
             <a:pPr lvl="3"/>
             <a:r>
-              <a:rPr lang="en-US" smtClean="0"/>
+              <a:rPr lang="en-US"/>
               <a:t>Fourth level</a:t>
             </a:r>
           </a:p>
           <a:p>
             <a:pPr lvl="4"/>
             <a:r>
-              <a:rPr lang="en-US" smtClean="0"/>
+              <a:rPr lang="en-US"/>
               <a:t>Fifth level</a:t>
             </a:r>
             <a:endParaRPr lang="ru-RU" dirty="0"/>
@@ -2546,7 +2554,7 @@
           <a:p>
             <a:pPr lvl="0"/>
             <a:r>
-              <a:rPr lang="en-US" smtClean="0"/>
+              <a:rPr lang="en-US"/>
               <a:t>Click to edit Master text styles</a:t>
             </a:r>
           </a:p>
@@ -2622,7 +2630,7 @@
           <a:lstStyle/>
           <a:p>
             <a:r>
-              <a:rPr lang="en-US" smtClean="0"/>
+              <a:rPr lang="en-US"/>
               <a:t>Click to edit Master title style</a:t>
             </a:r>
             <a:endParaRPr lang="ru-RU"/>
@@ -2656,35 +2664,35 @@
           <a:p>
             <a:pPr lvl="0"/>
             <a:r>
-              <a:rPr lang="en-US" smtClean="0"/>
+              <a:rPr lang="en-US"/>
               <a:t>Click to edit Master text styles</a:t>
             </a:r>
           </a:p>
           <a:p>
             <a:pPr lvl="1"/>
             <a:r>
-              <a:rPr lang="en-US" smtClean="0"/>
+              <a:rPr lang="en-US"/>
               <a:t>Second level</a:t>
             </a:r>
           </a:p>
           <a:p>
             <a:pPr lvl="2"/>
             <a:r>
-              <a:rPr lang="en-US" smtClean="0"/>
+              <a:rPr lang="en-US"/>
               <a:t>Third level</a:t>
             </a:r>
           </a:p>
           <a:p>
             <a:pPr lvl="3"/>
             <a:r>
-              <a:rPr lang="en-US" smtClean="0"/>
+              <a:rPr lang="en-US"/>
               <a:t>Fourth level</a:t>
             </a:r>
           </a:p>
           <a:p>
             <a:pPr lvl="4"/>
             <a:r>
-              <a:rPr lang="en-US" smtClean="0"/>
+              <a:rPr lang="en-US"/>
               <a:t>Fifth level</a:t>
             </a:r>
             <a:endParaRPr lang="ru-RU"/>
@@ -2726,7 +2734,7 @@
           <a:p>
             <a:fld id="{AC3D3127-B7C4-45E3-9797-C527EC9FDD78}" type="datetimeFigureOut">
               <a:rPr lang="ru-RU" smtClean="0"/>
-              <a:t>09.01.2016</a:t>
+              <a:t>01.07.2018</a:t>
             </a:fld>
             <a:endParaRPr lang="ru-RU"/>
           </a:p>
@@ -3112,7 +3120,7 @@
         <p:spPr>
           <a:xfrm>
             <a:off x="143508" y="1304764"/>
-            <a:ext cx="8856984" cy="646331"/>
+            <a:ext cx="8856984" cy="523220"/>
           </a:xfrm>
           <a:prstGeom prst="rect">
             <a:avLst/>
@@ -3126,7 +3134,7 @@
           <a:p>
             <a:pPr algn="ctr"/>
             <a:r>
-              <a:rPr lang="ru-RU" sz="3600" b="1" i="1" dirty="0" smtClean="0">
+              <a:rPr lang="ru-RU" sz="2800" i="1" dirty="0">
                 <a:solidFill>
                   <a:schemeClr val="bg1"/>
                 </a:solidFill>
@@ -3134,14 +3142,14 @@
               <a:t>Основы программирования на </a:t>
             </a:r>
             <a:r>
-              <a:rPr lang="en-US" sz="3600" b="1" i="1" dirty="0" smtClean="0">
+              <a:rPr lang="en-US" sz="2800" i="1" dirty="0">
                 <a:solidFill>
                   <a:schemeClr val="bg1"/>
                 </a:solidFill>
               </a:rPr>
               <a:t>C#</a:t>
             </a:r>
-            <a:endParaRPr lang="ru-RU" sz="3600" b="1" i="1" dirty="0">
+            <a:endParaRPr lang="ru-RU" sz="2800" i="1" dirty="0">
               <a:solidFill>
                 <a:schemeClr val="bg1"/>
               </a:solidFill>
@@ -3149,70 +3157,6 @@
           </a:p>
         </p:txBody>
       </p:sp>
-      <p:pic>
-        <p:nvPicPr>
-          <p:cNvPr id="6" name="Picture 5"/>
-          <p:cNvPicPr>
-            <a:picLocks noChangeAspect="1" noChangeArrowheads="1"/>
-          </p:cNvPicPr>
-          <p:nvPr/>
-        </p:nvPicPr>
-        <p:blipFill>
-          <a:blip r:embed="rId2">
-            <a:extLst>
-              <a:ext uri="{28A0092B-C50C-407E-A947-70E740481C1C}">
-                <a14:useLocalDpi xmlns:a14="http://schemas.microsoft.com/office/drawing/2010/main" val="0"/>
-              </a:ext>
-            </a:extLst>
-          </a:blip>
-          <a:srcRect/>
-          <a:stretch>
-            <a:fillRect/>
-          </a:stretch>
-        </p:blipFill>
-        <p:spPr bwMode="auto">
-          <a:xfrm>
-            <a:off x="1638300" y="3829211"/>
-            <a:ext cx="5867400" cy="1724025"/>
-          </a:xfrm>
-          <a:prstGeom prst="rect">
-            <a:avLst/>
-          </a:prstGeom>
-          <a:noFill/>
-          <a:ln>
-            <a:noFill/>
-          </a:ln>
-          <a:effectLst/>
-          <a:extLst>
-            <a:ext uri="{909E8E84-426E-40DD-AFC4-6F175D3DCCD1}">
-              <a14:hiddenFill xmlns:a14="http://schemas.microsoft.com/office/drawing/2010/main">
-                <a:solidFill>
-                  <a:schemeClr val="accent1"/>
-                </a:solidFill>
-              </a14:hiddenFill>
-            </a:ext>
-            <a:ext uri="{91240B29-F687-4F45-9708-019B960494DF}">
-              <a14:hiddenLine xmlns:a14="http://schemas.microsoft.com/office/drawing/2010/main" w="9525">
-                <a:solidFill>
-                  <a:schemeClr val="tx1"/>
-                </a:solidFill>
-                <a:miter lim="800000"/>
-                <a:headEnd/>
-                <a:tailEnd/>
-              </a14:hiddenLine>
-            </a:ext>
-            <a:ext uri="{AF507438-7753-43E0-B8FC-AC1667EBCBE1}">
-              <a14:hiddenEffects xmlns:a14="http://schemas.microsoft.com/office/drawing/2010/main">
-                <a:effectLst>
-                  <a:outerShdw dist="35921" dir="2700000" algn="ctr" rotWithShape="0">
-                    <a:schemeClr val="bg2"/>
-                  </a:outerShdw>
-                </a:effectLst>
-              </a14:hiddenEffects>
-            </a:ext>
-          </a:extLst>
-        </p:spPr>
-      </p:pic>
       <p:sp>
         <p:nvSpPr>
           <p:cNvPr id="7" name="TextBox 6"/>
@@ -3222,7 +3166,7 @@
         <p:spPr>
           <a:xfrm>
             <a:off x="143508" y="2528900"/>
-            <a:ext cx="8856984" cy="461665"/>
+            <a:ext cx="8856984" cy="1200329"/>
           </a:xfrm>
           <a:prstGeom prst="rect">
             <a:avLst/>
@@ -3237,41 +3181,127 @@
           <a:p>
             <a:pPr algn="ctr"/>
             <a:r>
-              <a:rPr lang="ru-RU" sz="2400" dirty="0" smtClean="0">
+              <a:rPr lang="en-US" sz="3600" b="1" dirty="0">
                 <a:solidFill>
                   <a:schemeClr val="bg1"/>
                 </a:solidFill>
-              </a:rPr>
-              <a:t>Занятие №</a:t>
-            </a:r>
-            <a:r>
-              <a:rPr lang="en-US" sz="2400" dirty="0" smtClean="0">
+                <a:latin typeface="Footlight MT Light" panose="0204060206030A020304" pitchFamily="18" charset="77"/>
+              </a:rPr>
+              <a:t>§ Windows  Communication Foundation (WCF)</a:t>
+            </a:r>
+          </a:p>
+        </p:txBody>
+      </p:sp>
+      <p:sp>
+        <p:nvSpPr>
+          <p:cNvPr id="8" name="TextBox 7">
+            <a:extLst>
+              <a:ext uri="{FF2B5EF4-FFF2-40B4-BE49-F238E27FC236}">
+                <a16:creationId xmlns:a16="http://schemas.microsoft.com/office/drawing/2014/main" id="{DA29D535-DF79-9547-A9AB-4DB6BB0032B0}"/>
+              </a:ext>
+            </a:extLst>
+          </p:cNvPr>
+          <p:cNvSpPr txBox="1"/>
+          <p:nvPr/>
+        </p:nvSpPr>
+        <p:spPr>
+          <a:xfrm>
+            <a:off x="2339752" y="4984720"/>
+            <a:ext cx="4464496" cy="1138773"/>
+          </a:xfrm>
+          <a:prstGeom prst="rect">
+            <a:avLst/>
+          </a:prstGeom>
+          <a:noFill/>
+        </p:spPr>
+        <p:txBody>
+          <a:bodyPr wrap="square" rtlCol="0">
+            <a:spAutoFit/>
+          </a:bodyPr>
+          <a:lstStyle/>
+          <a:p>
+            <a:r>
+              <a:rPr lang="ru-RU" sz="2000" dirty="0">
                 <a:solidFill>
                   <a:schemeClr val="bg1"/>
                 </a:solidFill>
-              </a:rPr>
-              <a:t>13</a:t>
-            </a:r>
-            <a:r>
-              <a:rPr lang="ru-RU" sz="2400" dirty="0" smtClean="0">
+                <a:effectLst>
+                  <a:outerShdw blurRad="50800" dist="38100" dir="5400000" algn="t" rotWithShape="0">
+                    <a:prstClr val="black">
+                      <a:alpha val="40000"/>
+                    </a:prstClr>
+                  </a:outerShdw>
+                </a:effectLst>
+                <a:latin typeface="Segoe Print" panose="02000800000000000000" pitchFamily="2" charset="0"/>
+              </a:rPr>
+              <a:t>Центр Обучающих Технологий</a:t>
+            </a:r>
+          </a:p>
+          <a:p>
+            <a:pPr algn="ctr"/>
+            <a:r>
+              <a:rPr lang="ru-RU" sz="1600" dirty="0">
                 <a:solidFill>
                   <a:schemeClr val="bg1"/>
                 </a:solidFill>
-              </a:rPr>
-              <a:t>. </a:t>
-            </a:r>
-            <a:r>
-              <a:rPr lang="en-US" sz="2400" dirty="0" smtClean="0">
-                <a:solidFill>
-                  <a:schemeClr val="bg1"/>
-                </a:solidFill>
-              </a:rPr>
-              <a:t>Windows  Communication Foundation (WCF)</a:t>
-            </a:r>
-            <a:endParaRPr lang="en-US" sz="2400" dirty="0">
+                <a:effectLst>
+                  <a:outerShdw blurRad="50800" dist="38100" dir="5400000" algn="t" rotWithShape="0">
+                    <a:prstClr val="black">
+                      <a:alpha val="40000"/>
+                    </a:prstClr>
+                  </a:outerShdw>
+                </a:effectLst>
+                <a:latin typeface="Segoe Print" panose="02000800000000000000" pitchFamily="2" charset="0"/>
+              </a:rPr>
+              <a:t>основан в 2002 году</a:t>
+            </a:r>
+          </a:p>
+          <a:p>
+            <a:pPr algn="ctr"/>
+            <a:endParaRPr lang="ru-RU" sz="1600" dirty="0">
               <a:solidFill>
                 <a:schemeClr val="bg1"/>
               </a:solidFill>
+              <a:effectLst>
+                <a:outerShdw blurRad="50800" dist="38100" dir="5400000" algn="t" rotWithShape="0">
+                  <a:prstClr val="black">
+                    <a:alpha val="40000"/>
+                  </a:prstClr>
+                </a:outerShdw>
+              </a:effectLst>
+              <a:latin typeface="Segoe Print" panose="02000800000000000000" pitchFamily="2" charset="0"/>
+            </a:endParaRPr>
+          </a:p>
+          <a:p>
+            <a:pPr algn="ctr"/>
+            <a:r>
+              <a:rPr lang="en-US" sz="1600" dirty="0" err="1">
+                <a:solidFill>
+                  <a:schemeClr val="bg1"/>
+                </a:solidFill>
+                <a:effectLst>
+                  <a:outerShdw blurRad="50800" dist="38100" dir="5400000" algn="t" rotWithShape="0">
+                    <a:prstClr val="black">
+                      <a:alpha val="40000"/>
+                    </a:prstClr>
+                  </a:outerShdw>
+                </a:effectLst>
+                <a:latin typeface="Segoe Print" panose="02000800000000000000" pitchFamily="2" charset="0"/>
+              </a:rPr>
+              <a:t>trainingcenter.by</a:t>
+            </a:r>
+            <a:endParaRPr lang="en-US" sz="1600" dirty="0">
+              <a:solidFill>
+                <a:schemeClr val="bg1"/>
+              </a:solidFill>
+              <a:effectLst>
+                <a:outerShdw blurRad="50800" dist="38100" dir="5400000" algn="t" rotWithShape="0">
+                  <a:prstClr val="black">
+                    <a:alpha val="40000"/>
+                  </a:prstClr>
+                </a:outerShdw>
+              </a:effectLst>
+              <a:latin typeface="Segoe Print" panose="02000800000000000000" pitchFamily="2" charset="0"/>
             </a:endParaRPr>
           </a:p>
         </p:txBody>
@@ -3286,13 +3316,6 @@
   <p:clrMapOvr>
     <a:masterClrMapping/>
   </p:clrMapOvr>
-  <p:timing>
-    <p:tnLst>
-      <p:par>
-        <p:cTn id="1" dur="indefinite" restart="never" nodeType="tmRoot"/>
-      </p:par>
-    </p:tnLst>
-  </p:timing>
 </p:sld>
 </file>
 
@@ -3344,7 +3367,7 @@
           <a:lstStyle/>
           <a:p>
             <a:r>
-              <a:rPr lang="ru-RU" dirty="0" smtClean="0">
+              <a:rPr lang="ru-RU" dirty="0">
                 <a:solidFill>
                   <a:srgbClr val="000000"/>
                 </a:solidFill>
@@ -3352,18 +3375,13 @@
               <a:t>Програмная модель </a:t>
             </a:r>
             <a:r>
-              <a:rPr lang="en-US" dirty="0" smtClean="0">
+              <a:rPr lang="en-US" dirty="0">
                 <a:solidFill>
                   <a:srgbClr val="000000"/>
                 </a:solidFill>
               </a:rPr>
               <a:t>WCF</a:t>
             </a:r>
-            <a:endParaRPr lang="en-US" dirty="0">
-              <a:solidFill>
-                <a:srgbClr val="000000"/>
-              </a:solidFill>
-            </a:endParaRPr>
           </a:p>
         </p:txBody>
       </p:sp>
@@ -3441,13 +3459,6 @@
   <p:clrMapOvr>
     <a:masterClrMapping/>
   </p:clrMapOvr>
-  <p:timing>
-    <p:tnLst>
-      <p:par>
-        <p:cTn id="1" dur="indefinite" restart="never" nodeType="tmRoot"/>
-      </p:par>
-    </p:tnLst>
-  </p:timing>
 </p:sld>
 </file>
 
@@ -3538,10 +3549,34 @@
             <a:tbl>
               <a:tblPr/>
               <a:tblGrid>
-                <a:gridCol w="1021245"/>
-                <a:gridCol w="2101365"/>
-                <a:gridCol w="1561305"/>
-                <a:gridCol w="2543151"/>
+                <a:gridCol w="1021245">
+                  <a:extLst>
+                    <a:ext uri="{9D8B030D-6E8A-4147-A177-3AD203B41FA5}">
+                      <a16:colId xmlns:a16="http://schemas.microsoft.com/office/drawing/2014/main" val="20000"/>
+                    </a:ext>
+                  </a:extLst>
+                </a:gridCol>
+                <a:gridCol w="2101365">
+                  <a:extLst>
+                    <a:ext uri="{9D8B030D-6E8A-4147-A177-3AD203B41FA5}">
+                      <a16:colId xmlns:a16="http://schemas.microsoft.com/office/drawing/2014/main" val="20001"/>
+                    </a:ext>
+                  </a:extLst>
+                </a:gridCol>
+                <a:gridCol w="1561305">
+                  <a:extLst>
+                    <a:ext uri="{9D8B030D-6E8A-4147-A177-3AD203B41FA5}">
+                      <a16:colId xmlns:a16="http://schemas.microsoft.com/office/drawing/2014/main" val="20002"/>
+                    </a:ext>
+                  </a:extLst>
+                </a:gridCol>
+                <a:gridCol w="2543151">
+                  <a:extLst>
+                    <a:ext uri="{9D8B030D-6E8A-4147-A177-3AD203B41FA5}">
+                      <a16:colId xmlns:a16="http://schemas.microsoft.com/office/drawing/2014/main" val="20003"/>
+                    </a:ext>
+                  </a:extLst>
+                </a:gridCol>
               </a:tblGrid>
               <a:tr h="317191">
                 <a:tc gridSpan="2">
@@ -3761,6 +3796,11 @@
                     </a:solidFill>
                   </a:tcPr>
                 </a:tc>
+                <a:extLst>
+                  <a:ext uri="{0D108BD9-81ED-4DB2-BD59-A6C34878D82A}">
+                    <a16:rowId xmlns:a16="http://schemas.microsoft.com/office/drawing/2014/main" val="10000"/>
+                  </a:ext>
+                </a:extLst>
               </a:tr>
               <a:tr h="465517">
                 <a:tc rowSpan="4">
@@ -3769,18 +3809,13 @@
                     <a:lstStyle/>
                     <a:p>
                       <a:r>
-                        <a:rPr lang="en-US" sz="1100" dirty="0" smtClean="0">
+                        <a:rPr lang="en-US" sz="1100" dirty="0">
                           <a:solidFill>
                             <a:srgbClr val="000000"/>
                           </a:solidFill>
                         </a:rPr>
                         <a:t>Host layers</a:t>
                       </a:r>
-                      <a:endParaRPr lang="en-US" sz="1100" dirty="0">
-                        <a:solidFill>
-                          <a:srgbClr val="000000"/>
-                        </a:solidFill>
-                      </a:endParaRPr>
                     </a:p>
                   </a:txBody>
                   <a:tcPr marL="44372" marR="44372" marT="22186" marB="22186" anchor="ctr">
@@ -3977,18 +4012,13 @@
                     <a:lstStyle/>
                     <a:p>
                       <a:r>
-                        <a:rPr lang="en-US" sz="1100" dirty="0" smtClean="0">
+                        <a:rPr lang="en-US" sz="1100" dirty="0">
                           <a:solidFill>
                             <a:srgbClr val="000000"/>
                           </a:solidFill>
                         </a:rPr>
                         <a:t>FTP, HTTP, SMTP, SSH, Telnet</a:t>
                       </a:r>
-                      <a:endParaRPr lang="en-US" sz="1100" dirty="0">
-                        <a:solidFill>
-                          <a:srgbClr val="000000"/>
-                        </a:solidFill>
-                      </a:endParaRPr>
                     </a:p>
                   </a:txBody>
                   <a:tcPr marL="44372" marR="44372" marT="22186" marB="22186" anchor="ctr">
@@ -4038,6 +4068,11 @@
                     </a:lnBlToTr>
                   </a:tcPr>
                 </a:tc>
+                <a:extLst>
+                  <a:ext uri="{0D108BD9-81ED-4DB2-BD59-A6C34878D82A}">
+                    <a16:rowId xmlns:a16="http://schemas.microsoft.com/office/drawing/2014/main" val="10001"/>
+                  </a:ext>
+                </a:extLst>
               </a:tr>
               <a:tr h="885722">
                 <a:tc vMerge="1">
@@ -4197,18 +4232,13 @@
                     <a:lstStyle/>
                     <a:p>
                       <a:r>
-                        <a:rPr lang="en-US" sz="1100" dirty="0" smtClean="0">
+                        <a:rPr lang="en-US" sz="1100" dirty="0">
                           <a:solidFill>
                             <a:srgbClr val="000000"/>
                           </a:solidFill>
                         </a:rPr>
                         <a:t>CSS, GIF, HTML</a:t>
                       </a:r>
-                      <a:endParaRPr lang="en-US" sz="1100" dirty="0">
-                        <a:solidFill>
-                          <a:srgbClr val="000000"/>
-                        </a:solidFill>
-                      </a:endParaRPr>
                     </a:p>
                   </a:txBody>
                   <a:tcPr marL="44372" marR="44372" marT="22186" marB="22186" anchor="ctr">
@@ -4258,6 +4288,11 @@
                     </a:lnBlToTr>
                   </a:tcPr>
                 </a:tc>
+                <a:extLst>
+                  <a:ext uri="{0D108BD9-81ED-4DB2-BD59-A6C34878D82A}">
+                    <a16:rowId xmlns:a16="http://schemas.microsoft.com/office/drawing/2014/main" val="10002"/>
+                  </a:ext>
+                </a:extLst>
               </a:tr>
               <a:tr h="325449">
                 <a:tc vMerge="1">
@@ -4417,18 +4452,13 @@
                     <a:lstStyle/>
                     <a:p>
                       <a:r>
-                        <a:rPr lang="en-US" sz="1100" dirty="0" smtClean="0">
+                        <a:rPr lang="en-US" sz="1100" dirty="0">
                           <a:solidFill>
                             <a:srgbClr val="000000"/>
                           </a:solidFill>
                         </a:rPr>
                         <a:t>PAP, RPC, SQL, TLS</a:t>
                       </a:r>
-                      <a:endParaRPr lang="en-US" sz="1100" dirty="0">
-                        <a:solidFill>
-                          <a:srgbClr val="000000"/>
-                        </a:solidFill>
-                      </a:endParaRPr>
                     </a:p>
                   </a:txBody>
                   <a:tcPr marL="44372" marR="44372" marT="22186" marB="22186" anchor="ctr">
@@ -4478,6 +4508,11 @@
                     </a:lnBlToTr>
                   </a:tcPr>
                 </a:tc>
+                <a:extLst>
+                  <a:ext uri="{0D108BD9-81ED-4DB2-BD59-A6C34878D82A}">
+                    <a16:rowId xmlns:a16="http://schemas.microsoft.com/office/drawing/2014/main" val="10003"/>
+                  </a:ext>
+                </a:extLst>
               </a:tr>
               <a:tr h="745653">
                 <a:tc vMerge="1">
@@ -4637,18 +4672,13 @@
                     <a:lstStyle/>
                     <a:p>
                       <a:r>
-                        <a:rPr lang="en-US" sz="1100" dirty="0" smtClean="0">
+                        <a:rPr lang="en-US" sz="1100" dirty="0">
                           <a:solidFill>
                             <a:srgbClr val="000000"/>
                           </a:solidFill>
                         </a:rPr>
                         <a:t>NETBEUI, TCP, UDP</a:t>
                       </a:r>
-                      <a:endParaRPr lang="en-US" sz="1100" dirty="0">
-                        <a:solidFill>
-                          <a:srgbClr val="000000"/>
-                        </a:solidFill>
-                      </a:endParaRPr>
                     </a:p>
                   </a:txBody>
                   <a:tcPr marL="44372" marR="44372" marT="22186" marB="22186" anchor="ctr">
@@ -4698,6 +4728,11 @@
                     </a:lnBlToTr>
                   </a:tcPr>
                 </a:tc>
+                <a:extLst>
+                  <a:ext uri="{0D108BD9-81ED-4DB2-BD59-A6C34878D82A}">
+                    <a16:rowId xmlns:a16="http://schemas.microsoft.com/office/drawing/2014/main" val="10004"/>
+                  </a:ext>
+                </a:extLst>
               </a:tr>
               <a:tr h="605585">
                 <a:tc rowSpan="3">
@@ -4706,18 +4741,13 @@
                     <a:lstStyle/>
                     <a:p>
                       <a:r>
-                        <a:rPr lang="en-US" sz="1100" dirty="0" smtClean="0">
+                        <a:rPr lang="en-US" sz="1100" dirty="0">
                           <a:solidFill>
                             <a:srgbClr val="000000"/>
                           </a:solidFill>
                         </a:rPr>
                         <a:t>Media layers</a:t>
                       </a:r>
-                      <a:endParaRPr lang="en-US" sz="1100" dirty="0">
-                        <a:solidFill>
-                          <a:srgbClr val="000000"/>
-                        </a:solidFill>
-                      </a:endParaRPr>
                     </a:p>
                   </a:txBody>
                   <a:tcPr marL="44372" marR="44372" marT="22186" marB="22186" anchor="ctr">
@@ -4914,18 +4944,13 @@
                     <a:lstStyle/>
                     <a:p>
                       <a:r>
-                        <a:rPr lang="en-US" sz="1100" dirty="0" smtClean="0">
+                        <a:rPr lang="en-US" sz="1100" dirty="0">
                           <a:solidFill>
                             <a:srgbClr val="000000"/>
                           </a:solidFill>
                         </a:rPr>
                         <a:t>AppleTalk, ICMP, IPsec, IPv4, IPv6</a:t>
                       </a:r>
-                      <a:endParaRPr lang="en-US" sz="1100" dirty="0">
-                        <a:solidFill>
-                          <a:srgbClr val="000000"/>
-                        </a:solidFill>
-                      </a:endParaRPr>
                     </a:p>
                   </a:txBody>
                   <a:tcPr marL="44372" marR="44372" marT="22186" marB="22186" anchor="ctr">
@@ -4975,6 +5000,11 @@
                     </a:lnBlToTr>
                   </a:tcPr>
                 </a:tc>
+                <a:extLst>
+                  <a:ext uri="{0D108BD9-81ED-4DB2-BD59-A6C34878D82A}">
+                    <a16:rowId xmlns:a16="http://schemas.microsoft.com/office/drawing/2014/main" val="10005"/>
+                  </a:ext>
+                </a:extLst>
               </a:tr>
               <a:tr h="465517">
                 <a:tc vMerge="1">
@@ -5134,18 +5164,13 @@
                     <a:lstStyle/>
                     <a:p>
                       <a:r>
-                        <a:rPr lang="en-US" sz="1100" dirty="0" smtClean="0">
+                        <a:rPr lang="en-US" sz="1100" dirty="0">
                           <a:solidFill>
                             <a:srgbClr val="000000"/>
                           </a:solidFill>
                         </a:rPr>
                         <a:t>IEEE 802.2, L2TP, LLDP, MAC, PPP</a:t>
                       </a:r>
-                      <a:endParaRPr lang="en-US" sz="1100" dirty="0">
-                        <a:solidFill>
-                          <a:srgbClr val="000000"/>
-                        </a:solidFill>
-                      </a:endParaRPr>
                     </a:p>
                   </a:txBody>
                   <a:tcPr marL="44372" marR="44372" marT="22186" marB="22186" anchor="ctr">
@@ -5195,6 +5220,11 @@
                     </a:lnBlToTr>
                   </a:tcPr>
                 </a:tc>
+                <a:extLst>
+                  <a:ext uri="{0D108BD9-81ED-4DB2-BD59-A6C34878D82A}">
+                    <a16:rowId xmlns:a16="http://schemas.microsoft.com/office/drawing/2014/main" val="10006"/>
+                  </a:ext>
+                </a:extLst>
               </a:tr>
               <a:tr h="885722">
                 <a:tc vMerge="1">
@@ -5354,18 +5384,13 @@
                     <a:lstStyle/>
                     <a:p>
                       <a:r>
-                        <a:rPr lang="en-US" sz="1100" dirty="0" smtClean="0">
+                        <a:rPr lang="en-US" sz="1100" dirty="0">
                           <a:solidFill>
                             <a:srgbClr val="000000"/>
                           </a:solidFill>
                         </a:rPr>
                         <a:t>DSL, Ethernet physical layer, ISDN, USB</a:t>
                       </a:r>
-                      <a:endParaRPr lang="en-US" sz="1100" dirty="0">
-                        <a:solidFill>
-                          <a:srgbClr val="000000"/>
-                        </a:solidFill>
-                      </a:endParaRPr>
                     </a:p>
                   </a:txBody>
                   <a:tcPr marL="44372" marR="44372" marT="22186" marB="22186" anchor="ctr">
@@ -5415,6 +5440,11 @@
                     </a:lnBlToTr>
                   </a:tcPr>
                 </a:tc>
+                <a:extLst>
+                  <a:ext uri="{0D108BD9-81ED-4DB2-BD59-A6C34878D82A}">
+                    <a16:rowId xmlns:a16="http://schemas.microsoft.com/office/drawing/2014/main" val="10007"/>
+                  </a:ext>
+                </a:extLst>
               </a:tr>
             </a:tbl>
           </a:graphicData>
@@ -5430,13 +5460,6 @@
   <p:clrMapOvr>
     <a:masterClrMapping/>
   </p:clrMapOvr>
-  <p:timing>
-    <p:tnLst>
-      <p:par>
-        <p:cTn id="1" dur="indefinite" restart="never" nodeType="tmRoot"/>
-      </p:par>
-    </p:tnLst>
-  </p:timing>
 </p:sld>
 </file>
 
@@ -5473,7 +5496,7 @@
           <a:lstStyle/>
           <a:p>
             <a:r>
-              <a:rPr lang="ru-RU" dirty="0" smtClean="0"/>
+              <a:rPr lang="ru-RU" dirty="0"/>
               <a:t>Адрес</a:t>
             </a:r>
             <a:endParaRPr lang="en-US" dirty="0"/>
@@ -5499,136 +5522,120 @@
           <a:p>
             <a:r>
               <a:rPr lang="en-US" sz="2800" dirty="0"/>
-              <a:t>scheme</a:t>
-            </a:r>
-            <a:r>
-              <a:rPr lang="en-US" sz="2800" dirty="0" smtClean="0"/>
-              <a:t>://machinename[:</a:t>
+              <a:t>scheme://machinename[:port]/path1/path2</a:t>
+            </a:r>
+            <a:endParaRPr lang="ru-RU" sz="2800" dirty="0"/>
+          </a:p>
+          <a:p>
+            <a:r>
+              <a:rPr lang="ru-RU" sz="2800" dirty="0"/>
+              <a:t>Схема транспорта </a:t>
             </a:r>
             <a:r>
               <a:rPr lang="en-US" sz="2800" dirty="0"/>
-              <a:t>port]/</a:t>
-            </a:r>
-            <a:r>
-              <a:rPr lang="en-US" sz="2800" dirty="0" smtClean="0"/>
-              <a:t>path1/path2</a:t>
-            </a:r>
-            <a:endParaRPr lang="ru-RU" sz="2800" dirty="0" smtClean="0"/>
-          </a:p>
-          <a:p>
-            <a:r>
-              <a:rPr lang="ru-RU" sz="2800" dirty="0" smtClean="0"/>
-              <a:t>Схема транспорта </a:t>
-            </a:r>
-            <a:r>
-              <a:rPr lang="en-US" sz="2800" dirty="0" smtClean="0"/>
               <a:t>(scheme)</a:t>
             </a:r>
           </a:p>
           <a:p>
             <a:pPr lvl="1"/>
             <a:r>
-              <a:rPr lang="ru-RU" sz="2400" dirty="0" smtClean="0"/>
+              <a:rPr lang="ru-RU" sz="2400" dirty="0"/>
               <a:t>Тип протокола</a:t>
             </a:r>
-            <a:endParaRPr lang="en-US" sz="2400" dirty="0" smtClean="0"/>
+            <a:endParaRPr lang="en-US" sz="2400" dirty="0"/>
           </a:p>
           <a:p>
             <a:pPr lvl="1"/>
             <a:r>
-              <a:rPr lang="en-US" sz="2400" dirty="0" smtClean="0"/>
-              <a:t>http</a:t>
+              <a:rPr lang="en-US" sz="2400" dirty="0"/>
+              <a:t>http, </a:t>
+            </a:r>
+            <a:r>
+              <a:rPr lang="en-US" sz="2400" dirty="0" err="1"/>
+              <a:t>net.tcp</a:t>
             </a:r>
             <a:r>
               <a:rPr lang="en-US" sz="2400" dirty="0"/>
               <a:t>, </a:t>
             </a:r>
             <a:r>
-              <a:rPr lang="en-US" sz="2400" dirty="0" err="1" smtClean="0"/>
-              <a:t>net.tcp</a:t>
-            </a:r>
-            <a:r>
-              <a:rPr lang="en-US" sz="2400" dirty="0" smtClean="0"/>
+              <a:rPr lang="en-US" sz="2400" dirty="0" err="1"/>
+              <a:t>net.msmq</a:t>
+            </a:r>
+            <a:r>
+              <a:rPr lang="en-US" sz="2400" dirty="0"/>
               <a:t>, </a:t>
             </a:r>
             <a:r>
-              <a:rPr lang="en-US" sz="2400" dirty="0" err="1" smtClean="0"/>
-              <a:t>net.msmq</a:t>
-            </a:r>
-            <a:r>
-              <a:rPr lang="en-US" sz="2400" dirty="0" smtClean="0"/>
-              <a:t>, </a:t>
-            </a:r>
-            <a:r>
-              <a:rPr lang="en-US" sz="2400" dirty="0" err="1" smtClean="0"/>
+              <a:rPr lang="en-US" sz="2400" dirty="0" err="1"/>
               <a:t>net.pipe</a:t>
             </a:r>
-            <a:endParaRPr lang="ru-RU" sz="2400" dirty="0" smtClean="0"/>
-          </a:p>
-          <a:p>
-            <a:r>
-              <a:rPr lang="ru-RU" dirty="0" smtClean="0"/>
+            <a:endParaRPr lang="ru-RU" sz="2400" dirty="0"/>
+          </a:p>
+          <a:p>
+            <a:r>
+              <a:rPr lang="ru-RU" dirty="0"/>
               <a:t>Имя машины </a:t>
             </a:r>
             <a:r>
-              <a:rPr lang="en-US" dirty="0" smtClean="0"/>
+              <a:rPr lang="en-US" dirty="0"/>
               <a:t>(</a:t>
             </a:r>
             <a:r>
-              <a:rPr lang="en-US" dirty="0" err="1" smtClean="0"/>
+              <a:rPr lang="en-US" dirty="0" err="1"/>
               <a:t>machinename</a:t>
             </a:r>
             <a:r>
-              <a:rPr lang="en-US" dirty="0" smtClean="0"/>
+              <a:rPr lang="en-US" dirty="0"/>
               <a:t>)</a:t>
             </a:r>
           </a:p>
           <a:p>
             <a:pPr lvl="1"/>
             <a:r>
-              <a:rPr lang="ru-RU" dirty="0" smtClean="0"/>
+              <a:rPr lang="ru-RU" dirty="0"/>
               <a:t>Полное доменное </a:t>
             </a:r>
             <a:r>
-              <a:rPr lang="en-US" dirty="0" smtClean="0"/>
+              <a:rPr lang="en-US" dirty="0"/>
               <a:t>(DNS) </a:t>
             </a:r>
             <a:r>
-              <a:rPr lang="ru-RU" dirty="0" smtClean="0"/>
+              <a:rPr lang="ru-RU" dirty="0"/>
               <a:t>имя адресата</a:t>
             </a:r>
           </a:p>
           <a:p>
             <a:r>
-              <a:rPr lang="ru-RU" dirty="0" smtClean="0"/>
+              <a:rPr lang="ru-RU" dirty="0"/>
               <a:t>Порт (необязательно)</a:t>
             </a:r>
           </a:p>
           <a:p>
             <a:pPr lvl="1"/>
             <a:r>
-              <a:rPr lang="ru-RU" dirty="0" smtClean="0"/>
+              <a:rPr lang="ru-RU" dirty="0"/>
               <a:t>80 стандартный порт для </a:t>
             </a:r>
             <a:r>
-              <a:rPr lang="en-US" dirty="0" smtClean="0"/>
+              <a:rPr lang="en-US" dirty="0"/>
               <a:t>HTTP</a:t>
             </a:r>
           </a:p>
           <a:p>
             <a:r>
-              <a:rPr lang="ru-RU" dirty="0" smtClean="0"/>
+              <a:rPr lang="ru-RU" dirty="0"/>
               <a:t>Путь (</a:t>
             </a:r>
             <a:r>
-              <a:rPr lang="en-US" dirty="0" smtClean="0"/>
+              <a:rPr lang="en-US" dirty="0"/>
               <a:t>path)</a:t>
             </a:r>
           </a:p>
           <a:p>
             <a:pPr lvl="1"/>
             <a:r>
-              <a:rPr lang="ru-RU" dirty="0" smtClean="0"/>
+              <a:rPr lang="ru-RU" dirty="0"/>
               <a:t>Путь к сервису</a:t>
             </a:r>
             <a:endParaRPr lang="en-US" dirty="0"/>
@@ -5645,13 +5652,6 @@
   <p:clrMapOvr>
     <a:masterClrMapping/>
   </p:clrMapOvr>
-  <p:timing>
-    <p:tnLst>
-      <p:par>
-        <p:cTn id="1" dur="indefinite" restart="never" nodeType="tmRoot"/>
-      </p:par>
-    </p:tnLst>
-  </p:timing>
 </p:sld>
 </file>
 
@@ -5688,7 +5688,7 @@
           <a:lstStyle/>
           <a:p>
             <a:r>
-              <a:rPr lang="ru-RU" dirty="0" smtClean="0"/>
+              <a:rPr lang="ru-RU" dirty="0"/>
               <a:t>Примеры адреса</a:t>
             </a:r>
             <a:endParaRPr lang="en-US" dirty="0"/>
@@ -5725,163 +5725,105 @@
                 <a:latin typeface="Courier New" pitchFamily="49" charset="0"/>
                 <a:cs typeface="Courier New" pitchFamily="49" charset="0"/>
               </a:rPr>
-              <a:t>&lt;</a:t>
-            </a:r>
-            <a:r>
-              <a:rPr lang="en-US" sz="1100" dirty="0" smtClean="0">
-                <a:latin typeface="Courier New" pitchFamily="49" charset="0"/>
-                <a:cs typeface="Courier New" pitchFamily="49" charset="0"/>
-              </a:rPr>
-              <a:t>endpoint</a:t>
-            </a:r>
-            <a:r>
-              <a:rPr lang="ru-RU" sz="1100" dirty="0" smtClean="0">
-                <a:latin typeface="Courier New" pitchFamily="49" charset="0"/>
-                <a:cs typeface="Courier New" pitchFamily="49" charset="0"/>
-              </a:rPr>
-              <a:t/>
+              <a:t>&lt;endpoint</a:t>
             </a:r>
             <a:br>
-              <a:rPr lang="ru-RU" sz="1100" dirty="0" smtClean="0">
+              <a:rPr lang="ru-RU" sz="1100" dirty="0">
                 <a:latin typeface="Courier New" pitchFamily="49" charset="0"/>
                 <a:cs typeface="Courier New" pitchFamily="49" charset="0"/>
               </a:rPr>
             </a:br>
             <a:r>
-              <a:rPr lang="en-US" sz="1100" dirty="0" smtClean="0">
+              <a:rPr lang="en-US" sz="1100" dirty="0">
                 <a:latin typeface="Courier New" pitchFamily="49" charset="0"/>
                 <a:cs typeface="Courier New" pitchFamily="49" charset="0"/>
               </a:rPr>
               <a:t> address=</a:t>
             </a:r>
             <a:r>
-              <a:rPr lang="en-US" sz="1100" dirty="0" smtClean="0">
+              <a:rPr lang="en-US" sz="1100" dirty="0">
                 <a:latin typeface="Courier New" pitchFamily="49" charset="0"/>
                 <a:cs typeface="Courier New" pitchFamily="49" charset="0"/>
                 <a:hlinkClick r:id="rId2"/>
               </a:rPr>
-              <a:t>http</a:t>
-            </a:r>
+              <a:t>http://localhost:8080/QuickReturns/Exchange</a:t>
+            </a:r>
+            <a:br>
+              <a:rPr lang="ru-RU" sz="1100" dirty="0">
+                <a:latin typeface="Courier New" pitchFamily="49" charset="0"/>
+                <a:cs typeface="Courier New" pitchFamily="49" charset="0"/>
+              </a:rPr>
+            </a:br>
             <a:r>
               <a:rPr lang="en-US" sz="1100" dirty="0">
                 <a:latin typeface="Courier New" pitchFamily="49" charset="0"/>
                 <a:cs typeface="Courier New" pitchFamily="49" charset="0"/>
-                <a:hlinkClick r:id="rId2"/>
-              </a:rPr>
-              <a:t>://</a:t>
-            </a:r>
-            <a:r>
-              <a:rPr lang="en-US" sz="1100" dirty="0" smtClean="0">
-                <a:latin typeface="Courier New" pitchFamily="49" charset="0"/>
-                <a:cs typeface="Courier New" pitchFamily="49" charset="0"/>
-                <a:hlinkClick r:id="rId2"/>
-              </a:rPr>
-              <a:t>localhost:8080/QuickReturns/Exchange</a:t>
-            </a:r>
-            <a:r>
-              <a:rPr lang="ru-RU" sz="1100" dirty="0" smtClean="0">
-                <a:latin typeface="Courier New" pitchFamily="49" charset="0"/>
-                <a:cs typeface="Courier New" pitchFamily="49" charset="0"/>
-              </a:rPr>
-              <a:t/>
+              </a:rPr>
+              <a:t> </a:t>
+            </a:r>
+            <a:r>
+              <a:rPr lang="en-US" sz="1100" dirty="0" err="1">
+                <a:latin typeface="Courier New" pitchFamily="49" charset="0"/>
+                <a:cs typeface="Courier New" pitchFamily="49" charset="0"/>
+              </a:rPr>
+              <a:t>bindingsSectionName</a:t>
+            </a:r>
+            <a:r>
+              <a:rPr lang="en-US" sz="1100" dirty="0">
+                <a:latin typeface="Courier New" pitchFamily="49" charset="0"/>
+                <a:cs typeface="Courier New" pitchFamily="49" charset="0"/>
+              </a:rPr>
+              <a:t>="</a:t>
+            </a:r>
+            <a:r>
+              <a:rPr lang="en-US" sz="1100" dirty="0" err="1">
+                <a:latin typeface="Courier New" pitchFamily="49" charset="0"/>
+                <a:cs typeface="Courier New" pitchFamily="49" charset="0"/>
+              </a:rPr>
+              <a:t>BasicHttpBinding</a:t>
+            </a:r>
+            <a:r>
+              <a:rPr lang="en-US" sz="1100" dirty="0">
+                <a:latin typeface="Courier New" pitchFamily="49" charset="0"/>
+                <a:cs typeface="Courier New" pitchFamily="49" charset="0"/>
+              </a:rPr>
+              <a:t>«</a:t>
             </a:r>
             <a:br>
-              <a:rPr lang="ru-RU" sz="1100" dirty="0" smtClean="0">
+              <a:rPr lang="ru-RU" sz="1100" dirty="0">
                 <a:latin typeface="Courier New" pitchFamily="49" charset="0"/>
                 <a:cs typeface="Courier New" pitchFamily="49" charset="0"/>
               </a:rPr>
             </a:br>
             <a:r>
-              <a:rPr lang="en-US" sz="1100" dirty="0" smtClean="0">
-                <a:latin typeface="Courier New" pitchFamily="49" charset="0"/>
-                <a:cs typeface="Courier New" pitchFamily="49" charset="0"/>
-              </a:rPr>
-              <a:t> </a:t>
-            </a:r>
-            <a:r>
-              <a:rPr lang="en-US" sz="1100" dirty="0" err="1" smtClean="0">
-                <a:latin typeface="Courier New" pitchFamily="49" charset="0"/>
-                <a:cs typeface="Courier New" pitchFamily="49" charset="0"/>
-              </a:rPr>
-              <a:t>bindingsSectionName</a:t>
-            </a:r>
-            <a:r>
               <a:rPr lang="en-US" sz="1100" dirty="0">
                 <a:latin typeface="Courier New" pitchFamily="49" charset="0"/>
                 <a:cs typeface="Courier New" pitchFamily="49" charset="0"/>
               </a:rPr>
-              <a:t>="</a:t>
-            </a:r>
-            <a:r>
-              <a:rPr lang="en-US" sz="1100" dirty="0" err="1" smtClean="0">
-                <a:latin typeface="Courier New" pitchFamily="49" charset="0"/>
-                <a:cs typeface="Courier New" pitchFamily="49" charset="0"/>
-              </a:rPr>
-              <a:t>BasicHttpBinding</a:t>
-            </a:r>
-            <a:r>
-              <a:rPr lang="en-US" sz="1100" dirty="0" smtClean="0">
+              <a:t> contract="</a:t>
+            </a:r>
+            <a:r>
+              <a:rPr lang="en-US" sz="1100" dirty="0" err="1">
+                <a:latin typeface="Courier New" pitchFamily="49" charset="0"/>
+                <a:cs typeface="Courier New" pitchFamily="49" charset="0"/>
+              </a:rPr>
+              <a:t>IExchange</a:t>
+            </a:r>
+            <a:r>
+              <a:rPr lang="en-US" sz="1100" dirty="0">
                 <a:latin typeface="Courier New" pitchFamily="49" charset="0"/>
                 <a:cs typeface="Courier New" pitchFamily="49" charset="0"/>
               </a:rPr>
               <a:t>«</a:t>
             </a:r>
-            <a:r>
-              <a:rPr lang="ru-RU" sz="1100" dirty="0" smtClean="0">
-                <a:latin typeface="Courier New" pitchFamily="49" charset="0"/>
-                <a:cs typeface="Courier New" pitchFamily="49" charset="0"/>
-              </a:rPr>
-              <a:t/>
-            </a:r>
             <a:br>
-              <a:rPr lang="ru-RU" sz="1100" dirty="0" smtClean="0">
+              <a:rPr lang="ru-RU" sz="1100" dirty="0">
                 <a:latin typeface="Courier New" pitchFamily="49" charset="0"/>
                 <a:cs typeface="Courier New" pitchFamily="49" charset="0"/>
               </a:rPr>
             </a:br>
             <a:r>
-              <a:rPr lang="en-US" sz="1100" dirty="0" smtClean="0">
-                <a:latin typeface="Courier New" pitchFamily="49" charset="0"/>
-                <a:cs typeface="Courier New" pitchFamily="49" charset="0"/>
-              </a:rPr>
-              <a:t> contract</a:t>
-            </a:r>
-            <a:r>
               <a:rPr lang="en-US" sz="1100" dirty="0">
-                <a:latin typeface="Courier New" pitchFamily="49" charset="0"/>
-                <a:cs typeface="Courier New" pitchFamily="49" charset="0"/>
-              </a:rPr>
-              <a:t>="</a:t>
-            </a:r>
-            <a:r>
-              <a:rPr lang="en-US" sz="1100" dirty="0" err="1" smtClean="0">
-                <a:latin typeface="Courier New" pitchFamily="49" charset="0"/>
-                <a:cs typeface="Courier New" pitchFamily="49" charset="0"/>
-              </a:rPr>
-              <a:t>IExchange</a:t>
-            </a:r>
-            <a:r>
-              <a:rPr lang="en-US" sz="1100" dirty="0" smtClean="0">
-                <a:latin typeface="Courier New" pitchFamily="49" charset="0"/>
-                <a:cs typeface="Courier New" pitchFamily="49" charset="0"/>
-              </a:rPr>
-              <a:t>«</a:t>
-            </a:r>
-            <a:r>
-              <a:rPr lang="ru-RU" sz="1100" dirty="0" smtClean="0">
-                <a:latin typeface="Courier New" pitchFamily="49" charset="0"/>
-                <a:cs typeface="Courier New" pitchFamily="49" charset="0"/>
-              </a:rPr>
-              <a:t/>
-            </a:r>
-            <a:br>
-              <a:rPr lang="ru-RU" sz="1100" dirty="0" smtClean="0">
-                <a:latin typeface="Courier New" pitchFamily="49" charset="0"/>
-                <a:cs typeface="Courier New" pitchFamily="49" charset="0"/>
-              </a:rPr>
-            </a:br>
-            <a:r>
-              <a:rPr lang="en-US" sz="1100" dirty="0" smtClean="0">
                 <a:latin typeface="Courier New" pitchFamily="49" charset="0"/>
                 <a:cs typeface="Courier New" pitchFamily="49" charset="0"/>
               </a:rPr>
@@ -5914,7 +5856,7 @@
               <a:buNone/>
             </a:pPr>
             <a:r>
-              <a:rPr lang="en-US" sz="1100" dirty="0" smtClean="0">
+              <a:rPr lang="en-US" sz="1100" dirty="0">
                 <a:latin typeface="Courier New" pitchFamily="49" charset="0"/>
                 <a:cs typeface="Courier New" pitchFamily="49" charset="0"/>
               </a:rPr>
@@ -5940,18 +5882,11 @@
               <a:buNone/>
             </a:pPr>
             <a:r>
-              <a:rPr lang="en-US" sz="1100" dirty="0" smtClean="0">
-                <a:latin typeface="Courier New" pitchFamily="49" charset="0"/>
-                <a:cs typeface="Courier New" pitchFamily="49" charset="0"/>
-              </a:rPr>
-              <a:t>    &lt;</a:t>
-            </a:r>
-            <a:r>
               <a:rPr lang="en-US" sz="1100" dirty="0">
                 <a:latin typeface="Courier New" pitchFamily="49" charset="0"/>
                 <a:cs typeface="Courier New" pitchFamily="49" charset="0"/>
               </a:rPr>
-              <a:t>add </a:t>
+              <a:t>    &lt;add </a:t>
             </a:r>
             <a:r>
               <a:rPr lang="en-US" sz="1100" dirty="0" err="1">
@@ -5987,18 +5922,11 @@
               <a:buNone/>
             </a:pPr>
             <a:r>
-              <a:rPr lang="en-US" sz="1100" dirty="0" smtClean="0">
-                <a:latin typeface="Courier New" pitchFamily="49" charset="0"/>
-                <a:cs typeface="Courier New" pitchFamily="49" charset="0"/>
-              </a:rPr>
-              <a:t>    &lt;</a:t>
-            </a:r>
-            <a:r>
               <a:rPr lang="en-US" sz="1100" dirty="0">
                 <a:latin typeface="Courier New" pitchFamily="49" charset="0"/>
                 <a:cs typeface="Courier New" pitchFamily="49" charset="0"/>
               </a:rPr>
-              <a:t>add </a:t>
+              <a:t>    &lt;add </a:t>
             </a:r>
             <a:r>
               <a:rPr lang="en-US" sz="1100" dirty="0" err="1">
@@ -6062,7 +5990,7 @@
               <a:buNone/>
             </a:pPr>
             <a:r>
-              <a:rPr lang="en-US" sz="1100" dirty="0" smtClean="0">
+              <a:rPr lang="en-US" sz="1100" dirty="0">
                 <a:latin typeface="Courier New" pitchFamily="49" charset="0"/>
                 <a:cs typeface="Courier New" pitchFamily="49" charset="0"/>
               </a:rPr>
@@ -6093,164 +6021,6 @@
                 <a:cs typeface="Courier New" pitchFamily="49" charset="0"/>
               </a:rPr>
               <a:t>&lt;/host&gt;</a:t>
-            </a:r>
-          </a:p>
-          <a:p>
-            <a:pPr marL="0" indent="0">
-              <a:buNone/>
-            </a:pPr>
-            <a:endParaRPr lang="en-US" sz="1100" dirty="0" smtClean="0">
-              <a:latin typeface="Courier New" pitchFamily="49" charset="0"/>
-              <a:cs typeface="Courier New" pitchFamily="49" charset="0"/>
-            </a:endParaRPr>
-          </a:p>
-          <a:p>
-            <a:pPr marL="0" indent="0">
-              <a:buNone/>
-            </a:pPr>
-            <a:r>
-              <a:rPr lang="en-US" sz="1100" dirty="0" smtClean="0">
-                <a:latin typeface="Courier New" pitchFamily="49" charset="0"/>
-                <a:cs typeface="Courier New" pitchFamily="49" charset="0"/>
-              </a:rPr>
-              <a:t>&lt;endpoint</a:t>
-            </a:r>
-          </a:p>
-          <a:p>
-            <a:pPr marL="0" indent="0">
-              <a:buNone/>
-            </a:pPr>
-            <a:r>
-              <a:rPr lang="en-US" sz="1100" dirty="0" smtClean="0">
-                <a:latin typeface="Courier New" pitchFamily="49" charset="0"/>
-                <a:cs typeface="Courier New" pitchFamily="49" charset="0"/>
-              </a:rPr>
-              <a:t>  name</a:t>
-            </a:r>
-            <a:r>
-              <a:rPr lang="en-US" sz="1100" dirty="0">
-                <a:latin typeface="Courier New" pitchFamily="49" charset="0"/>
-                <a:cs typeface="Courier New" pitchFamily="49" charset="0"/>
-              </a:rPr>
-              <a:t>="</a:t>
-            </a:r>
-            <a:r>
-              <a:rPr lang="en-US" sz="1100" dirty="0" err="1">
-                <a:latin typeface="Courier New" pitchFamily="49" charset="0"/>
-                <a:cs typeface="Courier New" pitchFamily="49" charset="0"/>
-              </a:rPr>
-              <a:t>BasicHttpBinding</a:t>
-            </a:r>
-            <a:r>
-              <a:rPr lang="en-US" sz="1100" dirty="0">
-                <a:latin typeface="Courier New" pitchFamily="49" charset="0"/>
-                <a:cs typeface="Courier New" pitchFamily="49" charset="0"/>
-              </a:rPr>
-              <a:t>"</a:t>
-            </a:r>
-          </a:p>
-          <a:p>
-            <a:pPr marL="0" indent="0">
-              <a:buNone/>
-            </a:pPr>
-            <a:r>
-              <a:rPr lang="en-US" sz="1100" dirty="0" smtClean="0">
-                <a:latin typeface="Courier New" pitchFamily="49" charset="0"/>
-                <a:cs typeface="Courier New" pitchFamily="49" charset="0"/>
-              </a:rPr>
-              <a:t>  address</a:t>
-            </a:r>
-            <a:r>
-              <a:rPr lang="en-US" sz="1100" dirty="0">
-                <a:latin typeface="Courier New" pitchFamily="49" charset="0"/>
-                <a:cs typeface="Courier New" pitchFamily="49" charset="0"/>
-              </a:rPr>
-              <a:t>="Exchange"</a:t>
-            </a:r>
-          </a:p>
-          <a:p>
-            <a:pPr marL="0" indent="0">
-              <a:buNone/>
-            </a:pPr>
-            <a:r>
-              <a:rPr lang="en-US" sz="1100" dirty="0" smtClean="0">
-                <a:latin typeface="Courier New" pitchFamily="49" charset="0"/>
-                <a:cs typeface="Courier New" pitchFamily="49" charset="0"/>
-              </a:rPr>
-              <a:t>  </a:t>
-            </a:r>
-            <a:r>
-              <a:rPr lang="en-US" sz="1100" dirty="0" err="1" smtClean="0">
-                <a:latin typeface="Courier New" pitchFamily="49" charset="0"/>
-                <a:cs typeface="Courier New" pitchFamily="49" charset="0"/>
-              </a:rPr>
-              <a:t>bindingsSectionName</a:t>
-            </a:r>
-            <a:r>
-              <a:rPr lang="en-US" sz="1100" dirty="0">
-                <a:latin typeface="Courier New" pitchFamily="49" charset="0"/>
-                <a:cs typeface="Courier New" pitchFamily="49" charset="0"/>
-              </a:rPr>
-              <a:t>="</a:t>
-            </a:r>
-            <a:r>
-              <a:rPr lang="en-US" sz="1100" dirty="0" err="1">
-                <a:latin typeface="Courier New" pitchFamily="49" charset="0"/>
-                <a:cs typeface="Courier New" pitchFamily="49" charset="0"/>
-              </a:rPr>
-              <a:t>BasicHttpBinding</a:t>
-            </a:r>
-            <a:r>
-              <a:rPr lang="en-US" sz="1100" dirty="0">
-                <a:latin typeface="Courier New" pitchFamily="49" charset="0"/>
-                <a:cs typeface="Courier New" pitchFamily="49" charset="0"/>
-              </a:rPr>
-              <a:t>"</a:t>
-            </a:r>
-          </a:p>
-          <a:p>
-            <a:pPr marL="0" indent="0">
-              <a:buNone/>
-            </a:pPr>
-            <a:r>
-              <a:rPr lang="en-US" sz="1100" dirty="0" smtClean="0">
-                <a:latin typeface="Courier New" pitchFamily="49" charset="0"/>
-                <a:cs typeface="Courier New" pitchFamily="49" charset="0"/>
-              </a:rPr>
-              <a:t>  contract</a:t>
-            </a:r>
-            <a:r>
-              <a:rPr lang="en-US" sz="1100" dirty="0">
-                <a:latin typeface="Courier New" pitchFamily="49" charset="0"/>
-                <a:cs typeface="Courier New" pitchFamily="49" charset="0"/>
-              </a:rPr>
-              <a:t>="</a:t>
-            </a:r>
-            <a:r>
-              <a:rPr lang="en-US" sz="1100" dirty="0" err="1" smtClean="0">
-                <a:latin typeface="Courier New" pitchFamily="49" charset="0"/>
-                <a:cs typeface="Courier New" pitchFamily="49" charset="0"/>
-              </a:rPr>
-              <a:t>IExchange</a:t>
-            </a:r>
-            <a:r>
-              <a:rPr lang="en-US" sz="1100" dirty="0" smtClean="0">
-                <a:latin typeface="Courier New" pitchFamily="49" charset="0"/>
-                <a:cs typeface="Courier New" pitchFamily="49" charset="0"/>
-              </a:rPr>
-              <a:t>“</a:t>
-            </a:r>
-          </a:p>
-          <a:p>
-            <a:pPr marL="0" indent="0">
-              <a:buNone/>
-            </a:pPr>
-            <a:r>
-              <a:rPr lang="en-US" sz="1100" dirty="0" smtClean="0">
-                <a:latin typeface="Courier New" pitchFamily="49" charset="0"/>
-                <a:cs typeface="Courier New" pitchFamily="49" charset="0"/>
-              </a:rPr>
-              <a:t>/&gt;</a:t>
             </a:r>
           </a:p>
           <a:p>
@@ -6279,25 +6049,18 @@
               <a:buNone/>
             </a:pPr>
             <a:r>
-              <a:rPr lang="en-US" sz="1100" dirty="0" smtClean="0">
-                <a:latin typeface="Courier New" pitchFamily="49" charset="0"/>
-                <a:cs typeface="Courier New" pitchFamily="49" charset="0"/>
-              </a:rPr>
-              <a:t>  name</a:t>
-            </a:r>
-            <a:r>
               <a:rPr lang="en-US" sz="1100" dirty="0">
                 <a:latin typeface="Courier New" pitchFamily="49" charset="0"/>
                 <a:cs typeface="Courier New" pitchFamily="49" charset="0"/>
               </a:rPr>
-              <a:t>="</a:t>
+              <a:t>  name="</a:t>
             </a:r>
             <a:r>
               <a:rPr lang="en-US" sz="1100" dirty="0" err="1">
                 <a:latin typeface="Courier New" pitchFamily="49" charset="0"/>
                 <a:cs typeface="Courier New" pitchFamily="49" charset="0"/>
               </a:rPr>
-              <a:t>NetNamedPipeBinding</a:t>
+              <a:t>BasicHttpBinding</a:t>
             </a:r>
             <a:r>
               <a:rPr lang="en-US" sz="1100" dirty="0">
@@ -6312,18 +6075,11 @@
               <a:buNone/>
             </a:pPr>
             <a:r>
-              <a:rPr lang="en-US" sz="1100" dirty="0" smtClean="0">
-                <a:latin typeface="Courier New" pitchFamily="49" charset="0"/>
-                <a:cs typeface="Courier New" pitchFamily="49" charset="0"/>
-              </a:rPr>
-              <a:t>  address</a:t>
-            </a:r>
-            <a:r>
               <a:rPr lang="en-US" sz="1100" dirty="0">
                 <a:latin typeface="Courier New" pitchFamily="49" charset="0"/>
                 <a:cs typeface="Courier New" pitchFamily="49" charset="0"/>
               </a:rPr>
-              <a:t>="Exchange"</a:t>
+              <a:t>  address="Exchange"</a:t>
             </a:r>
           </a:p>
           <a:p>
@@ -6331,14 +6087,14 @@
               <a:buNone/>
             </a:pPr>
             <a:r>
-              <a:rPr lang="en-US" sz="1100" dirty="0" smtClean="0">
+              <a:rPr lang="en-US" sz="1100" dirty="0">
                 <a:latin typeface="Courier New" pitchFamily="49" charset="0"/>
                 <a:cs typeface="Courier New" pitchFamily="49" charset="0"/>
               </a:rPr>
               <a:t>  </a:t>
             </a:r>
             <a:r>
-              <a:rPr lang="en-US" sz="1100" dirty="0" err="1" smtClean="0">
+              <a:rPr lang="en-US" sz="1100" dirty="0" err="1">
                 <a:latin typeface="Courier New" pitchFamily="49" charset="0"/>
                 <a:cs typeface="Courier New" pitchFamily="49" charset="0"/>
               </a:rPr>
@@ -6356,7 +6112,7 @@
                 <a:latin typeface="Courier New" pitchFamily="49" charset="0"/>
                 <a:cs typeface="Courier New" pitchFamily="49" charset="0"/>
               </a:rPr>
-              <a:t>NetNamedPipeBinding</a:t>
+              <a:t>BasicHttpBinding</a:t>
             </a:r>
             <a:r>
               <a:rPr lang="en-US" sz="1100" dirty="0">
@@ -6371,28 +6127,21 @@
               <a:buNone/>
             </a:pPr>
             <a:r>
-              <a:rPr lang="en-US" sz="1100" dirty="0" smtClean="0">
-                <a:latin typeface="Courier New" pitchFamily="49" charset="0"/>
-                <a:cs typeface="Courier New" pitchFamily="49" charset="0"/>
-              </a:rPr>
-              <a:t>  contract</a:t>
-            </a:r>
-            <a:r>
               <a:rPr lang="en-US" sz="1100" dirty="0">
                 <a:latin typeface="Courier New" pitchFamily="49" charset="0"/>
                 <a:cs typeface="Courier New" pitchFamily="49" charset="0"/>
               </a:rPr>
-              <a:t>="</a:t>
-            </a:r>
-            <a:r>
-              <a:rPr lang="en-US" sz="1100" dirty="0" err="1" smtClean="0">
+              <a:t>  contract="</a:t>
+            </a:r>
+            <a:r>
+              <a:rPr lang="en-US" sz="1100" dirty="0" err="1">
                 <a:latin typeface="Courier New" pitchFamily="49" charset="0"/>
                 <a:cs typeface="Courier New" pitchFamily="49" charset="0"/>
               </a:rPr>
               <a:t>IExchange</a:t>
             </a:r>
             <a:r>
-              <a:rPr lang="en-US" sz="1100" dirty="0" smtClean="0">
+              <a:rPr lang="en-US" sz="1100" dirty="0">
                 <a:latin typeface="Courier New" pitchFamily="49" charset="0"/>
                 <a:cs typeface="Courier New" pitchFamily="49" charset="0"/>
               </a:rPr>
@@ -6404,16 +6153,149 @@
               <a:buNone/>
             </a:pPr>
             <a:r>
-              <a:rPr lang="en-US" sz="1100" dirty="0" smtClean="0">
+              <a:rPr lang="en-US" sz="1100" dirty="0">
                 <a:latin typeface="Courier New" pitchFamily="49" charset="0"/>
                 <a:cs typeface="Courier New" pitchFamily="49" charset="0"/>
               </a:rPr>
               <a:t>/&gt;</a:t>
             </a:r>
+          </a:p>
+          <a:p>
+            <a:pPr marL="0" indent="0">
+              <a:buNone/>
+            </a:pPr>
             <a:endParaRPr lang="en-US" sz="1100" dirty="0">
               <a:latin typeface="Courier New" pitchFamily="49" charset="0"/>
               <a:cs typeface="Courier New" pitchFamily="49" charset="0"/>
             </a:endParaRPr>
+          </a:p>
+          <a:p>
+            <a:pPr marL="0" indent="0">
+              <a:buNone/>
+            </a:pPr>
+            <a:r>
+              <a:rPr lang="en-US" sz="1100" dirty="0">
+                <a:latin typeface="Courier New" pitchFamily="49" charset="0"/>
+                <a:cs typeface="Courier New" pitchFamily="49" charset="0"/>
+              </a:rPr>
+              <a:t>&lt;endpoint</a:t>
+            </a:r>
+          </a:p>
+          <a:p>
+            <a:pPr marL="0" indent="0">
+              <a:buNone/>
+            </a:pPr>
+            <a:r>
+              <a:rPr lang="en-US" sz="1100" dirty="0">
+                <a:latin typeface="Courier New" pitchFamily="49" charset="0"/>
+                <a:cs typeface="Courier New" pitchFamily="49" charset="0"/>
+              </a:rPr>
+              <a:t>  name="</a:t>
+            </a:r>
+            <a:r>
+              <a:rPr lang="en-US" sz="1100" dirty="0" err="1">
+                <a:latin typeface="Courier New" pitchFamily="49" charset="0"/>
+                <a:cs typeface="Courier New" pitchFamily="49" charset="0"/>
+              </a:rPr>
+              <a:t>NetNamedPipeBinding</a:t>
+            </a:r>
+            <a:r>
+              <a:rPr lang="en-US" sz="1100" dirty="0">
+                <a:latin typeface="Courier New" pitchFamily="49" charset="0"/>
+                <a:cs typeface="Courier New" pitchFamily="49" charset="0"/>
+              </a:rPr>
+              <a:t>"</a:t>
+            </a:r>
+          </a:p>
+          <a:p>
+            <a:pPr marL="0" indent="0">
+              <a:buNone/>
+            </a:pPr>
+            <a:r>
+              <a:rPr lang="en-US" sz="1100" dirty="0">
+                <a:latin typeface="Courier New" pitchFamily="49" charset="0"/>
+                <a:cs typeface="Courier New" pitchFamily="49" charset="0"/>
+              </a:rPr>
+              <a:t>  address="Exchange"</a:t>
+            </a:r>
+          </a:p>
+          <a:p>
+            <a:pPr marL="0" indent="0">
+              <a:buNone/>
+            </a:pPr>
+            <a:r>
+              <a:rPr lang="en-US" sz="1100" dirty="0">
+                <a:latin typeface="Courier New" pitchFamily="49" charset="0"/>
+                <a:cs typeface="Courier New" pitchFamily="49" charset="0"/>
+              </a:rPr>
+              <a:t>  </a:t>
+            </a:r>
+            <a:r>
+              <a:rPr lang="en-US" sz="1100" dirty="0" err="1">
+                <a:latin typeface="Courier New" pitchFamily="49" charset="0"/>
+                <a:cs typeface="Courier New" pitchFamily="49" charset="0"/>
+              </a:rPr>
+              <a:t>bindingsSectionName</a:t>
+            </a:r>
+            <a:r>
+              <a:rPr lang="en-US" sz="1100" dirty="0">
+                <a:latin typeface="Courier New" pitchFamily="49" charset="0"/>
+                <a:cs typeface="Courier New" pitchFamily="49" charset="0"/>
+              </a:rPr>
+              <a:t>="</a:t>
+            </a:r>
+            <a:r>
+              <a:rPr lang="en-US" sz="1100" dirty="0" err="1">
+                <a:latin typeface="Courier New" pitchFamily="49" charset="0"/>
+                <a:cs typeface="Courier New" pitchFamily="49" charset="0"/>
+              </a:rPr>
+              <a:t>NetNamedPipeBinding</a:t>
+            </a:r>
+            <a:r>
+              <a:rPr lang="en-US" sz="1100" dirty="0">
+                <a:latin typeface="Courier New" pitchFamily="49" charset="0"/>
+                <a:cs typeface="Courier New" pitchFamily="49" charset="0"/>
+              </a:rPr>
+              <a:t>"</a:t>
+            </a:r>
+          </a:p>
+          <a:p>
+            <a:pPr marL="0" indent="0">
+              <a:buNone/>
+            </a:pPr>
+            <a:r>
+              <a:rPr lang="en-US" sz="1100" dirty="0">
+                <a:latin typeface="Courier New" pitchFamily="49" charset="0"/>
+                <a:cs typeface="Courier New" pitchFamily="49" charset="0"/>
+              </a:rPr>
+              <a:t>  contract="</a:t>
+            </a:r>
+            <a:r>
+              <a:rPr lang="en-US" sz="1100" dirty="0" err="1">
+                <a:latin typeface="Courier New" pitchFamily="49" charset="0"/>
+                <a:cs typeface="Courier New" pitchFamily="49" charset="0"/>
+              </a:rPr>
+              <a:t>IExchange</a:t>
+            </a:r>
+            <a:r>
+              <a:rPr lang="en-US" sz="1100" dirty="0">
+                <a:latin typeface="Courier New" pitchFamily="49" charset="0"/>
+                <a:cs typeface="Courier New" pitchFamily="49" charset="0"/>
+              </a:rPr>
+              <a:t>“</a:t>
+            </a:r>
+          </a:p>
+          <a:p>
+            <a:pPr marL="0" indent="0">
+              <a:buNone/>
+            </a:pPr>
+            <a:r>
+              <a:rPr lang="en-US" sz="1100" dirty="0">
+                <a:latin typeface="Courier New" pitchFamily="49" charset="0"/>
+                <a:cs typeface="Courier New" pitchFamily="49" charset="0"/>
+              </a:rPr>
+              <a:t>/&gt;</a:t>
+            </a:r>
           </a:p>
         </p:txBody>
       </p:sp>
@@ -6427,13 +6309,6 @@
   <p:clrMapOvr>
     <a:masterClrMapping/>
   </p:clrMapOvr>
-  <p:timing>
-    <p:tnLst>
-      <p:par>
-        <p:cTn id="1" dur="indefinite" restart="never" nodeType="tmRoot"/>
-      </p:par>
-    </p:tnLst>
-  </p:timing>
 </p:sld>
 </file>
 
@@ -6470,15 +6345,15 @@
           <a:lstStyle/>
           <a:p>
             <a:r>
-              <a:rPr lang="ru-RU" dirty="0" smtClean="0"/>
+              <a:rPr lang="ru-RU" dirty="0"/>
               <a:t>Привязка (</a:t>
             </a:r>
             <a:r>
-              <a:rPr lang="en-US" dirty="0" smtClean="0"/>
+              <a:rPr lang="en-US" dirty="0"/>
               <a:t>binding</a:t>
             </a:r>
             <a:r>
-              <a:rPr lang="ru-RU" dirty="0" smtClean="0"/>
+              <a:rPr lang="ru-RU" dirty="0"/>
               <a:t>)</a:t>
             </a:r>
             <a:endParaRPr lang="en-US" dirty="0"/>
@@ -6503,11 +6378,11 @@
           <a:lstStyle/>
           <a:p>
             <a:r>
-              <a:rPr lang="en-US" dirty="0" smtClean="0"/>
+              <a:rPr lang="en-US" dirty="0"/>
               <a:t>Binding </a:t>
             </a:r>
             <a:r>
-              <a:rPr lang="ru-RU" dirty="0" smtClean="0"/>
+              <a:rPr lang="ru-RU" dirty="0"/>
               <a:t>определяет способ коммуникации с сервисом</a:t>
             </a:r>
             <a:endParaRPr lang="en-US" dirty="0"/>
@@ -6515,137 +6390,108 @@
           <a:p>
             <a:pPr lvl="1"/>
             <a:r>
-              <a:rPr lang="ru-RU" dirty="0" smtClean="0"/>
+              <a:rPr lang="ru-RU" dirty="0"/>
               <a:t>Транспортный протокол </a:t>
             </a:r>
             <a:r>
-              <a:rPr lang="en-US" dirty="0" smtClean="0"/>
-              <a:t>(HTTP</a:t>
-            </a:r>
-            <a:r>
               <a:rPr lang="en-US" dirty="0"/>
-              <a:t>, MSMQ, Named Pipes, TCP</a:t>
-            </a:r>
-            <a:r>
-              <a:rPr lang="en-US" dirty="0" smtClean="0"/>
+              <a:t>(HTTP, MSMQ, Named Pipes, TCP)</a:t>
+            </a:r>
+            <a:endParaRPr lang="ru-RU" dirty="0"/>
+          </a:p>
+          <a:p>
+            <a:pPr lvl="1"/>
+            <a:r>
+              <a:rPr lang="ru-RU" dirty="0"/>
+              <a:t>Способ связи</a:t>
+            </a:r>
+          </a:p>
+          <a:p>
+            <a:pPr lvl="2"/>
+            <a:r>
+              <a:rPr lang="ru-RU" dirty="0"/>
+              <a:t>Однонаправленный</a:t>
+            </a:r>
+            <a:r>
+              <a:rPr lang="en-US" dirty="0"/>
+              <a:t> </a:t>
+            </a:r>
+            <a:r>
+              <a:rPr lang="ru-RU" dirty="0"/>
+              <a:t>(</a:t>
+            </a:r>
+            <a:r>
+              <a:rPr lang="en-US" dirty="0"/>
+              <a:t>one-way</a:t>
+            </a:r>
+            <a:r>
+              <a:rPr lang="ru-RU" dirty="0"/>
               <a:t>)</a:t>
             </a:r>
-            <a:endParaRPr lang="ru-RU" dirty="0" smtClean="0"/>
+          </a:p>
+          <a:p>
+            <a:pPr lvl="2"/>
+            <a:r>
+              <a:rPr lang="ru-RU" dirty="0"/>
+              <a:t>Двунаправленный</a:t>
+            </a:r>
+            <a:r>
+              <a:rPr lang="en-US" dirty="0"/>
+              <a:t> </a:t>
+            </a:r>
+            <a:r>
+              <a:rPr lang="ru-RU" dirty="0"/>
+              <a:t>(</a:t>
+            </a:r>
+            <a:r>
+              <a:rPr lang="en-US" dirty="0"/>
+              <a:t>duplex</a:t>
+            </a:r>
+            <a:r>
+              <a:rPr lang="ru-RU" dirty="0"/>
+              <a:t>)</a:t>
+            </a:r>
+          </a:p>
+          <a:p>
+            <a:pPr lvl="2"/>
+            <a:r>
+              <a:rPr lang="ru-RU" dirty="0"/>
+              <a:t>Запрос-ответ  </a:t>
+            </a:r>
+            <a:r>
+              <a:rPr lang="en-US" dirty="0"/>
+              <a:t>request-reply)</a:t>
+            </a:r>
+            <a:endParaRPr lang="ru-RU" dirty="0"/>
           </a:p>
           <a:p>
             <a:pPr lvl="1"/>
             <a:r>
-              <a:rPr lang="ru-RU" dirty="0" smtClean="0"/>
-              <a:t>Способ связи</a:t>
-            </a:r>
-          </a:p>
-          <a:p>
-            <a:pPr lvl="2"/>
-            <a:r>
-              <a:rPr lang="ru-RU" dirty="0" smtClean="0"/>
-              <a:t>Однонаправленный</a:t>
-            </a:r>
-            <a:r>
-              <a:rPr lang="en-US" dirty="0" smtClean="0"/>
+              <a:rPr lang="ru-RU" dirty="0"/>
+              <a:t>Способ представления данных и кодировка</a:t>
+            </a:r>
+            <a:r>
+              <a:rPr lang="en-US" dirty="0"/>
+              <a:t> (XML, binary, MTOM…)</a:t>
+            </a:r>
+          </a:p>
+          <a:p>
+            <a:r>
+              <a:rPr lang="ru-RU" dirty="0"/>
+              <a:t>Список поддерживаемых</a:t>
+            </a:r>
+            <a:r>
+              <a:rPr lang="en-US" dirty="0"/>
               <a:t> </a:t>
             </a:r>
             <a:r>
-              <a:rPr lang="ru-RU" dirty="0" smtClean="0"/>
-              <a:t>(</a:t>
-            </a:r>
-            <a:r>
-              <a:rPr lang="en-US" dirty="0" smtClean="0"/>
-              <a:t>one-way</a:t>
-            </a:r>
-            <a:r>
-              <a:rPr lang="ru-RU" dirty="0" smtClean="0"/>
-              <a:t>)</a:t>
-            </a:r>
-          </a:p>
-          <a:p>
-            <a:pPr lvl="2"/>
-            <a:r>
-              <a:rPr lang="ru-RU" dirty="0" smtClean="0"/>
-              <a:t>Двунаправленный</a:t>
-            </a:r>
-            <a:r>
-              <a:rPr lang="en-US" dirty="0" smtClean="0"/>
-              <a:t> </a:t>
-            </a:r>
-            <a:r>
-              <a:rPr lang="ru-RU" dirty="0" smtClean="0"/>
-              <a:t>(</a:t>
-            </a:r>
-            <a:r>
-              <a:rPr lang="en-US" dirty="0" smtClean="0"/>
-              <a:t>duplex</a:t>
-            </a:r>
-            <a:r>
-              <a:rPr lang="ru-RU" dirty="0" smtClean="0"/>
-              <a:t>)</a:t>
-            </a:r>
-          </a:p>
-          <a:p>
-            <a:pPr lvl="2"/>
-            <a:r>
-              <a:rPr lang="ru-RU" dirty="0" smtClean="0"/>
-              <a:t>Запрос-ответ  </a:t>
-            </a:r>
-            <a:r>
-              <a:rPr lang="en-US" dirty="0" smtClean="0"/>
-              <a:t>request-reply)</a:t>
-            </a:r>
-            <a:endParaRPr lang="ru-RU" dirty="0" smtClean="0"/>
-          </a:p>
-          <a:p>
-            <a:pPr lvl="1"/>
-            <a:r>
-              <a:rPr lang="ru-RU" dirty="0" smtClean="0"/>
-              <a:t>Способ представления данных и кодировка</a:t>
-            </a:r>
-            <a:r>
-              <a:rPr lang="en-US" dirty="0" smtClean="0"/>
-              <a:t> </a:t>
+              <a:rPr lang="ru-RU" dirty="0"/>
+              <a:t>проколов </a:t>
             </a:r>
             <a:r>
               <a:rPr lang="en-US" dirty="0"/>
-              <a:t>(XML, binary, MTOM…)</a:t>
-            </a:r>
-          </a:p>
-          <a:p>
-            <a:r>
-              <a:rPr lang="ru-RU" dirty="0" smtClean="0"/>
-              <a:t>Список поддерживаемых</a:t>
-            </a:r>
-            <a:r>
-              <a:rPr lang="en-US" dirty="0" smtClean="0"/>
-              <a:t> </a:t>
-            </a:r>
-            <a:r>
-              <a:rPr lang="ru-RU" dirty="0" smtClean="0"/>
-              <a:t>проколов </a:t>
-            </a:r>
-            <a:r>
-              <a:rPr lang="en-US" dirty="0" smtClean="0"/>
-              <a:t>WS-</a:t>
-            </a:r>
-            <a:r>
-              <a:rPr lang="en-US" dirty="0"/>
-              <a:t>* </a:t>
-            </a:r>
-            <a:r>
-              <a:rPr lang="en-US" dirty="0" smtClean="0"/>
-              <a:t>(</a:t>
-            </a:r>
-            <a:r>
-              <a:rPr lang="en-US" dirty="0"/>
-              <a:t>WS-Security, WS-Federation, </a:t>
-            </a:r>
-            <a:r>
-              <a:rPr lang="en-US" dirty="0" smtClean="0"/>
-              <a:t>WS-Reliability, WS-Transactions)</a:t>
-            </a:r>
-            <a:endParaRPr lang="en-US" dirty="0"/>
+              <a:t>WS-* (WS-Security, WS-Federation, WS-Reliability, WS-Transactions)</a:t>
+            </a:r>
           </a:p>
         </p:txBody>
       </p:sp>
@@ -6659,13 +6505,6 @@
   <p:clrMapOvr>
     <a:masterClrMapping/>
   </p:clrMapOvr>
-  <p:timing>
-    <p:tnLst>
-      <p:par>
-        <p:cTn id="1" dur="indefinite" restart="never" nodeType="tmRoot"/>
-      </p:par>
-    </p:tnLst>
-  </p:timing>
 </p:sld>
 </file>
 
@@ -6718,14 +6557,14 @@
           <a:p>
             <a:pPr algn="ctr"/>
             <a:r>
-              <a:rPr lang="ru-RU" sz="3200" dirty="0" smtClean="0">
+              <a:rPr lang="ru-RU" sz="3200" dirty="0">
                 <a:solidFill>
                   <a:srgbClr val="000000"/>
                 </a:solidFill>
               </a:rPr>
               <a:t>Способы связи</a:t>
             </a:r>
-            <a:endParaRPr lang="en-US" sz="3200" dirty="0" smtClean="0">
+            <a:endParaRPr lang="en-US" sz="3200" dirty="0">
               <a:solidFill>
                 <a:srgbClr val="000000"/>
               </a:solidFill>
@@ -6949,14 +6788,14 @@
           <a:p>
             <a:pPr algn="ctr"/>
             <a:r>
-              <a:rPr lang="ru-RU" sz="3200" dirty="0" smtClean="0">
+              <a:rPr lang="ru-RU" sz="3200" dirty="0">
                 <a:solidFill>
                   <a:srgbClr val="000000"/>
                 </a:solidFill>
               </a:rPr>
               <a:t>Запрос-ответ</a:t>
             </a:r>
-            <a:endParaRPr lang="en-US" sz="3200" dirty="0" smtClean="0">
+            <a:endParaRPr lang="en-US" sz="3200" dirty="0">
               <a:solidFill>
                 <a:srgbClr val="000000"/>
               </a:solidFill>
@@ -6995,7 +6834,7 @@
               </a:rPr>
               <a:t>Однонаправленный</a:t>
             </a:r>
-            <a:endParaRPr lang="en-US" sz="3200" dirty="0" smtClean="0">
+            <a:endParaRPr lang="en-US" sz="3200" dirty="0">
               <a:solidFill>
                 <a:srgbClr val="000000"/>
               </a:solidFill>
@@ -7034,7 +6873,7 @@
               </a:rPr>
               <a:t>Двунаправленный</a:t>
             </a:r>
-            <a:endParaRPr lang="en-US" sz="3200" dirty="0" smtClean="0">
+            <a:endParaRPr lang="en-US" sz="3200" dirty="0">
               <a:solidFill>
                 <a:srgbClr val="000000"/>
               </a:solidFill>
@@ -7052,13 +6891,6 @@
   <p:clrMapOvr>
     <a:masterClrMapping/>
   </p:clrMapOvr>
-  <p:timing>
-    <p:tnLst>
-      <p:par>
-        <p:cTn id="1" dur="indefinite" restart="never" nodeType="tmRoot"/>
-      </p:par>
-    </p:tnLst>
-  </p:timing>
 </p:sld>
 </file>
 
@@ -7175,14 +7007,14 @@
           <a:p>
             <a:pPr algn="ctr"/>
             <a:r>
-              <a:rPr lang="ru-RU" sz="3200" dirty="0" smtClean="0">
+              <a:rPr lang="ru-RU" sz="3200" dirty="0">
                 <a:solidFill>
                   <a:srgbClr val="000000"/>
                 </a:solidFill>
               </a:rPr>
               <a:t>Стандартные биндинги</a:t>
             </a:r>
-            <a:endParaRPr lang="en-US" sz="3200" dirty="0" smtClean="0">
+            <a:endParaRPr lang="en-US" sz="3200" dirty="0">
               <a:solidFill>
                 <a:srgbClr val="000000"/>
               </a:solidFill>
@@ -7214,14 +7046,14 @@
           <a:p>
             <a:pPr algn="ctr"/>
             <a:r>
-              <a:rPr lang="ru-RU" sz="3200" dirty="0" smtClean="0">
+              <a:rPr lang="ru-RU" sz="3200" dirty="0">
                 <a:solidFill>
                   <a:srgbClr val="000000"/>
                 </a:solidFill>
               </a:rPr>
               <a:t>Биндинги и протоколы</a:t>
             </a:r>
-            <a:endParaRPr lang="en-US" sz="3200" dirty="0" smtClean="0">
+            <a:endParaRPr lang="en-US" sz="3200" dirty="0">
               <a:solidFill>
                 <a:srgbClr val="000000"/>
               </a:solidFill>
@@ -7303,13 +7135,6 @@
   <p:clrMapOvr>
     <a:masterClrMapping/>
   </p:clrMapOvr>
-  <p:timing>
-    <p:tnLst>
-      <p:par>
-        <p:cTn id="1" dur="indefinite" restart="never" nodeType="tmRoot"/>
-      </p:par>
-    </p:tnLst>
-  </p:timing>
 </p:sld>
 </file>
 
@@ -7348,14 +7173,13 @@
           <a:lstStyle/>
           <a:p>
             <a:r>
-              <a:rPr lang="ru-RU" dirty="0" smtClean="0"/>
+              <a:rPr lang="ru-RU" dirty="0"/>
               <a:t>Контракт сервиса </a:t>
             </a:r>
             <a:r>
-              <a:rPr lang="en-US" dirty="0" smtClean="0"/>
+              <a:rPr lang="en-US" dirty="0"/>
               <a:t>(service contract)</a:t>
             </a:r>
-            <a:endParaRPr lang="en-US" dirty="0"/>
           </a:p>
         </p:txBody>
       </p:sp>
@@ -7375,17 +7199,17 @@
           <a:lstStyle/>
           <a:p>
             <a:r>
-              <a:rPr lang="ru-RU" dirty="0" smtClean="0"/>
+              <a:rPr lang="ru-RU" dirty="0"/>
               <a:t>Определяет «методы» доступные внешему миру</a:t>
             </a:r>
           </a:p>
           <a:p>
             <a:r>
-              <a:rPr lang="ru-RU" dirty="0" smtClean="0"/>
+              <a:rPr lang="ru-RU" dirty="0"/>
               <a:t>Другое название – интерфейс сервиса </a:t>
             </a:r>
             <a:r>
-              <a:rPr lang="en-US" dirty="0" smtClean="0"/>
+              <a:rPr lang="en-US" dirty="0"/>
               <a:t>(service interface)</a:t>
             </a:r>
           </a:p>
@@ -7399,7 +7223,7 @@
               <a:t>ServiceContract</a:t>
             </a:r>
             <a:r>
-              <a:rPr lang="en-US" dirty="0" smtClean="0"/>
+              <a:rPr lang="en-US" dirty="0"/>
               <a:t>]</a:t>
             </a:r>
           </a:p>
@@ -7413,7 +7237,7 @@
               <a:t>OperationContract</a:t>
             </a:r>
             <a:r>
-              <a:rPr lang="en-US" dirty="0" smtClean="0"/>
+              <a:rPr lang="en-US" dirty="0"/>
               <a:t>]</a:t>
             </a:r>
           </a:p>
@@ -7429,13 +7253,6 @@
   <p:clrMapOvr>
     <a:masterClrMapping/>
   </p:clrMapOvr>
-  <p:timing>
-    <p:tnLst>
-      <p:par>
-        <p:cTn id="1" dur="indefinite" restart="never" nodeType="tmRoot"/>
-      </p:par>
-    </p:tnLst>
-  </p:timing>
 </p:sld>
 </file>
 
@@ -7488,14 +7305,14 @@
           <a:p>
             <a:pPr algn="ctr"/>
             <a:r>
-              <a:rPr lang="ru-RU" sz="3200" dirty="0" smtClean="0">
+              <a:rPr lang="ru-RU" sz="3200" dirty="0">
                 <a:solidFill>
                   <a:srgbClr val="000000"/>
                 </a:solidFill>
               </a:rPr>
               <a:t>Пример контракта сервиса</a:t>
             </a:r>
-            <a:endParaRPr lang="en-US" sz="3200" dirty="0" smtClean="0">
+            <a:endParaRPr lang="en-US" sz="3200" dirty="0">
               <a:solidFill>
                 <a:srgbClr val="000000"/>
               </a:solidFill>
@@ -7526,7 +7343,7 @@
           <a:lstStyle/>
           <a:p>
             <a:r>
-              <a:rPr lang="en-US" sz="1600" dirty="0" smtClean="0">
+              <a:rPr lang="en-US" sz="1600" dirty="0">
                 <a:solidFill>
                   <a:srgbClr val="000000"/>
                 </a:solidFill>
@@ -7536,7 +7353,7 @@
               <a:t>// </a:t>
             </a:r>
             <a:r>
-              <a:rPr lang="ru-RU" sz="1600" dirty="0" smtClean="0">
+              <a:rPr lang="ru-RU" sz="1600" dirty="0">
                 <a:solidFill>
                   <a:srgbClr val="000000"/>
                 </a:solidFill>
@@ -7555,15 +7372,6 @@
               </a:rPr>
               <a:t>System.ServiceModel</a:t>
             </a:r>
-            <a:endParaRPr lang="en-US" sz="1600" dirty="0" smtClean="0">
-              <a:solidFill>
-                <a:srgbClr val="000000"/>
-              </a:solidFill>
-              <a:latin typeface="Courier New" pitchFamily="49" charset="0"/>
-              <a:cs typeface="Courier New" pitchFamily="49" charset="0"/>
-            </a:endParaRPr>
-          </a:p>
-          <a:p>
             <a:endParaRPr lang="en-US" sz="1600" dirty="0">
               <a:solidFill>
                 <a:srgbClr val="000000"/>
@@ -7573,77 +7381,6 @@
             </a:endParaRPr>
           </a:p>
           <a:p>
-            <a:r>
-              <a:rPr lang="en-US" sz="1600" dirty="0" smtClean="0">
-                <a:solidFill>
-                  <a:srgbClr val="000000"/>
-                </a:solidFill>
-                <a:latin typeface="Courier New" pitchFamily="49" charset="0"/>
-                <a:cs typeface="Courier New" pitchFamily="49" charset="0"/>
-              </a:rPr>
-              <a:t>using </a:t>
-            </a:r>
-            <a:r>
-              <a:rPr lang="en-US" sz="1600" dirty="0" err="1">
-                <a:solidFill>
-                  <a:srgbClr val="000000"/>
-                </a:solidFill>
-                <a:latin typeface="Courier New" pitchFamily="49" charset="0"/>
-                <a:cs typeface="Courier New" pitchFamily="49" charset="0"/>
-              </a:rPr>
-              <a:t>System.ServiceModel</a:t>
-            </a:r>
-            <a:r>
-              <a:rPr lang="en-US" sz="1600" dirty="0">
-                <a:solidFill>
-                  <a:srgbClr val="000000"/>
-                </a:solidFill>
-                <a:latin typeface="Courier New" pitchFamily="49" charset="0"/>
-                <a:cs typeface="Courier New" pitchFamily="49" charset="0"/>
-              </a:rPr>
-              <a:t>;</a:t>
-            </a:r>
-          </a:p>
-          <a:p>
-            <a:r>
-              <a:rPr lang="en-US" sz="1600" dirty="0">
-                <a:solidFill>
-                  <a:srgbClr val="000000"/>
-                </a:solidFill>
-                <a:latin typeface="Courier New" pitchFamily="49" charset="0"/>
-                <a:cs typeface="Courier New" pitchFamily="49" charset="0"/>
-              </a:rPr>
-              <a:t>using </a:t>
-            </a:r>
-            <a:r>
-              <a:rPr lang="en-US" sz="1600" dirty="0" err="1" smtClean="0">
-                <a:solidFill>
-                  <a:srgbClr val="000000"/>
-                </a:solidFill>
-                <a:latin typeface="Courier New" pitchFamily="49" charset="0"/>
-                <a:cs typeface="Courier New" pitchFamily="49" charset="0"/>
-              </a:rPr>
-              <a:t>QuickReturns.StockTrading.ExchangeService.DataContracts</a:t>
-            </a:r>
-            <a:r>
-              <a:rPr lang="en-US" sz="1600" dirty="0" smtClean="0">
-                <a:solidFill>
-                  <a:srgbClr val="000000"/>
-                </a:solidFill>
-                <a:latin typeface="Courier New" pitchFamily="49" charset="0"/>
-                <a:cs typeface="Courier New" pitchFamily="49" charset="0"/>
-              </a:rPr>
-              <a:t>;</a:t>
-            </a:r>
-            <a:endParaRPr lang="ru-RU" sz="1600" dirty="0" smtClean="0">
-              <a:solidFill>
-                <a:srgbClr val="000000"/>
-              </a:solidFill>
-              <a:latin typeface="Courier New" pitchFamily="49" charset="0"/>
-              <a:cs typeface="Courier New" pitchFamily="49" charset="0"/>
-            </a:endParaRPr>
-          </a:p>
-          <a:p>
             <a:endParaRPr lang="en-US" sz="1600" dirty="0">
               <a:solidFill>
                 <a:srgbClr val="000000"/>
@@ -7661,7 +7398,7 @@
                 <a:latin typeface="Courier New" pitchFamily="49" charset="0"/>
                 <a:cs typeface="Courier New" pitchFamily="49" charset="0"/>
               </a:rPr>
-              <a:t>namespace </a:t>
+              <a:t>using </a:t>
             </a:r>
             <a:r>
               <a:rPr lang="en-US" sz="1600" dirty="0" err="1">
@@ -7671,8 +7408,59 @@
                 <a:latin typeface="Courier New" pitchFamily="49" charset="0"/>
                 <a:cs typeface="Courier New" pitchFamily="49" charset="0"/>
               </a:rPr>
-              <a:t>QuickReturns.StockTrading.ExchangeService.Contracts</a:t>
-            </a:r>
+              <a:t>System.ServiceModel</a:t>
+            </a:r>
+            <a:r>
+              <a:rPr lang="en-US" sz="1600" dirty="0">
+                <a:solidFill>
+                  <a:srgbClr val="000000"/>
+                </a:solidFill>
+                <a:latin typeface="Courier New" pitchFamily="49" charset="0"/>
+                <a:cs typeface="Courier New" pitchFamily="49" charset="0"/>
+              </a:rPr>
+              <a:t>;</a:t>
+            </a:r>
+          </a:p>
+          <a:p>
+            <a:r>
+              <a:rPr lang="en-US" sz="1600" dirty="0">
+                <a:solidFill>
+                  <a:srgbClr val="000000"/>
+                </a:solidFill>
+                <a:latin typeface="Courier New" pitchFamily="49" charset="0"/>
+                <a:cs typeface="Courier New" pitchFamily="49" charset="0"/>
+              </a:rPr>
+              <a:t>using </a:t>
+            </a:r>
+            <a:r>
+              <a:rPr lang="en-US" sz="1600" dirty="0" err="1">
+                <a:solidFill>
+                  <a:srgbClr val="000000"/>
+                </a:solidFill>
+                <a:latin typeface="Courier New" pitchFamily="49" charset="0"/>
+                <a:cs typeface="Courier New" pitchFamily="49" charset="0"/>
+              </a:rPr>
+              <a:t>QuickReturns.StockTrading.ExchangeService.DataContracts</a:t>
+            </a:r>
+            <a:r>
+              <a:rPr lang="en-US" sz="1600" dirty="0">
+                <a:solidFill>
+                  <a:srgbClr val="000000"/>
+                </a:solidFill>
+                <a:latin typeface="Courier New" pitchFamily="49" charset="0"/>
+                <a:cs typeface="Courier New" pitchFamily="49" charset="0"/>
+              </a:rPr>
+              <a:t>;</a:t>
+            </a:r>
+            <a:endParaRPr lang="ru-RU" sz="1600" dirty="0">
+              <a:solidFill>
+                <a:srgbClr val="000000"/>
+              </a:solidFill>
+              <a:latin typeface="Courier New" pitchFamily="49" charset="0"/>
+              <a:cs typeface="Courier New" pitchFamily="49" charset="0"/>
+            </a:endParaRPr>
+          </a:p>
+          <a:p>
             <a:endParaRPr lang="en-US" sz="1600" dirty="0">
               <a:solidFill>
                 <a:srgbClr val="000000"/>
@@ -7690,81 +7478,7 @@
                 <a:latin typeface="Courier New" pitchFamily="49" charset="0"/>
                 <a:cs typeface="Courier New" pitchFamily="49" charset="0"/>
               </a:rPr>
-              <a:t>{</a:t>
-            </a:r>
-          </a:p>
-          <a:p>
-            <a:r>
-              <a:rPr lang="ru-RU" sz="1600" dirty="0" smtClean="0">
-                <a:solidFill>
-                  <a:srgbClr val="000000"/>
-                </a:solidFill>
-                <a:latin typeface="Courier New" pitchFamily="49" charset="0"/>
-                <a:cs typeface="Courier New" pitchFamily="49" charset="0"/>
-              </a:rPr>
-              <a:t>    </a:t>
-            </a:r>
-            <a:r>
-              <a:rPr lang="en-US" sz="1600" dirty="0" smtClean="0">
-                <a:solidFill>
-                  <a:srgbClr val="000000"/>
-                </a:solidFill>
-                <a:latin typeface="Courier New" pitchFamily="49" charset="0"/>
-                <a:cs typeface="Courier New" pitchFamily="49" charset="0"/>
-              </a:rPr>
-              <a:t>[</a:t>
-            </a:r>
-            <a:r>
-              <a:rPr lang="en-US" sz="1600" dirty="0" err="1" smtClean="0">
-                <a:solidFill>
-                  <a:srgbClr val="000000"/>
-                </a:solidFill>
-                <a:latin typeface="Courier New" pitchFamily="49" charset="0"/>
-                <a:cs typeface="Courier New" pitchFamily="49" charset="0"/>
-              </a:rPr>
-              <a:t>ServiceContract</a:t>
-            </a:r>
-            <a:r>
-              <a:rPr lang="en-US" sz="1600" dirty="0" smtClean="0">
-                <a:solidFill>
-                  <a:srgbClr val="000000"/>
-                </a:solidFill>
-                <a:latin typeface="Courier New" pitchFamily="49" charset="0"/>
-                <a:cs typeface="Courier New" pitchFamily="49" charset="0"/>
-              </a:rPr>
-              <a:t>(Namespace="</a:t>
-            </a:r>
-            <a:r>
-              <a:rPr lang="en-US" sz="1600" dirty="0">
-                <a:solidFill>
-                  <a:srgbClr val="000000"/>
-                </a:solidFill>
-                <a:latin typeface="Courier New" pitchFamily="49" charset="0"/>
-                <a:cs typeface="Courier New" pitchFamily="49" charset="0"/>
-              </a:rPr>
-              <a:t>http://QuickReturns")]</a:t>
-            </a:r>
-          </a:p>
-          <a:p>
-            <a:r>
-              <a:rPr lang="ru-RU" sz="1600" dirty="0" smtClean="0">
-                <a:solidFill>
-                  <a:srgbClr val="000000"/>
-                </a:solidFill>
-                <a:latin typeface="Courier New" pitchFamily="49" charset="0"/>
-                <a:cs typeface="Courier New" pitchFamily="49" charset="0"/>
-              </a:rPr>
-              <a:t>    </a:t>
-            </a:r>
-            <a:r>
-              <a:rPr lang="en-US" sz="1600" dirty="0" smtClean="0">
-                <a:solidFill>
-                  <a:srgbClr val="000000"/>
-                </a:solidFill>
-                <a:latin typeface="Courier New" pitchFamily="49" charset="0"/>
-                <a:cs typeface="Courier New" pitchFamily="49" charset="0"/>
-              </a:rPr>
-              <a:t>interface </a:t>
+              <a:t>namespace </a:t>
             </a:r>
             <a:r>
               <a:rPr lang="en-US" sz="1600" dirty="0" err="1">
@@ -7774,7 +7488,7 @@
                 <a:latin typeface="Courier New" pitchFamily="49" charset="0"/>
                 <a:cs typeface="Courier New" pitchFamily="49" charset="0"/>
               </a:rPr>
-              <a:t>ITradeService</a:t>
+              <a:t>QuickReturns.StockTrading.ExchangeService.Contracts</a:t>
             </a:r>
             <a:endParaRPr lang="en-US" sz="1600" dirty="0">
               <a:solidFill>
@@ -7786,7 +7500,19 @@
           </a:p>
           <a:p>
             <a:r>
-              <a:rPr lang="ru-RU" sz="1600" dirty="0" smtClean="0">
+              <a:rPr lang="en-US" sz="1600" dirty="0">
+                <a:solidFill>
+                  <a:srgbClr val="000000"/>
+                </a:solidFill>
+                <a:latin typeface="Courier New" pitchFamily="49" charset="0"/>
+                <a:cs typeface="Courier New" pitchFamily="49" charset="0"/>
+              </a:rPr>
+              <a:t>{</a:t>
+            </a:r>
+          </a:p>
+          <a:p>
+            <a:r>
+              <a:rPr lang="ru-RU" sz="1600" dirty="0">
                 <a:solidFill>
                   <a:srgbClr val="000000"/>
                 </a:solidFill>
@@ -7796,14 +7522,66 @@
               <a:t>    </a:t>
             </a:r>
             <a:r>
-              <a:rPr lang="en-US" sz="1600" dirty="0" smtClean="0">
-                <a:solidFill>
-                  <a:srgbClr val="000000"/>
-                </a:solidFill>
-                <a:latin typeface="Courier New" pitchFamily="49" charset="0"/>
-                <a:cs typeface="Courier New" pitchFamily="49" charset="0"/>
-              </a:rPr>
-              <a:t>{</a:t>
+              <a:rPr lang="en-US" sz="1600" dirty="0">
+                <a:solidFill>
+                  <a:srgbClr val="000000"/>
+                </a:solidFill>
+                <a:latin typeface="Courier New" pitchFamily="49" charset="0"/>
+                <a:cs typeface="Courier New" pitchFamily="49" charset="0"/>
+              </a:rPr>
+              <a:t>[</a:t>
+            </a:r>
+            <a:r>
+              <a:rPr lang="en-US" sz="1600" dirty="0" err="1">
+                <a:solidFill>
+                  <a:srgbClr val="000000"/>
+                </a:solidFill>
+                <a:latin typeface="Courier New" pitchFamily="49" charset="0"/>
+                <a:cs typeface="Courier New" pitchFamily="49" charset="0"/>
+              </a:rPr>
+              <a:t>ServiceContract</a:t>
+            </a:r>
+            <a:r>
+              <a:rPr lang="en-US" sz="1600" dirty="0">
+                <a:solidFill>
+                  <a:srgbClr val="000000"/>
+                </a:solidFill>
+                <a:latin typeface="Courier New" pitchFamily="49" charset="0"/>
+                <a:cs typeface="Courier New" pitchFamily="49" charset="0"/>
+              </a:rPr>
+              <a:t>(Namespace="http://QuickReturns")]</a:t>
+            </a:r>
+          </a:p>
+          <a:p>
+            <a:r>
+              <a:rPr lang="ru-RU" sz="1600" dirty="0">
+                <a:solidFill>
+                  <a:srgbClr val="000000"/>
+                </a:solidFill>
+                <a:latin typeface="Courier New" pitchFamily="49" charset="0"/>
+                <a:cs typeface="Courier New" pitchFamily="49" charset="0"/>
+              </a:rPr>
+              <a:t>    </a:t>
+            </a:r>
+            <a:r>
+              <a:rPr lang="en-US" sz="1600" dirty="0">
+                <a:solidFill>
+                  <a:srgbClr val="000000"/>
+                </a:solidFill>
+                <a:latin typeface="Courier New" pitchFamily="49" charset="0"/>
+                <a:cs typeface="Courier New" pitchFamily="49" charset="0"/>
+              </a:rPr>
+              <a:t>interface </a:t>
+            </a:r>
+            <a:r>
+              <a:rPr lang="en-US" sz="1600" dirty="0" err="1">
+                <a:solidFill>
+                  <a:srgbClr val="000000"/>
+                </a:solidFill>
+                <a:latin typeface="Courier New" pitchFamily="49" charset="0"/>
+                <a:cs typeface="Courier New" pitchFamily="49" charset="0"/>
+              </a:rPr>
+              <a:t>ITradeService</a:t>
             </a:r>
             <a:endParaRPr lang="en-US" sz="1600" dirty="0">
               <a:solidFill>
@@ -7815,7 +7593,29 @@
           </a:p>
           <a:p>
             <a:r>
-              <a:rPr lang="ru-RU" sz="1600" dirty="0" smtClean="0">
+              <a:rPr lang="ru-RU" sz="1600" dirty="0">
+                <a:solidFill>
+                  <a:srgbClr val="000000"/>
+                </a:solidFill>
+                <a:latin typeface="Courier New" pitchFamily="49" charset="0"/>
+                <a:cs typeface="Courier New" pitchFamily="49" charset="0"/>
+              </a:rPr>
+              <a:t>    </a:t>
+            </a:r>
+            <a:r>
+              <a:rPr lang="en-US" sz="1600" dirty="0">
+                <a:solidFill>
+                  <a:srgbClr val="000000"/>
+                </a:solidFill>
+                <a:latin typeface="Courier New" pitchFamily="49" charset="0"/>
+                <a:cs typeface="Courier New" pitchFamily="49" charset="0"/>
+              </a:rPr>
+              <a:t>{</a:t>
+            </a:r>
+          </a:p>
+          <a:p>
+            <a:r>
+              <a:rPr lang="ru-RU" sz="1600" dirty="0">
                 <a:solidFill>
                   <a:srgbClr val="000000"/>
                 </a:solidFill>
@@ -7825,7 +7625,7 @@
               <a:t>        </a:t>
             </a:r>
             <a:r>
-              <a:rPr lang="en-US" sz="1600" dirty="0" smtClean="0">
+              <a:rPr lang="en-US" sz="1600" dirty="0">
                 <a:solidFill>
                   <a:srgbClr val="000000"/>
                 </a:solidFill>
@@ -7835,7 +7635,7 @@
               <a:t>[</a:t>
             </a:r>
             <a:r>
-              <a:rPr lang="en-US" sz="1600" dirty="0" err="1" smtClean="0">
+              <a:rPr lang="en-US" sz="1600" dirty="0" err="1">
                 <a:solidFill>
                   <a:srgbClr val="000000"/>
                 </a:solidFill>
@@ -7845,7 +7645,7 @@
               <a:t>OperationContract</a:t>
             </a:r>
             <a:r>
-              <a:rPr lang="en-US" sz="1600" dirty="0" smtClean="0">
+              <a:rPr lang="en-US" sz="1600" dirty="0">
                 <a:solidFill>
                   <a:srgbClr val="000000"/>
                 </a:solidFill>
@@ -7853,6 +7653,67 @@
                 <a:cs typeface="Courier New" pitchFamily="49" charset="0"/>
               </a:rPr>
               <a:t>]</a:t>
+            </a:r>
+          </a:p>
+          <a:p>
+            <a:r>
+              <a:rPr lang="ru-RU" sz="1600" dirty="0">
+                <a:solidFill>
+                  <a:srgbClr val="000000"/>
+                </a:solidFill>
+                <a:latin typeface="Courier New" pitchFamily="49" charset="0"/>
+                <a:cs typeface="Courier New" pitchFamily="49" charset="0"/>
+              </a:rPr>
+              <a:t>        </a:t>
+            </a:r>
+            <a:r>
+              <a:rPr lang="en-US" sz="1600" dirty="0">
+                <a:solidFill>
+                  <a:srgbClr val="000000"/>
+                </a:solidFill>
+                <a:latin typeface="Courier New" pitchFamily="49" charset="0"/>
+                <a:cs typeface="Courier New" pitchFamily="49" charset="0"/>
+              </a:rPr>
+              <a:t>Quote </a:t>
+            </a:r>
+            <a:r>
+              <a:rPr lang="en-US" sz="1600" dirty="0" err="1">
+                <a:solidFill>
+                  <a:srgbClr val="000000"/>
+                </a:solidFill>
+                <a:latin typeface="Courier New" pitchFamily="49" charset="0"/>
+                <a:cs typeface="Courier New" pitchFamily="49" charset="0"/>
+              </a:rPr>
+              <a:t>GetQuote</a:t>
+            </a:r>
+            <a:r>
+              <a:rPr lang="en-US" sz="1600" dirty="0">
+                <a:solidFill>
+                  <a:srgbClr val="000000"/>
+                </a:solidFill>
+                <a:latin typeface="Courier New" pitchFamily="49" charset="0"/>
+                <a:cs typeface="Courier New" pitchFamily="49" charset="0"/>
+              </a:rPr>
+              <a:t>(string ticker);</a:t>
+            </a:r>
+            <a:endParaRPr lang="ru-RU" sz="1600" dirty="0">
+              <a:solidFill>
+                <a:srgbClr val="000000"/>
+              </a:solidFill>
+              <a:latin typeface="Courier New" pitchFamily="49" charset="0"/>
+              <a:cs typeface="Courier New" pitchFamily="49" charset="0"/>
+            </a:endParaRPr>
+          </a:p>
+          <a:p>
+            <a:r>
+              <a:rPr lang="ru-RU" sz="1600" dirty="0">
+                <a:solidFill>
+                  <a:srgbClr val="000000"/>
+                </a:solidFill>
+                <a:latin typeface="Courier New" pitchFamily="49" charset="0"/>
+                <a:cs typeface="Courier New" pitchFamily="49" charset="0"/>
+              </a:rPr>
+              <a:t>    </a:t>
             </a:r>
             <a:endParaRPr lang="en-US" sz="1600" dirty="0">
               <a:solidFill>
@@ -7864,7 +7725,7 @@
           </a:p>
           <a:p>
             <a:r>
-              <a:rPr lang="ru-RU" sz="1600" dirty="0" smtClean="0">
+              <a:rPr lang="ru-RU" sz="1600" dirty="0">
                 <a:solidFill>
                   <a:srgbClr val="000000"/>
                 </a:solidFill>
@@ -7874,14 +7735,14 @@
               <a:t>        </a:t>
             </a:r>
             <a:r>
-              <a:rPr lang="en-US" sz="1600" dirty="0" smtClean="0">
-                <a:solidFill>
-                  <a:srgbClr val="000000"/>
-                </a:solidFill>
-                <a:latin typeface="Courier New" pitchFamily="49" charset="0"/>
-                <a:cs typeface="Courier New" pitchFamily="49" charset="0"/>
-              </a:rPr>
-              <a:t>Quote </a:t>
+              <a:rPr lang="en-US" sz="1600" dirty="0">
+                <a:solidFill>
+                  <a:srgbClr val="000000"/>
+                </a:solidFill>
+                <a:latin typeface="Courier New" pitchFamily="49" charset="0"/>
+                <a:cs typeface="Courier New" pitchFamily="49" charset="0"/>
+              </a:rPr>
+              <a:t>[</a:t>
             </a:r>
             <a:r>
               <a:rPr lang="en-US" sz="1600" dirty="0" err="1">
@@ -7891,7 +7752,7 @@
                 <a:latin typeface="Courier New" pitchFamily="49" charset="0"/>
                 <a:cs typeface="Courier New" pitchFamily="49" charset="0"/>
               </a:rPr>
-              <a:t>GetQuote</a:t>
+              <a:t>OperationContract</a:t>
             </a:r>
             <a:r>
               <a:rPr lang="en-US" sz="1600" dirty="0">
@@ -7901,29 +7762,54 @@
                 <a:latin typeface="Courier New" pitchFamily="49" charset="0"/>
                 <a:cs typeface="Courier New" pitchFamily="49" charset="0"/>
               </a:rPr>
-              <a:t>(string ticker</a:t>
-            </a:r>
-            <a:r>
-              <a:rPr lang="en-US" sz="1600" dirty="0" smtClean="0">
-                <a:solidFill>
-                  <a:srgbClr val="000000"/>
-                </a:solidFill>
-                <a:latin typeface="Courier New" pitchFamily="49" charset="0"/>
-                <a:cs typeface="Courier New" pitchFamily="49" charset="0"/>
-              </a:rPr>
-              <a:t>);</a:t>
-            </a:r>
-            <a:endParaRPr lang="ru-RU" sz="1600" dirty="0" smtClean="0">
-              <a:solidFill>
-                <a:srgbClr val="000000"/>
-              </a:solidFill>
-              <a:latin typeface="Courier New" pitchFamily="49" charset="0"/>
-              <a:cs typeface="Courier New" pitchFamily="49" charset="0"/>
-            </a:endParaRPr>
-          </a:p>
-          <a:p>
-            <a:r>
-              <a:rPr lang="ru-RU" sz="1600" dirty="0" smtClean="0">
+              <a:t>]</a:t>
+            </a:r>
+          </a:p>
+          <a:p>
+            <a:r>
+              <a:rPr lang="ru-RU" sz="1600" dirty="0">
+                <a:solidFill>
+                  <a:srgbClr val="000000"/>
+                </a:solidFill>
+                <a:latin typeface="Courier New" pitchFamily="49" charset="0"/>
+                <a:cs typeface="Courier New" pitchFamily="49" charset="0"/>
+              </a:rPr>
+              <a:t>        </a:t>
+            </a:r>
+            <a:r>
+              <a:rPr lang="en-US" sz="1600" dirty="0">
+                <a:solidFill>
+                  <a:srgbClr val="000000"/>
+                </a:solidFill>
+                <a:latin typeface="Courier New" pitchFamily="49" charset="0"/>
+                <a:cs typeface="Courier New" pitchFamily="49" charset="0"/>
+              </a:rPr>
+              <a:t>void </a:t>
+            </a:r>
+            <a:r>
+              <a:rPr lang="en-US" sz="1600" dirty="0" err="1">
+                <a:solidFill>
+                  <a:srgbClr val="000000"/>
+                </a:solidFill>
+                <a:latin typeface="Courier New" pitchFamily="49" charset="0"/>
+                <a:cs typeface="Courier New" pitchFamily="49" charset="0"/>
+              </a:rPr>
+              <a:t>PublishQuote</a:t>
+            </a:r>
+            <a:r>
+              <a:rPr lang="en-US" sz="1600" dirty="0">
+                <a:solidFill>
+                  <a:srgbClr val="000000"/>
+                </a:solidFill>
+                <a:latin typeface="Courier New" pitchFamily="49" charset="0"/>
+                <a:cs typeface="Courier New" pitchFamily="49" charset="0"/>
+              </a:rPr>
+              <a:t>(Quote quote);</a:t>
+            </a:r>
+          </a:p>
+          <a:p>
+            <a:r>
+              <a:rPr lang="ru-RU" sz="1600" dirty="0">
                 <a:solidFill>
                   <a:srgbClr val="000000"/>
                 </a:solidFill>
@@ -7932,94 +7818,6 @@
               </a:rPr>
               <a:t>    </a:t>
             </a:r>
-            <a:endParaRPr lang="en-US" sz="1600" dirty="0">
-              <a:solidFill>
-                <a:srgbClr val="000000"/>
-              </a:solidFill>
-              <a:latin typeface="Courier New" pitchFamily="49" charset="0"/>
-              <a:cs typeface="Courier New" pitchFamily="49" charset="0"/>
-            </a:endParaRPr>
-          </a:p>
-          <a:p>
-            <a:r>
-              <a:rPr lang="ru-RU" sz="1600" dirty="0" smtClean="0">
-                <a:solidFill>
-                  <a:srgbClr val="000000"/>
-                </a:solidFill>
-                <a:latin typeface="Courier New" pitchFamily="49" charset="0"/>
-                <a:cs typeface="Courier New" pitchFamily="49" charset="0"/>
-              </a:rPr>
-              <a:t>        </a:t>
-            </a:r>
-            <a:r>
-              <a:rPr lang="en-US" sz="1600" dirty="0" smtClean="0">
-                <a:solidFill>
-                  <a:srgbClr val="000000"/>
-                </a:solidFill>
-                <a:latin typeface="Courier New" pitchFamily="49" charset="0"/>
-                <a:cs typeface="Courier New" pitchFamily="49" charset="0"/>
-              </a:rPr>
-              <a:t>[</a:t>
-            </a:r>
-            <a:r>
-              <a:rPr lang="en-US" sz="1600" dirty="0" err="1" smtClean="0">
-                <a:solidFill>
-                  <a:srgbClr val="000000"/>
-                </a:solidFill>
-                <a:latin typeface="Courier New" pitchFamily="49" charset="0"/>
-                <a:cs typeface="Courier New" pitchFamily="49" charset="0"/>
-              </a:rPr>
-              <a:t>OperationContract</a:t>
-            </a:r>
-            <a:r>
-              <a:rPr lang="en-US" sz="1600" dirty="0" smtClean="0">
-                <a:solidFill>
-                  <a:srgbClr val="000000"/>
-                </a:solidFill>
-                <a:latin typeface="Courier New" pitchFamily="49" charset="0"/>
-                <a:cs typeface="Courier New" pitchFamily="49" charset="0"/>
-              </a:rPr>
-              <a:t>]</a:t>
-            </a:r>
-            <a:endParaRPr lang="en-US" sz="1600" dirty="0">
-              <a:solidFill>
-                <a:srgbClr val="000000"/>
-              </a:solidFill>
-              <a:latin typeface="Courier New" pitchFamily="49" charset="0"/>
-              <a:cs typeface="Courier New" pitchFamily="49" charset="0"/>
-            </a:endParaRPr>
-          </a:p>
-          <a:p>
-            <a:r>
-              <a:rPr lang="ru-RU" sz="1600" dirty="0" smtClean="0">
-                <a:solidFill>
-                  <a:srgbClr val="000000"/>
-                </a:solidFill>
-                <a:latin typeface="Courier New" pitchFamily="49" charset="0"/>
-                <a:cs typeface="Courier New" pitchFamily="49" charset="0"/>
-              </a:rPr>
-              <a:t>        </a:t>
-            </a:r>
-            <a:r>
-              <a:rPr lang="en-US" sz="1600" dirty="0" smtClean="0">
-                <a:solidFill>
-                  <a:srgbClr val="000000"/>
-                </a:solidFill>
-                <a:latin typeface="Courier New" pitchFamily="49" charset="0"/>
-                <a:cs typeface="Courier New" pitchFamily="49" charset="0"/>
-              </a:rPr>
-              <a:t>void </a:t>
-            </a:r>
-            <a:r>
-              <a:rPr lang="en-US" sz="1600" dirty="0" err="1">
-                <a:solidFill>
-                  <a:srgbClr val="000000"/>
-                </a:solidFill>
-                <a:latin typeface="Courier New" pitchFamily="49" charset="0"/>
-                <a:cs typeface="Courier New" pitchFamily="49" charset="0"/>
-              </a:rPr>
-              <a:t>PublishQuote</a:t>
-            </a:r>
             <a:r>
               <a:rPr lang="en-US" sz="1600" dirty="0">
                 <a:solidFill>
@@ -8028,37 +7826,8 @@
                 <a:latin typeface="Courier New" pitchFamily="49" charset="0"/>
                 <a:cs typeface="Courier New" pitchFamily="49" charset="0"/>
               </a:rPr>
-              <a:t>(Quote quote);</a:t>
-            </a:r>
-          </a:p>
-          <a:p>
-            <a:r>
-              <a:rPr lang="ru-RU" sz="1600" dirty="0" smtClean="0">
-                <a:solidFill>
-                  <a:srgbClr val="000000"/>
-                </a:solidFill>
-                <a:latin typeface="Courier New" pitchFamily="49" charset="0"/>
-                <a:cs typeface="Courier New" pitchFamily="49" charset="0"/>
-              </a:rPr>
-              <a:t>    </a:t>
-            </a:r>
-            <a:r>
-              <a:rPr lang="en-US" sz="1600" dirty="0" smtClean="0">
-                <a:solidFill>
-                  <a:srgbClr val="000000"/>
-                </a:solidFill>
-                <a:latin typeface="Courier New" pitchFamily="49" charset="0"/>
-                <a:cs typeface="Courier New" pitchFamily="49" charset="0"/>
-              </a:rPr>
               <a:t>}</a:t>
             </a:r>
-            <a:endParaRPr lang="en-US" sz="1600" dirty="0">
-              <a:solidFill>
-                <a:srgbClr val="000000"/>
-              </a:solidFill>
-              <a:latin typeface="Courier New" pitchFamily="49" charset="0"/>
-              <a:cs typeface="Courier New" pitchFamily="49" charset="0"/>
-            </a:endParaRPr>
           </a:p>
           <a:p>
             <a:r>
@@ -8071,13 +7840,6 @@
               </a:rPr>
               <a:t>}</a:t>
             </a:r>
-            <a:endParaRPr lang="en-US" sz="1600" dirty="0" smtClean="0">
-              <a:solidFill>
-                <a:srgbClr val="000000"/>
-              </a:solidFill>
-              <a:latin typeface="Courier New" pitchFamily="49" charset="0"/>
-              <a:cs typeface="Courier New" pitchFamily="49" charset="0"/>
-            </a:endParaRPr>
           </a:p>
         </p:txBody>
       </p:sp>
@@ -8091,13 +7853,6 @@
   <p:clrMapOvr>
     <a:masterClrMapping/>
   </p:clrMapOvr>
-  <p:timing>
-    <p:tnLst>
-      <p:par>
-        <p:cTn id="1" dur="indefinite" restart="never" nodeType="tmRoot"/>
-      </p:par>
-    </p:tnLst>
-  </p:timing>
 </p:sld>
 </file>
 
@@ -8134,14 +7889,13 @@
           <a:lstStyle/>
           <a:p>
             <a:r>
-              <a:rPr lang="ru-RU" dirty="0" smtClean="0"/>
+              <a:rPr lang="ru-RU" dirty="0"/>
               <a:t>Контракт данных </a:t>
             </a:r>
             <a:r>
-              <a:rPr lang="en-US" dirty="0" smtClean="0"/>
+              <a:rPr lang="en-US" dirty="0"/>
               <a:t>(data contract)</a:t>
             </a:r>
-            <a:endParaRPr lang="en-US" dirty="0"/>
           </a:p>
         </p:txBody>
       </p:sp>
@@ -8161,25 +7915,21 @@
           <a:lstStyle/>
           <a:p>
             <a:r>
-              <a:rPr lang="ru-RU" dirty="0" smtClean="0"/>
+              <a:rPr lang="ru-RU" dirty="0"/>
               <a:t>Описывает </a:t>
             </a:r>
             <a:r>
-              <a:rPr lang="ru-RU" smtClean="0"/>
-              <a:t>формат </a:t>
-            </a:r>
-            <a:r>
-              <a:rPr lang="ru-RU" smtClean="0"/>
-              <a:t>данных используемых </a:t>
-            </a:r>
-            <a:r>
-              <a:rPr lang="ru-RU" dirty="0" smtClean="0"/>
+              <a:rPr lang="ru-RU"/>
+              <a:t>формат данных используемых </a:t>
+            </a:r>
+            <a:r>
+              <a:rPr lang="ru-RU" dirty="0"/>
               <a:t>сервисом</a:t>
             </a:r>
           </a:p>
           <a:p>
             <a:r>
-              <a:rPr lang="ru-RU" dirty="0" smtClean="0"/>
+              <a:rPr lang="ru-RU" dirty="0"/>
               <a:t>В самом простом случае можно использовать</a:t>
             </a:r>
             <a:r>
@@ -8191,17 +7941,17 @@
               <a:t>Serializable</a:t>
             </a:r>
             <a:r>
-              <a:rPr lang="en-US" dirty="0" smtClean="0"/>
+              <a:rPr lang="en-US" dirty="0"/>
               <a:t>] </a:t>
             </a:r>
             <a:r>
-              <a:rPr lang="ru-RU" dirty="0" smtClean="0"/>
+              <a:rPr lang="ru-RU" dirty="0"/>
               <a:t>класс</a:t>
             </a:r>
           </a:p>
           <a:p>
             <a:r>
-              <a:rPr lang="ru-RU" dirty="0" smtClean="0"/>
+              <a:rPr lang="ru-RU" dirty="0"/>
               <a:t>Для более сложных случаев </a:t>
             </a:r>
             <a:r>
@@ -8209,15 +7959,15 @@
               <a:t>[</a:t>
             </a:r>
             <a:r>
-              <a:rPr lang="en-US" dirty="0" err="1" smtClean="0"/>
+              <a:rPr lang="en-US" dirty="0" err="1"/>
               <a:t>DataContract</a:t>
             </a:r>
             <a:r>
-              <a:rPr lang="en-US" dirty="0" smtClean="0"/>
+              <a:rPr lang="en-US" dirty="0"/>
               <a:t>] </a:t>
             </a:r>
             <a:r>
-              <a:rPr lang="ru-RU" dirty="0" smtClean="0"/>
+              <a:rPr lang="ru-RU" dirty="0"/>
               <a:t>и</a:t>
             </a:r>
             <a:r>
@@ -8229,20 +7979,19 @@
               <a:t>DataMember</a:t>
             </a:r>
             <a:r>
-              <a:rPr lang="en-US" dirty="0" smtClean="0"/>
+              <a:rPr lang="en-US" dirty="0"/>
               <a:t>]</a:t>
             </a:r>
           </a:p>
           <a:p>
             <a:r>
-              <a:rPr lang="ru-RU" dirty="0" smtClean="0"/>
+              <a:rPr lang="ru-RU" dirty="0"/>
               <a:t>В еще более сложных случаях используем </a:t>
             </a:r>
             <a:r>
-              <a:rPr lang="en-US" dirty="0" smtClean="0"/>
+              <a:rPr lang="en-US" dirty="0"/>
               <a:t>Message Contract</a:t>
             </a:r>
-            <a:endParaRPr lang="en-US" dirty="0"/>
           </a:p>
         </p:txBody>
       </p:sp>
@@ -8256,13 +8005,6 @@
   <p:clrMapOvr>
     <a:masterClrMapping/>
   </p:clrMapOvr>
-  <p:timing>
-    <p:tnLst>
-      <p:par>
-        <p:cTn id="1" dur="indefinite" restart="never" nodeType="tmRoot"/>
-      </p:par>
-    </p:tnLst>
-  </p:timing>
 </p:sld>
 </file>
 
@@ -8299,7 +8041,7 @@
           <a:lstStyle/>
           <a:p>
             <a:r>
-              <a:rPr lang="ru-RU" dirty="0" smtClean="0"/>
+              <a:rPr lang="ru-RU" dirty="0"/>
               <a:t>Литература</a:t>
             </a:r>
             <a:endParaRPr lang="en-US" dirty="0"/>
@@ -8323,43 +8065,27 @@
           <a:p>
             <a:r>
               <a:rPr lang="en-US" dirty="0"/>
-              <a:t>Pro </a:t>
-            </a:r>
-            <a:r>
-              <a:rPr lang="en-US" dirty="0" smtClean="0"/>
-              <a:t>WCF.</a:t>
-            </a:r>
-            <a:r>
-              <a:rPr lang="ru-RU" dirty="0" smtClean="0"/>
+              <a:t>Pro WCF.</a:t>
+            </a:r>
+            <a:r>
+              <a:rPr lang="ru-RU" dirty="0"/>
               <a:t> </a:t>
             </a:r>
             <a:r>
-              <a:rPr lang="en-US" dirty="0" smtClean="0"/>
-              <a:t>Practical </a:t>
-            </a:r>
-            <a:r>
               <a:rPr lang="en-US" dirty="0"/>
-              <a:t>Microsoft </a:t>
-            </a:r>
-            <a:r>
-              <a:rPr lang="en-US" dirty="0" smtClean="0"/>
-              <a:t>SOA Implementation. </a:t>
-            </a:r>
-            <a:r>
-              <a:rPr lang="ru-RU" dirty="0" smtClean="0"/>
+              <a:t>Practical Microsoft SOA Implementation. </a:t>
+            </a:r>
+            <a:r>
+              <a:rPr lang="ru-RU" dirty="0"/>
               <a:t>Издательство </a:t>
             </a:r>
             <a:r>
-              <a:rPr lang="en-US" dirty="0" err="1" smtClean="0"/>
+              <a:rPr lang="en-US" dirty="0" err="1"/>
               <a:t>Apress</a:t>
             </a:r>
             <a:r>
-              <a:rPr lang="en-US" dirty="0" smtClean="0"/>
+              <a:rPr lang="en-US" dirty="0"/>
               <a:t>, 2007.</a:t>
-            </a:r>
-            <a:r>
-              <a:rPr lang="en-US" dirty="0"/>
-              <a:t/>
             </a:r>
             <a:br>
               <a:rPr lang="en-US" dirty="0"/>
@@ -8381,13 +8107,6 @@
   <p:clrMapOvr>
     <a:masterClrMapping/>
   </p:clrMapOvr>
-  <p:timing>
-    <p:tnLst>
-      <p:par>
-        <p:cTn id="1" dur="indefinite" restart="never" nodeType="tmRoot"/>
-      </p:par>
-    </p:tnLst>
-  </p:timing>
 </p:sld>
 </file>
 
@@ -8440,14 +8159,14 @@
           <a:p>
             <a:pPr algn="ctr"/>
             <a:r>
-              <a:rPr lang="ru-RU" sz="3200" dirty="0" smtClean="0">
+              <a:rPr lang="ru-RU" sz="3200" dirty="0">
                 <a:solidFill>
                   <a:srgbClr val="000000"/>
                 </a:solidFill>
               </a:rPr>
               <a:t>Пример контракта данных</a:t>
             </a:r>
-            <a:endParaRPr lang="en-US" sz="3200" dirty="0" smtClean="0">
+            <a:endParaRPr lang="en-US" sz="3200" dirty="0">
               <a:solidFill>
                 <a:srgbClr val="000000"/>
               </a:solidFill>
@@ -8495,17 +8214,7 @@
                 <a:latin typeface="Courier New" pitchFamily="49" charset="0"/>
                 <a:cs typeface="Courier New" pitchFamily="49" charset="0"/>
               </a:rPr>
-              <a:t>Не забудьте добавить ссылку на </a:t>
-            </a:r>
-            <a:r>
-              <a:rPr lang="ru-RU" sz="1400" dirty="0" smtClean="0">
-                <a:solidFill>
-                  <a:srgbClr val="000000"/>
-                </a:solidFill>
-                <a:latin typeface="Courier New" pitchFamily="49" charset="0"/>
-                <a:cs typeface="Courier New" pitchFamily="49" charset="0"/>
-              </a:rPr>
-              <a:t>сборку</a:t>
+              <a:t>Не забудьте добавить ссылку на сборку</a:t>
             </a:r>
             <a:r>
               <a:rPr lang="en-US" sz="1400" dirty="0">
@@ -8526,45 +8235,6 @@
                 <a:cs typeface="Courier New" pitchFamily="49" charset="0"/>
               </a:rPr>
               <a:t>System.Runtime.Serialization</a:t>
-            </a:r>
-            <a:endParaRPr lang="ru-RU" sz="1400" dirty="0" smtClean="0">
-              <a:solidFill>
-                <a:srgbClr val="000000"/>
-              </a:solidFill>
-              <a:latin typeface="Courier New" pitchFamily="49" charset="0"/>
-              <a:cs typeface="Courier New" pitchFamily="49" charset="0"/>
-            </a:endParaRPr>
-          </a:p>
-          <a:p>
-            <a:r>
-              <a:rPr lang="en-US" sz="1400" dirty="0">
-                <a:solidFill>
-                  <a:srgbClr val="000000"/>
-                </a:solidFill>
-                <a:latin typeface="Courier New" pitchFamily="49" charset="0"/>
-                <a:cs typeface="Courier New" pitchFamily="49" charset="0"/>
-              </a:rPr>
-              <a:t>using </a:t>
-            </a:r>
-            <a:r>
-              <a:rPr lang="en-US" sz="1400" dirty="0" err="1" smtClean="0">
-                <a:solidFill>
-                  <a:srgbClr val="000000"/>
-                </a:solidFill>
-                <a:latin typeface="Courier New" pitchFamily="49" charset="0"/>
-                <a:cs typeface="Courier New" pitchFamily="49" charset="0"/>
-              </a:rPr>
-              <a:t>System.Runtime.Serialization</a:t>
-            </a:r>
-            <a:r>
-              <a:rPr lang="en-US" sz="1400" dirty="0" smtClean="0">
-                <a:solidFill>
-                  <a:srgbClr val="000000"/>
-                </a:solidFill>
-                <a:latin typeface="Courier New" pitchFamily="49" charset="0"/>
-                <a:cs typeface="Courier New" pitchFamily="49" charset="0"/>
-              </a:rPr>
-              <a:t>;</a:t>
             </a:r>
             <a:endParaRPr lang="ru-RU" sz="1400" dirty="0">
               <a:solidFill>
@@ -8575,7 +8245,37 @@
             </a:endParaRPr>
           </a:p>
           <a:p>
-            <a:endParaRPr lang="ru-RU" sz="1400" dirty="0" smtClean="0">
+            <a:r>
+              <a:rPr lang="en-US" sz="1400" dirty="0">
+                <a:solidFill>
+                  <a:srgbClr val="000000"/>
+                </a:solidFill>
+                <a:latin typeface="Courier New" pitchFamily="49" charset="0"/>
+                <a:cs typeface="Courier New" pitchFamily="49" charset="0"/>
+              </a:rPr>
+              <a:t>using </a:t>
+            </a:r>
+            <a:r>
+              <a:rPr lang="en-US" sz="1400" dirty="0" err="1">
+                <a:solidFill>
+                  <a:srgbClr val="000000"/>
+                </a:solidFill>
+                <a:latin typeface="Courier New" pitchFamily="49" charset="0"/>
+                <a:cs typeface="Courier New" pitchFamily="49" charset="0"/>
+              </a:rPr>
+              <a:t>System.Runtime.Serialization</a:t>
+            </a:r>
+            <a:r>
+              <a:rPr lang="en-US" sz="1400" dirty="0">
+                <a:solidFill>
+                  <a:srgbClr val="000000"/>
+                </a:solidFill>
+                <a:latin typeface="Courier New" pitchFamily="49" charset="0"/>
+                <a:cs typeface="Courier New" pitchFamily="49" charset="0"/>
+              </a:rPr>
+              <a:t>;</a:t>
+            </a:r>
+            <a:endParaRPr lang="ru-RU" sz="1400" dirty="0">
               <a:solidFill>
                 <a:srgbClr val="000000"/>
               </a:solidFill>
@@ -8584,8 +8284,17 @@
             </a:endParaRPr>
           </a:p>
           <a:p>
-            <a:r>
-              <a:rPr lang="en-US" sz="1400" dirty="0" smtClean="0">
+            <a:endParaRPr lang="ru-RU" sz="1400" dirty="0">
+              <a:solidFill>
+                <a:srgbClr val="000000"/>
+              </a:solidFill>
+              <a:latin typeface="Courier New" pitchFamily="49" charset="0"/>
+              <a:cs typeface="Courier New" pitchFamily="49" charset="0"/>
+            </a:endParaRPr>
+          </a:p>
+          <a:p>
+            <a:r>
+              <a:rPr lang="en-US" sz="1400" dirty="0">
                 <a:solidFill>
                   <a:srgbClr val="000000"/>
                 </a:solidFill>
@@ -8626,7 +8335,7 @@
           </a:p>
           <a:p>
             <a:r>
-              <a:rPr lang="ru-RU" sz="1400" dirty="0" smtClean="0">
+              <a:rPr lang="ru-RU" sz="1400" dirty="0">
                 <a:solidFill>
                   <a:srgbClr val="000000"/>
                 </a:solidFill>
@@ -8636,7 +8345,7 @@
               <a:t>    </a:t>
             </a:r>
             <a:r>
-              <a:rPr lang="en-US" sz="1400" dirty="0" smtClean="0">
+              <a:rPr lang="en-US" sz="1400" dirty="0">
                 <a:solidFill>
                   <a:srgbClr val="000000"/>
                 </a:solidFill>
@@ -8646,7 +8355,7 @@
               <a:t>[</a:t>
             </a:r>
             <a:r>
-              <a:rPr lang="en-US" sz="1400" dirty="0" err="1" smtClean="0">
+              <a:rPr lang="en-US" sz="1400" dirty="0" err="1">
                 <a:solidFill>
                   <a:srgbClr val="000000"/>
                 </a:solidFill>
@@ -8656,16 +8365,6 @@
               <a:t>DataContract</a:t>
             </a:r>
             <a:r>
-              <a:rPr lang="en-US" sz="1400" dirty="0" smtClean="0">
-                <a:solidFill>
-                  <a:srgbClr val="000000"/>
-                </a:solidFill>
-                <a:latin typeface="Courier New" pitchFamily="49" charset="0"/>
-                <a:cs typeface="Courier New" pitchFamily="49" charset="0"/>
-              </a:rPr>
-              <a:t>(Namespace</a:t>
-            </a:r>
-            <a:r>
               <a:rPr lang="en-US" sz="1400" dirty="0">
                 <a:solidFill>
                   <a:srgbClr val="000000"/>
@@ -8673,7 +8372,7 @@
                 <a:latin typeface="Courier New" pitchFamily="49" charset="0"/>
                 <a:cs typeface="Courier New" pitchFamily="49" charset="0"/>
               </a:rPr>
-              <a:t>=" http://QuickReturns")]</a:t>
+              <a:t>(Namespace=" http://QuickReturns")]</a:t>
             </a:r>
           </a:p>
           <a:p>
@@ -8685,27 +8384,7 @@
                 <a:latin typeface="Courier New" pitchFamily="49" charset="0"/>
                 <a:cs typeface="Courier New" pitchFamily="49" charset="0"/>
               </a:rPr>
-              <a:t> </a:t>
-            </a:r>
-            <a:r>
-              <a:rPr lang="ru-RU" sz="1400" dirty="0" smtClean="0">
-                <a:solidFill>
-                  <a:srgbClr val="000000"/>
-                </a:solidFill>
-                <a:latin typeface="Courier New" pitchFamily="49" charset="0"/>
-                <a:cs typeface="Courier New" pitchFamily="49" charset="0"/>
-              </a:rPr>
-              <a:t>   </a:t>
-            </a:r>
-            <a:r>
-              <a:rPr lang="en-US" sz="1400" dirty="0" smtClean="0">
-                <a:solidFill>
-                  <a:srgbClr val="000000"/>
-                </a:solidFill>
-                <a:latin typeface="Courier New" pitchFamily="49" charset="0"/>
-                <a:cs typeface="Courier New" pitchFamily="49" charset="0"/>
-              </a:rPr>
-              <a:t>public </a:t>
+              <a:t>    </a:t>
             </a:r>
             <a:r>
               <a:rPr lang="en-US" sz="1400" dirty="0">
@@ -8715,12 +8394,12 @@
                 <a:latin typeface="Courier New" pitchFamily="49" charset="0"/>
                 <a:cs typeface="Courier New" pitchFamily="49" charset="0"/>
               </a:rPr>
-              <a:t>class Quote</a:t>
-            </a:r>
-          </a:p>
-          <a:p>
-            <a:r>
-              <a:rPr lang="ru-RU" sz="1400" dirty="0" smtClean="0">
+              <a:t>public class Quote</a:t>
+            </a:r>
+          </a:p>
+          <a:p>
+            <a:r>
+              <a:rPr lang="ru-RU" sz="1400" dirty="0">
                 <a:solidFill>
                   <a:srgbClr val="000000"/>
                 </a:solidFill>
@@ -8730,7 +8409,7 @@
               <a:t>    </a:t>
             </a:r>
             <a:r>
-              <a:rPr lang="en-US" sz="1400" dirty="0" smtClean="0">
+              <a:rPr lang="en-US" sz="1400" dirty="0">
                 <a:solidFill>
                   <a:srgbClr val="000000"/>
                 </a:solidFill>
@@ -8738,6 +8417,89 @@
                 <a:cs typeface="Courier New" pitchFamily="49" charset="0"/>
               </a:rPr>
               <a:t>{</a:t>
+            </a:r>
+          </a:p>
+          <a:p>
+            <a:r>
+              <a:rPr lang="ru-RU" sz="1400" dirty="0">
+                <a:solidFill>
+                  <a:srgbClr val="000000"/>
+                </a:solidFill>
+                <a:latin typeface="Courier New" pitchFamily="49" charset="0"/>
+                <a:cs typeface="Courier New" pitchFamily="49" charset="0"/>
+              </a:rPr>
+              <a:t>        </a:t>
+            </a:r>
+            <a:r>
+              <a:rPr lang="en-US" sz="1400" dirty="0">
+                <a:solidFill>
+                  <a:srgbClr val="000000"/>
+                </a:solidFill>
+                <a:latin typeface="Courier New" pitchFamily="49" charset="0"/>
+                <a:cs typeface="Courier New" pitchFamily="49" charset="0"/>
+              </a:rPr>
+              <a:t>[</a:t>
+            </a:r>
+            <a:r>
+              <a:rPr lang="en-US" sz="1400" dirty="0" err="1">
+                <a:solidFill>
+                  <a:srgbClr val="000000"/>
+                </a:solidFill>
+                <a:latin typeface="Courier New" pitchFamily="49" charset="0"/>
+                <a:cs typeface="Courier New" pitchFamily="49" charset="0"/>
+              </a:rPr>
+              <a:t>DataMember</a:t>
+            </a:r>
+            <a:r>
+              <a:rPr lang="en-US" sz="1400" dirty="0">
+                <a:solidFill>
+                  <a:srgbClr val="000000"/>
+                </a:solidFill>
+                <a:latin typeface="Courier New" pitchFamily="49" charset="0"/>
+                <a:cs typeface="Courier New" pitchFamily="49" charset="0"/>
+              </a:rPr>
+              <a:t>(Name="Ticker")]</a:t>
+            </a:r>
+          </a:p>
+          <a:p>
+            <a:r>
+              <a:rPr lang="ru-RU" sz="1400" dirty="0">
+                <a:solidFill>
+                  <a:srgbClr val="000000"/>
+                </a:solidFill>
+                <a:latin typeface="Courier New" pitchFamily="49" charset="0"/>
+                <a:cs typeface="Courier New" pitchFamily="49" charset="0"/>
+              </a:rPr>
+              <a:t>        </a:t>
+            </a:r>
+            <a:r>
+              <a:rPr lang="en-US" sz="1400" dirty="0">
+                <a:solidFill>
+                  <a:srgbClr val="000000"/>
+                </a:solidFill>
+                <a:latin typeface="Courier New" pitchFamily="49" charset="0"/>
+                <a:cs typeface="Courier New" pitchFamily="49" charset="0"/>
+              </a:rPr>
+              <a:t>public string Ticker;</a:t>
+            </a:r>
+            <a:endParaRPr lang="ru-RU" sz="1400" dirty="0">
+              <a:solidFill>
+                <a:srgbClr val="000000"/>
+              </a:solidFill>
+              <a:latin typeface="Courier New" pitchFamily="49" charset="0"/>
+              <a:cs typeface="Courier New" pitchFamily="49" charset="0"/>
+            </a:endParaRPr>
+          </a:p>
+          <a:p>
+            <a:r>
+              <a:rPr lang="ru-RU" sz="1400" dirty="0">
+                <a:solidFill>
+                  <a:srgbClr val="000000"/>
+                </a:solidFill>
+                <a:latin typeface="Courier New" pitchFamily="49" charset="0"/>
+                <a:cs typeface="Courier New" pitchFamily="49" charset="0"/>
+              </a:rPr>
+              <a:t>        </a:t>
             </a:r>
             <a:endParaRPr lang="en-US" sz="1400" dirty="0">
               <a:solidFill>
@@ -8749,7 +8511,7 @@
           </a:p>
           <a:p>
             <a:r>
-              <a:rPr lang="ru-RU" sz="1400" dirty="0" smtClean="0">
+              <a:rPr lang="ru-RU" sz="1400" dirty="0">
                 <a:solidFill>
                   <a:srgbClr val="000000"/>
                 </a:solidFill>
@@ -8759,7 +8521,7 @@
               <a:t>        </a:t>
             </a:r>
             <a:r>
-              <a:rPr lang="en-US" sz="1400" dirty="0" smtClean="0">
+              <a:rPr lang="en-US" sz="1400" dirty="0">
                 <a:solidFill>
                   <a:srgbClr val="000000"/>
                 </a:solidFill>
@@ -8786,12 +8548,12 @@
                 <a:latin typeface="Courier New" pitchFamily="49" charset="0"/>
                 <a:cs typeface="Courier New" pitchFamily="49" charset="0"/>
               </a:rPr>
-              <a:t>(Name="Ticker")]</a:t>
-            </a:r>
-          </a:p>
-          <a:p>
-            <a:r>
-              <a:rPr lang="ru-RU" sz="1400" dirty="0" smtClean="0">
+              <a:t>(Name="Bid")]</a:t>
+            </a:r>
+          </a:p>
+          <a:p>
+            <a:r>
+              <a:rPr lang="ru-RU" sz="1400" dirty="0">
                 <a:solidFill>
                   <a:srgbClr val="000000"/>
                 </a:solidFill>
@@ -8801,16 +8563,6 @@
               <a:t>        </a:t>
             </a:r>
             <a:r>
-              <a:rPr lang="en-US" sz="1400" dirty="0" smtClean="0">
-                <a:solidFill>
-                  <a:srgbClr val="000000"/>
-                </a:solidFill>
-                <a:latin typeface="Courier New" pitchFamily="49" charset="0"/>
-                <a:cs typeface="Courier New" pitchFamily="49" charset="0"/>
-              </a:rPr>
-              <a:t>public </a:t>
-            </a:r>
-            <a:r>
               <a:rPr lang="en-US" sz="1400" dirty="0">
                 <a:solidFill>
                   <a:srgbClr val="000000"/>
@@ -8818,10 +8570,288 @@
                 <a:latin typeface="Courier New" pitchFamily="49" charset="0"/>
                 <a:cs typeface="Courier New" pitchFamily="49" charset="0"/>
               </a:rPr>
-              <a:t>string Ticker</a:t>
-            </a:r>
-            <a:r>
-              <a:rPr lang="en-US" sz="1400" dirty="0" smtClean="0">
+              <a:t>public decimal Bid;</a:t>
+            </a:r>
+          </a:p>
+          <a:p>
+            <a:r>
+              <a:rPr lang="ru-RU" sz="1400" dirty="0">
+                <a:solidFill>
+                  <a:srgbClr val="000000"/>
+                </a:solidFill>
+                <a:latin typeface="Courier New" pitchFamily="49" charset="0"/>
+                <a:cs typeface="Courier New" pitchFamily="49" charset="0"/>
+              </a:rPr>
+              <a:t>        </a:t>
+            </a:r>
+          </a:p>
+          <a:p>
+            <a:r>
+              <a:rPr lang="ru-RU" sz="1400" dirty="0">
+                <a:solidFill>
+                  <a:srgbClr val="000000"/>
+                </a:solidFill>
+                <a:latin typeface="Courier New" pitchFamily="49" charset="0"/>
+                <a:cs typeface="Courier New" pitchFamily="49" charset="0"/>
+              </a:rPr>
+              <a:t>        </a:t>
+            </a:r>
+            <a:r>
+              <a:rPr lang="en-US" sz="1400" dirty="0">
+                <a:solidFill>
+                  <a:srgbClr val="000000"/>
+                </a:solidFill>
+                <a:latin typeface="Courier New" pitchFamily="49" charset="0"/>
+                <a:cs typeface="Courier New" pitchFamily="49" charset="0"/>
+              </a:rPr>
+              <a:t>[</a:t>
+            </a:r>
+            <a:r>
+              <a:rPr lang="en-US" sz="1400" dirty="0" err="1">
+                <a:solidFill>
+                  <a:srgbClr val="000000"/>
+                </a:solidFill>
+                <a:latin typeface="Courier New" pitchFamily="49" charset="0"/>
+                <a:cs typeface="Courier New" pitchFamily="49" charset="0"/>
+              </a:rPr>
+              <a:t>DataMember</a:t>
+            </a:r>
+            <a:r>
+              <a:rPr lang="en-US" sz="1400" dirty="0">
+                <a:solidFill>
+                  <a:srgbClr val="000000"/>
+                </a:solidFill>
+                <a:latin typeface="Courier New" pitchFamily="49" charset="0"/>
+                <a:cs typeface="Courier New" pitchFamily="49" charset="0"/>
+              </a:rPr>
+              <a:t>(Name="Ask")]</a:t>
+            </a:r>
+          </a:p>
+          <a:p>
+            <a:r>
+              <a:rPr lang="ru-RU" sz="1400" dirty="0">
+                <a:solidFill>
+                  <a:srgbClr val="000000"/>
+                </a:solidFill>
+                <a:latin typeface="Courier New" pitchFamily="49" charset="0"/>
+                <a:cs typeface="Courier New" pitchFamily="49" charset="0"/>
+              </a:rPr>
+              <a:t>        </a:t>
+            </a:r>
+            <a:r>
+              <a:rPr lang="en-US" sz="1400" dirty="0">
+                <a:solidFill>
+                  <a:srgbClr val="000000"/>
+                </a:solidFill>
+                <a:latin typeface="Courier New" pitchFamily="49" charset="0"/>
+                <a:cs typeface="Courier New" pitchFamily="49" charset="0"/>
+              </a:rPr>
+              <a:t>public decimal Ask;</a:t>
+            </a:r>
+          </a:p>
+          <a:p>
+            <a:r>
+              <a:rPr lang="ru-RU" sz="1400" dirty="0">
+                <a:solidFill>
+                  <a:srgbClr val="000000"/>
+                </a:solidFill>
+                <a:latin typeface="Courier New" pitchFamily="49" charset="0"/>
+                <a:cs typeface="Courier New" pitchFamily="49" charset="0"/>
+              </a:rPr>
+              <a:t>        </a:t>
+            </a:r>
+          </a:p>
+          <a:p>
+            <a:r>
+              <a:rPr lang="ru-RU" sz="1400" dirty="0">
+                <a:solidFill>
+                  <a:srgbClr val="000000"/>
+                </a:solidFill>
+                <a:latin typeface="Courier New" pitchFamily="49" charset="0"/>
+                <a:cs typeface="Courier New" pitchFamily="49" charset="0"/>
+              </a:rPr>
+              <a:t>        </a:t>
+            </a:r>
+            <a:r>
+              <a:rPr lang="en-US" sz="1400" dirty="0">
+                <a:solidFill>
+                  <a:srgbClr val="000000"/>
+                </a:solidFill>
+                <a:latin typeface="Courier New" pitchFamily="49" charset="0"/>
+                <a:cs typeface="Courier New" pitchFamily="49" charset="0"/>
+              </a:rPr>
+              <a:t>[</a:t>
+            </a:r>
+            <a:r>
+              <a:rPr lang="en-US" sz="1400" dirty="0" err="1">
+                <a:solidFill>
+                  <a:srgbClr val="000000"/>
+                </a:solidFill>
+                <a:latin typeface="Courier New" pitchFamily="49" charset="0"/>
+                <a:cs typeface="Courier New" pitchFamily="49" charset="0"/>
+              </a:rPr>
+              <a:t>DataMember</a:t>
+            </a:r>
+            <a:r>
+              <a:rPr lang="en-US" sz="1400" dirty="0">
+                <a:solidFill>
+                  <a:srgbClr val="000000"/>
+                </a:solidFill>
+                <a:latin typeface="Courier New" pitchFamily="49" charset="0"/>
+                <a:cs typeface="Courier New" pitchFamily="49" charset="0"/>
+              </a:rPr>
+              <a:t>(Name="Publisher")]</a:t>
+            </a:r>
+          </a:p>
+          <a:p>
+            <a:r>
+              <a:rPr lang="ru-RU" sz="1400" dirty="0">
+                <a:solidFill>
+                  <a:srgbClr val="000000"/>
+                </a:solidFill>
+                <a:latin typeface="Courier New" pitchFamily="49" charset="0"/>
+                <a:cs typeface="Courier New" pitchFamily="49" charset="0"/>
+              </a:rPr>
+              <a:t>        </a:t>
+            </a:r>
+            <a:r>
+              <a:rPr lang="en-US" sz="1400" dirty="0">
+                <a:solidFill>
+                  <a:srgbClr val="000000"/>
+                </a:solidFill>
+                <a:latin typeface="Courier New" pitchFamily="49" charset="0"/>
+                <a:cs typeface="Courier New" pitchFamily="49" charset="0"/>
+              </a:rPr>
+              <a:t>public string Publisher;</a:t>
+            </a:r>
+          </a:p>
+          <a:p>
+            <a:r>
+              <a:rPr lang="ru-RU" sz="1400" dirty="0">
+                <a:solidFill>
+                  <a:srgbClr val="000000"/>
+                </a:solidFill>
+                <a:latin typeface="Courier New" pitchFamily="49" charset="0"/>
+                <a:cs typeface="Courier New" pitchFamily="49" charset="0"/>
+              </a:rPr>
+              <a:t>        </a:t>
+            </a:r>
+          </a:p>
+          <a:p>
+            <a:r>
+              <a:rPr lang="ru-RU" sz="1400" dirty="0">
+                <a:solidFill>
+                  <a:srgbClr val="000000"/>
+                </a:solidFill>
+                <a:latin typeface="Courier New" pitchFamily="49" charset="0"/>
+                <a:cs typeface="Courier New" pitchFamily="49" charset="0"/>
+              </a:rPr>
+              <a:t>        </a:t>
+            </a:r>
+            <a:r>
+              <a:rPr lang="en-US" sz="1400" dirty="0">
+                <a:solidFill>
+                  <a:srgbClr val="000000"/>
+                </a:solidFill>
+                <a:latin typeface="Courier New" pitchFamily="49" charset="0"/>
+                <a:cs typeface="Courier New" pitchFamily="49" charset="0"/>
+              </a:rPr>
+              <a:t>[</a:t>
+            </a:r>
+            <a:r>
+              <a:rPr lang="en-US" sz="1400" dirty="0" err="1">
+                <a:solidFill>
+                  <a:srgbClr val="000000"/>
+                </a:solidFill>
+                <a:latin typeface="Courier New" pitchFamily="49" charset="0"/>
+                <a:cs typeface="Courier New" pitchFamily="49" charset="0"/>
+              </a:rPr>
+              <a:t>DataMember</a:t>
+            </a:r>
+            <a:r>
+              <a:rPr lang="en-US" sz="1400" dirty="0">
+                <a:solidFill>
+                  <a:srgbClr val="000000"/>
+                </a:solidFill>
+                <a:latin typeface="Courier New" pitchFamily="49" charset="0"/>
+                <a:cs typeface="Courier New" pitchFamily="49" charset="0"/>
+              </a:rPr>
+              <a:t>(Name="</a:t>
+            </a:r>
+            <a:r>
+              <a:rPr lang="en-US" sz="1400" dirty="0" err="1">
+                <a:solidFill>
+                  <a:srgbClr val="000000"/>
+                </a:solidFill>
+                <a:latin typeface="Courier New" pitchFamily="49" charset="0"/>
+                <a:cs typeface="Courier New" pitchFamily="49" charset="0"/>
+              </a:rPr>
+              <a:t>UpdateDateTime</a:t>
+            </a:r>
+            <a:r>
+              <a:rPr lang="en-US" sz="1400" dirty="0">
+                <a:solidFill>
+                  <a:srgbClr val="000000"/>
+                </a:solidFill>
+                <a:latin typeface="Courier New" pitchFamily="49" charset="0"/>
+                <a:cs typeface="Courier New" pitchFamily="49" charset="0"/>
+              </a:rPr>
+              <a:t>")]</a:t>
+            </a:r>
+          </a:p>
+          <a:p>
+            <a:r>
+              <a:rPr lang="ru-RU" sz="1400" dirty="0">
+                <a:solidFill>
+                  <a:srgbClr val="000000"/>
+                </a:solidFill>
+                <a:latin typeface="Courier New" pitchFamily="49" charset="0"/>
+                <a:cs typeface="Courier New" pitchFamily="49" charset="0"/>
+              </a:rPr>
+              <a:t>        </a:t>
+            </a:r>
+            <a:r>
+              <a:rPr lang="en-US" sz="1400" dirty="0">
+                <a:solidFill>
+                  <a:srgbClr val="000000"/>
+                </a:solidFill>
+                <a:latin typeface="Courier New" pitchFamily="49" charset="0"/>
+                <a:cs typeface="Courier New" pitchFamily="49" charset="0"/>
+              </a:rPr>
+              <a:t>private </a:t>
+            </a:r>
+            <a:r>
+              <a:rPr lang="en-US" sz="1400" dirty="0" err="1">
+                <a:solidFill>
+                  <a:srgbClr val="000000"/>
+                </a:solidFill>
+                <a:latin typeface="Courier New" pitchFamily="49" charset="0"/>
+                <a:cs typeface="Courier New" pitchFamily="49" charset="0"/>
+              </a:rPr>
+              <a:t>DateTime</a:t>
+            </a:r>
+            <a:r>
+              <a:rPr lang="en-US" sz="1400" dirty="0">
+                <a:solidFill>
+                  <a:srgbClr val="000000"/>
+                </a:solidFill>
+                <a:latin typeface="Courier New" pitchFamily="49" charset="0"/>
+                <a:cs typeface="Courier New" pitchFamily="49" charset="0"/>
+              </a:rPr>
+              <a:t> </a:t>
+            </a:r>
+            <a:r>
+              <a:rPr lang="en-US" sz="1400" dirty="0" err="1">
+                <a:solidFill>
+                  <a:srgbClr val="000000"/>
+                </a:solidFill>
+                <a:latin typeface="Courier New" pitchFamily="49" charset="0"/>
+                <a:cs typeface="Courier New" pitchFamily="49" charset="0"/>
+              </a:rPr>
+              <a:t>UpdateDateTime</a:t>
+            </a:r>
+            <a:r>
+              <a:rPr lang="en-US" sz="1400" dirty="0">
                 <a:solidFill>
                   <a:srgbClr val="000000"/>
                 </a:solidFill>
@@ -8830,13 +8860,6 @@
               </a:rPr>
               <a:t>;</a:t>
             </a:r>
-            <a:endParaRPr lang="ru-RU" sz="1400" dirty="0" smtClean="0">
-              <a:solidFill>
-                <a:srgbClr val="000000"/>
-              </a:solidFill>
-              <a:latin typeface="Courier New" pitchFamily="49" charset="0"/>
-              <a:cs typeface="Courier New" pitchFamily="49" charset="0"/>
-            </a:endParaRPr>
           </a:p>
           <a:p>
             <a:r>
@@ -8847,56 +8870,7 @@
                 <a:latin typeface="Courier New" pitchFamily="49" charset="0"/>
                 <a:cs typeface="Courier New" pitchFamily="49" charset="0"/>
               </a:rPr>
-              <a:t> </a:t>
-            </a:r>
-            <a:r>
-              <a:rPr lang="ru-RU" sz="1400" dirty="0" smtClean="0">
-                <a:solidFill>
-                  <a:srgbClr val="000000"/>
-                </a:solidFill>
-                <a:latin typeface="Courier New" pitchFamily="49" charset="0"/>
-                <a:cs typeface="Courier New" pitchFamily="49" charset="0"/>
-              </a:rPr>
-              <a:t>       </a:t>
-            </a:r>
-            <a:endParaRPr lang="en-US" sz="1400" dirty="0">
-              <a:solidFill>
-                <a:srgbClr val="000000"/>
-              </a:solidFill>
-              <a:latin typeface="Courier New" pitchFamily="49" charset="0"/>
-              <a:cs typeface="Courier New" pitchFamily="49" charset="0"/>
-            </a:endParaRPr>
-          </a:p>
-          <a:p>
-            <a:r>
-              <a:rPr lang="ru-RU" sz="1400" dirty="0" smtClean="0">
-                <a:solidFill>
-                  <a:srgbClr val="000000"/>
-                </a:solidFill>
-                <a:latin typeface="Courier New" pitchFamily="49" charset="0"/>
-                <a:cs typeface="Courier New" pitchFamily="49" charset="0"/>
-              </a:rPr>
-              <a:t>        </a:t>
-            </a:r>
-            <a:r>
-              <a:rPr lang="en-US" sz="1400" dirty="0" smtClean="0">
-                <a:solidFill>
-                  <a:srgbClr val="000000"/>
-                </a:solidFill>
-                <a:latin typeface="Courier New" pitchFamily="49" charset="0"/>
-                <a:cs typeface="Courier New" pitchFamily="49" charset="0"/>
-              </a:rPr>
-              <a:t>[</a:t>
-            </a:r>
-            <a:r>
-              <a:rPr lang="en-US" sz="1400" dirty="0" err="1">
-                <a:solidFill>
-                  <a:srgbClr val="000000"/>
-                </a:solidFill>
-                <a:latin typeface="Courier New" pitchFamily="49" charset="0"/>
-                <a:cs typeface="Courier New" pitchFamily="49" charset="0"/>
-              </a:rPr>
-              <a:t>DataMember</a:t>
+              <a:t>    </a:t>
             </a:r>
             <a:r>
               <a:rPr lang="en-US" sz="1400" dirty="0">
@@ -8906,30 +8880,10 @@
                 <a:latin typeface="Courier New" pitchFamily="49" charset="0"/>
                 <a:cs typeface="Courier New" pitchFamily="49" charset="0"/>
               </a:rPr>
-              <a:t>(Name="Bid")]</a:t>
-            </a:r>
-          </a:p>
-          <a:p>
-            <a:r>
-              <a:rPr lang="ru-RU" sz="1400" dirty="0" smtClean="0">
-                <a:solidFill>
-                  <a:srgbClr val="000000"/>
-                </a:solidFill>
-                <a:latin typeface="Courier New" pitchFamily="49" charset="0"/>
-                <a:cs typeface="Courier New" pitchFamily="49" charset="0"/>
-              </a:rPr>
-              <a:t>        </a:t>
-            </a:r>
-            <a:r>
-              <a:rPr lang="en-US" sz="1400" dirty="0" smtClean="0">
-                <a:solidFill>
-                  <a:srgbClr val="000000"/>
-                </a:solidFill>
-                <a:latin typeface="Courier New" pitchFamily="49" charset="0"/>
-                <a:cs typeface="Courier New" pitchFamily="49" charset="0"/>
-              </a:rPr>
-              <a:t>public </a:t>
-            </a:r>
+              <a:t>}</a:t>
+            </a:r>
+          </a:p>
+          <a:p>
             <a:r>
               <a:rPr lang="en-US" sz="1400" dirty="0">
                 <a:solidFill>
@@ -8938,364 +8892,8 @@
                 <a:latin typeface="Courier New" pitchFamily="49" charset="0"/>
                 <a:cs typeface="Courier New" pitchFamily="49" charset="0"/>
               </a:rPr>
-              <a:t>decimal Bid;</a:t>
-            </a:r>
-          </a:p>
-          <a:p>
-            <a:r>
-              <a:rPr lang="ru-RU" sz="1400" dirty="0" smtClean="0">
-                <a:solidFill>
-                  <a:srgbClr val="000000"/>
-                </a:solidFill>
-                <a:latin typeface="Courier New" pitchFamily="49" charset="0"/>
-                <a:cs typeface="Courier New" pitchFamily="49" charset="0"/>
-              </a:rPr>
-              <a:t>        </a:t>
-            </a:r>
-          </a:p>
-          <a:p>
-            <a:r>
-              <a:rPr lang="ru-RU" sz="1400" dirty="0" smtClean="0">
-                <a:solidFill>
-                  <a:srgbClr val="000000"/>
-                </a:solidFill>
-                <a:latin typeface="Courier New" pitchFamily="49" charset="0"/>
-                <a:cs typeface="Courier New" pitchFamily="49" charset="0"/>
-              </a:rPr>
-              <a:t>        </a:t>
-            </a:r>
-            <a:r>
-              <a:rPr lang="en-US" sz="1400" dirty="0" smtClean="0">
-                <a:solidFill>
-                  <a:srgbClr val="000000"/>
-                </a:solidFill>
-                <a:latin typeface="Courier New" pitchFamily="49" charset="0"/>
-                <a:cs typeface="Courier New" pitchFamily="49" charset="0"/>
-              </a:rPr>
-              <a:t>[</a:t>
-            </a:r>
-            <a:r>
-              <a:rPr lang="en-US" sz="1400" dirty="0" err="1">
-                <a:solidFill>
-                  <a:srgbClr val="000000"/>
-                </a:solidFill>
-                <a:latin typeface="Courier New" pitchFamily="49" charset="0"/>
-                <a:cs typeface="Courier New" pitchFamily="49" charset="0"/>
-              </a:rPr>
-              <a:t>DataMember</a:t>
-            </a:r>
-            <a:r>
-              <a:rPr lang="en-US" sz="1400" dirty="0">
-                <a:solidFill>
-                  <a:srgbClr val="000000"/>
-                </a:solidFill>
-                <a:latin typeface="Courier New" pitchFamily="49" charset="0"/>
-                <a:cs typeface="Courier New" pitchFamily="49" charset="0"/>
-              </a:rPr>
-              <a:t>(Name="Ask")]</a:t>
-            </a:r>
-          </a:p>
-          <a:p>
-            <a:r>
-              <a:rPr lang="ru-RU" sz="1400" dirty="0" smtClean="0">
-                <a:solidFill>
-                  <a:srgbClr val="000000"/>
-                </a:solidFill>
-                <a:latin typeface="Courier New" pitchFamily="49" charset="0"/>
-                <a:cs typeface="Courier New" pitchFamily="49" charset="0"/>
-              </a:rPr>
-              <a:t>        </a:t>
-            </a:r>
-            <a:r>
-              <a:rPr lang="en-US" sz="1400" dirty="0" smtClean="0">
-                <a:solidFill>
-                  <a:srgbClr val="000000"/>
-                </a:solidFill>
-                <a:latin typeface="Courier New" pitchFamily="49" charset="0"/>
-                <a:cs typeface="Courier New" pitchFamily="49" charset="0"/>
-              </a:rPr>
-              <a:t>public </a:t>
-            </a:r>
-            <a:r>
-              <a:rPr lang="en-US" sz="1400" dirty="0">
-                <a:solidFill>
-                  <a:srgbClr val="000000"/>
-                </a:solidFill>
-                <a:latin typeface="Courier New" pitchFamily="49" charset="0"/>
-                <a:cs typeface="Courier New" pitchFamily="49" charset="0"/>
-              </a:rPr>
-              <a:t>decimal Ask;</a:t>
-            </a:r>
-          </a:p>
-          <a:p>
-            <a:r>
-              <a:rPr lang="ru-RU" sz="1400" dirty="0" smtClean="0">
-                <a:solidFill>
-                  <a:srgbClr val="000000"/>
-                </a:solidFill>
-                <a:latin typeface="Courier New" pitchFamily="49" charset="0"/>
-                <a:cs typeface="Courier New" pitchFamily="49" charset="0"/>
-              </a:rPr>
-              <a:t>        </a:t>
-            </a:r>
-          </a:p>
-          <a:p>
-            <a:r>
-              <a:rPr lang="ru-RU" sz="1400" dirty="0" smtClean="0">
-                <a:solidFill>
-                  <a:srgbClr val="000000"/>
-                </a:solidFill>
-                <a:latin typeface="Courier New" pitchFamily="49" charset="0"/>
-                <a:cs typeface="Courier New" pitchFamily="49" charset="0"/>
-              </a:rPr>
-              <a:t>        </a:t>
-            </a:r>
-            <a:r>
-              <a:rPr lang="en-US" sz="1400" dirty="0" smtClean="0">
-                <a:solidFill>
-                  <a:srgbClr val="000000"/>
-                </a:solidFill>
-                <a:latin typeface="Courier New" pitchFamily="49" charset="0"/>
-                <a:cs typeface="Courier New" pitchFamily="49" charset="0"/>
-              </a:rPr>
-              <a:t>[</a:t>
-            </a:r>
-            <a:r>
-              <a:rPr lang="en-US" sz="1400" dirty="0" err="1">
-                <a:solidFill>
-                  <a:srgbClr val="000000"/>
-                </a:solidFill>
-                <a:latin typeface="Courier New" pitchFamily="49" charset="0"/>
-                <a:cs typeface="Courier New" pitchFamily="49" charset="0"/>
-              </a:rPr>
-              <a:t>DataMember</a:t>
-            </a:r>
-            <a:r>
-              <a:rPr lang="en-US" sz="1400" dirty="0">
-                <a:solidFill>
-                  <a:srgbClr val="000000"/>
-                </a:solidFill>
-                <a:latin typeface="Courier New" pitchFamily="49" charset="0"/>
-                <a:cs typeface="Courier New" pitchFamily="49" charset="0"/>
-              </a:rPr>
-              <a:t>(Name="Publisher")]</a:t>
-            </a:r>
-          </a:p>
-          <a:p>
-            <a:r>
-              <a:rPr lang="ru-RU" sz="1400" dirty="0" smtClean="0">
-                <a:solidFill>
-                  <a:srgbClr val="000000"/>
-                </a:solidFill>
-                <a:latin typeface="Courier New" pitchFamily="49" charset="0"/>
-                <a:cs typeface="Courier New" pitchFamily="49" charset="0"/>
-              </a:rPr>
-              <a:t>        </a:t>
-            </a:r>
-            <a:r>
-              <a:rPr lang="en-US" sz="1400" dirty="0" smtClean="0">
-                <a:solidFill>
-                  <a:srgbClr val="000000"/>
-                </a:solidFill>
-                <a:latin typeface="Courier New" pitchFamily="49" charset="0"/>
-                <a:cs typeface="Courier New" pitchFamily="49" charset="0"/>
-              </a:rPr>
-              <a:t>public </a:t>
-            </a:r>
-            <a:r>
-              <a:rPr lang="en-US" sz="1400" dirty="0">
-                <a:solidFill>
-                  <a:srgbClr val="000000"/>
-                </a:solidFill>
-                <a:latin typeface="Courier New" pitchFamily="49" charset="0"/>
-                <a:cs typeface="Courier New" pitchFamily="49" charset="0"/>
-              </a:rPr>
-              <a:t>string Publisher;</a:t>
-            </a:r>
-          </a:p>
-          <a:p>
-            <a:r>
-              <a:rPr lang="ru-RU" sz="1400" dirty="0" smtClean="0">
-                <a:solidFill>
-                  <a:srgbClr val="000000"/>
-                </a:solidFill>
-                <a:latin typeface="Courier New" pitchFamily="49" charset="0"/>
-                <a:cs typeface="Courier New" pitchFamily="49" charset="0"/>
-              </a:rPr>
-              <a:t>        </a:t>
-            </a:r>
-          </a:p>
-          <a:p>
-            <a:r>
-              <a:rPr lang="ru-RU" sz="1400" dirty="0" smtClean="0">
-                <a:solidFill>
-                  <a:srgbClr val="000000"/>
-                </a:solidFill>
-                <a:latin typeface="Courier New" pitchFamily="49" charset="0"/>
-                <a:cs typeface="Courier New" pitchFamily="49" charset="0"/>
-              </a:rPr>
-              <a:t>        </a:t>
-            </a:r>
-            <a:r>
-              <a:rPr lang="en-US" sz="1400" dirty="0" smtClean="0">
-                <a:solidFill>
-                  <a:srgbClr val="000000"/>
-                </a:solidFill>
-                <a:latin typeface="Courier New" pitchFamily="49" charset="0"/>
-                <a:cs typeface="Courier New" pitchFamily="49" charset="0"/>
-              </a:rPr>
-              <a:t>[</a:t>
-            </a:r>
-            <a:r>
-              <a:rPr lang="en-US" sz="1400" dirty="0" err="1">
-                <a:solidFill>
-                  <a:srgbClr val="000000"/>
-                </a:solidFill>
-                <a:latin typeface="Courier New" pitchFamily="49" charset="0"/>
-                <a:cs typeface="Courier New" pitchFamily="49" charset="0"/>
-              </a:rPr>
-              <a:t>DataMember</a:t>
-            </a:r>
-            <a:r>
-              <a:rPr lang="en-US" sz="1400" dirty="0">
-                <a:solidFill>
-                  <a:srgbClr val="000000"/>
-                </a:solidFill>
-                <a:latin typeface="Courier New" pitchFamily="49" charset="0"/>
-                <a:cs typeface="Courier New" pitchFamily="49" charset="0"/>
-              </a:rPr>
-              <a:t>(Name="</a:t>
-            </a:r>
-            <a:r>
-              <a:rPr lang="en-US" sz="1400" dirty="0" err="1">
-                <a:solidFill>
-                  <a:srgbClr val="000000"/>
-                </a:solidFill>
-                <a:latin typeface="Courier New" pitchFamily="49" charset="0"/>
-                <a:cs typeface="Courier New" pitchFamily="49" charset="0"/>
-              </a:rPr>
-              <a:t>UpdateDateTime</a:t>
-            </a:r>
-            <a:r>
-              <a:rPr lang="en-US" sz="1400" dirty="0">
-                <a:solidFill>
-                  <a:srgbClr val="000000"/>
-                </a:solidFill>
-                <a:latin typeface="Courier New" pitchFamily="49" charset="0"/>
-                <a:cs typeface="Courier New" pitchFamily="49" charset="0"/>
-              </a:rPr>
-              <a:t>")]</a:t>
-            </a:r>
-          </a:p>
-          <a:p>
-            <a:r>
-              <a:rPr lang="ru-RU" sz="1400" dirty="0" smtClean="0">
-                <a:solidFill>
-                  <a:srgbClr val="000000"/>
-                </a:solidFill>
-                <a:latin typeface="Courier New" pitchFamily="49" charset="0"/>
-                <a:cs typeface="Courier New" pitchFamily="49" charset="0"/>
-              </a:rPr>
-              <a:t>        </a:t>
-            </a:r>
-            <a:r>
-              <a:rPr lang="en-US" sz="1400" dirty="0" smtClean="0">
-                <a:solidFill>
-                  <a:srgbClr val="000000"/>
-                </a:solidFill>
-                <a:latin typeface="Courier New" pitchFamily="49" charset="0"/>
-                <a:cs typeface="Courier New" pitchFamily="49" charset="0"/>
-              </a:rPr>
-              <a:t>private </a:t>
-            </a:r>
-            <a:r>
-              <a:rPr lang="en-US" sz="1400" dirty="0" err="1">
-                <a:solidFill>
-                  <a:srgbClr val="000000"/>
-                </a:solidFill>
-                <a:latin typeface="Courier New" pitchFamily="49" charset="0"/>
-                <a:cs typeface="Courier New" pitchFamily="49" charset="0"/>
-              </a:rPr>
-              <a:t>DateTime</a:t>
-            </a:r>
-            <a:r>
-              <a:rPr lang="en-US" sz="1400" dirty="0">
-                <a:solidFill>
-                  <a:srgbClr val="000000"/>
-                </a:solidFill>
-                <a:latin typeface="Courier New" pitchFamily="49" charset="0"/>
-                <a:cs typeface="Courier New" pitchFamily="49" charset="0"/>
-              </a:rPr>
-              <a:t> </a:t>
-            </a:r>
-            <a:r>
-              <a:rPr lang="en-US" sz="1400" dirty="0" err="1">
-                <a:solidFill>
-                  <a:srgbClr val="000000"/>
-                </a:solidFill>
-                <a:latin typeface="Courier New" pitchFamily="49" charset="0"/>
-                <a:cs typeface="Courier New" pitchFamily="49" charset="0"/>
-              </a:rPr>
-              <a:t>UpdateDateTime</a:t>
-            </a:r>
-            <a:r>
-              <a:rPr lang="en-US" sz="1400" dirty="0">
-                <a:solidFill>
-                  <a:srgbClr val="000000"/>
-                </a:solidFill>
-                <a:latin typeface="Courier New" pitchFamily="49" charset="0"/>
-                <a:cs typeface="Courier New" pitchFamily="49" charset="0"/>
-              </a:rPr>
-              <a:t>;</a:t>
-            </a:r>
-          </a:p>
-          <a:p>
-            <a:r>
-              <a:rPr lang="ru-RU" sz="1400" dirty="0" smtClean="0">
-                <a:solidFill>
-                  <a:srgbClr val="000000"/>
-                </a:solidFill>
-                <a:latin typeface="Courier New" pitchFamily="49" charset="0"/>
-                <a:cs typeface="Courier New" pitchFamily="49" charset="0"/>
-              </a:rPr>
-              <a:t>    </a:t>
-            </a:r>
-            <a:r>
-              <a:rPr lang="en-US" sz="1400" dirty="0" smtClean="0">
-                <a:solidFill>
-                  <a:srgbClr val="000000"/>
-                </a:solidFill>
-                <a:latin typeface="Courier New" pitchFamily="49" charset="0"/>
-                <a:cs typeface="Courier New" pitchFamily="49" charset="0"/>
-              </a:rPr>
               <a:t>}</a:t>
             </a:r>
-            <a:endParaRPr lang="en-US" sz="1400" dirty="0">
-              <a:solidFill>
-                <a:srgbClr val="000000"/>
-              </a:solidFill>
-              <a:latin typeface="Courier New" pitchFamily="49" charset="0"/>
-              <a:cs typeface="Courier New" pitchFamily="49" charset="0"/>
-            </a:endParaRPr>
-          </a:p>
-          <a:p>
-            <a:r>
-              <a:rPr lang="en-US" sz="1400" dirty="0">
-                <a:solidFill>
-                  <a:srgbClr val="000000"/>
-                </a:solidFill>
-                <a:latin typeface="Courier New" pitchFamily="49" charset="0"/>
-                <a:cs typeface="Courier New" pitchFamily="49" charset="0"/>
-              </a:rPr>
-              <a:t>}</a:t>
-            </a:r>
-            <a:endParaRPr lang="en-US" sz="1400" dirty="0" smtClean="0">
-              <a:solidFill>
-                <a:srgbClr val="000000"/>
-              </a:solidFill>
-              <a:latin typeface="Courier New" pitchFamily="49" charset="0"/>
-              <a:cs typeface="Courier New" pitchFamily="49" charset="0"/>
-            </a:endParaRPr>
           </a:p>
         </p:txBody>
       </p:sp>
@@ -9309,13 +8907,6 @@
   <p:clrMapOvr>
     <a:masterClrMapping/>
   </p:clrMapOvr>
-  <p:timing>
-    <p:tnLst>
-      <p:par>
-        <p:cTn id="1" dur="indefinite" restart="never" nodeType="tmRoot"/>
-      </p:par>
-    </p:tnLst>
-  </p:timing>
 </p:sld>
 </file>
 
@@ -9359,17 +8950,16 @@
           <a:lstStyle/>
           <a:p>
             <a:r>
-              <a:rPr lang="ru-RU" dirty="0" smtClean="0"/>
+              <a:rPr lang="ru-RU" dirty="0"/>
               <a:t>Демонстрация</a:t>
             </a:r>
             <a:br>
-              <a:rPr lang="ru-RU" dirty="0" smtClean="0"/>
+              <a:rPr lang="ru-RU" dirty="0"/>
             </a:br>
             <a:r>
-              <a:rPr lang="en-US" dirty="0" smtClean="0"/>
+              <a:rPr lang="en-US" dirty="0"/>
               <a:t>Chapter 03</a:t>
             </a:r>
-            <a:endParaRPr lang="en-US" dirty="0"/>
           </a:p>
         </p:txBody>
       </p:sp>
@@ -9383,13 +8973,6 @@
   <p:clrMapOvr>
     <a:masterClrMapping/>
   </p:clrMapOvr>
-  <p:timing>
-    <p:tnLst>
-      <p:par>
-        <p:cTn id="1" dur="indefinite" restart="never" nodeType="tmRoot"/>
-      </p:par>
-    </p:tnLst>
-  </p:timing>
 </p:sld>
 </file>
 
@@ -9426,10 +9009,9 @@
           <a:lstStyle/>
           <a:p>
             <a:r>
-              <a:rPr lang="en-US" dirty="0" smtClean="0"/>
+              <a:rPr lang="en-US" dirty="0"/>
               <a:t>Behaviors</a:t>
             </a:r>
-            <a:endParaRPr lang="en-US" dirty="0"/>
           </a:p>
         </p:txBody>
       </p:sp>
@@ -9451,27 +9033,27 @@
           <a:lstStyle/>
           <a:p>
             <a:r>
-              <a:rPr lang="ru-RU" dirty="0" smtClean="0"/>
+              <a:rPr lang="ru-RU" dirty="0"/>
               <a:t>Атрибуты позволяющие менять поведение </a:t>
             </a:r>
             <a:r>
-              <a:rPr lang="en-US" dirty="0" smtClean="0"/>
+              <a:rPr lang="en-US" dirty="0"/>
               <a:t>WCF</a:t>
             </a:r>
-            <a:endParaRPr lang="ru-RU" dirty="0" smtClean="0"/>
-          </a:p>
-          <a:p>
-            <a:r>
-              <a:rPr lang="ru-RU" dirty="0" smtClean="0"/>
+            <a:endParaRPr lang="ru-RU" dirty="0"/>
+          </a:p>
+          <a:p>
+            <a:r>
+              <a:rPr lang="ru-RU" dirty="0"/>
               <a:t>Применяются на уровне сервиса, операций, контрактов и конечных точек </a:t>
             </a:r>
             <a:r>
-              <a:rPr lang="en-US" dirty="0" smtClean="0"/>
+              <a:rPr lang="en-US" dirty="0"/>
               <a:t>(endpoints)</a:t>
             </a:r>
           </a:p>
           <a:p>
-            <a:endParaRPr lang="en-US" sz="2000" dirty="0" smtClean="0">
+            <a:endParaRPr lang="en-US" sz="2000" dirty="0">
               <a:latin typeface="Courier New" pitchFamily="49" charset="0"/>
               <a:cs typeface="Courier New" pitchFamily="49" charset="0"/>
             </a:endParaRPr>
@@ -9481,103 +9063,11 @@
               <a:buNone/>
             </a:pPr>
             <a:r>
-              <a:rPr lang="en-US" sz="1600" dirty="0" smtClean="0">
-                <a:latin typeface="Courier New" pitchFamily="49" charset="0"/>
-                <a:cs typeface="Courier New" pitchFamily="49" charset="0"/>
-              </a:rPr>
-              <a:t>public </a:t>
-            </a:r>
-            <a:r>
               <a:rPr lang="en-US" sz="1600" dirty="0">
                 <a:latin typeface="Courier New" pitchFamily="49" charset="0"/>
                 <a:cs typeface="Courier New" pitchFamily="49" charset="0"/>
               </a:rPr>
-              <a:t>interface </a:t>
-            </a:r>
-            <a:r>
-              <a:rPr lang="en-US" sz="1600" dirty="0" smtClean="0">
-                <a:latin typeface="Courier New" pitchFamily="49" charset="0"/>
-                <a:cs typeface="Courier New" pitchFamily="49" charset="0"/>
-              </a:rPr>
-              <a:t>I…Behavior</a:t>
-            </a:r>
-            <a:br>
-              <a:rPr lang="en-US" sz="1600" dirty="0" smtClean="0">
-                <a:latin typeface="Courier New" pitchFamily="49" charset="0"/>
-                <a:cs typeface="Courier New" pitchFamily="49" charset="0"/>
-              </a:rPr>
-            </a:br>
-            <a:r>
-              <a:rPr lang="en-US" sz="1600" dirty="0" smtClean="0">
-                <a:latin typeface="Courier New" pitchFamily="49" charset="0"/>
-                <a:cs typeface="Courier New" pitchFamily="49" charset="0"/>
-              </a:rPr>
-              <a:t>{</a:t>
-            </a:r>
-            <a:br>
-              <a:rPr lang="en-US" sz="1600" dirty="0" smtClean="0">
-                <a:latin typeface="Courier New" pitchFamily="49" charset="0"/>
-                <a:cs typeface="Courier New" pitchFamily="49" charset="0"/>
-              </a:rPr>
-            </a:br>
-            <a:r>
-              <a:rPr lang="en-US" sz="1600" dirty="0" smtClean="0">
-                <a:latin typeface="Courier New" pitchFamily="49" charset="0"/>
-                <a:cs typeface="Courier New" pitchFamily="49" charset="0"/>
-              </a:rPr>
-              <a:t>    </a:t>
-            </a:r>
-            <a:r>
-              <a:rPr lang="en-US" sz="1600" dirty="0" smtClean="0">
-                <a:solidFill>
-                  <a:srgbClr val="FFFF00"/>
-                </a:solidFill>
-                <a:latin typeface="Courier New" pitchFamily="49" charset="0"/>
-                <a:cs typeface="Courier New" pitchFamily="49" charset="0"/>
-              </a:rPr>
-              <a:t>[1] </a:t>
-            </a:r>
-            <a:r>
-              <a:rPr lang="en-US" sz="1600" dirty="0" smtClean="0">
-                <a:latin typeface="Courier New" pitchFamily="49" charset="0"/>
-                <a:cs typeface="Courier New" pitchFamily="49" charset="0"/>
-              </a:rPr>
-              <a:t>void </a:t>
-            </a:r>
-            <a:r>
-              <a:rPr lang="en-US" sz="1600" dirty="0">
-                <a:latin typeface="Courier New" pitchFamily="49" charset="0"/>
-                <a:cs typeface="Courier New" pitchFamily="49" charset="0"/>
-              </a:rPr>
-              <a:t>Validate(</a:t>
-            </a:r>
-            <a:r>
-              <a:rPr lang="en-US" sz="1600" dirty="0" err="1">
-                <a:latin typeface="Courier New" pitchFamily="49" charset="0"/>
-                <a:cs typeface="Courier New" pitchFamily="49" charset="0"/>
-              </a:rPr>
-              <a:t>ServiceEndpoint</a:t>
-            </a:r>
-            <a:r>
-              <a:rPr lang="en-US" sz="1600" dirty="0">
-                <a:latin typeface="Courier New" pitchFamily="49" charset="0"/>
-                <a:cs typeface="Courier New" pitchFamily="49" charset="0"/>
-              </a:rPr>
-              <a:t> </a:t>
-            </a:r>
-            <a:r>
-              <a:rPr lang="en-US" sz="1600" dirty="0" err="1">
-                <a:latin typeface="Courier New" pitchFamily="49" charset="0"/>
-                <a:cs typeface="Courier New" pitchFamily="49" charset="0"/>
-              </a:rPr>
-              <a:t>serviceEndpoint</a:t>
-            </a:r>
-            <a:r>
-              <a:rPr lang="en-US" sz="1600" dirty="0">
-                <a:latin typeface="Courier New" pitchFamily="49" charset="0"/>
-                <a:cs typeface="Courier New" pitchFamily="49" charset="0"/>
-              </a:rPr>
-              <a:t>);</a:t>
+              <a:t>public interface I…Behavior</a:t>
             </a:r>
             <a:br>
               <a:rPr lang="en-US" sz="1600" dirty="0">
@@ -9586,37 +9076,101 @@
               </a:rPr>
             </a:br>
             <a:r>
-              <a:rPr lang="en-US" sz="1600" dirty="0" smtClean="0">
-                <a:latin typeface="Courier New" pitchFamily="49" charset="0"/>
-                <a:cs typeface="Courier New" pitchFamily="49" charset="0"/>
-              </a:rPr>
-              <a:t/>
+              <a:rPr lang="en-US" sz="1600" dirty="0">
+                <a:latin typeface="Courier New" pitchFamily="49" charset="0"/>
+                <a:cs typeface="Courier New" pitchFamily="49" charset="0"/>
+              </a:rPr>
+              <a:t>{</a:t>
             </a:r>
             <a:br>
-              <a:rPr lang="en-US" sz="1600" dirty="0" smtClean="0">
+              <a:rPr lang="en-US" sz="1600" dirty="0">
                 <a:latin typeface="Courier New" pitchFamily="49" charset="0"/>
                 <a:cs typeface="Courier New" pitchFamily="49" charset="0"/>
               </a:rPr>
             </a:br>
             <a:r>
-              <a:rPr lang="en-US" sz="1600" dirty="0" smtClean="0">
+              <a:rPr lang="en-US" sz="1600" dirty="0">
                 <a:latin typeface="Courier New" pitchFamily="49" charset="0"/>
                 <a:cs typeface="Courier New" pitchFamily="49" charset="0"/>
               </a:rPr>
               <a:t>    </a:t>
             </a:r>
             <a:r>
-              <a:rPr lang="en-US" sz="1600" dirty="0" smtClean="0">
+              <a:rPr lang="en-US" sz="1600" dirty="0">
                 <a:solidFill>
                   <a:srgbClr val="FFFF00"/>
                 </a:solidFill>
                 <a:latin typeface="Courier New" pitchFamily="49" charset="0"/>
                 <a:cs typeface="Courier New" pitchFamily="49" charset="0"/>
               </a:rPr>
+              <a:t>[1] </a:t>
+            </a:r>
+            <a:r>
+              <a:rPr lang="en-US" sz="1600" dirty="0">
+                <a:latin typeface="Courier New" pitchFamily="49" charset="0"/>
+                <a:cs typeface="Courier New" pitchFamily="49" charset="0"/>
+              </a:rPr>
+              <a:t>void Validate(</a:t>
+            </a:r>
+            <a:r>
+              <a:rPr lang="en-US" sz="1600" dirty="0" err="1">
+                <a:latin typeface="Courier New" pitchFamily="49" charset="0"/>
+                <a:cs typeface="Courier New" pitchFamily="49" charset="0"/>
+              </a:rPr>
+              <a:t>ServiceEndpoint</a:t>
+            </a:r>
+            <a:r>
+              <a:rPr lang="en-US" sz="1600" dirty="0">
+                <a:latin typeface="Courier New" pitchFamily="49" charset="0"/>
+                <a:cs typeface="Courier New" pitchFamily="49" charset="0"/>
+              </a:rPr>
+              <a:t> </a:t>
+            </a:r>
+            <a:r>
+              <a:rPr lang="en-US" sz="1600" dirty="0" err="1">
+                <a:latin typeface="Courier New" pitchFamily="49" charset="0"/>
+                <a:cs typeface="Courier New" pitchFamily="49" charset="0"/>
+              </a:rPr>
+              <a:t>serviceEndpoint</a:t>
+            </a:r>
+            <a:r>
+              <a:rPr lang="en-US" sz="1600" dirty="0">
+                <a:latin typeface="Courier New" pitchFamily="49" charset="0"/>
+                <a:cs typeface="Courier New" pitchFamily="49" charset="0"/>
+              </a:rPr>
+              <a:t>);</a:t>
+            </a:r>
+            <a:br>
+              <a:rPr lang="en-US" sz="1600" dirty="0">
+                <a:latin typeface="Courier New" pitchFamily="49" charset="0"/>
+                <a:cs typeface="Courier New" pitchFamily="49" charset="0"/>
+              </a:rPr>
+            </a:br>
+            <a:br>
+              <a:rPr lang="en-US" sz="1600" dirty="0">
+                <a:latin typeface="Courier New" pitchFamily="49" charset="0"/>
+                <a:cs typeface="Courier New" pitchFamily="49" charset="0"/>
+              </a:rPr>
+            </a:br>
+            <a:r>
+              <a:rPr lang="en-US" sz="1600" dirty="0">
+                <a:latin typeface="Courier New" pitchFamily="49" charset="0"/>
+                <a:cs typeface="Courier New" pitchFamily="49" charset="0"/>
+              </a:rPr>
+              <a:t>    </a:t>
+            </a:r>
+            <a:r>
+              <a:rPr lang="en-US" sz="1600" dirty="0">
+                <a:solidFill>
+                  <a:srgbClr val="FFFF00"/>
+                </a:solidFill>
+                <a:latin typeface="Courier New" pitchFamily="49" charset="0"/>
+                <a:cs typeface="Courier New" pitchFamily="49" charset="0"/>
+              </a:rPr>
               <a:t>[2] </a:t>
             </a:r>
             <a:r>
-              <a:rPr lang="en-US" sz="1600" dirty="0" smtClean="0">
+              <a:rPr lang="en-US" sz="1600" dirty="0">
                 <a:latin typeface="Courier New" pitchFamily="49" charset="0"/>
                 <a:cs typeface="Courier New" pitchFamily="49" charset="0"/>
               </a:rPr>
@@ -9651,41 +9205,41 @@
               <a:t> </a:t>
             </a:r>
             <a:r>
-              <a:rPr lang="en-US" sz="1600" dirty="0" err="1" smtClean="0">
+              <a:rPr lang="en-US" sz="1600" dirty="0" err="1">
                 <a:latin typeface="Courier New" pitchFamily="49" charset="0"/>
                 <a:cs typeface="Courier New" pitchFamily="49" charset="0"/>
               </a:rPr>
               <a:t>serviceEndpoint</a:t>
             </a:r>
             <a:r>
-              <a:rPr lang="en-US" sz="1600" dirty="0" smtClean="0">
+              <a:rPr lang="en-US" sz="1600" dirty="0">
                 <a:latin typeface="Courier New" pitchFamily="49" charset="0"/>
                 <a:cs typeface="Courier New" pitchFamily="49" charset="0"/>
               </a:rPr>
               <a:t>,</a:t>
             </a:r>
             <a:br>
-              <a:rPr lang="en-US" sz="1600" dirty="0" smtClean="0">
+              <a:rPr lang="en-US" sz="1600" dirty="0">
                 <a:latin typeface="Courier New" pitchFamily="49" charset="0"/>
                 <a:cs typeface="Courier New" pitchFamily="49" charset="0"/>
               </a:rPr>
             </a:br>
             <a:r>
-              <a:rPr lang="en-US" sz="1600" dirty="0" smtClean="0">
+              <a:rPr lang="en-US" sz="1600" dirty="0">
                 <a:latin typeface="Courier New" pitchFamily="49" charset="0"/>
                 <a:cs typeface="Courier New" pitchFamily="49" charset="0"/>
               </a:rPr>
               <a:t>                   </a:t>
             </a:r>
             <a:r>
-              <a:rPr lang="en-US" sz="1600" dirty="0" err="1" smtClean="0">
+              <a:rPr lang="en-US" sz="1600" dirty="0" err="1">
                 <a:latin typeface="Courier New" pitchFamily="49" charset="0"/>
                 <a:cs typeface="Courier New" pitchFamily="49" charset="0"/>
               </a:rPr>
               <a:t>BindingParameterCollection</a:t>
             </a:r>
             <a:r>
-              <a:rPr lang="en-US" sz="1600" dirty="0" smtClean="0">
+              <a:rPr lang="en-US" sz="1600" dirty="0">
                 <a:latin typeface="Courier New" pitchFamily="49" charset="0"/>
                 <a:cs typeface="Courier New" pitchFamily="49" charset="0"/>
               </a:rPr>
@@ -9699,40 +9253,33 @@
               <a:t>bindingParameters</a:t>
             </a:r>
             <a:r>
-              <a:rPr lang="en-US" sz="1600" dirty="0" smtClean="0">
+              <a:rPr lang="en-US" sz="1600" dirty="0">
                 <a:latin typeface="Courier New" pitchFamily="49" charset="0"/>
                 <a:cs typeface="Courier New" pitchFamily="49" charset="0"/>
               </a:rPr>
               <a:t>);</a:t>
             </a:r>
             <a:br>
-              <a:rPr lang="en-US" sz="1600" dirty="0" smtClean="0">
+              <a:rPr lang="en-US" sz="1600" dirty="0">
                 <a:latin typeface="Courier New" pitchFamily="49" charset="0"/>
                 <a:cs typeface="Courier New" pitchFamily="49" charset="0"/>
               </a:rPr>
             </a:br>
-            <a:r>
-              <a:rPr lang="en-US" sz="1600" dirty="0" smtClean="0">
-                <a:latin typeface="Courier New" pitchFamily="49" charset="0"/>
-                <a:cs typeface="Courier New" pitchFamily="49" charset="0"/>
-              </a:rPr>
-              <a:t/>
-            </a:r>
             <a:br>
-              <a:rPr lang="en-US" sz="1600" dirty="0" smtClean="0">
+              <a:rPr lang="en-US" sz="1600" dirty="0">
                 <a:latin typeface="Courier New" pitchFamily="49" charset="0"/>
                 <a:cs typeface="Courier New" pitchFamily="49" charset="0"/>
               </a:rPr>
             </a:br>
             <a:r>
-              <a:rPr lang="en-US" sz="1600" dirty="0" smtClean="0">
+              <a:rPr lang="en-US" sz="1600" dirty="0">
                 <a:latin typeface="Courier New" pitchFamily="49" charset="0"/>
                 <a:cs typeface="Courier New" pitchFamily="49" charset="0"/>
               </a:rPr>
               <a:t>    </a:t>
             </a:r>
             <a:r>
-              <a:rPr lang="en-US" sz="1600" dirty="0" smtClean="0">
+              <a:rPr lang="en-US" sz="1600" dirty="0">
                 <a:solidFill>
                   <a:srgbClr val="FFFF00"/>
                 </a:solidFill>
@@ -9742,7 +9289,7 @@
               <a:t>[3] </a:t>
             </a:r>
             <a:r>
-              <a:rPr lang="en-US" sz="1600" dirty="0" smtClean="0">
+              <a:rPr lang="en-US" sz="1600" dirty="0">
                 <a:latin typeface="Courier New" pitchFamily="49" charset="0"/>
                 <a:cs typeface="Courier New" pitchFamily="49" charset="0"/>
               </a:rPr>
@@ -9777,14 +9324,14 @@
               <a:t> </a:t>
             </a:r>
             <a:r>
-              <a:rPr lang="en-US" sz="1600" dirty="0" err="1" smtClean="0">
+              <a:rPr lang="en-US" sz="1600" dirty="0" err="1">
                 <a:latin typeface="Courier New" pitchFamily="49" charset="0"/>
                 <a:cs typeface="Courier New" pitchFamily="49" charset="0"/>
               </a:rPr>
               <a:t>serviceEndpoint</a:t>
             </a:r>
             <a:r>
-              <a:rPr lang="en-US" sz="1600" dirty="0" smtClean="0">
+              <a:rPr lang="en-US" sz="1600" dirty="0">
                 <a:latin typeface="Courier New" pitchFamily="49" charset="0"/>
                 <a:cs typeface="Courier New" pitchFamily="49" charset="0"/>
               </a:rPr>
@@ -9800,70 +9347,42 @@
                 <a:latin typeface="Courier New" pitchFamily="49" charset="0"/>
                 <a:cs typeface="Courier New" pitchFamily="49" charset="0"/>
               </a:rPr>
-              <a:t> </a:t>
-            </a:r>
-            <a:r>
-              <a:rPr lang="en-US" sz="1600" dirty="0" smtClean="0">
-                <a:latin typeface="Courier New" pitchFamily="49" charset="0"/>
-                <a:cs typeface="Courier New" pitchFamily="49" charset="0"/>
-              </a:rPr>
-              <a:t>                  </a:t>
-            </a:r>
-            <a:r>
-              <a:rPr lang="en-US" sz="1600" dirty="0" err="1" smtClean="0">
+              <a:t>                   </a:t>
+            </a:r>
+            <a:r>
+              <a:rPr lang="en-US" sz="1600" dirty="0" err="1">
                 <a:latin typeface="Courier New" pitchFamily="49" charset="0"/>
                 <a:cs typeface="Courier New" pitchFamily="49" charset="0"/>
               </a:rPr>
               <a:t>ClientRuntime</a:t>
             </a:r>
             <a:r>
-              <a:rPr lang="en-US" sz="1600" dirty="0" smtClean="0">
-                <a:latin typeface="Courier New" pitchFamily="49" charset="0"/>
-                <a:cs typeface="Courier New" pitchFamily="49" charset="0"/>
-              </a:rPr>
-              <a:t> </a:t>
-            </a:r>
-            <a:r>
               <a:rPr lang="en-US" sz="1600" dirty="0">
                 <a:latin typeface="Courier New" pitchFamily="49" charset="0"/>
                 <a:cs typeface="Courier New" pitchFamily="49" charset="0"/>
               </a:rPr>
-              <a:t>behavior</a:t>
-            </a:r>
-            <a:r>
-              <a:rPr lang="en-US" sz="1600" dirty="0" smtClean="0">
-                <a:latin typeface="Courier New" pitchFamily="49" charset="0"/>
-                <a:cs typeface="Courier New" pitchFamily="49" charset="0"/>
-              </a:rPr>
-              <a:t>);</a:t>
+              <a:t> behavior);</a:t>
             </a:r>
           </a:p>
           <a:p>
             <a:pPr marL="0" indent="0">
               <a:buNone/>
             </a:pPr>
-            <a:r>
-              <a:rPr lang="en-US" sz="1600" dirty="0" smtClean="0">
-                <a:latin typeface="Courier New" pitchFamily="49" charset="0"/>
-                <a:cs typeface="Courier New" pitchFamily="49" charset="0"/>
-              </a:rPr>
-              <a:t/>
-            </a:r>
             <a:br>
-              <a:rPr lang="en-US" sz="1600" dirty="0" smtClean="0">
+              <a:rPr lang="en-US" sz="1600" dirty="0">
                 <a:latin typeface="Courier New" pitchFamily="49" charset="0"/>
                 <a:cs typeface="Courier New" pitchFamily="49" charset="0"/>
               </a:rPr>
             </a:br>
             <a:r>
-              <a:rPr lang="en-US" sz="1600" dirty="0" smtClean="0">
+              <a:rPr lang="en-US" sz="1600" dirty="0">
                 <a:latin typeface="Courier New" pitchFamily="49" charset="0"/>
                 <a:cs typeface="Courier New" pitchFamily="49" charset="0"/>
               </a:rPr>
               <a:t>    </a:t>
             </a:r>
             <a:r>
-              <a:rPr lang="en-US" sz="1600" dirty="0" smtClean="0">
+              <a:rPr lang="en-US" sz="1600" dirty="0">
                 <a:solidFill>
                   <a:srgbClr val="FFFF00"/>
                 </a:solidFill>
@@ -9873,7 +9392,7 @@
               <a:t>[4] </a:t>
             </a:r>
             <a:r>
-              <a:rPr lang="en-US" sz="1600" dirty="0" smtClean="0">
+              <a:rPr lang="en-US" sz="1600" dirty="0">
                 <a:latin typeface="Courier New" pitchFamily="49" charset="0"/>
                 <a:cs typeface="Courier New" pitchFamily="49" charset="0"/>
               </a:rPr>
@@ -9908,14 +9427,14 @@
               <a:t> </a:t>
             </a:r>
             <a:r>
-              <a:rPr lang="en-US" sz="1600" dirty="0" err="1" smtClean="0">
+              <a:rPr lang="en-US" sz="1600" dirty="0" err="1">
                 <a:latin typeface="Courier New" pitchFamily="49" charset="0"/>
                 <a:cs typeface="Courier New" pitchFamily="49" charset="0"/>
               </a:rPr>
               <a:t>serviceEndpoint</a:t>
             </a:r>
             <a:r>
-              <a:rPr lang="en-US" sz="1600" dirty="0" smtClean="0">
+              <a:rPr lang="en-US" sz="1600" dirty="0">
                 <a:latin typeface="Courier New" pitchFamily="49" charset="0"/>
                 <a:cs typeface="Courier New" pitchFamily="49" charset="0"/>
               </a:rPr>
@@ -9931,30 +9450,23 @@
                 <a:latin typeface="Courier New" pitchFamily="49" charset="0"/>
                 <a:cs typeface="Courier New" pitchFamily="49" charset="0"/>
               </a:rPr>
+              <a:t>                   </a:t>
+            </a:r>
+            <a:r>
+              <a:rPr lang="en-US" sz="1600" dirty="0" err="1">
+                <a:latin typeface="Courier New" pitchFamily="49" charset="0"/>
+                <a:cs typeface="Courier New" pitchFamily="49" charset="0"/>
+              </a:rPr>
+              <a:t>EndpointDispatcher</a:t>
+            </a:r>
+            <a:r>
+              <a:rPr lang="en-US" sz="1600" dirty="0">
+                <a:latin typeface="Courier New" pitchFamily="49" charset="0"/>
+                <a:cs typeface="Courier New" pitchFamily="49" charset="0"/>
+              </a:rPr>
               <a:t> </a:t>
             </a:r>
             <a:r>
-              <a:rPr lang="en-US" sz="1600" dirty="0" smtClean="0">
-                <a:latin typeface="Courier New" pitchFamily="49" charset="0"/>
-                <a:cs typeface="Courier New" pitchFamily="49" charset="0"/>
-              </a:rPr>
-              <a:t>                  </a:t>
-            </a:r>
-            <a:r>
-              <a:rPr lang="en-US" sz="1600" dirty="0" err="1" smtClean="0">
-                <a:latin typeface="Courier New" pitchFamily="49" charset="0"/>
-                <a:cs typeface="Courier New" pitchFamily="49" charset="0"/>
-              </a:rPr>
-              <a:t>EndpointDispatcher</a:t>
-            </a:r>
-            <a:r>
-              <a:rPr lang="en-US" sz="1600" dirty="0" smtClean="0">
-                <a:latin typeface="Courier New" pitchFamily="49" charset="0"/>
-                <a:cs typeface="Courier New" pitchFamily="49" charset="0"/>
-              </a:rPr>
-              <a:t> </a:t>
-            </a:r>
-            <a:r>
               <a:rPr lang="en-US" sz="1600" dirty="0" err="1">
                 <a:latin typeface="Courier New" pitchFamily="49" charset="0"/>
                 <a:cs typeface="Courier New" pitchFamily="49" charset="0"/>
@@ -9966,14 +9478,7 @@
                 <a:latin typeface="Courier New" pitchFamily="49" charset="0"/>
                 <a:cs typeface="Courier New" pitchFamily="49" charset="0"/>
               </a:rPr>
-              <a:t>, </a:t>
-            </a:r>
-            <a:r>
-              <a:rPr lang="en-US" sz="1600" dirty="0" smtClean="0">
-                <a:latin typeface="Courier New" pitchFamily="49" charset="0"/>
-                <a:cs typeface="Courier New" pitchFamily="49" charset="0"/>
-              </a:rPr>
-              <a:t>...);</a:t>
+              <a:t>, ...);</a:t>
             </a:r>
           </a:p>
           <a:p>
@@ -9981,16 +9486,12 @@
               <a:buNone/>
             </a:pPr>
             <a:r>
-              <a:rPr lang="en-US" sz="1600" dirty="0" smtClean="0">
+              <a:rPr lang="en-US" sz="1600" dirty="0">
                 <a:latin typeface="Courier New" pitchFamily="49" charset="0"/>
                 <a:cs typeface="Courier New" pitchFamily="49" charset="0"/>
               </a:rPr>
               <a:t>}</a:t>
             </a:r>
-            <a:endParaRPr lang="en-US" sz="1600" dirty="0">
-              <a:latin typeface="Courier New" pitchFamily="49" charset="0"/>
-              <a:cs typeface="Courier New" pitchFamily="49" charset="0"/>
-            </a:endParaRPr>
           </a:p>
         </p:txBody>
       </p:sp>
@@ -10004,13 +9505,6 @@
   <p:clrMapOvr>
     <a:masterClrMapping/>
   </p:clrMapOvr>
-  <p:timing>
-    <p:tnLst>
-      <p:par>
-        <p:cTn id="1" dur="indefinite" restart="never" nodeType="tmRoot"/>
-      </p:par>
-    </p:tnLst>
-  </p:timing>
 </p:sld>
 </file>
 
@@ -10047,7 +9541,7 @@
           <a:lstStyle/>
           <a:p>
             <a:r>
-              <a:rPr lang="ru-RU" dirty="0" smtClean="0"/>
+              <a:rPr lang="ru-RU" dirty="0"/>
               <a:t>Утилиты</a:t>
             </a:r>
             <a:endParaRPr lang="en-US" dirty="0"/>
@@ -10074,30 +9568,30 @@
               <a:t>SvcConfigEditor.exe </a:t>
             </a:r>
             <a:r>
-              <a:rPr lang="ru-RU" dirty="0" smtClean="0"/>
+              <a:rPr lang="ru-RU" dirty="0"/>
               <a:t> - настройка </a:t>
             </a:r>
             <a:r>
-              <a:rPr lang="en-US" dirty="0" smtClean="0"/>
+              <a:rPr lang="en-US" dirty="0"/>
               <a:t>WCF</a:t>
             </a:r>
-            <a:endParaRPr lang="ru-RU" dirty="0" smtClean="0"/>
-          </a:p>
-          <a:p>
-            <a:r>
-              <a:rPr lang="en-US" dirty="0" smtClean="0"/>
+            <a:endParaRPr lang="ru-RU" dirty="0"/>
+          </a:p>
+          <a:p>
+            <a:r>
+              <a:rPr lang="en-US" dirty="0"/>
               <a:t>SvcTraceViewer.exe – </a:t>
             </a:r>
             <a:r>
-              <a:rPr lang="ru-RU" dirty="0" smtClean="0"/>
+              <a:rPr lang="ru-RU" dirty="0"/>
               <a:t>просмотр </a:t>
             </a:r>
             <a:r>
-              <a:rPr lang="en-US" dirty="0" smtClean="0"/>
+              <a:rPr lang="en-US" dirty="0"/>
               <a:t>WCF </a:t>
             </a:r>
             <a:r>
-              <a:rPr lang="ru-RU" dirty="0" smtClean="0"/>
+              <a:rPr lang="ru-RU" dirty="0"/>
               <a:t>сообщений</a:t>
             </a:r>
             <a:endParaRPr lang="en-US" dirty="0"/>
@@ -10114,13 +9608,6 @@
   <p:clrMapOvr>
     <a:masterClrMapping/>
   </p:clrMapOvr>
-  <p:timing>
-    <p:tnLst>
-      <p:par>
-        <p:cTn id="1" dur="indefinite" restart="never" nodeType="tmRoot"/>
-      </p:par>
-    </p:tnLst>
-  </p:timing>
 </p:sld>
 </file>
 
@@ -10157,14 +9644,13 @@
           <a:lstStyle/>
           <a:p>
             <a:r>
-              <a:rPr lang="ru-RU" dirty="0" smtClean="0"/>
+              <a:rPr lang="ru-RU" dirty="0"/>
               <a:t>Хостинг </a:t>
             </a:r>
             <a:r>
-              <a:rPr lang="en-US" dirty="0" smtClean="0"/>
+              <a:rPr lang="en-US" dirty="0"/>
               <a:t>WCF</a:t>
             </a:r>
-            <a:endParaRPr lang="en-US" dirty="0"/>
           </a:p>
         </p:txBody>
       </p:sp>
@@ -10184,77 +9670,63 @@
           <a:lstStyle/>
           <a:p>
             <a:r>
-              <a:rPr lang="ru-RU" smtClean="0"/>
-              <a:t>Хостин</a:t>
-            </a:r>
-            <a:r>
               <a:rPr lang="ru-RU"/>
-              <a:t>г</a:t>
-            </a:r>
-            <a:r>
-              <a:rPr lang="ru-RU" smtClean="0"/>
-              <a:t> </a:t>
-            </a:r>
-            <a:r>
-              <a:rPr lang="ru-RU" dirty="0" smtClean="0"/>
+              <a:t>Хостинг </a:t>
+            </a:r>
+            <a:r>
+              <a:rPr lang="ru-RU" dirty="0"/>
               <a:t>внутри собственного </a:t>
             </a:r>
             <a:r>
-              <a:rPr lang="en-US" dirty="0" smtClean="0"/>
+              <a:rPr lang="en-US" dirty="0"/>
               <a:t>.NET </a:t>
             </a:r>
             <a:r>
-              <a:rPr lang="ru-RU" dirty="0" smtClean="0"/>
+              <a:rPr lang="ru-RU" dirty="0"/>
               <a:t>приложения (</a:t>
             </a:r>
             <a:r>
-              <a:rPr lang="en-US" dirty="0" smtClean="0"/>
+              <a:rPr lang="en-US" dirty="0"/>
               <a:t>self-hosting)</a:t>
             </a:r>
           </a:p>
           <a:p>
             <a:pPr lvl="1"/>
             <a:r>
-              <a:rPr lang="ru-RU" dirty="0" smtClean="0"/>
+              <a:rPr lang="ru-RU" dirty="0"/>
               <a:t>Консольное приложение</a:t>
             </a:r>
           </a:p>
           <a:p>
             <a:pPr lvl="1"/>
             <a:r>
-              <a:rPr lang="en-US" dirty="0" err="1" smtClean="0"/>
+              <a:rPr lang="en-US" dirty="0" err="1"/>
               <a:t>WinForms</a:t>
             </a:r>
             <a:r>
-              <a:rPr lang="en-US" dirty="0" smtClean="0"/>
+              <a:rPr lang="en-US" dirty="0"/>
               <a:t>/WPF</a:t>
             </a:r>
-            <a:endParaRPr lang="en-US" dirty="0"/>
-          </a:p>
-          <a:p>
-            <a:r>
-              <a:rPr lang="ru-RU" dirty="0" smtClean="0"/>
+          </a:p>
+          <a:p>
+            <a:r>
+              <a:rPr lang="ru-RU" dirty="0"/>
               <a:t>Внутри </a:t>
             </a:r>
             <a:r>
-              <a:rPr lang="en-US" dirty="0" smtClean="0"/>
-              <a:t>Windows </a:t>
-            </a:r>
-            <a:r>
               <a:rPr lang="en-US" dirty="0"/>
-              <a:t>service</a:t>
-            </a:r>
-          </a:p>
-          <a:p>
-            <a:r>
-              <a:rPr lang="ru-RU" dirty="0" smtClean="0"/>
+              <a:t>Windows service</a:t>
+            </a:r>
+          </a:p>
+          <a:p>
+            <a:r>
+              <a:rPr lang="ru-RU" dirty="0"/>
               <a:t>С помощью </a:t>
             </a:r>
             <a:r>
-              <a:rPr lang="en-US" dirty="0" smtClean="0"/>
+              <a:rPr lang="en-US" dirty="0"/>
               <a:t>IIS (Microsoft Internet Information Services)</a:t>
             </a:r>
-            <a:endParaRPr lang="en-US" dirty="0"/>
           </a:p>
         </p:txBody>
       </p:sp>
@@ -10268,13 +9740,6 @@
   <p:clrMapOvr>
     <a:masterClrMapping/>
   </p:clrMapOvr>
-  <p:timing>
-    <p:tnLst>
-      <p:par>
-        <p:cTn id="1" dur="indefinite" restart="never" nodeType="tmRoot"/>
-      </p:par>
-    </p:tnLst>
-  </p:timing>
 </p:sld>
 </file>
 
@@ -10348,95 +9813,56 @@
                 </a:solidFill>
                 <a:hlinkClick r:id="rId2"/>
               </a:rPr>
-              <a:t>https://</a:t>
-            </a:r>
-            <a:r>
-              <a:rPr lang="en-US" dirty="0" smtClean="0">
+              <a:t>https://github.com/bazile/Training</a:t>
+            </a:r>
+            <a:br>
+              <a:rPr lang="en-US" dirty="0">
                 <a:solidFill>
                   <a:schemeClr val="bg1"/>
                 </a:solidFill>
-                <a:hlinkClick r:id="rId2"/>
-              </a:rPr>
-              <a:t>github.com/bazile/Training</a:t>
-            </a:r>
-            <a:r>
-              <a:rPr lang="en-US" dirty="0" smtClean="0">
+              </a:rPr>
+            </a:br>
+            <a:r>
+              <a:rPr lang="ru-RU" dirty="0">
                 <a:solidFill>
                   <a:schemeClr val="bg1"/>
                 </a:solidFill>
               </a:rPr>
-              <a:t/>
-            </a:r>
-            <a:br>
-              <a:rPr lang="en-US" dirty="0" smtClean="0">
-                <a:solidFill>
-                  <a:schemeClr val="bg1"/>
-                </a:solidFill>
-              </a:rPr>
-            </a:br>
-            <a:r>
-              <a:rPr lang="ru-RU" dirty="0" smtClean="0">
-                <a:solidFill>
-                  <a:schemeClr val="bg1"/>
-                </a:solidFill>
-              </a:rPr>
               <a:t>Презентации и примеры кода используемые во время занятия</a:t>
             </a:r>
           </a:p>
           <a:p>
-            <a:endParaRPr lang="ru-RU" dirty="0" smtClean="0">
-              <a:solidFill>
-                <a:schemeClr val="bg1"/>
-              </a:solidFill>
-            </a:endParaRPr>
-          </a:p>
-          <a:p>
-            <a:r>
-              <a:rPr lang="en-US" dirty="0">
-                <a:solidFill>
-                  <a:schemeClr val="bg1"/>
-                </a:solidFill>
-                <a:hlinkClick r:id="rId3"/>
-              </a:rPr>
-              <a:t>http://belhard.nullptr.ru</a:t>
-            </a:r>
-            <a:r>
-              <a:rPr lang="en-US" dirty="0" smtClean="0">
-                <a:solidFill>
-                  <a:schemeClr val="bg1"/>
-                </a:solidFill>
-                <a:hlinkClick r:id="rId3"/>
-              </a:rPr>
-              <a:t>/</a:t>
-            </a:r>
-            <a:r>
-              <a:rPr lang="ru-RU" dirty="0" smtClean="0">
-                <a:solidFill>
-                  <a:schemeClr val="bg1"/>
-                </a:solidFill>
-              </a:rPr>
-              <a:t/>
-            </a:r>
-            <a:br>
-              <a:rPr lang="ru-RU" dirty="0" smtClean="0">
-                <a:solidFill>
-                  <a:schemeClr val="bg1"/>
-                </a:solidFill>
-              </a:rPr>
-            </a:br>
-            <a:r>
-              <a:rPr lang="ru-RU" dirty="0" smtClean="0">
-                <a:solidFill>
-                  <a:schemeClr val="bg1"/>
-                </a:solidFill>
-              </a:rPr>
-              <a:t>Книги, примеры к ним и другие полезные файлы.</a:t>
-            </a:r>
             <a:endParaRPr lang="ru-RU" dirty="0">
               <a:solidFill>
                 <a:schemeClr val="bg1"/>
               </a:solidFill>
             </a:endParaRPr>
+          </a:p>
+          <a:p>
+            <a:r>
+              <a:rPr lang="en-US" dirty="0">
+                <a:solidFill>
+                  <a:schemeClr val="bg1"/>
+                </a:solidFill>
+                <a:hlinkClick r:id="rId3"/>
+              </a:rPr>
+              <a:t>http://belhard.nullptr.ru/</a:t>
+            </a:r>
+            <a:br>
+              <a:rPr lang="ru-RU" dirty="0">
+                <a:solidFill>
+                  <a:schemeClr val="bg1"/>
+                </a:solidFill>
+              </a:rPr>
+            </a:br>
+            <a:r>
+              <a:rPr lang="ru-RU" dirty="0">
+                <a:solidFill>
+                  <a:schemeClr val="bg1"/>
+                </a:solidFill>
+              </a:rPr>
+              <a:t>Книги, примеры к ним и другие полезные файлы.</a:t>
+            </a:r>
           </a:p>
           <a:p>
             <a:endParaRPr lang="en-US" dirty="0"/>
@@ -10453,13 +9879,6 @@
   <p:clrMapOvr>
     <a:masterClrMapping/>
   </p:clrMapOvr>
-  <p:timing>
-    <p:tnLst>
-      <p:par>
-        <p:cTn id="1" dur="indefinite" restart="never" nodeType="tmRoot"/>
-      </p:par>
-    </p:tnLst>
-  </p:timing>
 </p:sld>
 </file>
 
@@ -10498,21 +9917,16 @@
           <a:lstStyle/>
           <a:p>
             <a:r>
-              <a:rPr lang="ru-RU" sz="3600" dirty="0" smtClean="0"/>
+              <a:rPr lang="ru-RU" sz="3600" dirty="0"/>
               <a:t>Сервис-ориентированная архитектура</a:t>
             </a:r>
-            <a:r>
-              <a:rPr lang="en-US" sz="3600" dirty="0" smtClean="0"/>
-              <a:t/>
-            </a:r>
             <a:br>
-              <a:rPr lang="en-US" sz="3600" dirty="0" smtClean="0"/>
+              <a:rPr lang="en-US" sz="3600" dirty="0"/>
             </a:br>
             <a:r>
-              <a:rPr lang="en-US" sz="3600" dirty="0" smtClean="0"/>
+              <a:rPr lang="en-US" sz="3600" dirty="0"/>
               <a:t>(Service-oriented architecture – SOA)</a:t>
             </a:r>
-            <a:endParaRPr lang="en-US" sz="3600" dirty="0"/>
           </a:p>
         </p:txBody>
       </p:sp>
@@ -10534,38 +9948,14 @@
           <a:lstStyle/>
           <a:p>
             <a:r>
-              <a:rPr lang="ru-RU" dirty="0" smtClean="0"/>
-              <a:t>Модульный </a:t>
-            </a:r>
-            <a:r>
               <a:rPr lang="ru-RU" dirty="0"/>
-              <a:t>подход к разработке программного обеспечения, основанный на использовании распределённых, слабо связанных </a:t>
-            </a:r>
-            <a:r>
-              <a:rPr lang="ru-RU" dirty="0" smtClean="0"/>
-              <a:t>(loose </a:t>
-            </a:r>
+              <a:t>Модульный подход к разработке программного обеспечения, основанный на использовании распределённых, слабо связанных (loose coupling) заменяемых компонентов, оснащённых стандартизированными интерфейсами для взаимодействия по стандартизированным протоколам.</a:t>
+            </a:r>
+          </a:p>
+          <a:p>
             <a:r>
               <a:rPr lang="ru-RU" dirty="0"/>
-              <a:t>coupling) заменяемых компонентов, оснащённых стандартизированными интерфейсами для взаимодействия по стандартизированным протоколам</a:t>
-            </a:r>
-            <a:r>
-              <a:rPr lang="ru-RU" dirty="0" smtClean="0"/>
-              <a:t>.</a:t>
-            </a:r>
-          </a:p>
-          <a:p>
-            <a:r>
-              <a:rPr lang="ru-RU" dirty="0" smtClean="0"/>
-              <a:t>Не </a:t>
-            </a:r>
-            <a:r>
-              <a:rPr lang="ru-RU" dirty="0"/>
-              <a:t>привязана к какой-то определённой </a:t>
-            </a:r>
-            <a:r>
-              <a:rPr lang="ru-RU" dirty="0" smtClean="0"/>
-              <a:t>технологии, языку программирования, платформе или ОС</a:t>
+              <a:t>Не привязана к какой-то определённой технологии, языку программирования, платформе или ОС</a:t>
             </a:r>
             <a:endParaRPr lang="en-US" dirty="0"/>
           </a:p>
@@ -10581,13 +9971,6 @@
   <p:clrMapOvr>
     <a:masterClrMapping/>
   </p:clrMapOvr>
-  <p:timing>
-    <p:tnLst>
-      <p:par>
-        <p:cTn id="1" dur="indefinite" restart="never" nodeType="tmRoot"/>
-      </p:par>
-    </p:tnLst>
-  </p:timing>
 </p:sld>
 </file>
 
@@ -10624,14 +10007,13 @@
           <a:lstStyle/>
           <a:p>
             <a:r>
-              <a:rPr lang="ru-RU" dirty="0" smtClean="0"/>
+              <a:rPr lang="ru-RU" dirty="0"/>
               <a:t>Достоинства </a:t>
             </a:r>
             <a:r>
-              <a:rPr lang="en-US" dirty="0" smtClean="0"/>
+              <a:rPr lang="en-US" dirty="0"/>
               <a:t>SOA</a:t>
             </a:r>
-            <a:endParaRPr lang="en-US" dirty="0"/>
           </a:p>
         </p:txBody>
       </p:sp>
@@ -10653,60 +10035,20 @@
           <a:lstStyle/>
           <a:p>
             <a:r>
-              <a:rPr lang="ru-RU" dirty="0" smtClean="0"/>
-              <a:t>Инкапсуляция деталей </a:t>
-            </a:r>
-            <a:r>
               <a:rPr lang="ru-RU" dirty="0"/>
-              <a:t>реализации </a:t>
-            </a:r>
-            <a:r>
-              <a:rPr lang="ru-RU" dirty="0" smtClean="0"/>
-              <a:t>от </a:t>
-            </a:r>
+              <a:t>Инкапсуляция деталей реализации от остальных компонентов</a:t>
+            </a:r>
+          </a:p>
+          <a:p>
             <a:r>
               <a:rPr lang="ru-RU" dirty="0"/>
-              <a:t>остальных </a:t>
-            </a:r>
-            <a:r>
-              <a:rPr lang="ru-RU" dirty="0" smtClean="0"/>
-              <a:t>компонентов</a:t>
-            </a:r>
-          </a:p>
-          <a:p>
-            <a:r>
-              <a:rPr lang="ru-RU" dirty="0" smtClean="0"/>
-              <a:t>Комбинирование </a:t>
-            </a:r>
+              <a:t>Комбинирование и многократное использование компонентов для построения сложных распределённых программных комплексов, обеспечиваает независимость от используемых платформ и инструментов разработки</a:t>
+            </a:r>
+          </a:p>
+          <a:p>
             <a:r>
               <a:rPr lang="ru-RU" dirty="0"/>
-              <a:t>и многократное использование компонентов для построения сложных распределённых программных комплексов, </a:t>
-            </a:r>
-            <a:r>
-              <a:rPr lang="ru-RU" dirty="0" smtClean="0"/>
-              <a:t>обеспечиваает </a:t>
-            </a:r>
-            <a:r>
-              <a:rPr lang="ru-RU" dirty="0"/>
-              <a:t>независимость от используемых платформ и инструментов </a:t>
-            </a:r>
-            <a:r>
-              <a:rPr lang="ru-RU" dirty="0" smtClean="0"/>
-              <a:t>разработки</a:t>
-            </a:r>
-          </a:p>
-          <a:p>
-            <a:r>
-              <a:rPr lang="ru-RU" dirty="0" smtClean="0"/>
-              <a:t>Способствует </a:t>
-            </a:r>
-            <a:r>
-              <a:rPr lang="ru-RU" dirty="0"/>
-              <a:t>масштабируемости и управляемости создаваемых </a:t>
-            </a:r>
-            <a:r>
-              <a:rPr lang="ru-RU" dirty="0" smtClean="0"/>
-              <a:t>систем</a:t>
+              <a:t>Способствует масштабируемости и управляемости создаваемых систем</a:t>
             </a:r>
             <a:endParaRPr lang="en-US" dirty="0"/>
           </a:p>
@@ -10722,13 +10064,6 @@
   <p:clrMapOvr>
     <a:masterClrMapping/>
   </p:clrMapOvr>
-  <p:timing>
-    <p:tnLst>
-      <p:par>
-        <p:cTn id="1" dur="indefinite" restart="never" nodeType="tmRoot"/>
-      </p:par>
-    </p:tnLst>
-  </p:timing>
 </p:sld>
 </file>
 
@@ -10765,7 +10100,7 @@
           <a:lstStyle/>
           <a:p>
             <a:r>
-              <a:rPr lang="ru-RU" dirty="0" smtClean="0"/>
+              <a:rPr lang="ru-RU" dirty="0"/>
               <a:t>Основополагающие принципы</a:t>
             </a:r>
             <a:endParaRPr lang="en-US" dirty="0"/>
@@ -10792,7 +10127,7 @@
               <a:buAutoNum type="arabicPeriod"/>
             </a:pPr>
             <a:r>
-              <a:rPr lang="ru-RU" dirty="0" smtClean="0"/>
+              <a:rPr lang="ru-RU" dirty="0"/>
               <a:t>Явные границы компонентов</a:t>
             </a:r>
           </a:p>
@@ -10802,7 +10137,7 @@
               <a:buAutoNum type="arabicPeriod"/>
             </a:pPr>
             <a:r>
-              <a:rPr lang="ru-RU" dirty="0" smtClean="0"/>
+              <a:rPr lang="ru-RU" dirty="0"/>
               <a:t>Сервисы являются автономными</a:t>
             </a:r>
           </a:p>
@@ -10813,13 +10148,9 @@
             </a:pPr>
             <a:r>
               <a:rPr lang="en-US" dirty="0"/>
-              <a:t>Services Share the Schema and Contract, Not the </a:t>
-            </a:r>
-            <a:r>
-              <a:rPr lang="en-US" dirty="0" smtClean="0"/>
-              <a:t>Class</a:t>
-            </a:r>
-            <a:endParaRPr lang="ru-RU" dirty="0" smtClean="0"/>
+              <a:t>Services Share the Schema and Contract, Not the Class</a:t>
+            </a:r>
+            <a:endParaRPr lang="ru-RU" dirty="0"/>
           </a:p>
           <a:p>
             <a:pPr marL="514350" indent="-514350">
@@ -10843,21 +10174,6 @@
   <p:clrMapOvr>
     <a:masterClrMapping/>
   </p:clrMapOvr>
-  <mc:AlternateContent xmlns:mc="http://schemas.openxmlformats.org/markup-compatibility/2006" xmlns:p14="http://schemas.microsoft.com/office/powerpoint/2010/main">
-    <mc:Choice Requires="p14">
-      <p:transition spd="slow" p14:dur="2000"/>
-    </mc:Choice>
-    <mc:Fallback xmlns="">
-      <p:transition spd="slow"/>
-    </mc:Fallback>
-  </mc:AlternateContent>
-  <p:timing>
-    <p:tnLst>
-      <p:par>
-        <p:cTn id="1" dur="indefinite" restart="never" nodeType="tmRoot"/>
-      </p:par>
-    </p:tnLst>
-  </p:timing>
 </p:sld>
 </file>
 
@@ -10894,22 +10210,13 @@
           <a:lstStyle/>
           <a:p>
             <a:r>
-              <a:rPr lang="ru-RU" dirty="0" smtClean="0"/>
-              <a:t>Технологии для реали</a:t>
-            </a:r>
-            <a:r>
               <a:rPr lang="ru-RU" dirty="0"/>
-              <a:t>з</a:t>
-            </a:r>
-            <a:r>
-              <a:rPr lang="ru-RU" dirty="0" smtClean="0"/>
-              <a:t>ации </a:t>
-            </a:r>
-            <a:r>
-              <a:rPr lang="en-US" dirty="0" smtClean="0"/>
+              <a:t>Технологии для реализации </a:t>
+            </a:r>
+            <a:r>
+              <a:rPr lang="en-US" dirty="0"/>
               <a:t>SOA</a:t>
             </a:r>
-            <a:endParaRPr lang="en-US" dirty="0"/>
           </a:p>
         </p:txBody>
       </p:sp>
@@ -10931,10 +10238,10 @@
           <a:lstStyle/>
           <a:p>
             <a:r>
-              <a:rPr lang="en-US" dirty="0" smtClean="0"/>
+              <a:rPr lang="en-US" dirty="0"/>
               <a:t>Web services</a:t>
             </a:r>
-            <a:endParaRPr lang="ru-RU" dirty="0" smtClean="0"/>
+            <a:endParaRPr lang="ru-RU" dirty="0"/>
           </a:p>
           <a:p>
             <a:pPr lvl="1">
@@ -10942,14 +10249,14 @@
               <a:buChar char="§"/>
             </a:pPr>
             <a:r>
-              <a:rPr lang="en-US" dirty="0" smtClean="0"/>
+              <a:rPr lang="en-US" dirty="0"/>
               <a:t>UDDI – </a:t>
             </a:r>
             <a:r>
-              <a:rPr lang="ru-RU" dirty="0" smtClean="0"/>
+              <a:rPr lang="ru-RU" dirty="0"/>
               <a:t>поиск сервисов</a:t>
             </a:r>
-            <a:endParaRPr lang="en-US" dirty="0" smtClean="0"/>
+            <a:endParaRPr lang="en-US" dirty="0"/>
           </a:p>
           <a:p>
             <a:pPr lvl="1">
@@ -10958,17 +10265,13 @@
             </a:pPr>
             <a:r>
               <a:rPr lang="en-US" dirty="0"/>
-              <a:t>WSDL, XSD </a:t>
-            </a:r>
-            <a:r>
-              <a:rPr lang="en-US" dirty="0" smtClean="0"/>
-              <a:t>– </a:t>
-            </a:r>
-            <a:r>
-              <a:rPr lang="ru-RU" dirty="0" smtClean="0"/>
+              <a:t>WSDL, XSD – </a:t>
+            </a:r>
+            <a:r>
+              <a:rPr lang="ru-RU" dirty="0"/>
               <a:t>описание сервиса</a:t>
             </a:r>
-            <a:endParaRPr lang="en-US" dirty="0" smtClean="0"/>
+            <a:endParaRPr lang="en-US" dirty="0"/>
           </a:p>
           <a:p>
             <a:pPr lvl="1">
@@ -10976,25 +10279,20 @@
               <a:buChar char="§"/>
             </a:pPr>
             <a:r>
-              <a:rPr lang="en-US" dirty="0" smtClean="0"/>
-              <a:t>SOAP, XML </a:t>
-            </a:r>
-            <a:r>
               <a:rPr lang="en-US" dirty="0"/>
-              <a:t>– </a:t>
-            </a:r>
-            <a:r>
-              <a:rPr lang="ru-RU" dirty="0" smtClean="0"/>
+              <a:t>SOAP, XML – </a:t>
+            </a:r>
+            <a:r>
+              <a:rPr lang="ru-RU" dirty="0"/>
               <a:t>передача данных</a:t>
             </a:r>
-            <a:endParaRPr lang="en-US" dirty="0" smtClean="0"/>
-          </a:p>
-          <a:p>
-            <a:r>
-              <a:rPr lang="en-US" dirty="0" smtClean="0"/>
+            <a:endParaRPr lang="en-US" dirty="0"/>
+          </a:p>
+          <a:p>
+            <a:r>
+              <a:rPr lang="en-US" dirty="0"/>
               <a:t>RPC (Remote Procedure Call)</a:t>
             </a:r>
-            <a:endParaRPr lang="en-US" dirty="0"/>
           </a:p>
           <a:p>
             <a:r>
@@ -11004,7 +10302,7 @@
           </a:p>
           <a:p>
             <a:r>
-              <a:rPr lang="en-US" dirty="0" smtClean="0">
+              <a:rPr lang="en-US" dirty="0">
                 <a:solidFill>
                   <a:srgbClr val="FFFF00"/>
                 </a:solidFill>
@@ -11012,7 +10310,7 @@
               <a:t>DCOM</a:t>
             </a:r>
             <a:r>
-              <a:rPr lang="ru-RU" dirty="0" smtClean="0">
+              <a:rPr lang="ru-RU" dirty="0">
                 <a:solidFill>
                   <a:srgbClr val="FFFF00"/>
                 </a:solidFill>
@@ -11020,18 +10318,13 @@
               <a:t> (</a:t>
             </a:r>
             <a:r>
-              <a:rPr lang="en-US" dirty="0" smtClean="0">
+              <a:rPr lang="en-US" dirty="0">
                 <a:solidFill>
                   <a:srgbClr val="FFFF00"/>
                 </a:solidFill>
               </a:rPr>
               <a:t>Distributed COM)</a:t>
             </a:r>
-            <a:endParaRPr lang="en-US" dirty="0">
-              <a:solidFill>
-                <a:srgbClr val="FFFF00"/>
-              </a:solidFill>
-            </a:endParaRPr>
           </a:p>
           <a:p>
             <a:r>
@@ -11041,47 +10334,29 @@
           </a:p>
           <a:p>
             <a:r>
-              <a:rPr lang="en-US" dirty="0" smtClean="0"/>
-              <a:t>DDS </a:t>
-            </a:r>
-            <a:r>
               <a:rPr lang="en-US" dirty="0"/>
-              <a:t>(Data distribution </a:t>
-            </a:r>
-            <a:r>
-              <a:rPr lang="en-US" dirty="0" smtClean="0"/>
-              <a:t>service)</a:t>
-            </a:r>
-            <a:endParaRPr lang="en-US" dirty="0"/>
-          </a:p>
-          <a:p>
-            <a:r>
-              <a:rPr lang="en-US" dirty="0" smtClean="0"/>
-              <a:t>Java </a:t>
-            </a:r>
+              <a:t>DDS (Data distribution service)</a:t>
+            </a:r>
+          </a:p>
+          <a:p>
             <a:r>
               <a:rPr lang="en-US" dirty="0"/>
-              <a:t>RMI (remote method invocation)</a:t>
-            </a:r>
-          </a:p>
-          <a:p>
-            <a:r>
-              <a:rPr lang="en-US" dirty="0" smtClean="0">
+              <a:t>Java RMI (remote method invocation)</a:t>
+            </a:r>
+          </a:p>
+          <a:p>
+            <a:r>
+              <a:rPr lang="en-US" dirty="0">
                 <a:solidFill>
                   <a:srgbClr val="FFFF00"/>
                 </a:solidFill>
               </a:rPr>
               <a:t>WCF</a:t>
             </a:r>
-            <a:endParaRPr lang="en-US" dirty="0">
-              <a:solidFill>
-                <a:srgbClr val="FFFF00"/>
-              </a:solidFill>
-            </a:endParaRPr>
-          </a:p>
-          <a:p>
-            <a:r>
-              <a:rPr lang="en-US" dirty="0" smtClean="0">
+          </a:p>
+          <a:p>
+            <a:r>
+              <a:rPr lang="en-US" dirty="0">
                 <a:solidFill>
                   <a:srgbClr val="FFFF00"/>
                 </a:solidFill>
@@ -11089,7 +10364,7 @@
               <a:t>.NET </a:t>
             </a:r>
             <a:r>
-              <a:rPr lang="en-US" dirty="0" err="1" smtClean="0">
+              <a:rPr lang="en-US" dirty="0" err="1">
                 <a:solidFill>
                   <a:srgbClr val="FFFF00"/>
                 </a:solidFill>
@@ -11117,13 +10392,6 @@
   <p:clrMapOvr>
     <a:masterClrMapping/>
   </p:clrMapOvr>
-  <p:timing>
-    <p:tnLst>
-      <p:par>
-        <p:cTn id="1" dur="indefinite" restart="never" nodeType="tmRoot"/>
-      </p:par>
-    </p:tnLst>
-  </p:timing>
 </p:sld>
 </file>
 
@@ -11239,7 +10507,7 @@
           <a:lstStyle/>
           <a:p>
             <a:r>
-              <a:rPr lang="ru-RU" dirty="0" smtClean="0">
+              <a:rPr lang="ru-RU" dirty="0">
                 <a:solidFill>
                   <a:srgbClr val="000000"/>
                 </a:solidFill>
@@ -11247,7 +10515,7 @@
               <a:t>Взаимосвязь терминов </a:t>
             </a:r>
             <a:r>
-              <a:rPr lang="en-US" dirty="0" smtClean="0">
+              <a:rPr lang="en-US" dirty="0">
                 <a:solidFill>
                   <a:srgbClr val="000000"/>
                 </a:solidFill>
@@ -11255,7 +10523,7 @@
               <a:t>SOA </a:t>
             </a:r>
             <a:r>
-              <a:rPr lang="ru-RU" dirty="0" smtClean="0">
+              <a:rPr lang="ru-RU" dirty="0">
                 <a:solidFill>
                   <a:srgbClr val="000000"/>
                 </a:solidFill>
@@ -11263,18 +10531,13 @@
               <a:t>и </a:t>
             </a:r>
             <a:r>
-              <a:rPr lang="en-US" dirty="0" smtClean="0">
+              <a:rPr lang="en-US" dirty="0">
                 <a:solidFill>
                   <a:srgbClr val="000000"/>
                 </a:solidFill>
               </a:rPr>
               <a:t>WCF</a:t>
             </a:r>
-            <a:endParaRPr lang="en-US" dirty="0">
-              <a:solidFill>
-                <a:srgbClr val="000000"/>
-              </a:solidFill>
-            </a:endParaRPr>
           </a:p>
         </p:txBody>
       </p:sp>
@@ -11288,13 +10551,6 @@
   <p:clrMapOvr>
     <a:masterClrMapping/>
   </p:clrMapOvr>
-  <p:timing>
-    <p:tnLst>
-      <p:par>
-        <p:cTn id="1" dur="indefinite" restart="never" nodeType="tmRoot"/>
-      </p:par>
-    </p:tnLst>
-  </p:timing>
 </p:sld>
 </file>
 
@@ -11333,10 +10589,9 @@
           <a:lstStyle/>
           <a:p>
             <a:r>
-              <a:rPr lang="en-US" dirty="0" smtClean="0"/>
+              <a:rPr lang="en-US" dirty="0"/>
               <a:t>ABC of WCF</a:t>
             </a:r>
-            <a:endParaRPr lang="en-US" dirty="0"/>
           </a:p>
         </p:txBody>
       </p:sp>
@@ -11356,33 +10611,33 @@
           <a:lstStyle/>
           <a:p>
             <a:r>
-              <a:rPr lang="en-US" dirty="0" smtClean="0"/>
+              <a:rPr lang="en-US" dirty="0"/>
               <a:t>Address – </a:t>
             </a:r>
             <a:r>
-              <a:rPr lang="ru-RU" dirty="0" smtClean="0"/>
+              <a:rPr lang="ru-RU" dirty="0"/>
               <a:t>адрес указывает куда можно отправлять сообщения или где находится сервис-адресат.</a:t>
             </a:r>
-            <a:endParaRPr lang="en-US" dirty="0" smtClean="0"/>
-          </a:p>
-          <a:p>
-            <a:r>
-              <a:rPr lang="en-US" dirty="0" smtClean="0"/>
+            <a:endParaRPr lang="en-US" dirty="0"/>
+          </a:p>
+          <a:p>
+            <a:r>
+              <a:rPr lang="en-US" dirty="0"/>
               <a:t>Binding</a:t>
             </a:r>
             <a:r>
-              <a:rPr lang="ru-RU" dirty="0" smtClean="0"/>
+              <a:rPr lang="ru-RU" dirty="0"/>
               <a:t> – привязка указывает способ (протокол) отправки сообщения</a:t>
             </a:r>
-            <a:endParaRPr lang="en-US" dirty="0" smtClean="0"/>
-          </a:p>
-          <a:p>
-            <a:r>
-              <a:rPr lang="en-US" dirty="0" smtClean="0"/>
+            <a:endParaRPr lang="en-US" dirty="0"/>
+          </a:p>
+          <a:p>
+            <a:r>
+              <a:rPr lang="en-US" dirty="0"/>
               <a:t>Contract</a:t>
             </a:r>
             <a:r>
-              <a:rPr lang="ru-RU" dirty="0" smtClean="0"/>
+              <a:rPr lang="ru-RU" dirty="0"/>
               <a:t> – контракт описывает содержимое сообщения</a:t>
             </a:r>
             <a:endParaRPr lang="en-US" dirty="0"/>
@@ -11399,13 +10654,6 @@
   <p:clrMapOvr>
     <a:masterClrMapping/>
   </p:clrMapOvr>
-  <p:timing>
-    <p:tnLst>
-      <p:par>
-        <p:cTn id="1" dur="indefinite" restart="never" nodeType="tmRoot"/>
-      </p:par>
-    </p:tnLst>
-  </p:timing>
 </p:sld>
 </file>
 

--- a/Presentation/lesson-13-wcf.pptx
+++ b/Presentation/lesson-13-wcf.pptx
@@ -132,7 +132,7 @@
   </p:defaultTextStyle>
   <p:extLst>
     <p:ext uri="{EFAFB233-063F-42B5-8137-9DF3F51BA10A}">
-      <p15:sldGuideLst xmlns:p15="http://schemas.microsoft.com/office/powerpoint/2012/main">
+      <p15:sldGuideLst xmlns:p15="http://schemas.microsoft.com/office/powerpoint/2012/main" xmlns="">
         <p15:guide id="1" orient="horz" pos="2160">
           <p15:clr>
             <a:srgbClr val="A4A3A4"/>
@@ -231,7 +231,7 @@
           <a:p>
             <a:fld id="{B24A7054-7FFB-49F4-A126-5DF6E687FF53}" type="datetimeFigureOut">
               <a:rPr lang="ru-RU" smtClean="0"/>
-              <a:t>01.07.2018</a:t>
+              <a:t>22.02.2019</a:t>
             </a:fld>
             <a:endParaRPr lang="ru-RU"/>
           </a:p>
@@ -500,8 +500,8 @@
 </file>
 
 <file path=ppt/slideLayouts/slideLayout1.xml><?xml version="1.0" encoding="utf-8"?>
-<p:sldLayout xmlns:a="http://schemas.openxmlformats.org/drawingml/2006/main" xmlns:r="http://schemas.openxmlformats.org/officeDocument/2006/relationships" xmlns:p="http://schemas.openxmlformats.org/presentationml/2006/main" preserve="1" userDrawn="1">
-  <p:cSld name="Title Slide">
+<p:sldLayout xmlns:a="http://schemas.openxmlformats.org/drawingml/2006/main" xmlns:r="http://schemas.openxmlformats.org/officeDocument/2006/relationships" xmlns:p="http://schemas.openxmlformats.org/presentationml/2006/main" type="obj" preserve="1">
+  <p:cSld name="Title and Content">
     <p:spTree>
       <p:nvGrpSpPr>
         <p:cNvPr id="1" name=""/>
@@ -518,172 +518,83 @@
       </p:grpSpPr>
       <p:sp>
         <p:nvSpPr>
-          <p:cNvPr id="7" name="Rectangle 6"/>
-          <p:cNvSpPr/>
-          <p:nvPr userDrawn="1"/>
+          <p:cNvPr id="2" name="Title 1"/>
+          <p:cNvSpPr>
+            <a:spLocks noGrp="1"/>
+          </p:cNvSpPr>
+          <p:nvPr>
+            <p:ph type="title"/>
+          </p:nvPr>
         </p:nvSpPr>
-        <p:spPr>
-          <a:xfrm>
-            <a:off x="143508" y="1304764"/>
-            <a:ext cx="8856984" cy="646331"/>
-          </a:xfrm>
-          <a:prstGeom prst="rect">
-            <a:avLst/>
-          </a:prstGeom>
-        </p:spPr>
+        <p:spPr/>
         <p:txBody>
-          <a:bodyPr wrap="square">
-            <a:spAutoFit/>
-          </a:bodyPr>
+          <a:bodyPr/>
           <a:lstStyle/>
           <a:p>
-            <a:pPr algn="ctr"/>
-            <a:r>
-              <a:rPr lang="ru-RU" sz="3600" b="1" i="1" dirty="0">
-                <a:solidFill>
-                  <a:schemeClr val="bg1"/>
-                </a:solidFill>
-              </a:rPr>
-              <a:t>Основы программирования на </a:t>
-            </a:r>
-            <a:r>
-              <a:rPr lang="en-US" sz="3600" b="1" i="1" dirty="0">
-                <a:solidFill>
-                  <a:schemeClr val="bg1"/>
-                </a:solidFill>
-              </a:rPr>
-              <a:t>C#</a:t>
-            </a:r>
-            <a:endParaRPr lang="ru-RU" sz="3600" b="1" i="1" dirty="0">
-              <a:solidFill>
-                <a:schemeClr val="bg1"/>
-              </a:solidFill>
-            </a:endParaRPr>
+            <a:r>
+              <a:rPr lang="en-US"/>
+              <a:t>Click to edit Master title style</a:t>
+            </a:r>
+            <a:endParaRPr lang="ru-RU" dirty="0"/>
           </a:p>
         </p:txBody>
       </p:sp>
-      <p:pic>
-        <p:nvPicPr>
-          <p:cNvPr id="8" name="Picture 5"/>
-          <p:cNvPicPr>
-            <a:picLocks noChangeAspect="1" noChangeArrowheads="1"/>
-          </p:cNvPicPr>
-          <p:nvPr userDrawn="1"/>
-        </p:nvPicPr>
-        <p:blipFill>
-          <a:blip r:embed="rId2">
-            <a:extLst>
-              <a:ext uri="{28A0092B-C50C-407E-A947-70E740481C1C}">
-                <a14:useLocalDpi xmlns:a14="http://schemas.microsoft.com/office/drawing/2010/main" val="0"/>
-              </a:ext>
-            </a:extLst>
-          </a:blip>
-          <a:srcRect/>
-          <a:stretch>
-            <a:fillRect/>
-          </a:stretch>
-        </p:blipFill>
-        <p:spPr bwMode="auto">
-          <a:xfrm>
-            <a:off x="1638300" y="3829211"/>
-            <a:ext cx="5867400" cy="1724025"/>
-          </a:xfrm>
-          <a:prstGeom prst="rect">
-            <a:avLst/>
-          </a:prstGeom>
-          <a:noFill/>
-          <a:ln>
-            <a:noFill/>
-          </a:ln>
-          <a:effectLst/>
-          <a:extLst>
-            <a:ext uri="{909E8E84-426E-40DD-AFC4-6F175D3DCCD1}">
-              <a14:hiddenFill xmlns:a14="http://schemas.microsoft.com/office/drawing/2010/main">
-                <a:solidFill>
-                  <a:schemeClr val="accent1"/>
-                </a:solidFill>
-              </a14:hiddenFill>
-            </a:ext>
-            <a:ext uri="{91240B29-F687-4F45-9708-019B960494DF}">
-              <a14:hiddenLine xmlns:a14="http://schemas.microsoft.com/office/drawing/2010/main" w="9525">
-                <a:solidFill>
-                  <a:schemeClr val="tx1"/>
-                </a:solidFill>
-                <a:miter lim="800000"/>
-                <a:headEnd/>
-                <a:tailEnd/>
-              </a14:hiddenLine>
-            </a:ext>
-            <a:ext uri="{AF507438-7753-43E0-B8FC-AC1667EBCBE1}">
-              <a14:hiddenEffects xmlns:a14="http://schemas.microsoft.com/office/drawing/2010/main">
-                <a:effectLst>
-                  <a:outerShdw dist="35921" dir="2700000" algn="ctr" rotWithShape="0">
-                    <a:schemeClr val="bg2"/>
-                  </a:outerShdw>
-                </a:effectLst>
-              </a14:hiddenEffects>
-            </a:ext>
-          </a:extLst>
-        </p:spPr>
-      </p:pic>
       <p:sp>
         <p:nvSpPr>
-          <p:cNvPr id="9" name="TextBox 8"/>
-          <p:cNvSpPr txBox="1"/>
-          <p:nvPr userDrawn="1"/>
+          <p:cNvPr id="3" name="Content Placeholder 2"/>
+          <p:cNvSpPr>
+            <a:spLocks noGrp="1"/>
+          </p:cNvSpPr>
+          <p:nvPr>
+            <p:ph idx="1"/>
+          </p:nvPr>
         </p:nvSpPr>
-        <p:spPr>
-          <a:xfrm>
-            <a:off x="2774873" y="2528900"/>
-            <a:ext cx="4240263" cy="461665"/>
-          </a:xfrm>
-          <a:prstGeom prst="rect">
-            <a:avLst/>
-          </a:prstGeom>
-          <a:noFill/>
-        </p:spPr>
+        <p:spPr/>
         <p:txBody>
-          <a:bodyPr wrap="none" rtlCol="0">
-            <a:spAutoFit/>
-          </a:bodyPr>
+          <a:bodyPr/>
           <a:lstStyle/>
           <a:p>
-            <a:r>
-              <a:rPr lang="ru-RU" sz="2400" dirty="0">
-                <a:solidFill>
-                  <a:schemeClr val="bg1"/>
-                </a:solidFill>
-              </a:rPr>
-              <a:t>Занятие №</a:t>
-            </a:r>
-            <a:r>
-              <a:rPr lang="en-US" sz="2400" dirty="0">
-                <a:solidFill>
-                  <a:schemeClr val="bg1"/>
-                </a:solidFill>
-              </a:rPr>
-              <a:t>?</a:t>
-            </a:r>
-            <a:r>
-              <a:rPr lang="ru-RU" sz="2400" dirty="0">
-                <a:solidFill>
-                  <a:schemeClr val="bg1"/>
-                </a:solidFill>
-              </a:rPr>
-              <a:t>. Название занятия</a:t>
-            </a:r>
-            <a:endParaRPr lang="en-US" sz="2400" dirty="0">
-              <a:solidFill>
-                <a:schemeClr val="bg1"/>
-              </a:solidFill>
-            </a:endParaRPr>
+            <a:pPr lvl="0"/>
+            <a:r>
+              <a:rPr lang="en-US"/>
+              <a:t>Click to edit Master text styles</a:t>
+            </a:r>
+          </a:p>
+          <a:p>
+            <a:pPr lvl="1"/>
+            <a:r>
+              <a:rPr lang="en-US"/>
+              <a:t>Second level</a:t>
+            </a:r>
+          </a:p>
+          <a:p>
+            <a:pPr lvl="2"/>
+            <a:r>
+              <a:rPr lang="en-US"/>
+              <a:t>Third level</a:t>
+            </a:r>
+          </a:p>
+          <a:p>
+            <a:pPr lvl="3"/>
+            <a:r>
+              <a:rPr lang="en-US"/>
+              <a:t>Fourth level</a:t>
+            </a:r>
+          </a:p>
+          <a:p>
+            <a:pPr lvl="4"/>
+            <a:r>
+              <a:rPr lang="en-US"/>
+              <a:t>Fifth level</a:t>
+            </a:r>
+            <a:endParaRPr lang="ru-RU" dirty="0"/>
           </a:p>
         </p:txBody>
       </p:sp>
     </p:spTree>
     <p:extLst>
       <p:ext uri="{BB962C8B-B14F-4D97-AF65-F5344CB8AC3E}">
-        <p14:creationId xmlns:p14="http://schemas.microsoft.com/office/powerpoint/2010/main" val="2062725571"/>
+        <p14:creationId xmlns:p14="http://schemas.microsoft.com/office/powerpoint/2010/main" val="3363467697"/>
       </p:ext>
     </p:extLst>
   </p:cSld>
@@ -694,6 +605,1589 @@
 </file>
 
 <file path=ppt/slideLayouts/slideLayout10.xml><?xml version="1.0" encoding="utf-8"?>
+<p:sldLayout xmlns:a="http://schemas.openxmlformats.org/drawingml/2006/main" xmlns:r="http://schemas.openxmlformats.org/officeDocument/2006/relationships" xmlns:p="http://schemas.openxmlformats.org/presentationml/2006/main" type="vertTx" preserve="1">
+  <p:cSld name="Title and Vertical Text">
+    <p:spTree>
+      <p:nvGrpSpPr>
+        <p:cNvPr id="1" name=""/>
+        <p:cNvGrpSpPr/>
+        <p:nvPr/>
+      </p:nvGrpSpPr>
+      <p:grpSpPr>
+        <a:xfrm>
+          <a:off x="0" y="0"/>
+          <a:ext cx="0" cy="0"/>
+          <a:chOff x="0" y="0"/>
+          <a:chExt cx="0" cy="0"/>
+        </a:xfrm>
+      </p:grpSpPr>
+      <p:sp>
+        <p:nvSpPr>
+          <p:cNvPr id="2" name="Title 1"/>
+          <p:cNvSpPr>
+            <a:spLocks noGrp="1"/>
+          </p:cNvSpPr>
+          <p:nvPr>
+            <p:ph type="title"/>
+          </p:nvPr>
+        </p:nvSpPr>
+        <p:spPr/>
+        <p:txBody>
+          <a:bodyPr/>
+          <a:lstStyle/>
+          <a:p>
+            <a:r>
+              <a:rPr lang="en-US"/>
+              <a:t>Click to edit Master title style</a:t>
+            </a:r>
+            <a:endParaRPr lang="ru-RU" dirty="0"/>
+          </a:p>
+        </p:txBody>
+      </p:sp>
+      <p:sp>
+        <p:nvSpPr>
+          <p:cNvPr id="3" name="Vertical Text Placeholder 2"/>
+          <p:cNvSpPr>
+            <a:spLocks noGrp="1"/>
+          </p:cNvSpPr>
+          <p:nvPr>
+            <p:ph type="body" orient="vert" idx="1"/>
+          </p:nvPr>
+        </p:nvSpPr>
+        <p:spPr/>
+        <p:txBody>
+          <a:bodyPr vert="eaVert"/>
+          <a:lstStyle/>
+          <a:p>
+            <a:pPr lvl="0"/>
+            <a:r>
+              <a:rPr lang="en-US"/>
+              <a:t>Click to edit Master text styles</a:t>
+            </a:r>
+          </a:p>
+          <a:p>
+            <a:pPr lvl="1"/>
+            <a:r>
+              <a:rPr lang="en-US"/>
+              <a:t>Second level</a:t>
+            </a:r>
+          </a:p>
+          <a:p>
+            <a:pPr lvl="2"/>
+            <a:r>
+              <a:rPr lang="en-US"/>
+              <a:t>Third level</a:t>
+            </a:r>
+          </a:p>
+          <a:p>
+            <a:pPr lvl="3"/>
+            <a:r>
+              <a:rPr lang="en-US"/>
+              <a:t>Fourth level</a:t>
+            </a:r>
+          </a:p>
+          <a:p>
+            <a:pPr lvl="4"/>
+            <a:r>
+              <a:rPr lang="en-US"/>
+              <a:t>Fifth level</a:t>
+            </a:r>
+            <a:endParaRPr lang="ru-RU" dirty="0"/>
+          </a:p>
+        </p:txBody>
+      </p:sp>
+    </p:spTree>
+    <p:extLst>
+      <p:ext uri="{BB962C8B-B14F-4D97-AF65-F5344CB8AC3E}">
+        <p14:creationId xmlns:p14="http://schemas.microsoft.com/office/powerpoint/2010/main" val="2015559697"/>
+      </p:ext>
+    </p:extLst>
+  </p:cSld>
+  <p:clrMapOvr>
+    <a:masterClrMapping/>
+  </p:clrMapOvr>
+</p:sldLayout>
+</file>
+
+<file path=ppt/slideLayouts/slideLayout11.xml><?xml version="1.0" encoding="utf-8"?>
+<p:sldLayout xmlns:a="http://schemas.openxmlformats.org/drawingml/2006/main" xmlns:r="http://schemas.openxmlformats.org/officeDocument/2006/relationships" xmlns:p="http://schemas.openxmlformats.org/presentationml/2006/main" type="vertTitleAndTx" preserve="1">
+  <p:cSld name="Vertical Title and Text">
+    <p:spTree>
+      <p:nvGrpSpPr>
+        <p:cNvPr id="1" name=""/>
+        <p:cNvGrpSpPr/>
+        <p:nvPr/>
+      </p:nvGrpSpPr>
+      <p:grpSpPr>
+        <a:xfrm>
+          <a:off x="0" y="0"/>
+          <a:ext cx="0" cy="0"/>
+          <a:chOff x="0" y="0"/>
+          <a:chExt cx="0" cy="0"/>
+        </a:xfrm>
+      </p:grpSpPr>
+      <p:sp>
+        <p:nvSpPr>
+          <p:cNvPr id="2" name="Vertical Title 1"/>
+          <p:cNvSpPr>
+            <a:spLocks noGrp="1"/>
+          </p:cNvSpPr>
+          <p:nvPr>
+            <p:ph type="title" orient="vert"/>
+          </p:nvPr>
+        </p:nvSpPr>
+        <p:spPr>
+          <a:xfrm>
+            <a:off x="6629400" y="274638"/>
+            <a:ext cx="2057400" cy="5851525"/>
+          </a:xfrm>
+        </p:spPr>
+        <p:txBody>
+          <a:bodyPr vert="eaVert"/>
+          <a:lstStyle/>
+          <a:p>
+            <a:r>
+              <a:rPr lang="en-US"/>
+              <a:t>Click to edit Master title style</a:t>
+            </a:r>
+            <a:endParaRPr lang="ru-RU" dirty="0"/>
+          </a:p>
+        </p:txBody>
+      </p:sp>
+      <p:sp>
+        <p:nvSpPr>
+          <p:cNvPr id="3" name="Vertical Text Placeholder 2"/>
+          <p:cNvSpPr>
+            <a:spLocks noGrp="1"/>
+          </p:cNvSpPr>
+          <p:nvPr>
+            <p:ph type="body" orient="vert" idx="1"/>
+          </p:nvPr>
+        </p:nvSpPr>
+        <p:spPr>
+          <a:xfrm>
+            <a:off x="457200" y="274638"/>
+            <a:ext cx="6019800" cy="5851525"/>
+          </a:xfrm>
+        </p:spPr>
+        <p:txBody>
+          <a:bodyPr vert="eaVert"/>
+          <a:lstStyle/>
+          <a:p>
+            <a:pPr lvl="0"/>
+            <a:r>
+              <a:rPr lang="en-US"/>
+              <a:t>Click to edit Master text styles</a:t>
+            </a:r>
+          </a:p>
+          <a:p>
+            <a:pPr lvl="1"/>
+            <a:r>
+              <a:rPr lang="en-US"/>
+              <a:t>Second level</a:t>
+            </a:r>
+          </a:p>
+          <a:p>
+            <a:pPr lvl="2"/>
+            <a:r>
+              <a:rPr lang="en-US"/>
+              <a:t>Third level</a:t>
+            </a:r>
+          </a:p>
+          <a:p>
+            <a:pPr lvl="3"/>
+            <a:r>
+              <a:rPr lang="en-US"/>
+              <a:t>Fourth level</a:t>
+            </a:r>
+          </a:p>
+          <a:p>
+            <a:pPr lvl="4"/>
+            <a:r>
+              <a:rPr lang="en-US"/>
+              <a:t>Fifth level</a:t>
+            </a:r>
+            <a:endParaRPr lang="ru-RU" dirty="0"/>
+          </a:p>
+        </p:txBody>
+      </p:sp>
+    </p:spTree>
+    <p:extLst>
+      <p:ext uri="{BB962C8B-B14F-4D97-AF65-F5344CB8AC3E}">
+        <p14:creationId xmlns:p14="http://schemas.microsoft.com/office/powerpoint/2010/main" val="370514854"/>
+      </p:ext>
+    </p:extLst>
+  </p:cSld>
+  <p:clrMapOvr>
+    <a:masterClrMapping/>
+  </p:clrMapOvr>
+</p:sldLayout>
+</file>
+
+<file path=ppt/slideLayouts/slideLayout12.xml><?xml version="1.0" encoding="utf-8"?>
+<p:sldLayout xmlns:a="http://schemas.openxmlformats.org/drawingml/2006/main" xmlns:r="http://schemas.openxmlformats.org/officeDocument/2006/relationships" xmlns:p="http://schemas.openxmlformats.org/presentationml/2006/main" type="title">
+  <p:cSld name="2_Title Slide">
+    <p:spTree>
+      <p:nvGrpSpPr>
+        <p:cNvPr id="1" name=""/>
+        <p:cNvGrpSpPr/>
+        <p:nvPr/>
+      </p:nvGrpSpPr>
+      <p:grpSpPr>
+        <a:xfrm>
+          <a:off x="0" y="0"/>
+          <a:ext cx="0" cy="0"/>
+          <a:chOff x="0" y="0"/>
+          <a:chExt cx="0" cy="0"/>
+        </a:xfrm>
+      </p:grpSpPr>
+      <p:sp>
+        <p:nvSpPr>
+          <p:cNvPr id="2" name="Title 1"/>
+          <p:cNvSpPr>
+            <a:spLocks noGrp="1"/>
+          </p:cNvSpPr>
+          <p:nvPr>
+            <p:ph type="ctrTitle"/>
+          </p:nvPr>
+        </p:nvSpPr>
+        <p:spPr>
+          <a:xfrm>
+            <a:off x="685800" y="2130425"/>
+            <a:ext cx="7772400" cy="1470025"/>
+          </a:xfrm>
+        </p:spPr>
+        <p:txBody>
+          <a:bodyPr/>
+          <a:lstStyle/>
+          <a:p>
+            <a:r>
+              <a:rPr lang="en-US"/>
+              <a:t>Click to edit Master title style</a:t>
+            </a:r>
+            <a:endParaRPr lang="ru-RU"/>
+          </a:p>
+        </p:txBody>
+      </p:sp>
+      <p:sp>
+        <p:nvSpPr>
+          <p:cNvPr id="3" name="Subtitle 2"/>
+          <p:cNvSpPr>
+            <a:spLocks noGrp="1"/>
+          </p:cNvSpPr>
+          <p:nvPr>
+            <p:ph type="subTitle" idx="1"/>
+          </p:nvPr>
+        </p:nvSpPr>
+        <p:spPr>
+          <a:xfrm>
+            <a:off x="1371600" y="3886200"/>
+            <a:ext cx="6400800" cy="1752600"/>
+          </a:xfrm>
+        </p:spPr>
+        <p:txBody>
+          <a:bodyPr/>
+          <a:lstStyle>
+            <a:lvl1pPr marL="0" indent="0" algn="ctr">
+              <a:buNone/>
+              <a:defRPr>
+                <a:solidFill>
+                  <a:schemeClr val="tx1">
+                    <a:tint val="75000"/>
+                  </a:schemeClr>
+                </a:solidFill>
+              </a:defRPr>
+            </a:lvl1pPr>
+            <a:lvl2pPr marL="457200" indent="0" algn="ctr">
+              <a:buNone/>
+              <a:defRPr>
+                <a:solidFill>
+                  <a:schemeClr val="tx1">
+                    <a:tint val="75000"/>
+                  </a:schemeClr>
+                </a:solidFill>
+              </a:defRPr>
+            </a:lvl2pPr>
+            <a:lvl3pPr marL="914400" indent="0" algn="ctr">
+              <a:buNone/>
+              <a:defRPr>
+                <a:solidFill>
+                  <a:schemeClr val="tx1">
+                    <a:tint val="75000"/>
+                  </a:schemeClr>
+                </a:solidFill>
+              </a:defRPr>
+            </a:lvl3pPr>
+            <a:lvl4pPr marL="1371600" indent="0" algn="ctr">
+              <a:buNone/>
+              <a:defRPr>
+                <a:solidFill>
+                  <a:schemeClr val="tx1">
+                    <a:tint val="75000"/>
+                  </a:schemeClr>
+                </a:solidFill>
+              </a:defRPr>
+            </a:lvl4pPr>
+            <a:lvl5pPr marL="1828800" indent="0" algn="ctr">
+              <a:buNone/>
+              <a:defRPr>
+                <a:solidFill>
+                  <a:schemeClr val="tx1">
+                    <a:tint val="75000"/>
+                  </a:schemeClr>
+                </a:solidFill>
+              </a:defRPr>
+            </a:lvl5pPr>
+            <a:lvl6pPr marL="2286000" indent="0" algn="ctr">
+              <a:buNone/>
+              <a:defRPr>
+                <a:solidFill>
+                  <a:schemeClr val="tx1">
+                    <a:tint val="75000"/>
+                  </a:schemeClr>
+                </a:solidFill>
+              </a:defRPr>
+            </a:lvl6pPr>
+            <a:lvl7pPr marL="2743200" indent="0" algn="ctr">
+              <a:buNone/>
+              <a:defRPr>
+                <a:solidFill>
+                  <a:schemeClr val="tx1">
+                    <a:tint val="75000"/>
+                  </a:schemeClr>
+                </a:solidFill>
+              </a:defRPr>
+            </a:lvl7pPr>
+            <a:lvl8pPr marL="3200400" indent="0" algn="ctr">
+              <a:buNone/>
+              <a:defRPr>
+                <a:solidFill>
+                  <a:schemeClr val="tx1">
+                    <a:tint val="75000"/>
+                  </a:schemeClr>
+                </a:solidFill>
+              </a:defRPr>
+            </a:lvl8pPr>
+            <a:lvl9pPr marL="3657600" indent="0" algn="ctr">
+              <a:buNone/>
+              <a:defRPr>
+                <a:solidFill>
+                  <a:schemeClr val="tx1">
+                    <a:tint val="75000"/>
+                  </a:schemeClr>
+                </a:solidFill>
+              </a:defRPr>
+            </a:lvl9pPr>
+          </a:lstStyle>
+          <a:p>
+            <a:r>
+              <a:rPr lang="en-US"/>
+              <a:t>Click to edit Master subtitle style</a:t>
+            </a:r>
+            <a:endParaRPr lang="ru-RU"/>
+          </a:p>
+        </p:txBody>
+      </p:sp>
+      <p:sp>
+        <p:nvSpPr>
+          <p:cNvPr id="4" name="Date Placeholder 3"/>
+          <p:cNvSpPr>
+            <a:spLocks noGrp="1"/>
+          </p:cNvSpPr>
+          <p:nvPr>
+            <p:ph type="dt" sz="half" idx="10"/>
+          </p:nvPr>
+        </p:nvSpPr>
+        <p:spPr/>
+        <p:txBody>
+          <a:bodyPr/>
+          <a:lstStyle/>
+          <a:p>
+            <a:fld id="{8E6E6A2A-E9D3-4A0D-B04A-ABDD367A1E08}" type="datetimeFigureOut">
+              <a:rPr lang="ru-RU" smtClean="0"/>
+              <a:t>22.02.2019</a:t>
+            </a:fld>
+            <a:endParaRPr lang="ru-RU"/>
+          </a:p>
+        </p:txBody>
+      </p:sp>
+      <p:sp>
+        <p:nvSpPr>
+          <p:cNvPr id="5" name="Footer Placeholder 4"/>
+          <p:cNvSpPr>
+            <a:spLocks noGrp="1"/>
+          </p:cNvSpPr>
+          <p:nvPr>
+            <p:ph type="ftr" sz="quarter" idx="11"/>
+          </p:nvPr>
+        </p:nvSpPr>
+        <p:spPr/>
+        <p:txBody>
+          <a:bodyPr/>
+          <a:lstStyle/>
+          <a:p>
+            <a:endParaRPr lang="ru-RU"/>
+          </a:p>
+        </p:txBody>
+      </p:sp>
+      <p:sp>
+        <p:nvSpPr>
+          <p:cNvPr id="6" name="Slide Number Placeholder 5"/>
+          <p:cNvSpPr>
+            <a:spLocks noGrp="1"/>
+          </p:cNvSpPr>
+          <p:nvPr>
+            <p:ph type="sldNum" sz="quarter" idx="12"/>
+          </p:nvPr>
+        </p:nvSpPr>
+        <p:spPr/>
+        <p:txBody>
+          <a:bodyPr/>
+          <a:lstStyle/>
+          <a:p>
+            <a:fld id="{BC0D3D34-2E8A-4A38-B864-C677BA056495}" type="slidenum">
+              <a:rPr lang="ru-RU" smtClean="0"/>
+              <a:t>‹#›</a:t>
+            </a:fld>
+            <a:endParaRPr lang="ru-RU"/>
+          </a:p>
+        </p:txBody>
+      </p:sp>
+    </p:spTree>
+    <p:extLst>
+      <p:ext uri="{BB962C8B-B14F-4D97-AF65-F5344CB8AC3E}">
+        <p14:creationId xmlns:p14="http://schemas.microsoft.com/office/powerpoint/2010/main" val="1706083581"/>
+      </p:ext>
+    </p:extLst>
+  </p:cSld>
+  <p:clrMapOvr>
+    <a:masterClrMapping/>
+  </p:clrMapOvr>
+</p:sldLayout>
+</file>
+
+<file path=ppt/slideLayouts/slideLayout2.xml><?xml version="1.0" encoding="utf-8"?>
+<p:sldLayout xmlns:a="http://schemas.openxmlformats.org/drawingml/2006/main" xmlns:r="http://schemas.openxmlformats.org/officeDocument/2006/relationships" xmlns:p="http://schemas.openxmlformats.org/presentationml/2006/main" type="secHead" preserve="1">
+  <p:cSld name="Section Header">
+    <p:spTree>
+      <p:nvGrpSpPr>
+        <p:cNvPr id="1" name=""/>
+        <p:cNvGrpSpPr/>
+        <p:nvPr/>
+      </p:nvGrpSpPr>
+      <p:grpSpPr>
+        <a:xfrm>
+          <a:off x="0" y="0"/>
+          <a:ext cx="0" cy="0"/>
+          <a:chOff x="0" y="0"/>
+          <a:chExt cx="0" cy="0"/>
+        </a:xfrm>
+      </p:grpSpPr>
+      <p:sp>
+        <p:nvSpPr>
+          <p:cNvPr id="2" name="Title 1"/>
+          <p:cNvSpPr>
+            <a:spLocks noGrp="1"/>
+          </p:cNvSpPr>
+          <p:nvPr>
+            <p:ph type="title"/>
+          </p:nvPr>
+        </p:nvSpPr>
+        <p:spPr>
+          <a:xfrm>
+            <a:off x="722313" y="4406900"/>
+            <a:ext cx="7772400" cy="1362075"/>
+          </a:xfrm>
+        </p:spPr>
+        <p:txBody>
+          <a:bodyPr anchor="t"/>
+          <a:lstStyle>
+            <a:lvl1pPr algn="l">
+              <a:defRPr sz="4000" b="1" cap="all"/>
+            </a:lvl1pPr>
+          </a:lstStyle>
+          <a:p>
+            <a:r>
+              <a:rPr lang="en-US"/>
+              <a:t>Click to edit Master title style</a:t>
+            </a:r>
+            <a:endParaRPr lang="ru-RU" dirty="0"/>
+          </a:p>
+        </p:txBody>
+      </p:sp>
+      <p:sp>
+        <p:nvSpPr>
+          <p:cNvPr id="3" name="Text Placeholder 2"/>
+          <p:cNvSpPr>
+            <a:spLocks noGrp="1"/>
+          </p:cNvSpPr>
+          <p:nvPr>
+            <p:ph type="body" idx="1"/>
+          </p:nvPr>
+        </p:nvSpPr>
+        <p:spPr>
+          <a:xfrm>
+            <a:off x="722313" y="2906713"/>
+            <a:ext cx="7772400" cy="1500187"/>
+          </a:xfrm>
+        </p:spPr>
+        <p:txBody>
+          <a:bodyPr anchor="b"/>
+          <a:lstStyle>
+            <a:lvl1pPr marL="0" indent="0">
+              <a:buNone/>
+              <a:defRPr sz="2000">
+                <a:solidFill>
+                  <a:schemeClr val="tx1">
+                    <a:tint val="75000"/>
+                  </a:schemeClr>
+                </a:solidFill>
+              </a:defRPr>
+            </a:lvl1pPr>
+            <a:lvl2pPr marL="457200" indent="0">
+              <a:buNone/>
+              <a:defRPr sz="1800">
+                <a:solidFill>
+                  <a:schemeClr val="tx1">
+                    <a:tint val="75000"/>
+                  </a:schemeClr>
+                </a:solidFill>
+              </a:defRPr>
+            </a:lvl2pPr>
+            <a:lvl3pPr marL="914400" indent="0">
+              <a:buNone/>
+              <a:defRPr sz="1600">
+                <a:solidFill>
+                  <a:schemeClr val="tx1">
+                    <a:tint val="75000"/>
+                  </a:schemeClr>
+                </a:solidFill>
+              </a:defRPr>
+            </a:lvl3pPr>
+            <a:lvl4pPr marL="1371600" indent="0">
+              <a:buNone/>
+              <a:defRPr sz="1400">
+                <a:solidFill>
+                  <a:schemeClr val="tx1">
+                    <a:tint val="75000"/>
+                  </a:schemeClr>
+                </a:solidFill>
+              </a:defRPr>
+            </a:lvl4pPr>
+            <a:lvl5pPr marL="1828800" indent="0">
+              <a:buNone/>
+              <a:defRPr sz="1400">
+                <a:solidFill>
+                  <a:schemeClr val="tx1">
+                    <a:tint val="75000"/>
+                  </a:schemeClr>
+                </a:solidFill>
+              </a:defRPr>
+            </a:lvl5pPr>
+            <a:lvl6pPr marL="2286000" indent="0">
+              <a:buNone/>
+              <a:defRPr sz="1400">
+                <a:solidFill>
+                  <a:schemeClr val="tx1">
+                    <a:tint val="75000"/>
+                  </a:schemeClr>
+                </a:solidFill>
+              </a:defRPr>
+            </a:lvl6pPr>
+            <a:lvl7pPr marL="2743200" indent="0">
+              <a:buNone/>
+              <a:defRPr sz="1400">
+                <a:solidFill>
+                  <a:schemeClr val="tx1">
+                    <a:tint val="75000"/>
+                  </a:schemeClr>
+                </a:solidFill>
+              </a:defRPr>
+            </a:lvl7pPr>
+            <a:lvl8pPr marL="3200400" indent="0">
+              <a:buNone/>
+              <a:defRPr sz="1400">
+                <a:solidFill>
+                  <a:schemeClr val="tx1">
+                    <a:tint val="75000"/>
+                  </a:schemeClr>
+                </a:solidFill>
+              </a:defRPr>
+            </a:lvl8pPr>
+            <a:lvl9pPr marL="3657600" indent="0">
+              <a:buNone/>
+              <a:defRPr sz="1400">
+                <a:solidFill>
+                  <a:schemeClr val="tx1">
+                    <a:tint val="75000"/>
+                  </a:schemeClr>
+                </a:solidFill>
+              </a:defRPr>
+            </a:lvl9pPr>
+          </a:lstStyle>
+          <a:p>
+            <a:pPr lvl="0"/>
+            <a:r>
+              <a:rPr lang="en-US"/>
+              <a:t>Click to edit Master text styles</a:t>
+            </a:r>
+          </a:p>
+        </p:txBody>
+      </p:sp>
+    </p:spTree>
+    <p:extLst>
+      <p:ext uri="{BB962C8B-B14F-4D97-AF65-F5344CB8AC3E}">
+        <p14:creationId xmlns:p14="http://schemas.microsoft.com/office/powerpoint/2010/main" val="1627150216"/>
+      </p:ext>
+    </p:extLst>
+  </p:cSld>
+  <p:clrMapOvr>
+    <a:masterClrMapping/>
+  </p:clrMapOvr>
+</p:sldLayout>
+</file>
+
+<file path=ppt/slideLayouts/slideLayout3.xml><?xml version="1.0" encoding="utf-8"?>
+<p:sldLayout xmlns:a="http://schemas.openxmlformats.org/drawingml/2006/main" xmlns:r="http://schemas.openxmlformats.org/officeDocument/2006/relationships" xmlns:p="http://schemas.openxmlformats.org/presentationml/2006/main" type="twoObj" preserve="1">
+  <p:cSld name="Two Content">
+    <p:spTree>
+      <p:nvGrpSpPr>
+        <p:cNvPr id="1" name=""/>
+        <p:cNvGrpSpPr/>
+        <p:nvPr/>
+      </p:nvGrpSpPr>
+      <p:grpSpPr>
+        <a:xfrm>
+          <a:off x="0" y="0"/>
+          <a:ext cx="0" cy="0"/>
+          <a:chOff x="0" y="0"/>
+          <a:chExt cx="0" cy="0"/>
+        </a:xfrm>
+      </p:grpSpPr>
+      <p:sp>
+        <p:nvSpPr>
+          <p:cNvPr id="2" name="Title 1"/>
+          <p:cNvSpPr>
+            <a:spLocks noGrp="1"/>
+          </p:cNvSpPr>
+          <p:nvPr>
+            <p:ph type="title"/>
+          </p:nvPr>
+        </p:nvSpPr>
+        <p:spPr/>
+        <p:txBody>
+          <a:bodyPr/>
+          <a:lstStyle/>
+          <a:p>
+            <a:r>
+              <a:rPr lang="en-US"/>
+              <a:t>Click to edit Master title style</a:t>
+            </a:r>
+            <a:endParaRPr lang="ru-RU" dirty="0"/>
+          </a:p>
+        </p:txBody>
+      </p:sp>
+      <p:sp>
+        <p:nvSpPr>
+          <p:cNvPr id="3" name="Content Placeholder 2"/>
+          <p:cNvSpPr>
+            <a:spLocks noGrp="1"/>
+          </p:cNvSpPr>
+          <p:nvPr>
+            <p:ph sz="half" idx="1"/>
+          </p:nvPr>
+        </p:nvSpPr>
+        <p:spPr>
+          <a:xfrm>
+            <a:off x="457200" y="1600200"/>
+            <a:ext cx="4038600" cy="4525963"/>
+          </a:xfrm>
+        </p:spPr>
+        <p:txBody>
+          <a:bodyPr/>
+          <a:lstStyle>
+            <a:lvl1pPr>
+              <a:defRPr sz="2800"/>
+            </a:lvl1pPr>
+            <a:lvl2pPr>
+              <a:defRPr sz="2400"/>
+            </a:lvl2pPr>
+            <a:lvl3pPr>
+              <a:defRPr sz="2000"/>
+            </a:lvl3pPr>
+            <a:lvl4pPr>
+              <a:defRPr sz="1800"/>
+            </a:lvl4pPr>
+            <a:lvl5pPr>
+              <a:defRPr sz="1800"/>
+            </a:lvl5pPr>
+            <a:lvl6pPr>
+              <a:defRPr sz="1800"/>
+            </a:lvl6pPr>
+            <a:lvl7pPr>
+              <a:defRPr sz="1800"/>
+            </a:lvl7pPr>
+            <a:lvl8pPr>
+              <a:defRPr sz="1800"/>
+            </a:lvl8pPr>
+            <a:lvl9pPr>
+              <a:defRPr sz="1800"/>
+            </a:lvl9pPr>
+          </a:lstStyle>
+          <a:p>
+            <a:pPr lvl="0"/>
+            <a:r>
+              <a:rPr lang="en-US"/>
+              <a:t>Click to edit Master text styles</a:t>
+            </a:r>
+          </a:p>
+          <a:p>
+            <a:pPr lvl="1"/>
+            <a:r>
+              <a:rPr lang="en-US"/>
+              <a:t>Second level</a:t>
+            </a:r>
+          </a:p>
+          <a:p>
+            <a:pPr lvl="2"/>
+            <a:r>
+              <a:rPr lang="en-US"/>
+              <a:t>Third level</a:t>
+            </a:r>
+          </a:p>
+          <a:p>
+            <a:pPr lvl="3"/>
+            <a:r>
+              <a:rPr lang="en-US"/>
+              <a:t>Fourth level</a:t>
+            </a:r>
+          </a:p>
+          <a:p>
+            <a:pPr lvl="4"/>
+            <a:r>
+              <a:rPr lang="en-US"/>
+              <a:t>Fifth level</a:t>
+            </a:r>
+            <a:endParaRPr lang="ru-RU" dirty="0"/>
+          </a:p>
+        </p:txBody>
+      </p:sp>
+      <p:sp>
+        <p:nvSpPr>
+          <p:cNvPr id="4" name="Content Placeholder 3"/>
+          <p:cNvSpPr>
+            <a:spLocks noGrp="1"/>
+          </p:cNvSpPr>
+          <p:nvPr>
+            <p:ph sz="half" idx="2"/>
+          </p:nvPr>
+        </p:nvSpPr>
+        <p:spPr>
+          <a:xfrm>
+            <a:off x="4648200" y="1600200"/>
+            <a:ext cx="4038600" cy="4525963"/>
+          </a:xfrm>
+        </p:spPr>
+        <p:txBody>
+          <a:bodyPr/>
+          <a:lstStyle>
+            <a:lvl1pPr>
+              <a:defRPr sz="2800"/>
+            </a:lvl1pPr>
+            <a:lvl2pPr>
+              <a:defRPr sz="2400"/>
+            </a:lvl2pPr>
+            <a:lvl3pPr>
+              <a:defRPr sz="2000"/>
+            </a:lvl3pPr>
+            <a:lvl4pPr>
+              <a:defRPr sz="1800"/>
+            </a:lvl4pPr>
+            <a:lvl5pPr>
+              <a:defRPr sz="1800"/>
+            </a:lvl5pPr>
+            <a:lvl6pPr>
+              <a:defRPr sz="1800"/>
+            </a:lvl6pPr>
+            <a:lvl7pPr>
+              <a:defRPr sz="1800"/>
+            </a:lvl7pPr>
+            <a:lvl8pPr>
+              <a:defRPr sz="1800"/>
+            </a:lvl8pPr>
+            <a:lvl9pPr>
+              <a:defRPr sz="1800"/>
+            </a:lvl9pPr>
+          </a:lstStyle>
+          <a:p>
+            <a:pPr lvl="0"/>
+            <a:r>
+              <a:rPr lang="en-US"/>
+              <a:t>Click to edit Master text styles</a:t>
+            </a:r>
+          </a:p>
+          <a:p>
+            <a:pPr lvl="1"/>
+            <a:r>
+              <a:rPr lang="en-US"/>
+              <a:t>Second level</a:t>
+            </a:r>
+          </a:p>
+          <a:p>
+            <a:pPr lvl="2"/>
+            <a:r>
+              <a:rPr lang="en-US"/>
+              <a:t>Third level</a:t>
+            </a:r>
+          </a:p>
+          <a:p>
+            <a:pPr lvl="3"/>
+            <a:r>
+              <a:rPr lang="en-US"/>
+              <a:t>Fourth level</a:t>
+            </a:r>
+          </a:p>
+          <a:p>
+            <a:pPr lvl="4"/>
+            <a:r>
+              <a:rPr lang="en-US"/>
+              <a:t>Fifth level</a:t>
+            </a:r>
+            <a:endParaRPr lang="ru-RU" dirty="0"/>
+          </a:p>
+        </p:txBody>
+      </p:sp>
+    </p:spTree>
+    <p:extLst>
+      <p:ext uri="{BB962C8B-B14F-4D97-AF65-F5344CB8AC3E}">
+        <p14:creationId xmlns:p14="http://schemas.microsoft.com/office/powerpoint/2010/main" val="1026234569"/>
+      </p:ext>
+    </p:extLst>
+  </p:cSld>
+  <p:clrMapOvr>
+    <a:masterClrMapping/>
+  </p:clrMapOvr>
+</p:sldLayout>
+</file>
+
+<file path=ppt/slideLayouts/slideLayout4.xml><?xml version="1.0" encoding="utf-8"?>
+<p:sldLayout xmlns:a="http://schemas.openxmlformats.org/drawingml/2006/main" xmlns:r="http://schemas.openxmlformats.org/officeDocument/2006/relationships" xmlns:p="http://schemas.openxmlformats.org/presentationml/2006/main" type="twoTxTwoObj" preserve="1">
+  <p:cSld name="Comparison">
+    <p:spTree>
+      <p:nvGrpSpPr>
+        <p:cNvPr id="1" name=""/>
+        <p:cNvGrpSpPr/>
+        <p:nvPr/>
+      </p:nvGrpSpPr>
+      <p:grpSpPr>
+        <a:xfrm>
+          <a:off x="0" y="0"/>
+          <a:ext cx="0" cy="0"/>
+          <a:chOff x="0" y="0"/>
+          <a:chExt cx="0" cy="0"/>
+        </a:xfrm>
+      </p:grpSpPr>
+      <p:sp>
+        <p:nvSpPr>
+          <p:cNvPr id="2" name="Title 1"/>
+          <p:cNvSpPr>
+            <a:spLocks noGrp="1"/>
+          </p:cNvSpPr>
+          <p:nvPr>
+            <p:ph type="title"/>
+          </p:nvPr>
+        </p:nvSpPr>
+        <p:spPr/>
+        <p:txBody>
+          <a:bodyPr/>
+          <a:lstStyle>
+            <a:lvl1pPr>
+              <a:defRPr/>
+            </a:lvl1pPr>
+          </a:lstStyle>
+          <a:p>
+            <a:r>
+              <a:rPr lang="en-US"/>
+              <a:t>Click to edit Master title style</a:t>
+            </a:r>
+            <a:endParaRPr lang="ru-RU" dirty="0"/>
+          </a:p>
+        </p:txBody>
+      </p:sp>
+      <p:sp>
+        <p:nvSpPr>
+          <p:cNvPr id="3" name="Text Placeholder 2"/>
+          <p:cNvSpPr>
+            <a:spLocks noGrp="1"/>
+          </p:cNvSpPr>
+          <p:nvPr>
+            <p:ph type="body" idx="1"/>
+          </p:nvPr>
+        </p:nvSpPr>
+        <p:spPr>
+          <a:xfrm>
+            <a:off x="457200" y="1535113"/>
+            <a:ext cx="4040188" cy="639762"/>
+          </a:xfrm>
+        </p:spPr>
+        <p:txBody>
+          <a:bodyPr anchor="b"/>
+          <a:lstStyle>
+            <a:lvl1pPr marL="0" indent="0">
+              <a:buNone/>
+              <a:defRPr sz="2400" b="1"/>
+            </a:lvl1pPr>
+            <a:lvl2pPr marL="457200" indent="0">
+              <a:buNone/>
+              <a:defRPr sz="2000" b="1"/>
+            </a:lvl2pPr>
+            <a:lvl3pPr marL="914400" indent="0">
+              <a:buNone/>
+              <a:defRPr sz="1800" b="1"/>
+            </a:lvl3pPr>
+            <a:lvl4pPr marL="1371600" indent="0">
+              <a:buNone/>
+              <a:defRPr sz="1600" b="1"/>
+            </a:lvl4pPr>
+            <a:lvl5pPr marL="1828800" indent="0">
+              <a:buNone/>
+              <a:defRPr sz="1600" b="1"/>
+            </a:lvl5pPr>
+            <a:lvl6pPr marL="2286000" indent="0">
+              <a:buNone/>
+              <a:defRPr sz="1600" b="1"/>
+            </a:lvl6pPr>
+            <a:lvl7pPr marL="2743200" indent="0">
+              <a:buNone/>
+              <a:defRPr sz="1600" b="1"/>
+            </a:lvl7pPr>
+            <a:lvl8pPr marL="3200400" indent="0">
+              <a:buNone/>
+              <a:defRPr sz="1600" b="1"/>
+            </a:lvl8pPr>
+            <a:lvl9pPr marL="3657600" indent="0">
+              <a:buNone/>
+              <a:defRPr sz="1600" b="1"/>
+            </a:lvl9pPr>
+          </a:lstStyle>
+          <a:p>
+            <a:pPr lvl="0"/>
+            <a:r>
+              <a:rPr lang="en-US"/>
+              <a:t>Click to edit Master text styles</a:t>
+            </a:r>
+          </a:p>
+        </p:txBody>
+      </p:sp>
+      <p:sp>
+        <p:nvSpPr>
+          <p:cNvPr id="4" name="Content Placeholder 3"/>
+          <p:cNvSpPr>
+            <a:spLocks noGrp="1"/>
+          </p:cNvSpPr>
+          <p:nvPr>
+            <p:ph sz="half" idx="2"/>
+          </p:nvPr>
+        </p:nvSpPr>
+        <p:spPr>
+          <a:xfrm>
+            <a:off x="457200" y="2174875"/>
+            <a:ext cx="4040188" cy="3951288"/>
+          </a:xfrm>
+        </p:spPr>
+        <p:txBody>
+          <a:bodyPr/>
+          <a:lstStyle>
+            <a:lvl1pPr>
+              <a:defRPr sz="2400"/>
+            </a:lvl1pPr>
+            <a:lvl2pPr>
+              <a:defRPr sz="2000"/>
+            </a:lvl2pPr>
+            <a:lvl3pPr>
+              <a:defRPr sz="1800"/>
+            </a:lvl3pPr>
+            <a:lvl4pPr>
+              <a:defRPr sz="1600"/>
+            </a:lvl4pPr>
+            <a:lvl5pPr>
+              <a:defRPr sz="1600"/>
+            </a:lvl5pPr>
+            <a:lvl6pPr>
+              <a:defRPr sz="1600"/>
+            </a:lvl6pPr>
+            <a:lvl7pPr>
+              <a:defRPr sz="1600"/>
+            </a:lvl7pPr>
+            <a:lvl8pPr>
+              <a:defRPr sz="1600"/>
+            </a:lvl8pPr>
+            <a:lvl9pPr>
+              <a:defRPr sz="1600"/>
+            </a:lvl9pPr>
+          </a:lstStyle>
+          <a:p>
+            <a:pPr lvl="0"/>
+            <a:r>
+              <a:rPr lang="en-US"/>
+              <a:t>Click to edit Master text styles</a:t>
+            </a:r>
+          </a:p>
+          <a:p>
+            <a:pPr lvl="1"/>
+            <a:r>
+              <a:rPr lang="en-US"/>
+              <a:t>Second level</a:t>
+            </a:r>
+          </a:p>
+          <a:p>
+            <a:pPr lvl="2"/>
+            <a:r>
+              <a:rPr lang="en-US"/>
+              <a:t>Third level</a:t>
+            </a:r>
+          </a:p>
+          <a:p>
+            <a:pPr lvl="3"/>
+            <a:r>
+              <a:rPr lang="en-US"/>
+              <a:t>Fourth level</a:t>
+            </a:r>
+          </a:p>
+          <a:p>
+            <a:pPr lvl="4"/>
+            <a:r>
+              <a:rPr lang="en-US"/>
+              <a:t>Fifth level</a:t>
+            </a:r>
+            <a:endParaRPr lang="ru-RU" dirty="0"/>
+          </a:p>
+        </p:txBody>
+      </p:sp>
+      <p:sp>
+        <p:nvSpPr>
+          <p:cNvPr id="5" name="Text Placeholder 4"/>
+          <p:cNvSpPr>
+            <a:spLocks noGrp="1"/>
+          </p:cNvSpPr>
+          <p:nvPr>
+            <p:ph type="body" sz="quarter" idx="3"/>
+          </p:nvPr>
+        </p:nvSpPr>
+        <p:spPr>
+          <a:xfrm>
+            <a:off x="4645025" y="1535113"/>
+            <a:ext cx="4041775" cy="639762"/>
+          </a:xfrm>
+        </p:spPr>
+        <p:txBody>
+          <a:bodyPr anchor="b"/>
+          <a:lstStyle>
+            <a:lvl1pPr marL="0" indent="0">
+              <a:buNone/>
+              <a:defRPr sz="2400" b="1"/>
+            </a:lvl1pPr>
+            <a:lvl2pPr marL="457200" indent="0">
+              <a:buNone/>
+              <a:defRPr sz="2000" b="1"/>
+            </a:lvl2pPr>
+            <a:lvl3pPr marL="914400" indent="0">
+              <a:buNone/>
+              <a:defRPr sz="1800" b="1"/>
+            </a:lvl3pPr>
+            <a:lvl4pPr marL="1371600" indent="0">
+              <a:buNone/>
+              <a:defRPr sz="1600" b="1"/>
+            </a:lvl4pPr>
+            <a:lvl5pPr marL="1828800" indent="0">
+              <a:buNone/>
+              <a:defRPr sz="1600" b="1"/>
+            </a:lvl5pPr>
+            <a:lvl6pPr marL="2286000" indent="0">
+              <a:buNone/>
+              <a:defRPr sz="1600" b="1"/>
+            </a:lvl6pPr>
+            <a:lvl7pPr marL="2743200" indent="0">
+              <a:buNone/>
+              <a:defRPr sz="1600" b="1"/>
+            </a:lvl7pPr>
+            <a:lvl8pPr marL="3200400" indent="0">
+              <a:buNone/>
+              <a:defRPr sz="1600" b="1"/>
+            </a:lvl8pPr>
+            <a:lvl9pPr marL="3657600" indent="0">
+              <a:buNone/>
+              <a:defRPr sz="1600" b="1"/>
+            </a:lvl9pPr>
+          </a:lstStyle>
+          <a:p>
+            <a:pPr lvl="0"/>
+            <a:r>
+              <a:rPr lang="en-US"/>
+              <a:t>Click to edit Master text styles</a:t>
+            </a:r>
+          </a:p>
+        </p:txBody>
+      </p:sp>
+      <p:sp>
+        <p:nvSpPr>
+          <p:cNvPr id="6" name="Content Placeholder 5"/>
+          <p:cNvSpPr>
+            <a:spLocks noGrp="1"/>
+          </p:cNvSpPr>
+          <p:nvPr>
+            <p:ph sz="quarter" idx="4"/>
+          </p:nvPr>
+        </p:nvSpPr>
+        <p:spPr>
+          <a:xfrm>
+            <a:off x="4645025" y="2174875"/>
+            <a:ext cx="4041775" cy="3951288"/>
+          </a:xfrm>
+        </p:spPr>
+        <p:txBody>
+          <a:bodyPr/>
+          <a:lstStyle>
+            <a:lvl1pPr>
+              <a:defRPr sz="2400"/>
+            </a:lvl1pPr>
+            <a:lvl2pPr>
+              <a:defRPr sz="2000"/>
+            </a:lvl2pPr>
+            <a:lvl3pPr>
+              <a:defRPr sz="1800"/>
+            </a:lvl3pPr>
+            <a:lvl4pPr>
+              <a:defRPr sz="1600"/>
+            </a:lvl4pPr>
+            <a:lvl5pPr>
+              <a:defRPr sz="1600"/>
+            </a:lvl5pPr>
+            <a:lvl6pPr>
+              <a:defRPr sz="1600"/>
+            </a:lvl6pPr>
+            <a:lvl7pPr>
+              <a:defRPr sz="1600"/>
+            </a:lvl7pPr>
+            <a:lvl8pPr>
+              <a:defRPr sz="1600"/>
+            </a:lvl8pPr>
+            <a:lvl9pPr>
+              <a:defRPr sz="1600"/>
+            </a:lvl9pPr>
+          </a:lstStyle>
+          <a:p>
+            <a:pPr lvl="0"/>
+            <a:r>
+              <a:rPr lang="en-US"/>
+              <a:t>Click to edit Master text styles</a:t>
+            </a:r>
+          </a:p>
+          <a:p>
+            <a:pPr lvl="1"/>
+            <a:r>
+              <a:rPr lang="en-US"/>
+              <a:t>Second level</a:t>
+            </a:r>
+          </a:p>
+          <a:p>
+            <a:pPr lvl="2"/>
+            <a:r>
+              <a:rPr lang="en-US"/>
+              <a:t>Third level</a:t>
+            </a:r>
+          </a:p>
+          <a:p>
+            <a:pPr lvl="3"/>
+            <a:r>
+              <a:rPr lang="en-US"/>
+              <a:t>Fourth level</a:t>
+            </a:r>
+          </a:p>
+          <a:p>
+            <a:pPr lvl="4"/>
+            <a:r>
+              <a:rPr lang="en-US"/>
+              <a:t>Fifth level</a:t>
+            </a:r>
+            <a:endParaRPr lang="ru-RU" dirty="0"/>
+          </a:p>
+        </p:txBody>
+      </p:sp>
+    </p:spTree>
+    <p:extLst>
+      <p:ext uri="{BB962C8B-B14F-4D97-AF65-F5344CB8AC3E}">
+        <p14:creationId xmlns:p14="http://schemas.microsoft.com/office/powerpoint/2010/main" val="4044979405"/>
+      </p:ext>
+    </p:extLst>
+  </p:cSld>
+  <p:clrMapOvr>
+    <a:masterClrMapping/>
+  </p:clrMapOvr>
+</p:sldLayout>
+</file>
+
+<file path=ppt/slideLayouts/slideLayout5.xml><?xml version="1.0" encoding="utf-8"?>
+<p:sldLayout xmlns:a="http://schemas.openxmlformats.org/drawingml/2006/main" xmlns:r="http://schemas.openxmlformats.org/officeDocument/2006/relationships" xmlns:p="http://schemas.openxmlformats.org/presentationml/2006/main" type="titleOnly" preserve="1">
+  <p:cSld name="Title Only">
+    <p:spTree>
+      <p:nvGrpSpPr>
+        <p:cNvPr id="1" name=""/>
+        <p:cNvGrpSpPr/>
+        <p:nvPr/>
+      </p:nvGrpSpPr>
+      <p:grpSpPr>
+        <a:xfrm>
+          <a:off x="0" y="0"/>
+          <a:ext cx="0" cy="0"/>
+          <a:chOff x="0" y="0"/>
+          <a:chExt cx="0" cy="0"/>
+        </a:xfrm>
+      </p:grpSpPr>
+      <p:sp>
+        <p:nvSpPr>
+          <p:cNvPr id="2" name="Title 1"/>
+          <p:cNvSpPr>
+            <a:spLocks noGrp="1"/>
+          </p:cNvSpPr>
+          <p:nvPr>
+            <p:ph type="title"/>
+          </p:nvPr>
+        </p:nvSpPr>
+        <p:spPr/>
+        <p:txBody>
+          <a:bodyPr/>
+          <a:lstStyle/>
+          <a:p>
+            <a:r>
+              <a:rPr lang="en-US"/>
+              <a:t>Click to edit Master title style</a:t>
+            </a:r>
+            <a:endParaRPr lang="ru-RU" dirty="0"/>
+          </a:p>
+        </p:txBody>
+      </p:sp>
+    </p:spTree>
+    <p:extLst>
+      <p:ext uri="{BB962C8B-B14F-4D97-AF65-F5344CB8AC3E}">
+        <p14:creationId xmlns:p14="http://schemas.microsoft.com/office/powerpoint/2010/main" val="125202666"/>
+      </p:ext>
+    </p:extLst>
+  </p:cSld>
+  <p:clrMapOvr>
+    <a:masterClrMapping/>
+  </p:clrMapOvr>
+</p:sldLayout>
+</file>
+
+<file path=ppt/slideLayouts/slideLayout6.xml><?xml version="1.0" encoding="utf-8"?>
+<p:sldLayout xmlns:a="http://schemas.openxmlformats.org/drawingml/2006/main" xmlns:r="http://schemas.openxmlformats.org/officeDocument/2006/relationships" xmlns:p="http://schemas.openxmlformats.org/presentationml/2006/main" preserve="1" userDrawn="1">
+  <p:cSld name="Demo">
+    <p:spTree>
+      <p:nvGrpSpPr>
+        <p:cNvPr id="1" name=""/>
+        <p:cNvGrpSpPr/>
+        <p:nvPr/>
+      </p:nvGrpSpPr>
+      <p:grpSpPr>
+        <a:xfrm>
+          <a:off x="0" y="0"/>
+          <a:ext cx="0" cy="0"/>
+          <a:chOff x="0" y="0"/>
+          <a:chExt cx="0" cy="0"/>
+        </a:xfrm>
+      </p:grpSpPr>
+      <p:sp>
+        <p:nvSpPr>
+          <p:cNvPr id="10" name="TextBox 9"/>
+          <p:cNvSpPr txBox="1"/>
+          <p:nvPr userDrawn="1"/>
+        </p:nvSpPr>
+        <p:spPr>
+          <a:xfrm>
+            <a:off x="359532" y="3136613"/>
+            <a:ext cx="8424936" cy="584775"/>
+          </a:xfrm>
+          <a:prstGeom prst="rect">
+            <a:avLst/>
+          </a:prstGeom>
+          <a:noFill/>
+        </p:spPr>
+        <p:txBody>
+          <a:bodyPr wrap="square" rtlCol="0" anchor="ctr">
+            <a:spAutoFit/>
+          </a:bodyPr>
+          <a:lstStyle/>
+          <a:p>
+            <a:pPr algn="ctr"/>
+            <a:r>
+              <a:rPr lang="ru-RU" sz="3200" dirty="0"/>
+              <a:t>Название.</a:t>
+            </a:r>
+            <a:r>
+              <a:rPr lang="ru-RU" sz="3200" baseline="0" dirty="0"/>
+              <a:t> Демонстрация.</a:t>
+            </a:r>
+            <a:endParaRPr lang="ru-RU" sz="3200" dirty="0"/>
+          </a:p>
+        </p:txBody>
+      </p:sp>
+    </p:spTree>
+    <p:extLst>
+      <p:ext uri="{BB962C8B-B14F-4D97-AF65-F5344CB8AC3E}">
+        <p14:creationId xmlns:p14="http://schemas.microsoft.com/office/powerpoint/2010/main" val="3308008441"/>
+      </p:ext>
+    </p:extLst>
+  </p:cSld>
+  <p:clrMapOvr>
+    <a:masterClrMapping/>
+  </p:clrMapOvr>
+</p:sldLayout>
+</file>
+
+<file path=ppt/slideLayouts/slideLayout7.xml><?xml version="1.0" encoding="utf-8"?>
+<p:sldLayout xmlns:a="http://schemas.openxmlformats.org/drawingml/2006/main" xmlns:r="http://schemas.openxmlformats.org/officeDocument/2006/relationships" xmlns:p="http://schemas.openxmlformats.org/presentationml/2006/main" type="blank" preserve="1">
+  <p:cSld name="1_Blank">
+    <p:spTree>
+      <p:nvGrpSpPr>
+        <p:cNvPr id="1" name=""/>
+        <p:cNvGrpSpPr/>
+        <p:nvPr/>
+      </p:nvGrpSpPr>
+      <p:grpSpPr>
+        <a:xfrm>
+          <a:off x="0" y="0"/>
+          <a:ext cx="0" cy="0"/>
+          <a:chOff x="0" y="0"/>
+          <a:chExt cx="0" cy="0"/>
+        </a:xfrm>
+      </p:grpSpPr>
+    </p:spTree>
+    <p:extLst>
+      <p:ext uri="{BB962C8B-B14F-4D97-AF65-F5344CB8AC3E}">
+        <p14:creationId xmlns:p14="http://schemas.microsoft.com/office/powerpoint/2010/main" val="2618453949"/>
+      </p:ext>
+    </p:extLst>
+  </p:cSld>
+  <p:clrMapOvr>
+    <a:masterClrMapping/>
+  </p:clrMapOvr>
+</p:sldLayout>
+</file>
+
+<file path=ppt/slideLayouts/slideLayout8.xml><?xml version="1.0" encoding="utf-8"?>
+<p:sldLayout xmlns:a="http://schemas.openxmlformats.org/drawingml/2006/main" xmlns:r="http://schemas.openxmlformats.org/officeDocument/2006/relationships" xmlns:p="http://schemas.openxmlformats.org/presentationml/2006/main" type="objTx" preserve="1">
+  <p:cSld name="Content with Caption">
+    <p:spTree>
+      <p:nvGrpSpPr>
+        <p:cNvPr id="1" name=""/>
+        <p:cNvGrpSpPr/>
+        <p:nvPr/>
+      </p:nvGrpSpPr>
+      <p:grpSpPr>
+        <a:xfrm>
+          <a:off x="0" y="0"/>
+          <a:ext cx="0" cy="0"/>
+          <a:chOff x="0" y="0"/>
+          <a:chExt cx="0" cy="0"/>
+        </a:xfrm>
+      </p:grpSpPr>
+      <p:sp>
+        <p:nvSpPr>
+          <p:cNvPr id="2" name="Title 1"/>
+          <p:cNvSpPr>
+            <a:spLocks noGrp="1"/>
+          </p:cNvSpPr>
+          <p:nvPr>
+            <p:ph type="title"/>
+          </p:nvPr>
+        </p:nvSpPr>
+        <p:spPr>
+          <a:xfrm>
+            <a:off x="457200" y="273050"/>
+            <a:ext cx="3008313" cy="1162050"/>
+          </a:xfrm>
+        </p:spPr>
+        <p:txBody>
+          <a:bodyPr anchor="b"/>
+          <a:lstStyle>
+            <a:lvl1pPr algn="l">
+              <a:defRPr sz="2000" b="1"/>
+            </a:lvl1pPr>
+          </a:lstStyle>
+          <a:p>
+            <a:r>
+              <a:rPr lang="en-US"/>
+              <a:t>Click to edit Master title style</a:t>
+            </a:r>
+            <a:endParaRPr lang="ru-RU" dirty="0"/>
+          </a:p>
+        </p:txBody>
+      </p:sp>
+      <p:sp>
+        <p:nvSpPr>
+          <p:cNvPr id="3" name="Content Placeholder 2"/>
+          <p:cNvSpPr>
+            <a:spLocks noGrp="1"/>
+          </p:cNvSpPr>
+          <p:nvPr>
+            <p:ph idx="1"/>
+          </p:nvPr>
+        </p:nvSpPr>
+        <p:spPr>
+          <a:xfrm>
+            <a:off x="3575050" y="273050"/>
+            <a:ext cx="5111750" cy="5853113"/>
+          </a:xfrm>
+        </p:spPr>
+        <p:txBody>
+          <a:bodyPr/>
+          <a:lstStyle>
+            <a:lvl1pPr>
+              <a:defRPr sz="3200"/>
+            </a:lvl1pPr>
+            <a:lvl2pPr>
+              <a:defRPr sz="2800"/>
+            </a:lvl2pPr>
+            <a:lvl3pPr>
+              <a:defRPr sz="2400"/>
+            </a:lvl3pPr>
+            <a:lvl4pPr>
+              <a:defRPr sz="2000"/>
+            </a:lvl4pPr>
+            <a:lvl5pPr>
+              <a:defRPr sz="2000"/>
+            </a:lvl5pPr>
+            <a:lvl6pPr>
+              <a:defRPr sz="2000"/>
+            </a:lvl6pPr>
+            <a:lvl7pPr>
+              <a:defRPr sz="2000"/>
+            </a:lvl7pPr>
+            <a:lvl8pPr>
+              <a:defRPr sz="2000"/>
+            </a:lvl8pPr>
+            <a:lvl9pPr>
+              <a:defRPr sz="2000"/>
+            </a:lvl9pPr>
+          </a:lstStyle>
+          <a:p>
+            <a:pPr lvl="0"/>
+            <a:r>
+              <a:rPr lang="en-US"/>
+              <a:t>Click to edit Master text styles</a:t>
+            </a:r>
+          </a:p>
+          <a:p>
+            <a:pPr lvl="1"/>
+            <a:r>
+              <a:rPr lang="en-US"/>
+              <a:t>Second level</a:t>
+            </a:r>
+          </a:p>
+          <a:p>
+            <a:pPr lvl="2"/>
+            <a:r>
+              <a:rPr lang="en-US"/>
+              <a:t>Third level</a:t>
+            </a:r>
+          </a:p>
+          <a:p>
+            <a:pPr lvl="3"/>
+            <a:r>
+              <a:rPr lang="en-US"/>
+              <a:t>Fourth level</a:t>
+            </a:r>
+          </a:p>
+          <a:p>
+            <a:pPr lvl="4"/>
+            <a:r>
+              <a:rPr lang="en-US"/>
+              <a:t>Fifth level</a:t>
+            </a:r>
+            <a:endParaRPr lang="ru-RU" dirty="0"/>
+          </a:p>
+        </p:txBody>
+      </p:sp>
+      <p:sp>
+        <p:nvSpPr>
+          <p:cNvPr id="4" name="Text Placeholder 3"/>
+          <p:cNvSpPr>
+            <a:spLocks noGrp="1"/>
+          </p:cNvSpPr>
+          <p:nvPr>
+            <p:ph type="body" sz="half" idx="2"/>
+          </p:nvPr>
+        </p:nvSpPr>
+        <p:spPr>
+          <a:xfrm>
+            <a:off x="457200" y="1435100"/>
+            <a:ext cx="3008313" cy="4691063"/>
+          </a:xfrm>
+        </p:spPr>
+        <p:txBody>
+          <a:bodyPr/>
+          <a:lstStyle>
+            <a:lvl1pPr marL="0" indent="0">
+              <a:buNone/>
+              <a:defRPr sz="1400"/>
+            </a:lvl1pPr>
+            <a:lvl2pPr marL="457200" indent="0">
+              <a:buNone/>
+              <a:defRPr sz="1200"/>
+            </a:lvl2pPr>
+            <a:lvl3pPr marL="914400" indent="0">
+              <a:buNone/>
+              <a:defRPr sz="1000"/>
+            </a:lvl3pPr>
+            <a:lvl4pPr marL="1371600" indent="0">
+              <a:buNone/>
+              <a:defRPr sz="900"/>
+            </a:lvl4pPr>
+            <a:lvl5pPr marL="1828800" indent="0">
+              <a:buNone/>
+              <a:defRPr sz="900"/>
+            </a:lvl5pPr>
+            <a:lvl6pPr marL="2286000" indent="0">
+              <a:buNone/>
+              <a:defRPr sz="900"/>
+            </a:lvl6pPr>
+            <a:lvl7pPr marL="2743200" indent="0">
+              <a:buNone/>
+              <a:defRPr sz="900"/>
+            </a:lvl7pPr>
+            <a:lvl8pPr marL="3200400" indent="0">
+              <a:buNone/>
+              <a:defRPr sz="900"/>
+            </a:lvl8pPr>
+            <a:lvl9pPr marL="3657600" indent="0">
+              <a:buNone/>
+              <a:defRPr sz="900"/>
+            </a:lvl9pPr>
+          </a:lstStyle>
+          <a:p>
+            <a:pPr lvl="0"/>
+            <a:r>
+              <a:rPr lang="en-US"/>
+              <a:t>Click to edit Master text styles</a:t>
+            </a:r>
+          </a:p>
+        </p:txBody>
+      </p:sp>
+    </p:spTree>
+    <p:extLst>
+      <p:ext uri="{BB962C8B-B14F-4D97-AF65-F5344CB8AC3E}">
+        <p14:creationId xmlns:p14="http://schemas.microsoft.com/office/powerpoint/2010/main" val="4043488563"/>
+      </p:ext>
+    </p:extLst>
+  </p:cSld>
+  <p:clrMapOvr>
+    <a:masterClrMapping/>
+  </p:clrMapOvr>
+</p:sldLayout>
+</file>
+
+<file path=ppt/slideLayouts/slideLayout9.xml><?xml version="1.0" encoding="utf-8"?>
 <p:sldLayout xmlns:a="http://schemas.openxmlformats.org/drawingml/2006/main" xmlns:r="http://schemas.openxmlformats.org/officeDocument/2006/relationships" xmlns:p="http://schemas.openxmlformats.org/presentationml/2006/main" type="picTx" preserve="1">
   <p:cSld name="Picture with Caption">
     <p:spTree>
@@ -885,1701 +2379,13 @@
 </p:sldLayout>
 </file>
 
-<file path=ppt/slideLayouts/slideLayout11.xml><?xml version="1.0" encoding="utf-8"?>
-<p:sldLayout xmlns:a="http://schemas.openxmlformats.org/drawingml/2006/main" xmlns:r="http://schemas.openxmlformats.org/officeDocument/2006/relationships" xmlns:p="http://schemas.openxmlformats.org/presentationml/2006/main" type="vertTx" preserve="1">
-  <p:cSld name="Title and Vertical Text">
-    <p:spTree>
-      <p:nvGrpSpPr>
-        <p:cNvPr id="1" name=""/>
-        <p:cNvGrpSpPr/>
-        <p:nvPr/>
-      </p:nvGrpSpPr>
-      <p:grpSpPr>
-        <a:xfrm>
-          <a:off x="0" y="0"/>
-          <a:ext cx="0" cy="0"/>
-          <a:chOff x="0" y="0"/>
-          <a:chExt cx="0" cy="0"/>
-        </a:xfrm>
-      </p:grpSpPr>
-      <p:sp>
-        <p:nvSpPr>
-          <p:cNvPr id="2" name="Title 1"/>
-          <p:cNvSpPr>
-            <a:spLocks noGrp="1"/>
-          </p:cNvSpPr>
-          <p:nvPr>
-            <p:ph type="title"/>
-          </p:nvPr>
-        </p:nvSpPr>
-        <p:spPr/>
-        <p:txBody>
-          <a:bodyPr/>
-          <a:lstStyle/>
-          <a:p>
-            <a:r>
-              <a:rPr lang="en-US"/>
-              <a:t>Click to edit Master title style</a:t>
-            </a:r>
-            <a:endParaRPr lang="ru-RU" dirty="0"/>
-          </a:p>
-        </p:txBody>
-      </p:sp>
-      <p:sp>
-        <p:nvSpPr>
-          <p:cNvPr id="3" name="Vertical Text Placeholder 2"/>
-          <p:cNvSpPr>
-            <a:spLocks noGrp="1"/>
-          </p:cNvSpPr>
-          <p:nvPr>
-            <p:ph type="body" orient="vert" idx="1"/>
-          </p:nvPr>
-        </p:nvSpPr>
-        <p:spPr/>
-        <p:txBody>
-          <a:bodyPr vert="eaVert"/>
-          <a:lstStyle/>
-          <a:p>
-            <a:pPr lvl="0"/>
-            <a:r>
-              <a:rPr lang="en-US"/>
-              <a:t>Click to edit Master text styles</a:t>
-            </a:r>
-          </a:p>
-          <a:p>
-            <a:pPr lvl="1"/>
-            <a:r>
-              <a:rPr lang="en-US"/>
-              <a:t>Second level</a:t>
-            </a:r>
-          </a:p>
-          <a:p>
-            <a:pPr lvl="2"/>
-            <a:r>
-              <a:rPr lang="en-US"/>
-              <a:t>Third level</a:t>
-            </a:r>
-          </a:p>
-          <a:p>
-            <a:pPr lvl="3"/>
-            <a:r>
-              <a:rPr lang="en-US"/>
-              <a:t>Fourth level</a:t>
-            </a:r>
-          </a:p>
-          <a:p>
-            <a:pPr lvl="4"/>
-            <a:r>
-              <a:rPr lang="en-US"/>
-              <a:t>Fifth level</a:t>
-            </a:r>
-            <a:endParaRPr lang="ru-RU" dirty="0"/>
-          </a:p>
-        </p:txBody>
-      </p:sp>
-    </p:spTree>
-    <p:extLst>
-      <p:ext uri="{BB962C8B-B14F-4D97-AF65-F5344CB8AC3E}">
-        <p14:creationId xmlns:p14="http://schemas.microsoft.com/office/powerpoint/2010/main" val="2015559697"/>
-      </p:ext>
-    </p:extLst>
-  </p:cSld>
-  <p:clrMapOvr>
-    <a:masterClrMapping/>
-  </p:clrMapOvr>
-</p:sldLayout>
-</file>
-
-<file path=ppt/slideLayouts/slideLayout12.xml><?xml version="1.0" encoding="utf-8"?>
-<p:sldLayout xmlns:a="http://schemas.openxmlformats.org/drawingml/2006/main" xmlns:r="http://schemas.openxmlformats.org/officeDocument/2006/relationships" xmlns:p="http://schemas.openxmlformats.org/presentationml/2006/main" type="vertTitleAndTx" preserve="1">
-  <p:cSld name="Vertical Title and Text">
-    <p:spTree>
-      <p:nvGrpSpPr>
-        <p:cNvPr id="1" name=""/>
-        <p:cNvGrpSpPr/>
-        <p:nvPr/>
-      </p:nvGrpSpPr>
-      <p:grpSpPr>
-        <a:xfrm>
-          <a:off x="0" y="0"/>
-          <a:ext cx="0" cy="0"/>
-          <a:chOff x="0" y="0"/>
-          <a:chExt cx="0" cy="0"/>
-        </a:xfrm>
-      </p:grpSpPr>
-      <p:sp>
-        <p:nvSpPr>
-          <p:cNvPr id="2" name="Vertical Title 1"/>
-          <p:cNvSpPr>
-            <a:spLocks noGrp="1"/>
-          </p:cNvSpPr>
-          <p:nvPr>
-            <p:ph type="title" orient="vert"/>
-          </p:nvPr>
-        </p:nvSpPr>
-        <p:spPr>
-          <a:xfrm>
-            <a:off x="6629400" y="274638"/>
-            <a:ext cx="2057400" cy="5851525"/>
-          </a:xfrm>
-        </p:spPr>
-        <p:txBody>
-          <a:bodyPr vert="eaVert"/>
-          <a:lstStyle/>
-          <a:p>
-            <a:r>
-              <a:rPr lang="en-US"/>
-              <a:t>Click to edit Master title style</a:t>
-            </a:r>
-            <a:endParaRPr lang="ru-RU" dirty="0"/>
-          </a:p>
-        </p:txBody>
-      </p:sp>
-      <p:sp>
-        <p:nvSpPr>
-          <p:cNvPr id="3" name="Vertical Text Placeholder 2"/>
-          <p:cNvSpPr>
-            <a:spLocks noGrp="1"/>
-          </p:cNvSpPr>
-          <p:nvPr>
-            <p:ph type="body" orient="vert" idx="1"/>
-          </p:nvPr>
-        </p:nvSpPr>
-        <p:spPr>
-          <a:xfrm>
-            <a:off x="457200" y="274638"/>
-            <a:ext cx="6019800" cy="5851525"/>
-          </a:xfrm>
-        </p:spPr>
-        <p:txBody>
-          <a:bodyPr vert="eaVert"/>
-          <a:lstStyle/>
-          <a:p>
-            <a:pPr lvl="0"/>
-            <a:r>
-              <a:rPr lang="en-US"/>
-              <a:t>Click to edit Master text styles</a:t>
-            </a:r>
-          </a:p>
-          <a:p>
-            <a:pPr lvl="1"/>
-            <a:r>
-              <a:rPr lang="en-US"/>
-              <a:t>Second level</a:t>
-            </a:r>
-          </a:p>
-          <a:p>
-            <a:pPr lvl="2"/>
-            <a:r>
-              <a:rPr lang="en-US"/>
-              <a:t>Third level</a:t>
-            </a:r>
-          </a:p>
-          <a:p>
-            <a:pPr lvl="3"/>
-            <a:r>
-              <a:rPr lang="en-US"/>
-              <a:t>Fourth level</a:t>
-            </a:r>
-          </a:p>
-          <a:p>
-            <a:pPr lvl="4"/>
-            <a:r>
-              <a:rPr lang="en-US"/>
-              <a:t>Fifth level</a:t>
-            </a:r>
-            <a:endParaRPr lang="ru-RU" dirty="0"/>
-          </a:p>
-        </p:txBody>
-      </p:sp>
-    </p:spTree>
-    <p:extLst>
-      <p:ext uri="{BB962C8B-B14F-4D97-AF65-F5344CB8AC3E}">
-        <p14:creationId xmlns:p14="http://schemas.microsoft.com/office/powerpoint/2010/main" val="370514854"/>
-      </p:ext>
-    </p:extLst>
-  </p:cSld>
-  <p:clrMapOvr>
-    <a:masterClrMapping/>
-  </p:clrMapOvr>
-</p:sldLayout>
-</file>
-
-<file path=ppt/slideLayouts/slideLayout13.xml><?xml version="1.0" encoding="utf-8"?>
-<p:sldLayout xmlns:a="http://schemas.openxmlformats.org/drawingml/2006/main" xmlns:r="http://schemas.openxmlformats.org/officeDocument/2006/relationships" xmlns:p="http://schemas.openxmlformats.org/presentationml/2006/main" type="title">
-  <p:cSld name="2_Title Slide">
-    <p:spTree>
-      <p:nvGrpSpPr>
-        <p:cNvPr id="1" name=""/>
-        <p:cNvGrpSpPr/>
-        <p:nvPr/>
-      </p:nvGrpSpPr>
-      <p:grpSpPr>
-        <a:xfrm>
-          <a:off x="0" y="0"/>
-          <a:ext cx="0" cy="0"/>
-          <a:chOff x="0" y="0"/>
-          <a:chExt cx="0" cy="0"/>
-        </a:xfrm>
-      </p:grpSpPr>
-      <p:sp>
-        <p:nvSpPr>
-          <p:cNvPr id="2" name="Title 1"/>
-          <p:cNvSpPr>
-            <a:spLocks noGrp="1"/>
-          </p:cNvSpPr>
-          <p:nvPr>
-            <p:ph type="ctrTitle"/>
-          </p:nvPr>
-        </p:nvSpPr>
-        <p:spPr>
-          <a:xfrm>
-            <a:off x="685800" y="2130425"/>
-            <a:ext cx="7772400" cy="1470025"/>
-          </a:xfrm>
-        </p:spPr>
-        <p:txBody>
-          <a:bodyPr/>
-          <a:lstStyle/>
-          <a:p>
-            <a:r>
-              <a:rPr lang="en-US"/>
-              <a:t>Click to edit Master title style</a:t>
-            </a:r>
-            <a:endParaRPr lang="ru-RU"/>
-          </a:p>
-        </p:txBody>
-      </p:sp>
-      <p:sp>
-        <p:nvSpPr>
-          <p:cNvPr id="3" name="Subtitle 2"/>
-          <p:cNvSpPr>
-            <a:spLocks noGrp="1"/>
-          </p:cNvSpPr>
-          <p:nvPr>
-            <p:ph type="subTitle" idx="1"/>
-          </p:nvPr>
-        </p:nvSpPr>
-        <p:spPr>
-          <a:xfrm>
-            <a:off x="1371600" y="3886200"/>
-            <a:ext cx="6400800" cy="1752600"/>
-          </a:xfrm>
-        </p:spPr>
-        <p:txBody>
-          <a:bodyPr/>
-          <a:lstStyle>
-            <a:lvl1pPr marL="0" indent="0" algn="ctr">
-              <a:buNone/>
-              <a:defRPr>
-                <a:solidFill>
-                  <a:schemeClr val="tx1">
-                    <a:tint val="75000"/>
-                  </a:schemeClr>
-                </a:solidFill>
-              </a:defRPr>
-            </a:lvl1pPr>
-            <a:lvl2pPr marL="457200" indent="0" algn="ctr">
-              <a:buNone/>
-              <a:defRPr>
-                <a:solidFill>
-                  <a:schemeClr val="tx1">
-                    <a:tint val="75000"/>
-                  </a:schemeClr>
-                </a:solidFill>
-              </a:defRPr>
-            </a:lvl2pPr>
-            <a:lvl3pPr marL="914400" indent="0" algn="ctr">
-              <a:buNone/>
-              <a:defRPr>
-                <a:solidFill>
-                  <a:schemeClr val="tx1">
-                    <a:tint val="75000"/>
-                  </a:schemeClr>
-                </a:solidFill>
-              </a:defRPr>
-            </a:lvl3pPr>
-            <a:lvl4pPr marL="1371600" indent="0" algn="ctr">
-              <a:buNone/>
-              <a:defRPr>
-                <a:solidFill>
-                  <a:schemeClr val="tx1">
-                    <a:tint val="75000"/>
-                  </a:schemeClr>
-                </a:solidFill>
-              </a:defRPr>
-            </a:lvl4pPr>
-            <a:lvl5pPr marL="1828800" indent="0" algn="ctr">
-              <a:buNone/>
-              <a:defRPr>
-                <a:solidFill>
-                  <a:schemeClr val="tx1">
-                    <a:tint val="75000"/>
-                  </a:schemeClr>
-                </a:solidFill>
-              </a:defRPr>
-            </a:lvl5pPr>
-            <a:lvl6pPr marL="2286000" indent="0" algn="ctr">
-              <a:buNone/>
-              <a:defRPr>
-                <a:solidFill>
-                  <a:schemeClr val="tx1">
-                    <a:tint val="75000"/>
-                  </a:schemeClr>
-                </a:solidFill>
-              </a:defRPr>
-            </a:lvl6pPr>
-            <a:lvl7pPr marL="2743200" indent="0" algn="ctr">
-              <a:buNone/>
-              <a:defRPr>
-                <a:solidFill>
-                  <a:schemeClr val="tx1">
-                    <a:tint val="75000"/>
-                  </a:schemeClr>
-                </a:solidFill>
-              </a:defRPr>
-            </a:lvl7pPr>
-            <a:lvl8pPr marL="3200400" indent="0" algn="ctr">
-              <a:buNone/>
-              <a:defRPr>
-                <a:solidFill>
-                  <a:schemeClr val="tx1">
-                    <a:tint val="75000"/>
-                  </a:schemeClr>
-                </a:solidFill>
-              </a:defRPr>
-            </a:lvl8pPr>
-            <a:lvl9pPr marL="3657600" indent="0" algn="ctr">
-              <a:buNone/>
-              <a:defRPr>
-                <a:solidFill>
-                  <a:schemeClr val="tx1">
-                    <a:tint val="75000"/>
-                  </a:schemeClr>
-                </a:solidFill>
-              </a:defRPr>
-            </a:lvl9pPr>
-          </a:lstStyle>
-          <a:p>
-            <a:r>
-              <a:rPr lang="en-US"/>
-              <a:t>Click to edit Master subtitle style</a:t>
-            </a:r>
-            <a:endParaRPr lang="ru-RU"/>
-          </a:p>
-        </p:txBody>
-      </p:sp>
-      <p:sp>
-        <p:nvSpPr>
-          <p:cNvPr id="4" name="Date Placeholder 3"/>
-          <p:cNvSpPr>
-            <a:spLocks noGrp="1"/>
-          </p:cNvSpPr>
-          <p:nvPr>
-            <p:ph type="dt" sz="half" idx="10"/>
-          </p:nvPr>
-        </p:nvSpPr>
-        <p:spPr/>
-        <p:txBody>
-          <a:bodyPr/>
-          <a:lstStyle/>
-          <a:p>
-            <a:fld id="{8E6E6A2A-E9D3-4A0D-B04A-ABDD367A1E08}" type="datetimeFigureOut">
-              <a:rPr lang="ru-RU" smtClean="0"/>
-              <a:t>01.07.2018</a:t>
-            </a:fld>
-            <a:endParaRPr lang="ru-RU"/>
-          </a:p>
-        </p:txBody>
-      </p:sp>
-      <p:sp>
-        <p:nvSpPr>
-          <p:cNvPr id="5" name="Footer Placeholder 4"/>
-          <p:cNvSpPr>
-            <a:spLocks noGrp="1"/>
-          </p:cNvSpPr>
-          <p:nvPr>
-            <p:ph type="ftr" sz="quarter" idx="11"/>
-          </p:nvPr>
-        </p:nvSpPr>
-        <p:spPr/>
-        <p:txBody>
-          <a:bodyPr/>
-          <a:lstStyle/>
-          <a:p>
-            <a:endParaRPr lang="ru-RU"/>
-          </a:p>
-        </p:txBody>
-      </p:sp>
-      <p:sp>
-        <p:nvSpPr>
-          <p:cNvPr id="6" name="Slide Number Placeholder 5"/>
-          <p:cNvSpPr>
-            <a:spLocks noGrp="1"/>
-          </p:cNvSpPr>
-          <p:nvPr>
-            <p:ph type="sldNum" sz="quarter" idx="12"/>
-          </p:nvPr>
-        </p:nvSpPr>
-        <p:spPr/>
-        <p:txBody>
-          <a:bodyPr/>
-          <a:lstStyle/>
-          <a:p>
-            <a:fld id="{BC0D3D34-2E8A-4A38-B864-C677BA056495}" type="slidenum">
-              <a:rPr lang="ru-RU" smtClean="0"/>
-              <a:t>‹#›</a:t>
-            </a:fld>
-            <a:endParaRPr lang="ru-RU"/>
-          </a:p>
-        </p:txBody>
-      </p:sp>
-    </p:spTree>
-    <p:extLst>
-      <p:ext uri="{BB962C8B-B14F-4D97-AF65-F5344CB8AC3E}">
-        <p14:creationId xmlns:p14="http://schemas.microsoft.com/office/powerpoint/2010/main" val="1706083581"/>
-      </p:ext>
-    </p:extLst>
-  </p:cSld>
-  <p:clrMapOvr>
-    <a:masterClrMapping/>
-  </p:clrMapOvr>
-</p:sldLayout>
-</file>
-
-<file path=ppt/slideLayouts/slideLayout2.xml><?xml version="1.0" encoding="utf-8"?>
-<p:sldLayout xmlns:a="http://schemas.openxmlformats.org/drawingml/2006/main" xmlns:r="http://schemas.openxmlformats.org/officeDocument/2006/relationships" xmlns:p="http://schemas.openxmlformats.org/presentationml/2006/main" type="obj" preserve="1">
-  <p:cSld name="Title and Content">
-    <p:spTree>
-      <p:nvGrpSpPr>
-        <p:cNvPr id="1" name=""/>
-        <p:cNvGrpSpPr/>
-        <p:nvPr/>
-      </p:nvGrpSpPr>
-      <p:grpSpPr>
-        <a:xfrm>
-          <a:off x="0" y="0"/>
-          <a:ext cx="0" cy="0"/>
-          <a:chOff x="0" y="0"/>
-          <a:chExt cx="0" cy="0"/>
-        </a:xfrm>
-      </p:grpSpPr>
-      <p:sp>
-        <p:nvSpPr>
-          <p:cNvPr id="2" name="Title 1"/>
-          <p:cNvSpPr>
-            <a:spLocks noGrp="1"/>
-          </p:cNvSpPr>
-          <p:nvPr>
-            <p:ph type="title"/>
-          </p:nvPr>
-        </p:nvSpPr>
-        <p:spPr/>
-        <p:txBody>
-          <a:bodyPr/>
-          <a:lstStyle/>
-          <a:p>
-            <a:r>
-              <a:rPr lang="en-US"/>
-              <a:t>Click to edit Master title style</a:t>
-            </a:r>
-            <a:endParaRPr lang="ru-RU" dirty="0"/>
-          </a:p>
-        </p:txBody>
-      </p:sp>
-      <p:sp>
-        <p:nvSpPr>
-          <p:cNvPr id="3" name="Content Placeholder 2"/>
-          <p:cNvSpPr>
-            <a:spLocks noGrp="1"/>
-          </p:cNvSpPr>
-          <p:nvPr>
-            <p:ph idx="1"/>
-          </p:nvPr>
-        </p:nvSpPr>
-        <p:spPr/>
-        <p:txBody>
-          <a:bodyPr/>
-          <a:lstStyle/>
-          <a:p>
-            <a:pPr lvl="0"/>
-            <a:r>
-              <a:rPr lang="en-US"/>
-              <a:t>Click to edit Master text styles</a:t>
-            </a:r>
-          </a:p>
-          <a:p>
-            <a:pPr lvl="1"/>
-            <a:r>
-              <a:rPr lang="en-US"/>
-              <a:t>Second level</a:t>
-            </a:r>
-          </a:p>
-          <a:p>
-            <a:pPr lvl="2"/>
-            <a:r>
-              <a:rPr lang="en-US"/>
-              <a:t>Third level</a:t>
-            </a:r>
-          </a:p>
-          <a:p>
-            <a:pPr lvl="3"/>
-            <a:r>
-              <a:rPr lang="en-US"/>
-              <a:t>Fourth level</a:t>
-            </a:r>
-          </a:p>
-          <a:p>
-            <a:pPr lvl="4"/>
-            <a:r>
-              <a:rPr lang="en-US"/>
-              <a:t>Fifth level</a:t>
-            </a:r>
-            <a:endParaRPr lang="ru-RU" dirty="0"/>
-          </a:p>
-        </p:txBody>
-      </p:sp>
-    </p:spTree>
-    <p:extLst>
-      <p:ext uri="{BB962C8B-B14F-4D97-AF65-F5344CB8AC3E}">
-        <p14:creationId xmlns:p14="http://schemas.microsoft.com/office/powerpoint/2010/main" val="3363467697"/>
-      </p:ext>
-    </p:extLst>
-  </p:cSld>
-  <p:clrMapOvr>
-    <a:masterClrMapping/>
-  </p:clrMapOvr>
-</p:sldLayout>
-</file>
-
-<file path=ppt/slideLayouts/slideLayout3.xml><?xml version="1.0" encoding="utf-8"?>
-<p:sldLayout xmlns:a="http://schemas.openxmlformats.org/drawingml/2006/main" xmlns:r="http://schemas.openxmlformats.org/officeDocument/2006/relationships" xmlns:p="http://schemas.openxmlformats.org/presentationml/2006/main" type="secHead" preserve="1">
-  <p:cSld name="Section Header">
-    <p:spTree>
-      <p:nvGrpSpPr>
-        <p:cNvPr id="1" name=""/>
-        <p:cNvGrpSpPr/>
-        <p:nvPr/>
-      </p:nvGrpSpPr>
-      <p:grpSpPr>
-        <a:xfrm>
-          <a:off x="0" y="0"/>
-          <a:ext cx="0" cy="0"/>
-          <a:chOff x="0" y="0"/>
-          <a:chExt cx="0" cy="0"/>
-        </a:xfrm>
-      </p:grpSpPr>
-      <p:sp>
-        <p:nvSpPr>
-          <p:cNvPr id="2" name="Title 1"/>
-          <p:cNvSpPr>
-            <a:spLocks noGrp="1"/>
-          </p:cNvSpPr>
-          <p:nvPr>
-            <p:ph type="title"/>
-          </p:nvPr>
-        </p:nvSpPr>
-        <p:spPr>
-          <a:xfrm>
-            <a:off x="722313" y="4406900"/>
-            <a:ext cx="7772400" cy="1362075"/>
-          </a:xfrm>
-        </p:spPr>
-        <p:txBody>
-          <a:bodyPr anchor="t"/>
-          <a:lstStyle>
-            <a:lvl1pPr algn="l">
-              <a:defRPr sz="4000" b="1" cap="all"/>
-            </a:lvl1pPr>
-          </a:lstStyle>
-          <a:p>
-            <a:r>
-              <a:rPr lang="en-US"/>
-              <a:t>Click to edit Master title style</a:t>
-            </a:r>
-            <a:endParaRPr lang="ru-RU" dirty="0"/>
-          </a:p>
-        </p:txBody>
-      </p:sp>
-      <p:sp>
-        <p:nvSpPr>
-          <p:cNvPr id="3" name="Text Placeholder 2"/>
-          <p:cNvSpPr>
-            <a:spLocks noGrp="1"/>
-          </p:cNvSpPr>
-          <p:nvPr>
-            <p:ph type="body" idx="1"/>
-          </p:nvPr>
-        </p:nvSpPr>
-        <p:spPr>
-          <a:xfrm>
-            <a:off x="722313" y="2906713"/>
-            <a:ext cx="7772400" cy="1500187"/>
-          </a:xfrm>
-        </p:spPr>
-        <p:txBody>
-          <a:bodyPr anchor="b"/>
-          <a:lstStyle>
-            <a:lvl1pPr marL="0" indent="0">
-              <a:buNone/>
-              <a:defRPr sz="2000">
-                <a:solidFill>
-                  <a:schemeClr val="tx1">
-                    <a:tint val="75000"/>
-                  </a:schemeClr>
-                </a:solidFill>
-              </a:defRPr>
-            </a:lvl1pPr>
-            <a:lvl2pPr marL="457200" indent="0">
-              <a:buNone/>
-              <a:defRPr sz="1800">
-                <a:solidFill>
-                  <a:schemeClr val="tx1">
-                    <a:tint val="75000"/>
-                  </a:schemeClr>
-                </a:solidFill>
-              </a:defRPr>
-            </a:lvl2pPr>
-            <a:lvl3pPr marL="914400" indent="0">
-              <a:buNone/>
-              <a:defRPr sz="1600">
-                <a:solidFill>
-                  <a:schemeClr val="tx1">
-                    <a:tint val="75000"/>
-                  </a:schemeClr>
-                </a:solidFill>
-              </a:defRPr>
-            </a:lvl3pPr>
-            <a:lvl4pPr marL="1371600" indent="0">
-              <a:buNone/>
-              <a:defRPr sz="1400">
-                <a:solidFill>
-                  <a:schemeClr val="tx1">
-                    <a:tint val="75000"/>
-                  </a:schemeClr>
-                </a:solidFill>
-              </a:defRPr>
-            </a:lvl4pPr>
-            <a:lvl5pPr marL="1828800" indent="0">
-              <a:buNone/>
-              <a:defRPr sz="1400">
-                <a:solidFill>
-                  <a:schemeClr val="tx1">
-                    <a:tint val="75000"/>
-                  </a:schemeClr>
-                </a:solidFill>
-              </a:defRPr>
-            </a:lvl5pPr>
-            <a:lvl6pPr marL="2286000" indent="0">
-              <a:buNone/>
-              <a:defRPr sz="1400">
-                <a:solidFill>
-                  <a:schemeClr val="tx1">
-                    <a:tint val="75000"/>
-                  </a:schemeClr>
-                </a:solidFill>
-              </a:defRPr>
-            </a:lvl6pPr>
-            <a:lvl7pPr marL="2743200" indent="0">
-              <a:buNone/>
-              <a:defRPr sz="1400">
-                <a:solidFill>
-                  <a:schemeClr val="tx1">
-                    <a:tint val="75000"/>
-                  </a:schemeClr>
-                </a:solidFill>
-              </a:defRPr>
-            </a:lvl7pPr>
-            <a:lvl8pPr marL="3200400" indent="0">
-              <a:buNone/>
-              <a:defRPr sz="1400">
-                <a:solidFill>
-                  <a:schemeClr val="tx1">
-                    <a:tint val="75000"/>
-                  </a:schemeClr>
-                </a:solidFill>
-              </a:defRPr>
-            </a:lvl8pPr>
-            <a:lvl9pPr marL="3657600" indent="0">
-              <a:buNone/>
-              <a:defRPr sz="1400">
-                <a:solidFill>
-                  <a:schemeClr val="tx1">
-                    <a:tint val="75000"/>
-                  </a:schemeClr>
-                </a:solidFill>
-              </a:defRPr>
-            </a:lvl9pPr>
-          </a:lstStyle>
-          <a:p>
-            <a:pPr lvl="0"/>
-            <a:r>
-              <a:rPr lang="en-US"/>
-              <a:t>Click to edit Master text styles</a:t>
-            </a:r>
-          </a:p>
-        </p:txBody>
-      </p:sp>
-    </p:spTree>
-    <p:extLst>
-      <p:ext uri="{BB962C8B-B14F-4D97-AF65-F5344CB8AC3E}">
-        <p14:creationId xmlns:p14="http://schemas.microsoft.com/office/powerpoint/2010/main" val="1627150216"/>
-      </p:ext>
-    </p:extLst>
-  </p:cSld>
-  <p:clrMapOvr>
-    <a:masterClrMapping/>
-  </p:clrMapOvr>
-</p:sldLayout>
-</file>
-
-<file path=ppt/slideLayouts/slideLayout4.xml><?xml version="1.0" encoding="utf-8"?>
-<p:sldLayout xmlns:a="http://schemas.openxmlformats.org/drawingml/2006/main" xmlns:r="http://schemas.openxmlformats.org/officeDocument/2006/relationships" xmlns:p="http://schemas.openxmlformats.org/presentationml/2006/main" type="twoObj" preserve="1">
-  <p:cSld name="Two Content">
-    <p:spTree>
-      <p:nvGrpSpPr>
-        <p:cNvPr id="1" name=""/>
-        <p:cNvGrpSpPr/>
-        <p:nvPr/>
-      </p:nvGrpSpPr>
-      <p:grpSpPr>
-        <a:xfrm>
-          <a:off x="0" y="0"/>
-          <a:ext cx="0" cy="0"/>
-          <a:chOff x="0" y="0"/>
-          <a:chExt cx="0" cy="0"/>
-        </a:xfrm>
-      </p:grpSpPr>
-      <p:sp>
-        <p:nvSpPr>
-          <p:cNvPr id="2" name="Title 1"/>
-          <p:cNvSpPr>
-            <a:spLocks noGrp="1"/>
-          </p:cNvSpPr>
-          <p:nvPr>
-            <p:ph type="title"/>
-          </p:nvPr>
-        </p:nvSpPr>
-        <p:spPr/>
-        <p:txBody>
-          <a:bodyPr/>
-          <a:lstStyle/>
-          <a:p>
-            <a:r>
-              <a:rPr lang="en-US"/>
-              <a:t>Click to edit Master title style</a:t>
-            </a:r>
-            <a:endParaRPr lang="ru-RU" dirty="0"/>
-          </a:p>
-        </p:txBody>
-      </p:sp>
-      <p:sp>
-        <p:nvSpPr>
-          <p:cNvPr id="3" name="Content Placeholder 2"/>
-          <p:cNvSpPr>
-            <a:spLocks noGrp="1"/>
-          </p:cNvSpPr>
-          <p:nvPr>
-            <p:ph sz="half" idx="1"/>
-          </p:nvPr>
-        </p:nvSpPr>
-        <p:spPr>
-          <a:xfrm>
-            <a:off x="457200" y="1600200"/>
-            <a:ext cx="4038600" cy="4525963"/>
-          </a:xfrm>
-        </p:spPr>
-        <p:txBody>
-          <a:bodyPr/>
-          <a:lstStyle>
-            <a:lvl1pPr>
-              <a:defRPr sz="2800"/>
-            </a:lvl1pPr>
-            <a:lvl2pPr>
-              <a:defRPr sz="2400"/>
-            </a:lvl2pPr>
-            <a:lvl3pPr>
-              <a:defRPr sz="2000"/>
-            </a:lvl3pPr>
-            <a:lvl4pPr>
-              <a:defRPr sz="1800"/>
-            </a:lvl4pPr>
-            <a:lvl5pPr>
-              <a:defRPr sz="1800"/>
-            </a:lvl5pPr>
-            <a:lvl6pPr>
-              <a:defRPr sz="1800"/>
-            </a:lvl6pPr>
-            <a:lvl7pPr>
-              <a:defRPr sz="1800"/>
-            </a:lvl7pPr>
-            <a:lvl8pPr>
-              <a:defRPr sz="1800"/>
-            </a:lvl8pPr>
-            <a:lvl9pPr>
-              <a:defRPr sz="1800"/>
-            </a:lvl9pPr>
-          </a:lstStyle>
-          <a:p>
-            <a:pPr lvl="0"/>
-            <a:r>
-              <a:rPr lang="en-US"/>
-              <a:t>Click to edit Master text styles</a:t>
-            </a:r>
-          </a:p>
-          <a:p>
-            <a:pPr lvl="1"/>
-            <a:r>
-              <a:rPr lang="en-US"/>
-              <a:t>Second level</a:t>
-            </a:r>
-          </a:p>
-          <a:p>
-            <a:pPr lvl="2"/>
-            <a:r>
-              <a:rPr lang="en-US"/>
-              <a:t>Third level</a:t>
-            </a:r>
-          </a:p>
-          <a:p>
-            <a:pPr lvl="3"/>
-            <a:r>
-              <a:rPr lang="en-US"/>
-              <a:t>Fourth level</a:t>
-            </a:r>
-          </a:p>
-          <a:p>
-            <a:pPr lvl="4"/>
-            <a:r>
-              <a:rPr lang="en-US"/>
-              <a:t>Fifth level</a:t>
-            </a:r>
-            <a:endParaRPr lang="ru-RU" dirty="0"/>
-          </a:p>
-        </p:txBody>
-      </p:sp>
-      <p:sp>
-        <p:nvSpPr>
-          <p:cNvPr id="4" name="Content Placeholder 3"/>
-          <p:cNvSpPr>
-            <a:spLocks noGrp="1"/>
-          </p:cNvSpPr>
-          <p:nvPr>
-            <p:ph sz="half" idx="2"/>
-          </p:nvPr>
-        </p:nvSpPr>
-        <p:spPr>
-          <a:xfrm>
-            <a:off x="4648200" y="1600200"/>
-            <a:ext cx="4038600" cy="4525963"/>
-          </a:xfrm>
-        </p:spPr>
-        <p:txBody>
-          <a:bodyPr/>
-          <a:lstStyle>
-            <a:lvl1pPr>
-              <a:defRPr sz="2800"/>
-            </a:lvl1pPr>
-            <a:lvl2pPr>
-              <a:defRPr sz="2400"/>
-            </a:lvl2pPr>
-            <a:lvl3pPr>
-              <a:defRPr sz="2000"/>
-            </a:lvl3pPr>
-            <a:lvl4pPr>
-              <a:defRPr sz="1800"/>
-            </a:lvl4pPr>
-            <a:lvl5pPr>
-              <a:defRPr sz="1800"/>
-            </a:lvl5pPr>
-            <a:lvl6pPr>
-              <a:defRPr sz="1800"/>
-            </a:lvl6pPr>
-            <a:lvl7pPr>
-              <a:defRPr sz="1800"/>
-            </a:lvl7pPr>
-            <a:lvl8pPr>
-              <a:defRPr sz="1800"/>
-            </a:lvl8pPr>
-            <a:lvl9pPr>
-              <a:defRPr sz="1800"/>
-            </a:lvl9pPr>
-          </a:lstStyle>
-          <a:p>
-            <a:pPr lvl="0"/>
-            <a:r>
-              <a:rPr lang="en-US"/>
-              <a:t>Click to edit Master text styles</a:t>
-            </a:r>
-          </a:p>
-          <a:p>
-            <a:pPr lvl="1"/>
-            <a:r>
-              <a:rPr lang="en-US"/>
-              <a:t>Second level</a:t>
-            </a:r>
-          </a:p>
-          <a:p>
-            <a:pPr lvl="2"/>
-            <a:r>
-              <a:rPr lang="en-US"/>
-              <a:t>Third level</a:t>
-            </a:r>
-          </a:p>
-          <a:p>
-            <a:pPr lvl="3"/>
-            <a:r>
-              <a:rPr lang="en-US"/>
-              <a:t>Fourth level</a:t>
-            </a:r>
-          </a:p>
-          <a:p>
-            <a:pPr lvl="4"/>
-            <a:r>
-              <a:rPr lang="en-US"/>
-              <a:t>Fifth level</a:t>
-            </a:r>
-            <a:endParaRPr lang="ru-RU" dirty="0"/>
-          </a:p>
-        </p:txBody>
-      </p:sp>
-    </p:spTree>
-    <p:extLst>
-      <p:ext uri="{BB962C8B-B14F-4D97-AF65-F5344CB8AC3E}">
-        <p14:creationId xmlns:p14="http://schemas.microsoft.com/office/powerpoint/2010/main" val="1026234569"/>
-      </p:ext>
-    </p:extLst>
-  </p:cSld>
-  <p:clrMapOvr>
-    <a:masterClrMapping/>
-  </p:clrMapOvr>
-</p:sldLayout>
-</file>
-
-<file path=ppt/slideLayouts/slideLayout5.xml><?xml version="1.0" encoding="utf-8"?>
-<p:sldLayout xmlns:a="http://schemas.openxmlformats.org/drawingml/2006/main" xmlns:r="http://schemas.openxmlformats.org/officeDocument/2006/relationships" xmlns:p="http://schemas.openxmlformats.org/presentationml/2006/main" type="twoTxTwoObj" preserve="1">
-  <p:cSld name="Comparison">
-    <p:spTree>
-      <p:nvGrpSpPr>
-        <p:cNvPr id="1" name=""/>
-        <p:cNvGrpSpPr/>
-        <p:nvPr/>
-      </p:nvGrpSpPr>
-      <p:grpSpPr>
-        <a:xfrm>
-          <a:off x="0" y="0"/>
-          <a:ext cx="0" cy="0"/>
-          <a:chOff x="0" y="0"/>
-          <a:chExt cx="0" cy="0"/>
-        </a:xfrm>
-      </p:grpSpPr>
-      <p:sp>
-        <p:nvSpPr>
-          <p:cNvPr id="2" name="Title 1"/>
-          <p:cNvSpPr>
-            <a:spLocks noGrp="1"/>
-          </p:cNvSpPr>
-          <p:nvPr>
-            <p:ph type="title"/>
-          </p:nvPr>
-        </p:nvSpPr>
-        <p:spPr/>
-        <p:txBody>
-          <a:bodyPr/>
-          <a:lstStyle>
-            <a:lvl1pPr>
-              <a:defRPr/>
-            </a:lvl1pPr>
-          </a:lstStyle>
-          <a:p>
-            <a:r>
-              <a:rPr lang="en-US"/>
-              <a:t>Click to edit Master title style</a:t>
-            </a:r>
-            <a:endParaRPr lang="ru-RU" dirty="0"/>
-          </a:p>
-        </p:txBody>
-      </p:sp>
-      <p:sp>
-        <p:nvSpPr>
-          <p:cNvPr id="3" name="Text Placeholder 2"/>
-          <p:cNvSpPr>
-            <a:spLocks noGrp="1"/>
-          </p:cNvSpPr>
-          <p:nvPr>
-            <p:ph type="body" idx="1"/>
-          </p:nvPr>
-        </p:nvSpPr>
-        <p:spPr>
-          <a:xfrm>
-            <a:off x="457200" y="1535113"/>
-            <a:ext cx="4040188" cy="639762"/>
-          </a:xfrm>
-        </p:spPr>
-        <p:txBody>
-          <a:bodyPr anchor="b"/>
-          <a:lstStyle>
-            <a:lvl1pPr marL="0" indent="0">
-              <a:buNone/>
-              <a:defRPr sz="2400" b="1"/>
-            </a:lvl1pPr>
-            <a:lvl2pPr marL="457200" indent="0">
-              <a:buNone/>
-              <a:defRPr sz="2000" b="1"/>
-            </a:lvl2pPr>
-            <a:lvl3pPr marL="914400" indent="0">
-              <a:buNone/>
-              <a:defRPr sz="1800" b="1"/>
-            </a:lvl3pPr>
-            <a:lvl4pPr marL="1371600" indent="0">
-              <a:buNone/>
-              <a:defRPr sz="1600" b="1"/>
-            </a:lvl4pPr>
-            <a:lvl5pPr marL="1828800" indent="0">
-              <a:buNone/>
-              <a:defRPr sz="1600" b="1"/>
-            </a:lvl5pPr>
-            <a:lvl6pPr marL="2286000" indent="0">
-              <a:buNone/>
-              <a:defRPr sz="1600" b="1"/>
-            </a:lvl6pPr>
-            <a:lvl7pPr marL="2743200" indent="0">
-              <a:buNone/>
-              <a:defRPr sz="1600" b="1"/>
-            </a:lvl7pPr>
-            <a:lvl8pPr marL="3200400" indent="0">
-              <a:buNone/>
-              <a:defRPr sz="1600" b="1"/>
-            </a:lvl8pPr>
-            <a:lvl9pPr marL="3657600" indent="0">
-              <a:buNone/>
-              <a:defRPr sz="1600" b="1"/>
-            </a:lvl9pPr>
-          </a:lstStyle>
-          <a:p>
-            <a:pPr lvl="0"/>
-            <a:r>
-              <a:rPr lang="en-US"/>
-              <a:t>Click to edit Master text styles</a:t>
-            </a:r>
-          </a:p>
-        </p:txBody>
-      </p:sp>
-      <p:sp>
-        <p:nvSpPr>
-          <p:cNvPr id="4" name="Content Placeholder 3"/>
-          <p:cNvSpPr>
-            <a:spLocks noGrp="1"/>
-          </p:cNvSpPr>
-          <p:nvPr>
-            <p:ph sz="half" idx="2"/>
-          </p:nvPr>
-        </p:nvSpPr>
-        <p:spPr>
-          <a:xfrm>
-            <a:off x="457200" y="2174875"/>
-            <a:ext cx="4040188" cy="3951288"/>
-          </a:xfrm>
-        </p:spPr>
-        <p:txBody>
-          <a:bodyPr/>
-          <a:lstStyle>
-            <a:lvl1pPr>
-              <a:defRPr sz="2400"/>
-            </a:lvl1pPr>
-            <a:lvl2pPr>
-              <a:defRPr sz="2000"/>
-            </a:lvl2pPr>
-            <a:lvl3pPr>
-              <a:defRPr sz="1800"/>
-            </a:lvl3pPr>
-            <a:lvl4pPr>
-              <a:defRPr sz="1600"/>
-            </a:lvl4pPr>
-            <a:lvl5pPr>
-              <a:defRPr sz="1600"/>
-            </a:lvl5pPr>
-            <a:lvl6pPr>
-              <a:defRPr sz="1600"/>
-            </a:lvl6pPr>
-            <a:lvl7pPr>
-              <a:defRPr sz="1600"/>
-            </a:lvl7pPr>
-            <a:lvl8pPr>
-              <a:defRPr sz="1600"/>
-            </a:lvl8pPr>
-            <a:lvl9pPr>
-              <a:defRPr sz="1600"/>
-            </a:lvl9pPr>
-          </a:lstStyle>
-          <a:p>
-            <a:pPr lvl="0"/>
-            <a:r>
-              <a:rPr lang="en-US"/>
-              <a:t>Click to edit Master text styles</a:t>
-            </a:r>
-          </a:p>
-          <a:p>
-            <a:pPr lvl="1"/>
-            <a:r>
-              <a:rPr lang="en-US"/>
-              <a:t>Second level</a:t>
-            </a:r>
-          </a:p>
-          <a:p>
-            <a:pPr lvl="2"/>
-            <a:r>
-              <a:rPr lang="en-US"/>
-              <a:t>Third level</a:t>
-            </a:r>
-          </a:p>
-          <a:p>
-            <a:pPr lvl="3"/>
-            <a:r>
-              <a:rPr lang="en-US"/>
-              <a:t>Fourth level</a:t>
-            </a:r>
-          </a:p>
-          <a:p>
-            <a:pPr lvl="4"/>
-            <a:r>
-              <a:rPr lang="en-US"/>
-              <a:t>Fifth level</a:t>
-            </a:r>
-            <a:endParaRPr lang="ru-RU" dirty="0"/>
-          </a:p>
-        </p:txBody>
-      </p:sp>
-      <p:sp>
-        <p:nvSpPr>
-          <p:cNvPr id="5" name="Text Placeholder 4"/>
-          <p:cNvSpPr>
-            <a:spLocks noGrp="1"/>
-          </p:cNvSpPr>
-          <p:nvPr>
-            <p:ph type="body" sz="quarter" idx="3"/>
-          </p:nvPr>
-        </p:nvSpPr>
-        <p:spPr>
-          <a:xfrm>
-            <a:off x="4645025" y="1535113"/>
-            <a:ext cx="4041775" cy="639762"/>
-          </a:xfrm>
-        </p:spPr>
-        <p:txBody>
-          <a:bodyPr anchor="b"/>
-          <a:lstStyle>
-            <a:lvl1pPr marL="0" indent="0">
-              <a:buNone/>
-              <a:defRPr sz="2400" b="1"/>
-            </a:lvl1pPr>
-            <a:lvl2pPr marL="457200" indent="0">
-              <a:buNone/>
-              <a:defRPr sz="2000" b="1"/>
-            </a:lvl2pPr>
-            <a:lvl3pPr marL="914400" indent="0">
-              <a:buNone/>
-              <a:defRPr sz="1800" b="1"/>
-            </a:lvl3pPr>
-            <a:lvl4pPr marL="1371600" indent="0">
-              <a:buNone/>
-              <a:defRPr sz="1600" b="1"/>
-            </a:lvl4pPr>
-            <a:lvl5pPr marL="1828800" indent="0">
-              <a:buNone/>
-              <a:defRPr sz="1600" b="1"/>
-            </a:lvl5pPr>
-            <a:lvl6pPr marL="2286000" indent="0">
-              <a:buNone/>
-              <a:defRPr sz="1600" b="1"/>
-            </a:lvl6pPr>
-            <a:lvl7pPr marL="2743200" indent="0">
-              <a:buNone/>
-              <a:defRPr sz="1600" b="1"/>
-            </a:lvl7pPr>
-            <a:lvl8pPr marL="3200400" indent="0">
-              <a:buNone/>
-              <a:defRPr sz="1600" b="1"/>
-            </a:lvl8pPr>
-            <a:lvl9pPr marL="3657600" indent="0">
-              <a:buNone/>
-              <a:defRPr sz="1600" b="1"/>
-            </a:lvl9pPr>
-          </a:lstStyle>
-          <a:p>
-            <a:pPr lvl="0"/>
-            <a:r>
-              <a:rPr lang="en-US"/>
-              <a:t>Click to edit Master text styles</a:t>
-            </a:r>
-          </a:p>
-        </p:txBody>
-      </p:sp>
-      <p:sp>
-        <p:nvSpPr>
-          <p:cNvPr id="6" name="Content Placeholder 5"/>
-          <p:cNvSpPr>
-            <a:spLocks noGrp="1"/>
-          </p:cNvSpPr>
-          <p:nvPr>
-            <p:ph sz="quarter" idx="4"/>
-          </p:nvPr>
-        </p:nvSpPr>
-        <p:spPr>
-          <a:xfrm>
-            <a:off x="4645025" y="2174875"/>
-            <a:ext cx="4041775" cy="3951288"/>
-          </a:xfrm>
-        </p:spPr>
-        <p:txBody>
-          <a:bodyPr/>
-          <a:lstStyle>
-            <a:lvl1pPr>
-              <a:defRPr sz="2400"/>
-            </a:lvl1pPr>
-            <a:lvl2pPr>
-              <a:defRPr sz="2000"/>
-            </a:lvl2pPr>
-            <a:lvl3pPr>
-              <a:defRPr sz="1800"/>
-            </a:lvl3pPr>
-            <a:lvl4pPr>
-              <a:defRPr sz="1600"/>
-            </a:lvl4pPr>
-            <a:lvl5pPr>
-              <a:defRPr sz="1600"/>
-            </a:lvl5pPr>
-            <a:lvl6pPr>
-              <a:defRPr sz="1600"/>
-            </a:lvl6pPr>
-            <a:lvl7pPr>
-              <a:defRPr sz="1600"/>
-            </a:lvl7pPr>
-            <a:lvl8pPr>
-              <a:defRPr sz="1600"/>
-            </a:lvl8pPr>
-            <a:lvl9pPr>
-              <a:defRPr sz="1600"/>
-            </a:lvl9pPr>
-          </a:lstStyle>
-          <a:p>
-            <a:pPr lvl="0"/>
-            <a:r>
-              <a:rPr lang="en-US"/>
-              <a:t>Click to edit Master text styles</a:t>
-            </a:r>
-          </a:p>
-          <a:p>
-            <a:pPr lvl="1"/>
-            <a:r>
-              <a:rPr lang="en-US"/>
-              <a:t>Second level</a:t>
-            </a:r>
-          </a:p>
-          <a:p>
-            <a:pPr lvl="2"/>
-            <a:r>
-              <a:rPr lang="en-US"/>
-              <a:t>Third level</a:t>
-            </a:r>
-          </a:p>
-          <a:p>
-            <a:pPr lvl="3"/>
-            <a:r>
-              <a:rPr lang="en-US"/>
-              <a:t>Fourth level</a:t>
-            </a:r>
-          </a:p>
-          <a:p>
-            <a:pPr lvl="4"/>
-            <a:r>
-              <a:rPr lang="en-US"/>
-              <a:t>Fifth level</a:t>
-            </a:r>
-            <a:endParaRPr lang="ru-RU" dirty="0"/>
-          </a:p>
-        </p:txBody>
-      </p:sp>
-    </p:spTree>
-    <p:extLst>
-      <p:ext uri="{BB962C8B-B14F-4D97-AF65-F5344CB8AC3E}">
-        <p14:creationId xmlns:p14="http://schemas.microsoft.com/office/powerpoint/2010/main" val="4044979405"/>
-      </p:ext>
-    </p:extLst>
-  </p:cSld>
-  <p:clrMapOvr>
-    <a:masterClrMapping/>
-  </p:clrMapOvr>
-</p:sldLayout>
-</file>
-
-<file path=ppt/slideLayouts/slideLayout6.xml><?xml version="1.0" encoding="utf-8"?>
-<p:sldLayout xmlns:a="http://schemas.openxmlformats.org/drawingml/2006/main" xmlns:r="http://schemas.openxmlformats.org/officeDocument/2006/relationships" xmlns:p="http://schemas.openxmlformats.org/presentationml/2006/main" type="titleOnly" preserve="1">
-  <p:cSld name="Title Only">
-    <p:spTree>
-      <p:nvGrpSpPr>
-        <p:cNvPr id="1" name=""/>
-        <p:cNvGrpSpPr/>
-        <p:nvPr/>
-      </p:nvGrpSpPr>
-      <p:grpSpPr>
-        <a:xfrm>
-          <a:off x="0" y="0"/>
-          <a:ext cx="0" cy="0"/>
-          <a:chOff x="0" y="0"/>
-          <a:chExt cx="0" cy="0"/>
-        </a:xfrm>
-      </p:grpSpPr>
-      <p:sp>
-        <p:nvSpPr>
-          <p:cNvPr id="2" name="Title 1"/>
-          <p:cNvSpPr>
-            <a:spLocks noGrp="1"/>
-          </p:cNvSpPr>
-          <p:nvPr>
-            <p:ph type="title"/>
-          </p:nvPr>
-        </p:nvSpPr>
-        <p:spPr/>
-        <p:txBody>
-          <a:bodyPr/>
-          <a:lstStyle/>
-          <a:p>
-            <a:r>
-              <a:rPr lang="en-US"/>
-              <a:t>Click to edit Master title style</a:t>
-            </a:r>
-            <a:endParaRPr lang="ru-RU" dirty="0"/>
-          </a:p>
-        </p:txBody>
-      </p:sp>
-    </p:spTree>
-    <p:extLst>
-      <p:ext uri="{BB962C8B-B14F-4D97-AF65-F5344CB8AC3E}">
-        <p14:creationId xmlns:p14="http://schemas.microsoft.com/office/powerpoint/2010/main" val="125202666"/>
-      </p:ext>
-    </p:extLst>
-  </p:cSld>
-  <p:clrMapOvr>
-    <a:masterClrMapping/>
-  </p:clrMapOvr>
-</p:sldLayout>
-</file>
-
-<file path=ppt/slideLayouts/slideLayout7.xml><?xml version="1.0" encoding="utf-8"?>
-<p:sldLayout xmlns:a="http://schemas.openxmlformats.org/drawingml/2006/main" xmlns:r="http://schemas.openxmlformats.org/officeDocument/2006/relationships" xmlns:p="http://schemas.openxmlformats.org/presentationml/2006/main" preserve="1" userDrawn="1">
-  <p:cSld name="Demo">
-    <p:spTree>
-      <p:nvGrpSpPr>
-        <p:cNvPr id="1" name=""/>
-        <p:cNvGrpSpPr/>
-        <p:nvPr/>
-      </p:nvGrpSpPr>
-      <p:grpSpPr>
-        <a:xfrm>
-          <a:off x="0" y="0"/>
-          <a:ext cx="0" cy="0"/>
-          <a:chOff x="0" y="0"/>
-          <a:chExt cx="0" cy="0"/>
-        </a:xfrm>
-      </p:grpSpPr>
-      <p:sp>
-        <p:nvSpPr>
-          <p:cNvPr id="10" name="TextBox 9"/>
-          <p:cNvSpPr txBox="1"/>
-          <p:nvPr userDrawn="1"/>
-        </p:nvSpPr>
-        <p:spPr>
-          <a:xfrm>
-            <a:off x="359532" y="3136613"/>
-            <a:ext cx="8424936" cy="584775"/>
-          </a:xfrm>
-          <a:prstGeom prst="rect">
-            <a:avLst/>
-          </a:prstGeom>
-          <a:noFill/>
-        </p:spPr>
-        <p:txBody>
-          <a:bodyPr wrap="square" rtlCol="0" anchor="ctr">
-            <a:spAutoFit/>
-          </a:bodyPr>
-          <a:lstStyle/>
-          <a:p>
-            <a:pPr algn="ctr"/>
-            <a:r>
-              <a:rPr lang="ru-RU" sz="3200" dirty="0"/>
-              <a:t>Название.</a:t>
-            </a:r>
-            <a:r>
-              <a:rPr lang="ru-RU" sz="3200" baseline="0" dirty="0"/>
-              <a:t> Демонстрация.</a:t>
-            </a:r>
-            <a:endParaRPr lang="ru-RU" sz="3200" dirty="0"/>
-          </a:p>
-        </p:txBody>
-      </p:sp>
-    </p:spTree>
-    <p:extLst>
-      <p:ext uri="{BB962C8B-B14F-4D97-AF65-F5344CB8AC3E}">
-        <p14:creationId xmlns:p14="http://schemas.microsoft.com/office/powerpoint/2010/main" val="3308008441"/>
-      </p:ext>
-    </p:extLst>
-  </p:cSld>
-  <p:clrMapOvr>
-    <a:masterClrMapping/>
-  </p:clrMapOvr>
-</p:sldLayout>
-</file>
-
-<file path=ppt/slideLayouts/slideLayout8.xml><?xml version="1.0" encoding="utf-8"?>
-<p:sldLayout xmlns:a="http://schemas.openxmlformats.org/drawingml/2006/main" xmlns:r="http://schemas.openxmlformats.org/officeDocument/2006/relationships" xmlns:p="http://schemas.openxmlformats.org/presentationml/2006/main" type="blank" preserve="1">
-  <p:cSld name="1_Blank">
-    <p:spTree>
-      <p:nvGrpSpPr>
-        <p:cNvPr id="1" name=""/>
-        <p:cNvGrpSpPr/>
-        <p:nvPr/>
-      </p:nvGrpSpPr>
-      <p:grpSpPr>
-        <a:xfrm>
-          <a:off x="0" y="0"/>
-          <a:ext cx="0" cy="0"/>
-          <a:chOff x="0" y="0"/>
-          <a:chExt cx="0" cy="0"/>
-        </a:xfrm>
-      </p:grpSpPr>
-    </p:spTree>
-    <p:extLst>
-      <p:ext uri="{BB962C8B-B14F-4D97-AF65-F5344CB8AC3E}">
-        <p14:creationId xmlns:p14="http://schemas.microsoft.com/office/powerpoint/2010/main" val="2618453949"/>
-      </p:ext>
-    </p:extLst>
-  </p:cSld>
-  <p:clrMapOvr>
-    <a:masterClrMapping/>
-  </p:clrMapOvr>
-</p:sldLayout>
-</file>
-
-<file path=ppt/slideLayouts/slideLayout9.xml><?xml version="1.0" encoding="utf-8"?>
-<p:sldLayout xmlns:a="http://schemas.openxmlformats.org/drawingml/2006/main" xmlns:r="http://schemas.openxmlformats.org/officeDocument/2006/relationships" xmlns:p="http://schemas.openxmlformats.org/presentationml/2006/main" type="objTx" preserve="1">
-  <p:cSld name="Content with Caption">
-    <p:spTree>
-      <p:nvGrpSpPr>
-        <p:cNvPr id="1" name=""/>
-        <p:cNvGrpSpPr/>
-        <p:nvPr/>
-      </p:nvGrpSpPr>
-      <p:grpSpPr>
-        <a:xfrm>
-          <a:off x="0" y="0"/>
-          <a:ext cx="0" cy="0"/>
-          <a:chOff x="0" y="0"/>
-          <a:chExt cx="0" cy="0"/>
-        </a:xfrm>
-      </p:grpSpPr>
-      <p:sp>
-        <p:nvSpPr>
-          <p:cNvPr id="2" name="Title 1"/>
-          <p:cNvSpPr>
-            <a:spLocks noGrp="1"/>
-          </p:cNvSpPr>
-          <p:nvPr>
-            <p:ph type="title"/>
-          </p:nvPr>
-        </p:nvSpPr>
-        <p:spPr>
-          <a:xfrm>
-            <a:off x="457200" y="273050"/>
-            <a:ext cx="3008313" cy="1162050"/>
-          </a:xfrm>
-        </p:spPr>
-        <p:txBody>
-          <a:bodyPr anchor="b"/>
-          <a:lstStyle>
-            <a:lvl1pPr algn="l">
-              <a:defRPr sz="2000" b="1"/>
-            </a:lvl1pPr>
-          </a:lstStyle>
-          <a:p>
-            <a:r>
-              <a:rPr lang="en-US"/>
-              <a:t>Click to edit Master title style</a:t>
-            </a:r>
-            <a:endParaRPr lang="ru-RU" dirty="0"/>
-          </a:p>
-        </p:txBody>
-      </p:sp>
-      <p:sp>
-        <p:nvSpPr>
-          <p:cNvPr id="3" name="Content Placeholder 2"/>
-          <p:cNvSpPr>
-            <a:spLocks noGrp="1"/>
-          </p:cNvSpPr>
-          <p:nvPr>
-            <p:ph idx="1"/>
-          </p:nvPr>
-        </p:nvSpPr>
-        <p:spPr>
-          <a:xfrm>
-            <a:off x="3575050" y="273050"/>
-            <a:ext cx="5111750" cy="5853113"/>
-          </a:xfrm>
-        </p:spPr>
-        <p:txBody>
-          <a:bodyPr/>
-          <a:lstStyle>
-            <a:lvl1pPr>
-              <a:defRPr sz="3200"/>
-            </a:lvl1pPr>
-            <a:lvl2pPr>
-              <a:defRPr sz="2800"/>
-            </a:lvl2pPr>
-            <a:lvl3pPr>
-              <a:defRPr sz="2400"/>
-            </a:lvl3pPr>
-            <a:lvl4pPr>
-              <a:defRPr sz="2000"/>
-            </a:lvl4pPr>
-            <a:lvl5pPr>
-              <a:defRPr sz="2000"/>
-            </a:lvl5pPr>
-            <a:lvl6pPr>
-              <a:defRPr sz="2000"/>
-            </a:lvl6pPr>
-            <a:lvl7pPr>
-              <a:defRPr sz="2000"/>
-            </a:lvl7pPr>
-            <a:lvl8pPr>
-              <a:defRPr sz="2000"/>
-            </a:lvl8pPr>
-            <a:lvl9pPr>
-              <a:defRPr sz="2000"/>
-            </a:lvl9pPr>
-          </a:lstStyle>
-          <a:p>
-            <a:pPr lvl="0"/>
-            <a:r>
-              <a:rPr lang="en-US"/>
-              <a:t>Click to edit Master text styles</a:t>
-            </a:r>
-          </a:p>
-          <a:p>
-            <a:pPr lvl="1"/>
-            <a:r>
-              <a:rPr lang="en-US"/>
-              <a:t>Second level</a:t>
-            </a:r>
-          </a:p>
-          <a:p>
-            <a:pPr lvl="2"/>
-            <a:r>
-              <a:rPr lang="en-US"/>
-              <a:t>Third level</a:t>
-            </a:r>
-          </a:p>
-          <a:p>
-            <a:pPr lvl="3"/>
-            <a:r>
-              <a:rPr lang="en-US"/>
-              <a:t>Fourth level</a:t>
-            </a:r>
-          </a:p>
-          <a:p>
-            <a:pPr lvl="4"/>
-            <a:r>
-              <a:rPr lang="en-US"/>
-              <a:t>Fifth level</a:t>
-            </a:r>
-            <a:endParaRPr lang="ru-RU" dirty="0"/>
-          </a:p>
-        </p:txBody>
-      </p:sp>
-      <p:sp>
-        <p:nvSpPr>
-          <p:cNvPr id="4" name="Text Placeholder 3"/>
-          <p:cNvSpPr>
-            <a:spLocks noGrp="1"/>
-          </p:cNvSpPr>
-          <p:nvPr>
-            <p:ph type="body" sz="half" idx="2"/>
-          </p:nvPr>
-        </p:nvSpPr>
-        <p:spPr>
-          <a:xfrm>
-            <a:off x="457200" y="1435100"/>
-            <a:ext cx="3008313" cy="4691063"/>
-          </a:xfrm>
-        </p:spPr>
-        <p:txBody>
-          <a:bodyPr/>
-          <a:lstStyle>
-            <a:lvl1pPr marL="0" indent="0">
-              <a:buNone/>
-              <a:defRPr sz="1400"/>
-            </a:lvl1pPr>
-            <a:lvl2pPr marL="457200" indent="0">
-              <a:buNone/>
-              <a:defRPr sz="1200"/>
-            </a:lvl2pPr>
-            <a:lvl3pPr marL="914400" indent="0">
-              <a:buNone/>
-              <a:defRPr sz="1000"/>
-            </a:lvl3pPr>
-            <a:lvl4pPr marL="1371600" indent="0">
-              <a:buNone/>
-              <a:defRPr sz="900"/>
-            </a:lvl4pPr>
-            <a:lvl5pPr marL="1828800" indent="0">
-              <a:buNone/>
-              <a:defRPr sz="900"/>
-            </a:lvl5pPr>
-            <a:lvl6pPr marL="2286000" indent="0">
-              <a:buNone/>
-              <a:defRPr sz="900"/>
-            </a:lvl6pPr>
-            <a:lvl7pPr marL="2743200" indent="0">
-              <a:buNone/>
-              <a:defRPr sz="900"/>
-            </a:lvl7pPr>
-            <a:lvl8pPr marL="3200400" indent="0">
-              <a:buNone/>
-              <a:defRPr sz="900"/>
-            </a:lvl8pPr>
-            <a:lvl9pPr marL="3657600" indent="0">
-              <a:buNone/>
-              <a:defRPr sz="900"/>
-            </a:lvl9pPr>
-          </a:lstStyle>
-          <a:p>
-            <a:pPr lvl="0"/>
-            <a:r>
-              <a:rPr lang="en-US"/>
-              <a:t>Click to edit Master text styles</a:t>
-            </a:r>
-          </a:p>
-        </p:txBody>
-      </p:sp>
-    </p:spTree>
-    <p:extLst>
-      <p:ext uri="{BB962C8B-B14F-4D97-AF65-F5344CB8AC3E}">
-        <p14:creationId xmlns:p14="http://schemas.microsoft.com/office/powerpoint/2010/main" val="4043488563"/>
-      </p:ext>
-    </p:extLst>
-  </p:cSld>
-  <p:clrMapOvr>
-    <a:masterClrMapping/>
-  </p:clrMapOvr>
-</p:sldLayout>
-</file>
-
 <file path=ppt/slideMasters/slideMaster1.xml><?xml version="1.0" encoding="utf-8"?>
 <p:sldMaster xmlns:a="http://schemas.openxmlformats.org/drawingml/2006/main" xmlns:r="http://schemas.openxmlformats.org/officeDocument/2006/relationships" xmlns:p="http://schemas.openxmlformats.org/presentationml/2006/main">
   <p:cSld>
     <p:bg>
       <p:bgPr>
         <a:blipFill dpi="0" rotWithShape="1">
-          <a:blip r:embed="rId15">
+          <a:blip r:embed="rId14">
             <a:lum/>
           </a:blip>
           <a:srcRect/>
@@ -2734,7 +2540,7 @@
           <a:p>
             <a:fld id="{AC3D3127-B7C4-45E3-9797-C527EC9FDD78}" type="datetimeFigureOut">
               <a:rPr lang="ru-RU" smtClean="0"/>
-              <a:t>01.07.2018</a:t>
+              <a:t>22.02.2019</a:t>
             </a:fld>
             <a:endParaRPr lang="ru-RU"/>
           </a:p>
@@ -2827,19 +2633,18 @@
   </p:cSld>
   <p:clrMap bg1="lt1" tx1="dk1" bg2="lt2" tx2="dk2" accent1="accent1" accent2="accent2" accent3="accent3" accent4="accent4" accent5="accent5" accent6="accent6" hlink="hlink" folHlink="folHlink"/>
   <p:sldLayoutIdLst>
-    <p:sldLayoutId id="2147483649" r:id="rId1"/>
-    <p:sldLayoutId id="2147483650" r:id="rId2"/>
-    <p:sldLayoutId id="2147483651" r:id="rId3"/>
-    <p:sldLayoutId id="2147483652" r:id="rId4"/>
-    <p:sldLayoutId id="2147483653" r:id="rId5"/>
-    <p:sldLayoutId id="2147483654" r:id="rId6"/>
-    <p:sldLayoutId id="2147483655" r:id="rId7"/>
-    <p:sldLayoutId id="2147483660" r:id="rId8"/>
-    <p:sldLayoutId id="2147483656" r:id="rId9"/>
-    <p:sldLayoutId id="2147483657" r:id="rId10"/>
-    <p:sldLayoutId id="2147483658" r:id="rId11"/>
-    <p:sldLayoutId id="2147483659" r:id="rId12"/>
-    <p:sldLayoutId id="2147483661" r:id="rId13"/>
+    <p:sldLayoutId id="2147483650" r:id="rId1"/>
+    <p:sldLayoutId id="2147483651" r:id="rId2"/>
+    <p:sldLayoutId id="2147483652" r:id="rId3"/>
+    <p:sldLayoutId id="2147483653" r:id="rId4"/>
+    <p:sldLayoutId id="2147483654" r:id="rId5"/>
+    <p:sldLayoutId id="2147483655" r:id="rId6"/>
+    <p:sldLayoutId id="2147483660" r:id="rId7"/>
+    <p:sldLayoutId id="2147483656" r:id="rId8"/>
+    <p:sldLayoutId id="2147483657" r:id="rId9"/>
+    <p:sldLayoutId id="2147483658" r:id="rId10"/>
+    <p:sldLayoutId id="2147483659" r:id="rId11"/>
+    <p:sldLayoutId id="2147483661" r:id="rId12"/>
   </p:sldLayoutIdLst>
   <p:txStyles>
     <p:titleStyle>
@@ -3197,7 +3002,7 @@
           <p:cNvPr id="8" name="TextBox 7">
             <a:extLst>
               <a:ext uri="{FF2B5EF4-FFF2-40B4-BE49-F238E27FC236}">
-                <a16:creationId xmlns:a16="http://schemas.microsoft.com/office/drawing/2014/main" id="{DA29D535-DF79-9547-A9AB-4DB6BB0032B0}"/>
+                <a16:creationId xmlns:a16="http://schemas.microsoft.com/office/drawing/2014/main" xmlns="" id="{DA29D535-DF79-9547-A9AB-4DB6BB0032B0}"/>
               </a:ext>
             </a:extLst>
           </p:cNvPr>
@@ -3552,28 +3357,28 @@
                 <a:gridCol w="1021245">
                   <a:extLst>
                     <a:ext uri="{9D8B030D-6E8A-4147-A177-3AD203B41FA5}">
-                      <a16:colId xmlns:a16="http://schemas.microsoft.com/office/drawing/2014/main" val="20000"/>
+                      <a16:colId xmlns:a16="http://schemas.microsoft.com/office/drawing/2014/main" xmlns="" val="20000"/>
                     </a:ext>
                   </a:extLst>
                 </a:gridCol>
                 <a:gridCol w="2101365">
                   <a:extLst>
                     <a:ext uri="{9D8B030D-6E8A-4147-A177-3AD203B41FA5}">
-                      <a16:colId xmlns:a16="http://schemas.microsoft.com/office/drawing/2014/main" val="20001"/>
+                      <a16:colId xmlns:a16="http://schemas.microsoft.com/office/drawing/2014/main" xmlns="" val="20001"/>
                     </a:ext>
                   </a:extLst>
                 </a:gridCol>
                 <a:gridCol w="1561305">
                   <a:extLst>
                     <a:ext uri="{9D8B030D-6E8A-4147-A177-3AD203B41FA5}">
-                      <a16:colId xmlns:a16="http://schemas.microsoft.com/office/drawing/2014/main" val="20002"/>
+                      <a16:colId xmlns:a16="http://schemas.microsoft.com/office/drawing/2014/main" xmlns="" val="20002"/>
                     </a:ext>
                   </a:extLst>
                 </a:gridCol>
                 <a:gridCol w="2543151">
                   <a:extLst>
                     <a:ext uri="{9D8B030D-6E8A-4147-A177-3AD203B41FA5}">
-                      <a16:colId xmlns:a16="http://schemas.microsoft.com/office/drawing/2014/main" val="20003"/>
+                      <a16:colId xmlns:a16="http://schemas.microsoft.com/office/drawing/2014/main" xmlns="" val="20003"/>
                     </a:ext>
                   </a:extLst>
                 </a:gridCol>
@@ -3798,7 +3603,7 @@
                 </a:tc>
                 <a:extLst>
                   <a:ext uri="{0D108BD9-81ED-4DB2-BD59-A6C34878D82A}">
-                    <a16:rowId xmlns:a16="http://schemas.microsoft.com/office/drawing/2014/main" val="10000"/>
+                    <a16:rowId xmlns:a16="http://schemas.microsoft.com/office/drawing/2014/main" xmlns="" val="10000"/>
                   </a:ext>
                 </a:extLst>
               </a:tr>
@@ -4070,7 +3875,7 @@
                 </a:tc>
                 <a:extLst>
                   <a:ext uri="{0D108BD9-81ED-4DB2-BD59-A6C34878D82A}">
-                    <a16:rowId xmlns:a16="http://schemas.microsoft.com/office/drawing/2014/main" val="10001"/>
+                    <a16:rowId xmlns:a16="http://schemas.microsoft.com/office/drawing/2014/main" xmlns="" val="10001"/>
                   </a:ext>
                 </a:extLst>
               </a:tr>
@@ -4290,7 +4095,7 @@
                 </a:tc>
                 <a:extLst>
                   <a:ext uri="{0D108BD9-81ED-4DB2-BD59-A6C34878D82A}">
-                    <a16:rowId xmlns:a16="http://schemas.microsoft.com/office/drawing/2014/main" val="10002"/>
+                    <a16:rowId xmlns:a16="http://schemas.microsoft.com/office/drawing/2014/main" xmlns="" val="10002"/>
                   </a:ext>
                 </a:extLst>
               </a:tr>
@@ -4510,7 +4315,7 @@
                 </a:tc>
                 <a:extLst>
                   <a:ext uri="{0D108BD9-81ED-4DB2-BD59-A6C34878D82A}">
-                    <a16:rowId xmlns:a16="http://schemas.microsoft.com/office/drawing/2014/main" val="10003"/>
+                    <a16:rowId xmlns:a16="http://schemas.microsoft.com/office/drawing/2014/main" xmlns="" val="10003"/>
                   </a:ext>
                 </a:extLst>
               </a:tr>
@@ -4730,7 +4535,7 @@
                 </a:tc>
                 <a:extLst>
                   <a:ext uri="{0D108BD9-81ED-4DB2-BD59-A6C34878D82A}">
-                    <a16:rowId xmlns:a16="http://schemas.microsoft.com/office/drawing/2014/main" val="10004"/>
+                    <a16:rowId xmlns:a16="http://schemas.microsoft.com/office/drawing/2014/main" xmlns="" val="10004"/>
                   </a:ext>
                 </a:extLst>
               </a:tr>
@@ -5002,7 +4807,7 @@
                 </a:tc>
                 <a:extLst>
                   <a:ext uri="{0D108BD9-81ED-4DB2-BD59-A6C34878D82A}">
-                    <a16:rowId xmlns:a16="http://schemas.microsoft.com/office/drawing/2014/main" val="10005"/>
+                    <a16:rowId xmlns:a16="http://schemas.microsoft.com/office/drawing/2014/main" xmlns="" val="10005"/>
                   </a:ext>
                 </a:extLst>
               </a:tr>
@@ -5222,7 +5027,7 @@
                 </a:tc>
                 <a:extLst>
                   <a:ext uri="{0D108BD9-81ED-4DB2-BD59-A6C34878D82A}">
-                    <a16:rowId xmlns:a16="http://schemas.microsoft.com/office/drawing/2014/main" val="10006"/>
+                    <a16:rowId xmlns:a16="http://schemas.microsoft.com/office/drawing/2014/main" xmlns="" val="10006"/>
                   </a:ext>
                 </a:extLst>
               </a:tr>
@@ -5442,7 +5247,7 @@
                 </a:tc>
                 <a:extLst>
                   <a:ext uri="{0D108BD9-81ED-4DB2-BD59-A6C34878D82A}">
-                    <a16:rowId xmlns:a16="http://schemas.microsoft.com/office/drawing/2014/main" val="10007"/>
+                    <a16:rowId xmlns:a16="http://schemas.microsoft.com/office/drawing/2014/main" xmlns="" val="10007"/>
                   </a:ext>
                 </a:extLst>
               </a:tr>
@@ -5727,6 +5532,13 @@
               </a:rPr>
               <a:t>&lt;endpoint</a:t>
             </a:r>
+            <a:r>
+              <a:rPr lang="ru-RU" sz="1100" dirty="0">
+                <a:latin typeface="Courier New" pitchFamily="49" charset="0"/>
+                <a:cs typeface="Courier New" pitchFamily="49" charset="0"/>
+              </a:rPr>
+              <a:t/>
+            </a:r>
             <a:br>
               <a:rPr lang="ru-RU" sz="1100" dirty="0">
                 <a:latin typeface="Courier New" pitchFamily="49" charset="0"/>
@@ -5748,6 +5560,13 @@
               </a:rPr>
               <a:t>http://localhost:8080/QuickReturns/Exchange</a:t>
             </a:r>
+            <a:r>
+              <a:rPr lang="ru-RU" sz="1100" dirty="0">
+                <a:latin typeface="Courier New" pitchFamily="49" charset="0"/>
+                <a:cs typeface="Courier New" pitchFamily="49" charset="0"/>
+              </a:rPr>
+              <a:t/>
+            </a:r>
             <a:br>
               <a:rPr lang="ru-RU" sz="1100" dirty="0">
                 <a:latin typeface="Courier New" pitchFamily="49" charset="0"/>
@@ -5789,6 +5608,13 @@
               </a:rPr>
               <a:t>«</a:t>
             </a:r>
+            <a:r>
+              <a:rPr lang="ru-RU" sz="1100" dirty="0">
+                <a:latin typeface="Courier New" pitchFamily="49" charset="0"/>
+                <a:cs typeface="Courier New" pitchFamily="49" charset="0"/>
+              </a:rPr>
+              <a:t/>
+            </a:r>
             <a:br>
               <a:rPr lang="ru-RU" sz="1100" dirty="0">
                 <a:latin typeface="Courier New" pitchFamily="49" charset="0"/>
@@ -5815,6 +5641,13 @@
                 <a:cs typeface="Courier New" pitchFamily="49" charset="0"/>
               </a:rPr>
               <a:t>«</a:t>
+            </a:r>
+            <a:r>
+              <a:rPr lang="ru-RU" sz="1100" dirty="0">
+                <a:latin typeface="Courier New" pitchFamily="49" charset="0"/>
+                <a:cs typeface="Courier New" pitchFamily="49" charset="0"/>
+              </a:rPr>
+              <a:t/>
             </a:r>
             <a:br>
               <a:rPr lang="ru-RU" sz="1100" dirty="0">
@@ -9146,6 +8979,13 @@
                 <a:cs typeface="Courier New" pitchFamily="49" charset="0"/>
               </a:rPr>
             </a:br>
+            <a:r>
+              <a:rPr lang="en-US" sz="1600" dirty="0">
+                <a:latin typeface="Courier New" pitchFamily="49" charset="0"/>
+                <a:cs typeface="Courier New" pitchFamily="49" charset="0"/>
+              </a:rPr>
+              <a:t/>
+            </a:r>
             <a:br>
               <a:rPr lang="en-US" sz="1600" dirty="0">
                 <a:latin typeface="Courier New" pitchFamily="49" charset="0"/>
@@ -9265,6 +9105,13 @@
                 <a:cs typeface="Courier New" pitchFamily="49" charset="0"/>
               </a:rPr>
             </a:br>
+            <a:r>
+              <a:rPr lang="en-US" sz="1600" dirty="0">
+                <a:latin typeface="Courier New" pitchFamily="49" charset="0"/>
+                <a:cs typeface="Courier New" pitchFamily="49" charset="0"/>
+              </a:rPr>
+              <a:t/>
+            </a:r>
             <a:br>
               <a:rPr lang="en-US" sz="1600" dirty="0">
                 <a:latin typeface="Courier New" pitchFamily="49" charset="0"/>
@@ -9368,6 +9215,13 @@
             <a:pPr marL="0" indent="0">
               <a:buNone/>
             </a:pPr>
+            <a:r>
+              <a:rPr lang="en-US" sz="1600" dirty="0">
+                <a:latin typeface="Courier New" pitchFamily="49" charset="0"/>
+                <a:cs typeface="Courier New" pitchFamily="49" charset="0"/>
+              </a:rPr>
+              <a:t/>
+            </a:r>
             <a:br>
               <a:rPr lang="en-US" sz="1600" dirty="0">
                 <a:latin typeface="Courier New" pitchFamily="49" charset="0"/>
@@ -9815,6 +9669,14 @@
               </a:rPr>
               <a:t>https://github.com/bazile/Training</a:t>
             </a:r>
+            <a:r>
+              <a:rPr lang="en-US" dirty="0">
+                <a:solidFill>
+                  <a:schemeClr val="bg1"/>
+                </a:solidFill>
+              </a:rPr>
+              <a:t/>
+            </a:r>
             <a:br>
               <a:rPr lang="en-US" dirty="0">
                 <a:solidFill>
@@ -9847,6 +9709,14 @@
                 <a:hlinkClick r:id="rId3"/>
               </a:rPr>
               <a:t>http://belhard.nullptr.ru/</a:t>
+            </a:r>
+            <a:r>
+              <a:rPr lang="ru-RU" dirty="0">
+                <a:solidFill>
+                  <a:schemeClr val="bg1"/>
+                </a:solidFill>
+              </a:rPr>
+              <a:t/>
             </a:r>
             <a:br>
               <a:rPr lang="ru-RU" dirty="0">
@@ -9920,6 +9790,10 @@
               <a:rPr lang="ru-RU" sz="3600" dirty="0"/>
               <a:t>Сервис-ориентированная архитектура</a:t>
             </a:r>
+            <a:r>
+              <a:rPr lang="en-US" sz="3600" dirty="0"/>
+              <a:t/>
+            </a:r>
             <a:br>
               <a:rPr lang="en-US" sz="3600" dirty="0"/>
             </a:br>
@@ -10174,6 +10048,14 @@
   <p:clrMapOvr>
     <a:masterClrMapping/>
   </p:clrMapOvr>
+  <mc:AlternateContent xmlns:mc="http://schemas.openxmlformats.org/markup-compatibility/2006">
+    <mc:Choice xmlns:p14="http://schemas.microsoft.com/office/powerpoint/2010/main" Requires="p14">
+      <p:transition spd="slow" p14:dur="2000"/>
+    </mc:Choice>
+    <mc:Fallback>
+      <p:transition spd="slow"/>
+    </mc:Fallback>
+  </mc:AlternateContent>
 </p:sld>
 </file>
 
